--- a/final_proj_posterCLJL.pptx
+++ b/final_proj_posterCLJL.pptx
@@ -217,7 +217,7 @@
           <a:p>
             <a:fld id="{D0FE861C-486B-4E18-A0E9-A790238A915C}" type="datetimeFigureOut">
               <a:rPr lang="en-US" smtClean="0"/>
-              <a:t>11/26/24</a:t>
+              <a:t>12/1/25</a:t>
             </a:fld>
             <a:endParaRPr lang="en-US"/>
           </a:p>
@@ -751,7 +751,7 @@
           <a:p>
             <a:fld id="{8102BAB4-8B8D-41DD-85C7-81A0CA962007}" type="datetimeFigureOut">
               <a:rPr lang="en-US" smtClean="0"/>
-              <a:t>11/26/24</a:t>
+              <a:t>12/1/25</a:t>
             </a:fld>
             <a:endParaRPr lang="en-US"/>
           </a:p>
@@ -914,7 +914,7 @@
           <a:p>
             <a:fld id="{8102BAB4-8B8D-41DD-85C7-81A0CA962007}" type="datetimeFigureOut">
               <a:rPr lang="en-US" smtClean="0"/>
-              <a:t>11/26/24</a:t>
+              <a:t>12/1/25</a:t>
             </a:fld>
             <a:endParaRPr lang="en-US"/>
           </a:p>
@@ -1087,7 +1087,7 @@
           <a:p>
             <a:fld id="{8102BAB4-8B8D-41DD-85C7-81A0CA962007}" type="datetimeFigureOut">
               <a:rPr lang="en-US" smtClean="0"/>
-              <a:t>11/26/24</a:t>
+              <a:t>12/1/25</a:t>
             </a:fld>
             <a:endParaRPr lang="en-US"/>
           </a:p>
@@ -1250,7 +1250,7 @@
           <a:p>
             <a:fld id="{8102BAB4-8B8D-41DD-85C7-81A0CA962007}" type="datetimeFigureOut">
               <a:rPr lang="en-US" smtClean="0"/>
-              <a:t>11/26/24</a:t>
+              <a:t>12/1/25</a:t>
             </a:fld>
             <a:endParaRPr lang="en-US"/>
           </a:p>
@@ -1490,7 +1490,7 @@
           <a:p>
             <a:fld id="{8102BAB4-8B8D-41DD-85C7-81A0CA962007}" type="datetimeFigureOut">
               <a:rPr lang="en-US" smtClean="0"/>
-              <a:t>11/26/24</a:t>
+              <a:t>12/1/25</a:t>
             </a:fld>
             <a:endParaRPr lang="en-US"/>
           </a:p>
@@ -1770,7 +1770,7 @@
           <a:p>
             <a:fld id="{8102BAB4-8B8D-41DD-85C7-81A0CA962007}" type="datetimeFigureOut">
               <a:rPr lang="en-US" smtClean="0"/>
-              <a:t>11/26/24</a:t>
+              <a:t>12/1/25</a:t>
             </a:fld>
             <a:endParaRPr lang="en-US"/>
           </a:p>
@@ -2184,7 +2184,7 @@
           <a:p>
             <a:fld id="{8102BAB4-8B8D-41DD-85C7-81A0CA962007}" type="datetimeFigureOut">
               <a:rPr lang="en-US" smtClean="0"/>
-              <a:t>11/26/24</a:t>
+              <a:t>12/1/25</a:t>
             </a:fld>
             <a:endParaRPr lang="en-US"/>
           </a:p>
@@ -2296,7 +2296,7 @@
           <a:p>
             <a:fld id="{8102BAB4-8B8D-41DD-85C7-81A0CA962007}" type="datetimeFigureOut">
               <a:rPr lang="en-US" smtClean="0"/>
-              <a:t>11/26/24</a:t>
+              <a:t>12/1/25</a:t>
             </a:fld>
             <a:endParaRPr lang="en-US"/>
           </a:p>
@@ -2386,7 +2386,7 @@
           <a:p>
             <a:fld id="{8102BAB4-8B8D-41DD-85C7-81A0CA962007}" type="datetimeFigureOut">
               <a:rPr lang="en-US" smtClean="0"/>
-              <a:t>11/26/24</a:t>
+              <a:t>12/1/25</a:t>
             </a:fld>
             <a:endParaRPr lang="en-US"/>
           </a:p>
@@ -2656,7 +2656,7 @@
           <a:p>
             <a:fld id="{8102BAB4-8B8D-41DD-85C7-81A0CA962007}" type="datetimeFigureOut">
               <a:rPr lang="en-US" smtClean="0"/>
-              <a:t>11/26/24</a:t>
+              <a:t>12/1/25</a:t>
             </a:fld>
             <a:endParaRPr lang="en-US"/>
           </a:p>
@@ -2903,7 +2903,7 @@
           <a:p>
             <a:fld id="{8102BAB4-8B8D-41DD-85C7-81A0CA962007}" type="datetimeFigureOut">
               <a:rPr lang="en-US" smtClean="0"/>
-              <a:t>11/26/24</a:t>
+              <a:t>12/1/25</a:t>
             </a:fld>
             <a:endParaRPr lang="en-US"/>
           </a:p>
@@ -3109,7 +3109,7 @@
           <a:p>
             <a:fld id="{8102BAB4-8B8D-41DD-85C7-81A0CA962007}" type="datetimeFigureOut">
               <a:rPr lang="en-US" smtClean="0"/>
-              <a:t>11/26/24</a:t>
+              <a:t>12/1/25</a:t>
             </a:fld>
             <a:endParaRPr lang="en-US"/>
           </a:p>
@@ -4072,7 +4072,7 @@
                 <a:ea typeface="Bangla MN" charset="0"/>
                 <a:cs typeface="Bangla MN" charset="0"/>
               </a:rPr>
-              <a:t>Your Name, Your Name</a:t>
+              <a:t>Chu Lei, Jennifer Linnaea</a:t>
             </a:r>
             <a:endParaRPr lang="en-US" sz="4200" b="1" baseline="30000" dirty="0">
               <a:latin typeface="Bangla MN" charset="0"/>
@@ -4218,7 +4218,7 @@
                 <a:ea typeface="Bangla MN" charset="0"/>
                 <a:cs typeface="Bangla MN" charset="0"/>
               </a:rPr>
-              <a:t>University of Oregon, Department of XXX</a:t>
+              <a:t>University of Oregon, Department of Biology</a:t>
             </a:r>
           </a:p>
         </p:txBody>
@@ -5241,26 +5241,6 @@
 </file>
 
 <file path=customXml/item1.xml><?xml version="1.0" encoding="utf-8"?>
-<?mso-contentType ?>
-<FormTemplates xmlns="http://schemas.microsoft.com/sharepoint/v3/contenttype/forms">
-  <Display>DocumentLibraryForm</Display>
-  <Edit>DocumentLibraryForm</Edit>
-  <New>DocumentLibraryForm</New>
-</FormTemplates>
-</file>
-
-<file path=customXml/item2.xml><?xml version="1.0" encoding="utf-8"?>
-<p:properties xmlns:p="http://schemas.microsoft.com/office/2006/metadata/properties" xmlns:xsi="http://www.w3.org/2001/XMLSchema-instance" xmlns:pc="http://schemas.microsoft.com/office/infopath/2007/PartnerControls">
-  <documentManagement>
-    <lcf76f155ced4ddcb4097134ff3c332f xmlns="73564203-f0fe-4ae8-8e9f-3aa859c33a2a">
-      <Terms xmlns="http://schemas.microsoft.com/office/infopath/2007/PartnerControls"/>
-    </lcf76f155ced4ddcb4097134ff3c332f>
-    <TaxCatchAll xmlns="c340c53f-212a-43d4-943a-cf81f31f3e59" xsi:nil="true"/>
-  </documentManagement>
-</p:properties>
-</file>
-
-<file path=customXml/item3.xml><?xml version="1.0" encoding="utf-8"?>
 <ct:contentTypeSchema xmlns:ct="http://schemas.microsoft.com/office/2006/metadata/contentType" xmlns:ma="http://schemas.microsoft.com/office/2006/metadata/properties/metaAttributes" ct:_="" ma:_="" ma:contentTypeName="Document" ma:contentTypeID="0x01010066F9213B59404E43A44CE396F0EB41DB" ma:contentTypeVersion="17" ma:contentTypeDescription="Create a new document." ma:contentTypeScope="" ma:versionID="fce6b45a062a2e822901d4c016292851">
   <xsd:schema xmlns:xsd="http://www.w3.org/2001/XMLSchema" xmlns:xs="http://www.w3.org/2001/XMLSchema" xmlns:p="http://schemas.microsoft.com/office/2006/metadata/properties" xmlns:ns2="73564203-f0fe-4ae8-8e9f-3aa859c33a2a" xmlns:ns3="c340c53f-212a-43d4-943a-cf81f31f3e59" targetNamespace="http://schemas.microsoft.com/office/2006/metadata/properties" ma:root="true" ma:fieldsID="f9b970dbccb805e6d96bd6c5112c9d7e" ns2:_="" ns3:_="">
     <xsd:import namespace="73564203-f0fe-4ae8-8e9f-3aa859c33a2a"/>
@@ -5509,10 +5489,41 @@
 </ct:contentTypeSchema>
 </file>
 
+<file path=customXml/item2.xml><?xml version="1.0" encoding="utf-8"?>
+<p:properties xmlns:p="http://schemas.microsoft.com/office/2006/metadata/properties" xmlns:xsi="http://www.w3.org/2001/XMLSchema-instance" xmlns:pc="http://schemas.microsoft.com/office/infopath/2007/PartnerControls">
+  <documentManagement>
+    <lcf76f155ced4ddcb4097134ff3c332f xmlns="73564203-f0fe-4ae8-8e9f-3aa859c33a2a">
+      <Terms xmlns="http://schemas.microsoft.com/office/infopath/2007/PartnerControls"/>
+    </lcf76f155ced4ddcb4097134ff3c332f>
+    <TaxCatchAll xmlns="c340c53f-212a-43d4-943a-cf81f31f3e59" xsi:nil="true"/>
+  </documentManagement>
+</p:properties>
+</file>
+
+<file path=customXml/item3.xml><?xml version="1.0" encoding="utf-8"?>
+<?mso-contentType ?>
+<FormTemplates xmlns="http://schemas.microsoft.com/sharepoint/v3/contenttype/forms">
+  <Display>DocumentLibraryForm</Display>
+  <Edit>DocumentLibraryForm</Edit>
+  <New>DocumentLibraryForm</New>
+</FormTemplates>
+</file>
+
 <file path=customXml/itemProps1.xml><?xml version="1.0" encoding="utf-8"?>
-<ds:datastoreItem xmlns:ds="http://schemas.openxmlformats.org/officeDocument/2006/customXml" ds:itemID="{2EAA44C3-3866-494C-9120-7B42F7968B8D}">
+<ds:datastoreItem xmlns:ds="http://schemas.openxmlformats.org/officeDocument/2006/customXml" ds:itemID="{B10FC363-817C-4BB3-9BF9-B2C7071C4997}">
   <ds:schemaRefs>
-    <ds:schemaRef ds:uri="http://schemas.microsoft.com/sharepoint/v3/contenttype/forms"/>
+    <ds:schemaRef ds:uri="http://schemas.microsoft.com/office/2006/metadata/contentType"/>
+    <ds:schemaRef ds:uri="http://schemas.microsoft.com/office/2006/metadata/properties/metaAttributes"/>
+    <ds:schemaRef ds:uri="http://www.w3.org/2001/XMLSchema"/>
+    <ds:schemaRef ds:uri="http://schemas.microsoft.com/office/2006/metadata/properties"/>
+    <ds:schemaRef ds:uri="73564203-f0fe-4ae8-8e9f-3aa859c33a2a"/>
+    <ds:schemaRef ds:uri="c340c53f-212a-43d4-943a-cf81f31f3e59"/>
+    <ds:schemaRef ds:uri="http://schemas.microsoft.com/office/2006/documentManagement/types"/>
+    <ds:schemaRef ds:uri="http://schemas.microsoft.com/office/infopath/2007/PartnerControls"/>
+    <ds:schemaRef ds:uri="http://schemas.openxmlformats.org/package/2006/metadata/core-properties"/>
+    <ds:schemaRef ds:uri="http://purl.org/dc/elements/1.1/"/>
+    <ds:schemaRef ds:uri="http://purl.org/dc/terms/"/>
+    <ds:schemaRef ds:uri="http://schemas.microsoft.com/internal/obd"/>
   </ds:schemaRefs>
 </ds:datastoreItem>
 </file>
@@ -5535,20 +5546,9 @@
 </file>
 
 <file path=customXml/itemProps3.xml><?xml version="1.0" encoding="utf-8"?>
-<ds:datastoreItem xmlns:ds="http://schemas.openxmlformats.org/officeDocument/2006/customXml" ds:itemID="{B10FC363-817C-4BB3-9BF9-B2C7071C4997}">
+<ds:datastoreItem xmlns:ds="http://schemas.openxmlformats.org/officeDocument/2006/customXml" ds:itemID="{2EAA44C3-3866-494C-9120-7B42F7968B8D}">
   <ds:schemaRefs>
-    <ds:schemaRef ds:uri="http://schemas.microsoft.com/office/2006/metadata/contentType"/>
-    <ds:schemaRef ds:uri="http://schemas.microsoft.com/office/2006/metadata/properties/metaAttributes"/>
-    <ds:schemaRef ds:uri="http://www.w3.org/2001/XMLSchema"/>
-    <ds:schemaRef ds:uri="http://schemas.microsoft.com/office/2006/metadata/properties"/>
-    <ds:schemaRef ds:uri="73564203-f0fe-4ae8-8e9f-3aa859c33a2a"/>
-    <ds:schemaRef ds:uri="c340c53f-212a-43d4-943a-cf81f31f3e59"/>
-    <ds:schemaRef ds:uri="http://schemas.microsoft.com/office/2006/documentManagement/types"/>
-    <ds:schemaRef ds:uri="http://schemas.microsoft.com/office/infopath/2007/PartnerControls"/>
-    <ds:schemaRef ds:uri="http://schemas.openxmlformats.org/package/2006/metadata/core-properties"/>
-    <ds:schemaRef ds:uri="http://purl.org/dc/elements/1.1/"/>
-    <ds:schemaRef ds:uri="http://purl.org/dc/terms/"/>
-    <ds:schemaRef ds:uri="http://schemas.microsoft.com/internal/obd"/>
+    <ds:schemaRef ds:uri="http://schemas.microsoft.com/sharepoint/v3/contenttype/forms"/>
   </ds:schemaRefs>
 </ds:datastoreItem>
 </file>
--- a/final_proj_posterCLJL.pptx
+++ b/final_proj_posterCLJL.pptx
@@ -129,8 +129,7 @@
 <file path=ppt/revisionInfo.xml><?xml version="1.0" encoding="utf-8"?>
 <p1510:revInfo xmlns:a="http://schemas.openxmlformats.org/drawingml/2006/main" xmlns:r="http://schemas.openxmlformats.org/officeDocument/2006/relationships" xmlns:p1510="http://schemas.microsoft.com/office/powerpoint/2015/10/main">
   <p1510:revLst>
-    <p1510:client id="{8D4A1358-77E5-CD2D-B2C0-DA460FA994F1}" v="11" dt="2024-04-12T22:09:45.711"/>
-    <p1510:client id="{C74B9BA4-48D9-6960-D17D-F9B457328D2C}" v="330" dt="2024-04-12T22:22:11.263"/>
+    <p1510:client id="{D63E8E7C-CF2E-4965-B2B5-B2719B8FEB47}" v="23" dt="2025-12-03T02:22:40.109"/>
   </p1510:revLst>
 </p1510:revInfo>
 </file>
@@ -2688,7 +2687,7 @@
 <dgm:dataModel xmlns:dgm="http://schemas.openxmlformats.org/drawingml/2006/diagram" xmlns:a="http://schemas.openxmlformats.org/drawingml/2006/main">
   <dgm:ptLst>
     <dgm:pt modelId="{0ACCDA85-508B-4AFF-9B4D-AAC2A6E3B5A4}" type="doc">
-      <dgm:prSet loTypeId="urn:microsoft.com/office/officeart/2008/layout/HorizontalMultiLevelHierarchy" loCatId="hierarchy" qsTypeId="urn:microsoft.com/office/officeart/2005/8/quickstyle/simple1" qsCatId="simple" csTypeId="urn:microsoft.com/office/officeart/2005/8/colors/accent1_2" csCatId="accent1" phldr="1"/>
+      <dgm:prSet loTypeId="urn:microsoft.com/office/officeart/2008/layout/HorizontalMultiLevelHierarchy" loCatId="hierarchy" qsTypeId="urn:microsoft.com/office/officeart/2005/8/quickstyle/3d3" qsCatId="3D" csTypeId="urn:microsoft.com/office/officeart/2005/8/colors/accent1_2" csCatId="accent1" phldr="1"/>
       <dgm:spPr/>
       <dgm:t>
         <a:bodyPr/>
@@ -2822,10 +2821,9 @@
         <a:lstStyle/>
         <a:p>
           <a:r>
-            <a:rPr lang="en-US"/>
+            <a:rPr lang="en-US" dirty="0"/>
             <a:t>Visualize Results and calculate P-value</a:t>
           </a:r>
-          <a:endParaRPr lang="en-US" dirty="0"/>
         </a:p>
       </dgm:t>
     </dgm:pt>
@@ -2991,7 +2989,7 @@
   <dgm:whole/>
   <dgm:extLst>
     <a:ext uri="http://schemas.microsoft.com/office/drawing/2008/diagram">
-      <dsp:dataModelExt xmlns:dsp="http://schemas.microsoft.com/office/drawing/2008/diagram" relId="rId21" minVer="http://schemas.openxmlformats.org/drawingml/2006/diagram"/>
+      <dsp:dataModelExt xmlns:dsp="http://schemas.microsoft.com/office/drawing/2008/diagram" relId="rId18" minVer="http://schemas.openxmlformats.org/drawingml/2006/diagram"/>
     </a:ext>
   </dgm:extLst>
 </dgm:dataModel>
@@ -3001,7 +2999,7 @@
 <dgm:dataModel xmlns:dgm="http://schemas.openxmlformats.org/drawingml/2006/diagram" xmlns:a="http://schemas.openxmlformats.org/drawingml/2006/main">
   <dgm:ptLst>
     <dgm:pt modelId="{0ACCDA85-508B-4AFF-9B4D-AAC2A6E3B5A4}" type="doc">
-      <dgm:prSet loTypeId="urn:microsoft.com/office/officeart/2008/layout/HorizontalMultiLevelHierarchy" loCatId="hierarchy" qsTypeId="urn:microsoft.com/office/officeart/2005/8/quickstyle/simple1" qsCatId="simple" csTypeId="urn:microsoft.com/office/officeart/2005/8/colors/accent1_2" csCatId="accent1" phldr="1"/>
+      <dgm:prSet loTypeId="urn:microsoft.com/office/officeart/2008/layout/HorizontalMultiLevelHierarchy" loCatId="hierarchy" qsTypeId="urn:microsoft.com/office/officeart/2005/8/quickstyle/3d3" qsCatId="3D" csTypeId="urn:microsoft.com/office/officeart/2005/8/colors/accent1_2" csCatId="accent1" phldr="1"/>
       <dgm:spPr/>
       <dgm:t>
         <a:bodyPr/>
@@ -3317,54 +3315,54 @@
     </dgm:pt>
   </dgm:ptLst>
   <dgm:cxnLst>
-    <dgm:cxn modelId="{04B38F08-962B-4BAB-B8E4-F27D9DB9020E}" type="presOf" srcId="{48E6F3B3-F97D-4588-BE4D-9DBF0607AB79}" destId="{B62AA691-DF7A-4E82-B58C-8D9C88EA0C07}" srcOrd="0" destOrd="0" presId="urn:microsoft.com/office/officeart/2008/layout/HorizontalMultiLevelHierarchy"/>
-    <dgm:cxn modelId="{44563D14-5334-4D98-8AE8-6B352D33332D}" type="presOf" srcId="{19A5F07E-93B4-47DF-9980-F80757511EE6}" destId="{A3BA7661-C915-49DD-AADD-BEAE63E17B35}" srcOrd="1" destOrd="0" presId="urn:microsoft.com/office/officeart/2008/layout/HorizontalMultiLevelHierarchy"/>
-    <dgm:cxn modelId="{D16A4717-6F88-48AC-8110-E7B808B46E02}" type="presOf" srcId="{F3A1B37A-355A-47FF-82E6-EE69A27B8B87}" destId="{925C36B5-378F-4D67-9B2F-BEA005D82CA5}" srcOrd="0" destOrd="0" presId="urn:microsoft.com/office/officeart/2008/layout/HorizontalMultiLevelHierarchy"/>
-    <dgm:cxn modelId="{30328427-0C9E-43A3-85F9-5CC3E75413DC}" type="presOf" srcId="{031260B9-C8F0-415D-BB12-5F98FAD0A145}" destId="{10D484C8-4EAC-425F-95AB-4186A201BACA}" srcOrd="0" destOrd="0" presId="urn:microsoft.com/office/officeart/2008/layout/HorizontalMultiLevelHierarchy"/>
+    <dgm:cxn modelId="{DDEE1008-6796-442E-B242-2B7025C3EC3C}" type="presOf" srcId="{6EDEF63E-296D-4E9C-BD18-5F05AA4439C3}" destId="{B5176457-5470-43F3-8ECC-9C4B163C691C}" srcOrd="1" destOrd="0" presId="urn:microsoft.com/office/officeart/2008/layout/HorizontalMultiLevelHierarchy"/>
+    <dgm:cxn modelId="{11792211-8797-4A97-A5AE-728183F621D1}" type="presOf" srcId="{48E6F3B3-F97D-4588-BE4D-9DBF0607AB79}" destId="{B62AA691-DF7A-4E82-B58C-8D9C88EA0C07}" srcOrd="0" destOrd="0" presId="urn:microsoft.com/office/officeart/2008/layout/HorizontalMultiLevelHierarchy"/>
+    <dgm:cxn modelId="{5A2F3018-5751-448D-A96E-74002C735214}" type="presOf" srcId="{8C556109-37BA-4EA2-9B51-BDFAA60B2F02}" destId="{3AEE9432-DC49-45E7-B6E1-4AAB51E3E45E}" srcOrd="1" destOrd="0" presId="urn:microsoft.com/office/officeart/2008/layout/HorizontalMultiLevelHierarchy"/>
+    <dgm:cxn modelId="{C0BCD11D-D5CB-4530-A44B-B06E14FC50D0}" type="presOf" srcId="{8C556109-37BA-4EA2-9B51-BDFAA60B2F02}" destId="{77FC571E-C32A-4742-80AB-3CE08C2E905F}" srcOrd="0" destOrd="0" presId="urn:microsoft.com/office/officeart/2008/layout/HorizontalMultiLevelHierarchy"/>
+    <dgm:cxn modelId="{AF02EA1D-6DC4-49EC-A367-F50A72BDB999}" type="presOf" srcId="{48E6F3B3-F97D-4588-BE4D-9DBF0607AB79}" destId="{A2FC50BE-F19A-4C5E-B4F7-8D84CDBFAF8D}" srcOrd="1" destOrd="0" presId="urn:microsoft.com/office/officeart/2008/layout/HorizontalMultiLevelHierarchy"/>
+    <dgm:cxn modelId="{26B1B23D-8BE6-42BB-9F05-E1D3D0439F7F}" type="presOf" srcId="{031260B9-C8F0-415D-BB12-5F98FAD0A145}" destId="{10D484C8-4EAC-425F-95AB-4186A201BACA}" srcOrd="0" destOrd="0" presId="urn:microsoft.com/office/officeart/2008/layout/HorizontalMultiLevelHierarchy"/>
     <dgm:cxn modelId="{B7760D3F-6140-48FF-BFAA-F2E67078DDE9}" srcId="{031260B9-C8F0-415D-BB12-5F98FAD0A145}" destId="{1DC75B38-C64A-44BB-B738-867B06484836}" srcOrd="1" destOrd="0" parTransId="{19A5F07E-93B4-47DF-9980-F80757511EE6}" sibTransId="{05F1B3CB-1220-49FC-8ED6-D8EC3D2300B2}"/>
-    <dgm:cxn modelId="{56166D5B-AA66-4E54-80BE-5479B5266F39}" type="presOf" srcId="{5AD33756-1903-4ABE-B536-A47F74E612A4}" destId="{B1ED1BA2-5753-4612-941E-BB160DE8A5B2}" srcOrd="0" destOrd="0" presId="urn:microsoft.com/office/officeart/2008/layout/HorizontalMultiLevelHierarchy"/>
+    <dgm:cxn modelId="{7A633D42-DFD7-42D5-B49A-D8E46BB28DED}" type="presOf" srcId="{6EDEF63E-296D-4E9C-BD18-5F05AA4439C3}" destId="{9FA36F8D-1831-4E9F-B0E4-5C32923C7C1C}" srcOrd="0" destOrd="0" presId="urn:microsoft.com/office/officeart/2008/layout/HorizontalMultiLevelHierarchy"/>
+    <dgm:cxn modelId="{662EE444-6A8C-42B4-8896-0561342E96C6}" type="presOf" srcId="{19A5F07E-93B4-47DF-9980-F80757511EE6}" destId="{09184C92-221E-45F1-8661-97B5B5473431}" srcOrd="0" destOrd="0" presId="urn:microsoft.com/office/officeart/2008/layout/HorizontalMultiLevelHierarchy"/>
     <dgm:cxn modelId="{E7283647-7A5E-4771-8DE8-D659E34D3BAB}" srcId="{031260B9-C8F0-415D-BB12-5F98FAD0A145}" destId="{F3A1B37A-355A-47FF-82E6-EE69A27B8B87}" srcOrd="0" destOrd="0" parTransId="{6EDEF63E-296D-4E9C-BD18-5F05AA4439C3}" sibTransId="{97455F4F-5AF4-41A3-B0B7-898CB48908A3}"/>
+    <dgm:cxn modelId="{3467B36D-6A0A-4F2D-8C57-9A880771DCB1}" type="presOf" srcId="{5AD33756-1903-4ABE-B536-A47F74E612A4}" destId="{B1ED1BA2-5753-4612-941E-BB160DE8A5B2}" srcOrd="0" destOrd="0" presId="urn:microsoft.com/office/officeart/2008/layout/HorizontalMultiLevelHierarchy"/>
     <dgm:cxn modelId="{0191024F-A23A-44EE-9732-E34FA529F59F}" srcId="{0ACCDA85-508B-4AFF-9B4D-AAC2A6E3B5A4}" destId="{031260B9-C8F0-415D-BB12-5F98FAD0A145}" srcOrd="0" destOrd="0" parTransId="{507B4C9D-2538-4686-9879-93E2ABEE8BDC}" sibTransId="{7812B71F-59E0-4A94-854E-87583EA1C084}"/>
-    <dgm:cxn modelId="{FA1E5270-018A-40EC-A919-7065B6E4A88F}" type="presOf" srcId="{6EDEF63E-296D-4E9C-BD18-5F05AA4439C3}" destId="{9FA36F8D-1831-4E9F-B0E4-5C32923C7C1C}" srcOrd="0" destOrd="0" presId="urn:microsoft.com/office/officeart/2008/layout/HorizontalMultiLevelHierarchy"/>
-    <dgm:cxn modelId="{6F76F477-92D4-403E-BE52-93CE68649DDF}" type="presOf" srcId="{48E6F3B3-F97D-4588-BE4D-9DBF0607AB79}" destId="{A2FC50BE-F19A-4C5E-B4F7-8D84CDBFAF8D}" srcOrd="1" destOrd="0" presId="urn:microsoft.com/office/officeart/2008/layout/HorizontalMultiLevelHierarchy"/>
+    <dgm:cxn modelId="{B96CD08C-0B3B-470C-BC94-A2EB3CD59C39}" type="presOf" srcId="{8D9744CC-AE09-4D43-AC86-17D836FF01D7}" destId="{F00423B9-6E23-405A-B4AA-BEE0C6FF45F6}" srcOrd="0" destOrd="0" presId="urn:microsoft.com/office/officeart/2008/layout/HorizontalMultiLevelHierarchy"/>
+    <dgm:cxn modelId="{FC2A228D-DEB4-4B90-867D-ABA02E6D8194}" type="presOf" srcId="{19A5F07E-93B4-47DF-9980-F80757511EE6}" destId="{A3BA7661-C915-49DD-AADD-BEAE63E17B35}" srcOrd="1" destOrd="0" presId="urn:microsoft.com/office/officeart/2008/layout/HorizontalMultiLevelHierarchy"/>
     <dgm:cxn modelId="{EF72D691-001D-4C78-8467-08DC3869845A}" srcId="{031260B9-C8F0-415D-BB12-5F98FAD0A145}" destId="{8D9744CC-AE09-4D43-AC86-17D836FF01D7}" srcOrd="3" destOrd="0" parTransId="{48E6F3B3-F97D-4588-BE4D-9DBF0607AB79}" sibTransId="{39A3203E-DD2F-4C73-8F31-C0DA3A238537}"/>
-    <dgm:cxn modelId="{2AEACCAE-6C63-4629-BF35-978E16768BBF}" type="presOf" srcId="{8C556109-37BA-4EA2-9B51-BDFAA60B2F02}" destId="{3AEE9432-DC49-45E7-B6E1-4AAB51E3E45E}" srcOrd="1" destOrd="0" presId="urn:microsoft.com/office/officeart/2008/layout/HorizontalMultiLevelHierarchy"/>
+    <dgm:cxn modelId="{7AC65096-91BD-44F2-9A32-5E7F1FC3EFD4}" type="presOf" srcId="{1DC75B38-C64A-44BB-B738-867B06484836}" destId="{3FFF313F-F889-4FD8-9159-CB157F899825}" srcOrd="0" destOrd="0" presId="urn:microsoft.com/office/officeart/2008/layout/HorizontalMultiLevelHierarchy"/>
     <dgm:cxn modelId="{32BE63B5-2157-4138-960D-3A334CF9130B}" type="presOf" srcId="{0ACCDA85-508B-4AFF-9B4D-AAC2A6E3B5A4}" destId="{1CC3925D-06C4-4A9D-8515-F74D976263E6}" srcOrd="0" destOrd="0" presId="urn:microsoft.com/office/officeart/2008/layout/HorizontalMultiLevelHierarchy"/>
-    <dgm:cxn modelId="{61CB3CC3-0804-4923-937F-BFFF74D3C2D7}" type="presOf" srcId="{6EDEF63E-296D-4E9C-BD18-5F05AA4439C3}" destId="{B5176457-5470-43F3-8ECC-9C4B163C691C}" srcOrd="1" destOrd="0" presId="urn:microsoft.com/office/officeart/2008/layout/HorizontalMultiLevelHierarchy"/>
-    <dgm:cxn modelId="{7AEC02D5-27C9-460B-AEB9-62C7ECEDC75B}" type="presOf" srcId="{8C556109-37BA-4EA2-9B51-BDFAA60B2F02}" destId="{77FC571E-C32A-4742-80AB-3CE08C2E905F}" srcOrd="0" destOrd="0" presId="urn:microsoft.com/office/officeart/2008/layout/HorizontalMultiLevelHierarchy"/>
     <dgm:cxn modelId="{CFFB3CE1-9551-4FC4-ABF1-07BD62DC73BD}" srcId="{031260B9-C8F0-415D-BB12-5F98FAD0A145}" destId="{5AD33756-1903-4ABE-B536-A47F74E612A4}" srcOrd="2" destOrd="0" parTransId="{8C556109-37BA-4EA2-9B51-BDFAA60B2F02}" sibTransId="{C22B7B14-E8CF-4818-93D5-17734215DB6A}"/>
-    <dgm:cxn modelId="{B340A3F4-A4E5-4038-B910-2532A93BA7F0}" type="presOf" srcId="{8D9744CC-AE09-4D43-AC86-17D836FF01D7}" destId="{F00423B9-6E23-405A-B4AA-BEE0C6FF45F6}" srcOrd="0" destOrd="0" presId="urn:microsoft.com/office/officeart/2008/layout/HorizontalMultiLevelHierarchy"/>
-    <dgm:cxn modelId="{BCCFF0F4-BC19-4659-A9CC-15A0FB445BCA}" type="presOf" srcId="{19A5F07E-93B4-47DF-9980-F80757511EE6}" destId="{09184C92-221E-45F1-8661-97B5B5473431}" srcOrd="0" destOrd="0" presId="urn:microsoft.com/office/officeart/2008/layout/HorizontalMultiLevelHierarchy"/>
-    <dgm:cxn modelId="{C2E4B1F5-2395-45BA-A37A-AA2A4C5D9A35}" type="presOf" srcId="{1DC75B38-C64A-44BB-B738-867B06484836}" destId="{3FFF313F-F889-4FD8-9159-CB157F899825}" srcOrd="0" destOrd="0" presId="urn:microsoft.com/office/officeart/2008/layout/HorizontalMultiLevelHierarchy"/>
+    <dgm:cxn modelId="{10BC1CF6-01B5-4A49-AA1D-399E4D9BFA84}" type="presOf" srcId="{F3A1B37A-355A-47FF-82E6-EE69A27B8B87}" destId="{925C36B5-378F-4D67-9B2F-BEA005D82CA5}" srcOrd="0" destOrd="0" presId="urn:microsoft.com/office/officeart/2008/layout/HorizontalMultiLevelHierarchy"/>
     <dgm:cxn modelId="{78AC9BE0-32FF-4221-A672-570956FE4EF3}" type="presParOf" srcId="{1CC3925D-06C4-4A9D-8515-F74D976263E6}" destId="{CFCAAA5C-1DA4-4BD9-8F11-8EEA44619254}" srcOrd="0" destOrd="0" presId="urn:microsoft.com/office/officeart/2008/layout/HorizontalMultiLevelHierarchy"/>
-    <dgm:cxn modelId="{B4F1DCA5-144D-4000-9762-C5D367ABBDD9}" type="presParOf" srcId="{CFCAAA5C-1DA4-4BD9-8F11-8EEA44619254}" destId="{10D484C8-4EAC-425F-95AB-4186A201BACA}" srcOrd="0" destOrd="0" presId="urn:microsoft.com/office/officeart/2008/layout/HorizontalMultiLevelHierarchy"/>
-    <dgm:cxn modelId="{DAD34FB1-FFE7-46A0-AB30-4258034F880C}" type="presParOf" srcId="{CFCAAA5C-1DA4-4BD9-8F11-8EEA44619254}" destId="{487CFD4A-1608-4D6E-A1E2-2BA780BF3556}" srcOrd="1" destOrd="0" presId="urn:microsoft.com/office/officeart/2008/layout/HorizontalMultiLevelHierarchy"/>
-    <dgm:cxn modelId="{F1F21BEB-7D08-452F-B565-31B8731E502F}" type="presParOf" srcId="{487CFD4A-1608-4D6E-A1E2-2BA780BF3556}" destId="{9FA36F8D-1831-4E9F-B0E4-5C32923C7C1C}" srcOrd="0" destOrd="0" presId="urn:microsoft.com/office/officeart/2008/layout/HorizontalMultiLevelHierarchy"/>
-    <dgm:cxn modelId="{4627943D-6B25-4706-A81E-CC5C77B04DA0}" type="presParOf" srcId="{9FA36F8D-1831-4E9F-B0E4-5C32923C7C1C}" destId="{B5176457-5470-43F3-8ECC-9C4B163C691C}" srcOrd="0" destOrd="0" presId="urn:microsoft.com/office/officeart/2008/layout/HorizontalMultiLevelHierarchy"/>
-    <dgm:cxn modelId="{23BAE4F0-019D-4FBE-A5A1-1ED349A718D0}" type="presParOf" srcId="{487CFD4A-1608-4D6E-A1E2-2BA780BF3556}" destId="{3D4687E0-0D49-41CE-A8D4-89A956FC09C6}" srcOrd="1" destOrd="0" presId="urn:microsoft.com/office/officeart/2008/layout/HorizontalMultiLevelHierarchy"/>
-    <dgm:cxn modelId="{84584DF2-F597-43A2-BB4C-0CC4A376295F}" type="presParOf" srcId="{3D4687E0-0D49-41CE-A8D4-89A956FC09C6}" destId="{925C36B5-378F-4D67-9B2F-BEA005D82CA5}" srcOrd="0" destOrd="0" presId="urn:microsoft.com/office/officeart/2008/layout/HorizontalMultiLevelHierarchy"/>
-    <dgm:cxn modelId="{35306C9B-A94D-4331-984D-D3962EFC536C}" type="presParOf" srcId="{3D4687E0-0D49-41CE-A8D4-89A956FC09C6}" destId="{14AF68F1-3EF5-4B1E-99BF-E210F85B4066}" srcOrd="1" destOrd="0" presId="urn:microsoft.com/office/officeart/2008/layout/HorizontalMultiLevelHierarchy"/>
-    <dgm:cxn modelId="{E9433C39-0418-4D58-A857-1CB1077F5F4C}" type="presParOf" srcId="{487CFD4A-1608-4D6E-A1E2-2BA780BF3556}" destId="{09184C92-221E-45F1-8661-97B5B5473431}" srcOrd="2" destOrd="0" presId="urn:microsoft.com/office/officeart/2008/layout/HorizontalMultiLevelHierarchy"/>
-    <dgm:cxn modelId="{9567694E-AA5C-4225-B4B2-72956311FD46}" type="presParOf" srcId="{09184C92-221E-45F1-8661-97B5B5473431}" destId="{A3BA7661-C915-49DD-AADD-BEAE63E17B35}" srcOrd="0" destOrd="0" presId="urn:microsoft.com/office/officeart/2008/layout/HorizontalMultiLevelHierarchy"/>
-    <dgm:cxn modelId="{C4E084AB-7E22-4C3D-AC15-117154352D72}" type="presParOf" srcId="{487CFD4A-1608-4D6E-A1E2-2BA780BF3556}" destId="{16CEB589-4173-4A6F-9855-57D21A0A3E1E}" srcOrd="3" destOrd="0" presId="urn:microsoft.com/office/officeart/2008/layout/HorizontalMultiLevelHierarchy"/>
-    <dgm:cxn modelId="{7463D8CC-3C4B-4D74-AD8A-917C2812A3EB}" type="presParOf" srcId="{16CEB589-4173-4A6F-9855-57D21A0A3E1E}" destId="{3FFF313F-F889-4FD8-9159-CB157F899825}" srcOrd="0" destOrd="0" presId="urn:microsoft.com/office/officeart/2008/layout/HorizontalMultiLevelHierarchy"/>
-    <dgm:cxn modelId="{EC69C4D8-7582-45E1-BA0E-107EB331993B}" type="presParOf" srcId="{16CEB589-4173-4A6F-9855-57D21A0A3E1E}" destId="{A821FA58-9775-4789-BE6C-24619FF49100}" srcOrd="1" destOrd="0" presId="urn:microsoft.com/office/officeart/2008/layout/HorizontalMultiLevelHierarchy"/>
-    <dgm:cxn modelId="{83184249-87BE-4BDC-9735-69E3CE5C471E}" type="presParOf" srcId="{487CFD4A-1608-4D6E-A1E2-2BA780BF3556}" destId="{77FC571E-C32A-4742-80AB-3CE08C2E905F}" srcOrd="4" destOrd="0" presId="urn:microsoft.com/office/officeart/2008/layout/HorizontalMultiLevelHierarchy"/>
-    <dgm:cxn modelId="{1C85EFE9-17A5-4522-9F16-6BEBFFC41120}" type="presParOf" srcId="{77FC571E-C32A-4742-80AB-3CE08C2E905F}" destId="{3AEE9432-DC49-45E7-B6E1-4AAB51E3E45E}" srcOrd="0" destOrd="0" presId="urn:microsoft.com/office/officeart/2008/layout/HorizontalMultiLevelHierarchy"/>
-    <dgm:cxn modelId="{8B28417C-62C2-42C7-9DBD-B19B4266C5D3}" type="presParOf" srcId="{487CFD4A-1608-4D6E-A1E2-2BA780BF3556}" destId="{7541EE0C-1B6A-4703-A3E5-6AAD8DC3B7A8}" srcOrd="5" destOrd="0" presId="urn:microsoft.com/office/officeart/2008/layout/HorizontalMultiLevelHierarchy"/>
-    <dgm:cxn modelId="{3CA614D1-0C24-46DC-911A-8BB518167656}" type="presParOf" srcId="{7541EE0C-1B6A-4703-A3E5-6AAD8DC3B7A8}" destId="{B1ED1BA2-5753-4612-941E-BB160DE8A5B2}" srcOrd="0" destOrd="0" presId="urn:microsoft.com/office/officeart/2008/layout/HorizontalMultiLevelHierarchy"/>
-    <dgm:cxn modelId="{C46DDA25-C2ED-453F-9920-4916BE11A312}" type="presParOf" srcId="{7541EE0C-1B6A-4703-A3E5-6AAD8DC3B7A8}" destId="{16544550-624B-4A25-9F3D-DDDB7C850642}" srcOrd="1" destOrd="0" presId="urn:microsoft.com/office/officeart/2008/layout/HorizontalMultiLevelHierarchy"/>
-    <dgm:cxn modelId="{8BEE57E7-D192-4D9A-93AB-3824FA8CF9C2}" type="presParOf" srcId="{487CFD4A-1608-4D6E-A1E2-2BA780BF3556}" destId="{B62AA691-DF7A-4E82-B58C-8D9C88EA0C07}" srcOrd="6" destOrd="0" presId="urn:microsoft.com/office/officeart/2008/layout/HorizontalMultiLevelHierarchy"/>
-    <dgm:cxn modelId="{5E878C39-A364-4E15-9C8E-553ABDC2F655}" type="presParOf" srcId="{B62AA691-DF7A-4E82-B58C-8D9C88EA0C07}" destId="{A2FC50BE-F19A-4C5E-B4F7-8D84CDBFAF8D}" srcOrd="0" destOrd="0" presId="urn:microsoft.com/office/officeart/2008/layout/HorizontalMultiLevelHierarchy"/>
-    <dgm:cxn modelId="{5A3A13B7-DA58-4277-A765-BDE5F0F3C4AF}" type="presParOf" srcId="{487CFD4A-1608-4D6E-A1E2-2BA780BF3556}" destId="{AC0EA1FA-4E34-42F4-9B94-9C12F41ED1A8}" srcOrd="7" destOrd="0" presId="urn:microsoft.com/office/officeart/2008/layout/HorizontalMultiLevelHierarchy"/>
-    <dgm:cxn modelId="{66D653F3-BF27-4793-97C8-27BB45D32E73}" type="presParOf" srcId="{AC0EA1FA-4E34-42F4-9B94-9C12F41ED1A8}" destId="{F00423B9-6E23-405A-B4AA-BEE0C6FF45F6}" srcOrd="0" destOrd="0" presId="urn:microsoft.com/office/officeart/2008/layout/HorizontalMultiLevelHierarchy"/>
-    <dgm:cxn modelId="{57640B4C-249F-462F-8EA3-103B263E97FC}" type="presParOf" srcId="{AC0EA1FA-4E34-42F4-9B94-9C12F41ED1A8}" destId="{4D4AD177-4B19-4F61-8395-C24C02F11CAF}" srcOrd="1" destOrd="0" presId="urn:microsoft.com/office/officeart/2008/layout/HorizontalMultiLevelHierarchy"/>
+    <dgm:cxn modelId="{C344E1DF-E8E9-424E-BC0F-486F11928EC4}" type="presParOf" srcId="{CFCAAA5C-1DA4-4BD9-8F11-8EEA44619254}" destId="{10D484C8-4EAC-425F-95AB-4186A201BACA}" srcOrd="0" destOrd="0" presId="urn:microsoft.com/office/officeart/2008/layout/HorizontalMultiLevelHierarchy"/>
+    <dgm:cxn modelId="{6CD73161-2148-4ACE-9DEA-92A8BAD8D3F6}" type="presParOf" srcId="{CFCAAA5C-1DA4-4BD9-8F11-8EEA44619254}" destId="{487CFD4A-1608-4D6E-A1E2-2BA780BF3556}" srcOrd="1" destOrd="0" presId="urn:microsoft.com/office/officeart/2008/layout/HorizontalMultiLevelHierarchy"/>
+    <dgm:cxn modelId="{CCB1A19C-7F43-4BA0-A194-23E004B82A3D}" type="presParOf" srcId="{487CFD4A-1608-4D6E-A1E2-2BA780BF3556}" destId="{9FA36F8D-1831-4E9F-B0E4-5C32923C7C1C}" srcOrd="0" destOrd="0" presId="urn:microsoft.com/office/officeart/2008/layout/HorizontalMultiLevelHierarchy"/>
+    <dgm:cxn modelId="{F35B2C36-0791-4421-9E31-5CC40D43125A}" type="presParOf" srcId="{9FA36F8D-1831-4E9F-B0E4-5C32923C7C1C}" destId="{B5176457-5470-43F3-8ECC-9C4B163C691C}" srcOrd="0" destOrd="0" presId="urn:microsoft.com/office/officeart/2008/layout/HorizontalMultiLevelHierarchy"/>
+    <dgm:cxn modelId="{94171DBF-D6F0-4934-841E-08D7FD1B07B6}" type="presParOf" srcId="{487CFD4A-1608-4D6E-A1E2-2BA780BF3556}" destId="{3D4687E0-0D49-41CE-A8D4-89A956FC09C6}" srcOrd="1" destOrd="0" presId="urn:microsoft.com/office/officeart/2008/layout/HorizontalMultiLevelHierarchy"/>
+    <dgm:cxn modelId="{E4EEEF51-FCEC-4091-B82B-2630ACD71086}" type="presParOf" srcId="{3D4687E0-0D49-41CE-A8D4-89A956FC09C6}" destId="{925C36B5-378F-4D67-9B2F-BEA005D82CA5}" srcOrd="0" destOrd="0" presId="urn:microsoft.com/office/officeart/2008/layout/HorizontalMultiLevelHierarchy"/>
+    <dgm:cxn modelId="{A6A1F1B9-78DA-4192-BA3B-EAF010475320}" type="presParOf" srcId="{3D4687E0-0D49-41CE-A8D4-89A956FC09C6}" destId="{14AF68F1-3EF5-4B1E-99BF-E210F85B4066}" srcOrd="1" destOrd="0" presId="urn:microsoft.com/office/officeart/2008/layout/HorizontalMultiLevelHierarchy"/>
+    <dgm:cxn modelId="{7097AE3E-3B95-4081-BE51-674B2D6AA617}" type="presParOf" srcId="{487CFD4A-1608-4D6E-A1E2-2BA780BF3556}" destId="{09184C92-221E-45F1-8661-97B5B5473431}" srcOrd="2" destOrd="0" presId="urn:microsoft.com/office/officeart/2008/layout/HorizontalMultiLevelHierarchy"/>
+    <dgm:cxn modelId="{D4CAD19B-35E0-4A25-B2D0-EE5224292EA2}" type="presParOf" srcId="{09184C92-221E-45F1-8661-97B5B5473431}" destId="{A3BA7661-C915-49DD-AADD-BEAE63E17B35}" srcOrd="0" destOrd="0" presId="urn:microsoft.com/office/officeart/2008/layout/HorizontalMultiLevelHierarchy"/>
+    <dgm:cxn modelId="{AD284652-0515-4BDD-8D88-50FBE21CDCF4}" type="presParOf" srcId="{487CFD4A-1608-4D6E-A1E2-2BA780BF3556}" destId="{16CEB589-4173-4A6F-9855-57D21A0A3E1E}" srcOrd="3" destOrd="0" presId="urn:microsoft.com/office/officeart/2008/layout/HorizontalMultiLevelHierarchy"/>
+    <dgm:cxn modelId="{12DDC1E2-F5E9-4834-8581-BB262A7E9645}" type="presParOf" srcId="{16CEB589-4173-4A6F-9855-57D21A0A3E1E}" destId="{3FFF313F-F889-4FD8-9159-CB157F899825}" srcOrd="0" destOrd="0" presId="urn:microsoft.com/office/officeart/2008/layout/HorizontalMultiLevelHierarchy"/>
+    <dgm:cxn modelId="{98D35F22-AC00-4309-A739-6F8DBF7DFB44}" type="presParOf" srcId="{16CEB589-4173-4A6F-9855-57D21A0A3E1E}" destId="{A821FA58-9775-4789-BE6C-24619FF49100}" srcOrd="1" destOrd="0" presId="urn:microsoft.com/office/officeart/2008/layout/HorizontalMultiLevelHierarchy"/>
+    <dgm:cxn modelId="{E0FF825A-F72B-4B47-AC09-7D74602257BB}" type="presParOf" srcId="{487CFD4A-1608-4D6E-A1E2-2BA780BF3556}" destId="{77FC571E-C32A-4742-80AB-3CE08C2E905F}" srcOrd="4" destOrd="0" presId="urn:microsoft.com/office/officeart/2008/layout/HorizontalMultiLevelHierarchy"/>
+    <dgm:cxn modelId="{B38391E6-620F-41F6-8CE4-27B427A5D734}" type="presParOf" srcId="{77FC571E-C32A-4742-80AB-3CE08C2E905F}" destId="{3AEE9432-DC49-45E7-B6E1-4AAB51E3E45E}" srcOrd="0" destOrd="0" presId="urn:microsoft.com/office/officeart/2008/layout/HorizontalMultiLevelHierarchy"/>
+    <dgm:cxn modelId="{782A8471-6023-4245-89B3-4ADCB76CDAE9}" type="presParOf" srcId="{487CFD4A-1608-4D6E-A1E2-2BA780BF3556}" destId="{7541EE0C-1B6A-4703-A3E5-6AAD8DC3B7A8}" srcOrd="5" destOrd="0" presId="urn:microsoft.com/office/officeart/2008/layout/HorizontalMultiLevelHierarchy"/>
+    <dgm:cxn modelId="{F7EEA2C3-14AD-4971-8B6C-8BFAD0CB9769}" type="presParOf" srcId="{7541EE0C-1B6A-4703-A3E5-6AAD8DC3B7A8}" destId="{B1ED1BA2-5753-4612-941E-BB160DE8A5B2}" srcOrd="0" destOrd="0" presId="urn:microsoft.com/office/officeart/2008/layout/HorizontalMultiLevelHierarchy"/>
+    <dgm:cxn modelId="{797238D8-18EF-4CF5-A9C3-DFEB638E6766}" type="presParOf" srcId="{7541EE0C-1B6A-4703-A3E5-6AAD8DC3B7A8}" destId="{16544550-624B-4A25-9F3D-DDDB7C850642}" srcOrd="1" destOrd="0" presId="urn:microsoft.com/office/officeart/2008/layout/HorizontalMultiLevelHierarchy"/>
+    <dgm:cxn modelId="{71922D3D-50F9-49AE-A290-35EEA1927FE9}" type="presParOf" srcId="{487CFD4A-1608-4D6E-A1E2-2BA780BF3556}" destId="{B62AA691-DF7A-4E82-B58C-8D9C88EA0C07}" srcOrd="6" destOrd="0" presId="urn:microsoft.com/office/officeart/2008/layout/HorizontalMultiLevelHierarchy"/>
+    <dgm:cxn modelId="{396B324A-FC0F-4B45-A93A-D4CA199DD7F0}" type="presParOf" srcId="{B62AA691-DF7A-4E82-B58C-8D9C88EA0C07}" destId="{A2FC50BE-F19A-4C5E-B4F7-8D84CDBFAF8D}" srcOrd="0" destOrd="0" presId="urn:microsoft.com/office/officeart/2008/layout/HorizontalMultiLevelHierarchy"/>
+    <dgm:cxn modelId="{B9BA3D31-9D8B-45E5-9D6D-4023FCEF7971}" type="presParOf" srcId="{487CFD4A-1608-4D6E-A1E2-2BA780BF3556}" destId="{AC0EA1FA-4E34-42F4-9B94-9C12F41ED1A8}" srcOrd="7" destOrd="0" presId="urn:microsoft.com/office/officeart/2008/layout/HorizontalMultiLevelHierarchy"/>
+    <dgm:cxn modelId="{A07F5EAE-F3D5-46D7-8CDE-06F9D6276456}" type="presParOf" srcId="{AC0EA1FA-4E34-42F4-9B94-9C12F41ED1A8}" destId="{F00423B9-6E23-405A-B4AA-BEE0C6FF45F6}" srcOrd="0" destOrd="0" presId="urn:microsoft.com/office/officeart/2008/layout/HorizontalMultiLevelHierarchy"/>
+    <dgm:cxn modelId="{4D580837-ADD3-4FB7-8B30-67CE7CE0C180}" type="presParOf" srcId="{AC0EA1FA-4E34-42F4-9B94-9C12F41ED1A8}" destId="{4D4AD177-4B19-4F61-8395-C24C02F11CAF}" srcOrd="1" destOrd="0" presId="urn:microsoft.com/office/officeart/2008/layout/HorizontalMultiLevelHierarchy"/>
   </dgm:cxnLst>
   <dgm:bg/>
   <dgm:whole/>
   <dgm:extLst>
     <a:ext uri="http://schemas.microsoft.com/office/drawing/2008/diagram">
-      <dsp:dataModelExt xmlns:dsp="http://schemas.microsoft.com/office/drawing/2008/diagram" relId="rId26" minVer="http://schemas.openxmlformats.org/drawingml/2006/diagram"/>
+      <dsp:dataModelExt xmlns:dsp="http://schemas.microsoft.com/office/drawing/2008/diagram" relId="rId23" minVer="http://schemas.openxmlformats.org/drawingml/2006/diagram"/>
     </a:ext>
   </dgm:extLst>
 </dgm:dataModel>
@@ -3997,6 +3995,15 @@
           <a:prstDash val="solid"/>
         </a:ln>
         <a:effectLst/>
+        <a:scene3d>
+          <a:camera prst="orthographicFront">
+            <a:rot lat="0" lon="0" rev="0"/>
+          </a:camera>
+          <a:lightRig rig="contrasting" dir="t">
+            <a:rot lat="0" lon="0" rev="1200000"/>
+          </a:lightRig>
+        </a:scene3d>
+        <a:sp3d z="-110000"/>
       </dsp:spPr>
       <dsp:style>
         <a:lnRef idx="2">
@@ -4077,6 +4084,15 @@
           <a:prstDash val="solid"/>
         </a:ln>
         <a:effectLst/>
+        <a:scene3d>
+          <a:camera prst="orthographicFront">
+            <a:rot lat="0" lon="0" rev="0"/>
+          </a:camera>
+          <a:lightRig rig="contrasting" dir="t">
+            <a:rot lat="0" lon="0" rev="1200000"/>
+          </a:lightRig>
+        </a:scene3d>
+        <a:sp3d z="-110000"/>
       </dsp:spPr>
       <dsp:style>
         <a:lnRef idx="2">
@@ -4163,6 +4179,15 @@
           <a:prstDash val="solid"/>
         </a:ln>
         <a:effectLst/>
+        <a:scene3d>
+          <a:camera prst="orthographicFront">
+            <a:rot lat="0" lon="0" rev="0"/>
+          </a:camera>
+          <a:lightRig rig="contrasting" dir="t">
+            <a:rot lat="0" lon="0" rev="1200000"/>
+          </a:lightRig>
+        </a:scene3d>
+        <a:sp3d z="-110000"/>
       </dsp:spPr>
       <dsp:style>
         <a:lnRef idx="2">
@@ -4223,27 +4248,37 @@
             <a:alphaOff val="0"/>
           </a:schemeClr>
         </a:solidFill>
-        <a:ln w="25400" cap="flat" cmpd="sng" algn="ctr">
-          <a:solidFill>
-            <a:schemeClr val="lt1">
-              <a:hueOff val="0"/>
-              <a:satOff val="0"/>
-              <a:lumOff val="0"/>
-              <a:alphaOff val="0"/>
-            </a:schemeClr>
-          </a:solidFill>
-          <a:prstDash val="solid"/>
+        <a:ln>
+          <a:noFill/>
         </a:ln>
-        <a:effectLst/>
+        <a:effectLst>
+          <a:outerShdw blurRad="40000" dist="20000" dir="5400000" rotWithShape="0">
+            <a:srgbClr val="000000">
+              <a:alpha val="38000"/>
+            </a:srgbClr>
+          </a:outerShdw>
+        </a:effectLst>
+        <a:scene3d>
+          <a:camera prst="orthographicFront">
+            <a:rot lat="0" lon="0" rev="0"/>
+          </a:camera>
+          <a:lightRig rig="contrasting" dir="t">
+            <a:rot lat="0" lon="0" rev="1200000"/>
+          </a:lightRig>
+        </a:scene3d>
+        <a:sp3d contourW="19050" prstMaterial="metal">
+          <a:bevelT w="88900" h="203200"/>
+          <a:bevelB w="165100" h="254000"/>
+        </a:sp3d>
       </dsp:spPr>
       <dsp:style>
-        <a:lnRef idx="2">
+        <a:lnRef idx="0">
           <a:scrgbClr r="0" g="0" b="0"/>
         </a:lnRef>
         <a:fillRef idx="1">
           <a:scrgbClr r="0" g="0" b="0"/>
         </a:fillRef>
-        <a:effectRef idx="0">
+        <a:effectRef idx="1">
           <a:scrgbClr r="0" g="0" b="0"/>
         </a:effectRef>
         <a:fontRef idx="minor">
@@ -4300,27 +4335,37 @@
             <a:alphaOff val="0"/>
           </a:schemeClr>
         </a:solidFill>
-        <a:ln w="25400" cap="flat" cmpd="sng" algn="ctr">
-          <a:solidFill>
-            <a:schemeClr val="lt1">
-              <a:hueOff val="0"/>
-              <a:satOff val="0"/>
-              <a:lumOff val="0"/>
-              <a:alphaOff val="0"/>
-            </a:schemeClr>
-          </a:solidFill>
-          <a:prstDash val="solid"/>
+        <a:ln>
+          <a:noFill/>
         </a:ln>
-        <a:effectLst/>
+        <a:effectLst>
+          <a:outerShdw blurRad="40000" dist="20000" dir="5400000" rotWithShape="0">
+            <a:srgbClr val="000000">
+              <a:alpha val="38000"/>
+            </a:srgbClr>
+          </a:outerShdw>
+        </a:effectLst>
+        <a:scene3d>
+          <a:camera prst="orthographicFront">
+            <a:rot lat="0" lon="0" rev="0"/>
+          </a:camera>
+          <a:lightRig rig="contrasting" dir="t">
+            <a:rot lat="0" lon="0" rev="1200000"/>
+          </a:lightRig>
+        </a:scene3d>
+        <a:sp3d contourW="19050" prstMaterial="metal">
+          <a:bevelT w="88900" h="203200"/>
+          <a:bevelB w="165100" h="254000"/>
+        </a:sp3d>
       </dsp:spPr>
       <dsp:style>
-        <a:lnRef idx="2">
+        <a:lnRef idx="0">
           <a:scrgbClr r="0" g="0" b="0"/>
         </a:lnRef>
         <a:fillRef idx="1">
           <a:scrgbClr r="0" g="0" b="0"/>
         </a:fillRef>
-        <a:effectRef idx="0">
+        <a:effectRef idx="1">
           <a:scrgbClr r="0" g="0" b="0"/>
         </a:effectRef>
         <a:fontRef idx="minor">
@@ -4385,27 +4430,37 @@
             <a:alphaOff val="0"/>
           </a:schemeClr>
         </a:solidFill>
-        <a:ln w="25400" cap="flat" cmpd="sng" algn="ctr">
-          <a:solidFill>
-            <a:schemeClr val="lt1">
-              <a:hueOff val="0"/>
-              <a:satOff val="0"/>
-              <a:lumOff val="0"/>
-              <a:alphaOff val="0"/>
-            </a:schemeClr>
-          </a:solidFill>
-          <a:prstDash val="solid"/>
+        <a:ln>
+          <a:noFill/>
         </a:ln>
-        <a:effectLst/>
+        <a:effectLst>
+          <a:outerShdw blurRad="40000" dist="20000" dir="5400000" rotWithShape="0">
+            <a:srgbClr val="000000">
+              <a:alpha val="38000"/>
+            </a:srgbClr>
+          </a:outerShdw>
+        </a:effectLst>
+        <a:scene3d>
+          <a:camera prst="orthographicFront">
+            <a:rot lat="0" lon="0" rev="0"/>
+          </a:camera>
+          <a:lightRig rig="contrasting" dir="t">
+            <a:rot lat="0" lon="0" rev="1200000"/>
+          </a:lightRig>
+        </a:scene3d>
+        <a:sp3d contourW="19050" prstMaterial="metal">
+          <a:bevelT w="88900" h="203200"/>
+          <a:bevelB w="165100" h="254000"/>
+        </a:sp3d>
       </dsp:spPr>
       <dsp:style>
-        <a:lnRef idx="2">
+        <a:lnRef idx="0">
           <a:scrgbClr r="0" g="0" b="0"/>
         </a:lnRef>
         <a:fillRef idx="1">
           <a:scrgbClr r="0" g="0" b="0"/>
         </a:fillRef>
-        <a:effectRef idx="0">
+        <a:effectRef idx="1">
           <a:scrgbClr r="0" g="0" b="0"/>
         </a:effectRef>
         <a:fontRef idx="minor">
@@ -4462,27 +4517,37 @@
             <a:alphaOff val="0"/>
           </a:schemeClr>
         </a:solidFill>
-        <a:ln w="25400" cap="flat" cmpd="sng" algn="ctr">
-          <a:solidFill>
-            <a:schemeClr val="lt1">
-              <a:hueOff val="0"/>
-              <a:satOff val="0"/>
-              <a:lumOff val="0"/>
-              <a:alphaOff val="0"/>
-            </a:schemeClr>
-          </a:solidFill>
-          <a:prstDash val="solid"/>
+        <a:ln>
+          <a:noFill/>
         </a:ln>
-        <a:effectLst/>
+        <a:effectLst>
+          <a:outerShdw blurRad="40000" dist="20000" dir="5400000" rotWithShape="0">
+            <a:srgbClr val="000000">
+              <a:alpha val="38000"/>
+            </a:srgbClr>
+          </a:outerShdw>
+        </a:effectLst>
+        <a:scene3d>
+          <a:camera prst="orthographicFront">
+            <a:rot lat="0" lon="0" rev="0"/>
+          </a:camera>
+          <a:lightRig rig="contrasting" dir="t">
+            <a:rot lat="0" lon="0" rev="1200000"/>
+          </a:lightRig>
+        </a:scene3d>
+        <a:sp3d contourW="19050" prstMaterial="metal">
+          <a:bevelT w="88900" h="203200"/>
+          <a:bevelB w="165100" h="254000"/>
+        </a:sp3d>
       </dsp:spPr>
       <dsp:style>
-        <a:lnRef idx="2">
+        <a:lnRef idx="0">
           <a:scrgbClr r="0" g="0" b="0"/>
         </a:lnRef>
         <a:fillRef idx="1">
           <a:scrgbClr r="0" g="0" b="0"/>
         </a:fillRef>
-        <a:effectRef idx="0">
+        <a:effectRef idx="1">
           <a:scrgbClr r="0" g="0" b="0"/>
         </a:effectRef>
         <a:fontRef idx="minor">
@@ -4508,10 +4573,9 @@
             <a:buNone/>
           </a:pPr>
           <a:r>
-            <a:rPr lang="en-US" sz="2200" kern="1200"/>
+            <a:rPr lang="en-US" sz="2200" kern="1200" dirty="0"/>
             <a:t>Visualize Results and calculate P-value</a:t>
           </a:r>
-          <a:endParaRPr lang="en-US" sz="2200" kern="1200" dirty="0"/>
         </a:p>
       </dsp:txBody>
       <dsp:txXfrm>
@@ -4578,6 +4642,15 @@
           <a:prstDash val="solid"/>
         </a:ln>
         <a:effectLst/>
+        <a:scene3d>
+          <a:camera prst="orthographicFront">
+            <a:rot lat="0" lon="0" rev="0"/>
+          </a:camera>
+          <a:lightRig rig="contrasting" dir="t">
+            <a:rot lat="0" lon="0" rev="1200000"/>
+          </a:lightRig>
+        </a:scene3d>
+        <a:sp3d z="-110000"/>
       </dsp:spPr>
       <dsp:style>
         <a:lnRef idx="2">
@@ -4664,6 +4737,15 @@
           <a:prstDash val="solid"/>
         </a:ln>
         <a:effectLst/>
+        <a:scene3d>
+          <a:camera prst="orthographicFront">
+            <a:rot lat="0" lon="0" rev="0"/>
+          </a:camera>
+          <a:lightRig rig="contrasting" dir="t">
+            <a:rot lat="0" lon="0" rev="1200000"/>
+          </a:lightRig>
+        </a:scene3d>
+        <a:sp3d z="-110000"/>
       </dsp:spPr>
       <dsp:style>
         <a:lnRef idx="2">
@@ -4750,6 +4832,15 @@
           <a:prstDash val="solid"/>
         </a:ln>
         <a:effectLst/>
+        <a:scene3d>
+          <a:camera prst="orthographicFront">
+            <a:rot lat="0" lon="0" rev="0"/>
+          </a:camera>
+          <a:lightRig rig="contrasting" dir="t">
+            <a:rot lat="0" lon="0" rev="1200000"/>
+          </a:lightRig>
+        </a:scene3d>
+        <a:sp3d z="-110000"/>
       </dsp:spPr>
       <dsp:style>
         <a:lnRef idx="2">
@@ -4836,6 +4927,15 @@
           <a:prstDash val="solid"/>
         </a:ln>
         <a:effectLst/>
+        <a:scene3d>
+          <a:camera prst="orthographicFront">
+            <a:rot lat="0" lon="0" rev="0"/>
+          </a:camera>
+          <a:lightRig rig="contrasting" dir="t">
+            <a:rot lat="0" lon="0" rev="1200000"/>
+          </a:lightRig>
+        </a:scene3d>
+        <a:sp3d z="-110000"/>
       </dsp:spPr>
       <dsp:style>
         <a:lnRef idx="2">
@@ -4896,27 +4996,37 @@
             <a:alphaOff val="0"/>
           </a:schemeClr>
         </a:solidFill>
-        <a:ln w="25400" cap="flat" cmpd="sng" algn="ctr">
-          <a:solidFill>
-            <a:schemeClr val="lt1">
-              <a:hueOff val="0"/>
-              <a:satOff val="0"/>
-              <a:lumOff val="0"/>
-              <a:alphaOff val="0"/>
-            </a:schemeClr>
-          </a:solidFill>
-          <a:prstDash val="solid"/>
+        <a:ln>
+          <a:noFill/>
         </a:ln>
-        <a:effectLst/>
+        <a:effectLst>
+          <a:outerShdw blurRad="40000" dist="20000" dir="5400000" rotWithShape="0">
+            <a:srgbClr val="000000">
+              <a:alpha val="38000"/>
+            </a:srgbClr>
+          </a:outerShdw>
+        </a:effectLst>
+        <a:scene3d>
+          <a:camera prst="orthographicFront">
+            <a:rot lat="0" lon="0" rev="0"/>
+          </a:camera>
+          <a:lightRig rig="contrasting" dir="t">
+            <a:rot lat="0" lon="0" rev="1200000"/>
+          </a:lightRig>
+        </a:scene3d>
+        <a:sp3d contourW="19050" prstMaterial="metal">
+          <a:bevelT w="88900" h="203200"/>
+          <a:bevelB w="165100" h="254000"/>
+        </a:sp3d>
       </dsp:spPr>
       <dsp:style>
-        <a:lnRef idx="2">
+        <a:lnRef idx="0">
           <a:scrgbClr r="0" g="0" b="0"/>
         </a:lnRef>
         <a:fillRef idx="1">
           <a:scrgbClr r="0" g="0" b="0"/>
         </a:fillRef>
-        <a:effectRef idx="0">
+        <a:effectRef idx="1">
           <a:scrgbClr r="0" g="0" b="0"/>
         </a:effectRef>
         <a:fontRef idx="minor">
@@ -4973,27 +5083,37 @@
             <a:alphaOff val="0"/>
           </a:schemeClr>
         </a:solidFill>
-        <a:ln w="25400" cap="flat" cmpd="sng" algn="ctr">
-          <a:solidFill>
-            <a:schemeClr val="lt1">
-              <a:hueOff val="0"/>
-              <a:satOff val="0"/>
-              <a:lumOff val="0"/>
-              <a:alphaOff val="0"/>
-            </a:schemeClr>
-          </a:solidFill>
-          <a:prstDash val="solid"/>
+        <a:ln>
+          <a:noFill/>
         </a:ln>
-        <a:effectLst/>
+        <a:effectLst>
+          <a:outerShdw blurRad="40000" dist="20000" dir="5400000" rotWithShape="0">
+            <a:srgbClr val="000000">
+              <a:alpha val="38000"/>
+            </a:srgbClr>
+          </a:outerShdw>
+        </a:effectLst>
+        <a:scene3d>
+          <a:camera prst="orthographicFront">
+            <a:rot lat="0" lon="0" rev="0"/>
+          </a:camera>
+          <a:lightRig rig="contrasting" dir="t">
+            <a:rot lat="0" lon="0" rev="1200000"/>
+          </a:lightRig>
+        </a:scene3d>
+        <a:sp3d contourW="19050" prstMaterial="metal">
+          <a:bevelT w="88900" h="203200"/>
+          <a:bevelB w="165100" h="254000"/>
+        </a:sp3d>
       </dsp:spPr>
       <dsp:style>
-        <a:lnRef idx="2">
+        <a:lnRef idx="0">
           <a:scrgbClr r="0" g="0" b="0"/>
         </a:lnRef>
         <a:fillRef idx="1">
           <a:scrgbClr r="0" g="0" b="0"/>
         </a:fillRef>
-        <a:effectRef idx="0">
+        <a:effectRef idx="1">
           <a:scrgbClr r="0" g="0" b="0"/>
         </a:effectRef>
         <a:fontRef idx="minor">
@@ -5050,27 +5170,37 @@
             <a:alphaOff val="0"/>
           </a:schemeClr>
         </a:solidFill>
-        <a:ln w="25400" cap="flat" cmpd="sng" algn="ctr">
-          <a:solidFill>
-            <a:schemeClr val="lt1">
-              <a:hueOff val="0"/>
-              <a:satOff val="0"/>
-              <a:lumOff val="0"/>
-              <a:alphaOff val="0"/>
-            </a:schemeClr>
-          </a:solidFill>
-          <a:prstDash val="solid"/>
+        <a:ln>
+          <a:noFill/>
         </a:ln>
-        <a:effectLst/>
+        <a:effectLst>
+          <a:outerShdw blurRad="40000" dist="20000" dir="5400000" rotWithShape="0">
+            <a:srgbClr val="000000">
+              <a:alpha val="38000"/>
+            </a:srgbClr>
+          </a:outerShdw>
+        </a:effectLst>
+        <a:scene3d>
+          <a:camera prst="orthographicFront">
+            <a:rot lat="0" lon="0" rev="0"/>
+          </a:camera>
+          <a:lightRig rig="contrasting" dir="t">
+            <a:rot lat="0" lon="0" rev="1200000"/>
+          </a:lightRig>
+        </a:scene3d>
+        <a:sp3d contourW="19050" prstMaterial="metal">
+          <a:bevelT w="88900" h="203200"/>
+          <a:bevelB w="165100" h="254000"/>
+        </a:sp3d>
       </dsp:spPr>
       <dsp:style>
-        <a:lnRef idx="2">
+        <a:lnRef idx="0">
           <a:scrgbClr r="0" g="0" b="0"/>
         </a:lnRef>
         <a:fillRef idx="1">
           <a:scrgbClr r="0" g="0" b="0"/>
         </a:fillRef>
-        <a:effectRef idx="0">
+        <a:effectRef idx="1">
           <a:scrgbClr r="0" g="0" b="0"/>
         </a:effectRef>
         <a:fontRef idx="minor">
@@ -5127,27 +5257,37 @@
             <a:alphaOff val="0"/>
           </a:schemeClr>
         </a:solidFill>
-        <a:ln w="25400" cap="flat" cmpd="sng" algn="ctr">
-          <a:solidFill>
-            <a:schemeClr val="lt1">
-              <a:hueOff val="0"/>
-              <a:satOff val="0"/>
-              <a:lumOff val="0"/>
-              <a:alphaOff val="0"/>
-            </a:schemeClr>
-          </a:solidFill>
-          <a:prstDash val="solid"/>
+        <a:ln>
+          <a:noFill/>
         </a:ln>
-        <a:effectLst/>
+        <a:effectLst>
+          <a:outerShdw blurRad="40000" dist="20000" dir="5400000" rotWithShape="0">
+            <a:srgbClr val="000000">
+              <a:alpha val="38000"/>
+            </a:srgbClr>
+          </a:outerShdw>
+        </a:effectLst>
+        <a:scene3d>
+          <a:camera prst="orthographicFront">
+            <a:rot lat="0" lon="0" rev="0"/>
+          </a:camera>
+          <a:lightRig rig="contrasting" dir="t">
+            <a:rot lat="0" lon="0" rev="1200000"/>
+          </a:lightRig>
+        </a:scene3d>
+        <a:sp3d contourW="19050" prstMaterial="metal">
+          <a:bevelT w="88900" h="203200"/>
+          <a:bevelB w="165100" h="254000"/>
+        </a:sp3d>
       </dsp:spPr>
       <dsp:style>
-        <a:lnRef idx="2">
+        <a:lnRef idx="0">
           <a:scrgbClr r="0" g="0" b="0"/>
         </a:lnRef>
         <a:fillRef idx="1">
           <a:scrgbClr r="0" g="0" b="0"/>
         </a:fillRef>
-        <a:effectRef idx="0">
+        <a:effectRef idx="1">
           <a:scrgbClr r="0" g="0" b="0"/>
         </a:effectRef>
         <a:fontRef idx="minor">
@@ -5204,27 +5344,37 @@
             <a:alphaOff val="0"/>
           </a:schemeClr>
         </a:solidFill>
-        <a:ln w="25400" cap="flat" cmpd="sng" algn="ctr">
-          <a:solidFill>
-            <a:schemeClr val="lt1">
-              <a:hueOff val="0"/>
-              <a:satOff val="0"/>
-              <a:lumOff val="0"/>
-              <a:alphaOff val="0"/>
-            </a:schemeClr>
-          </a:solidFill>
-          <a:prstDash val="solid"/>
+        <a:ln>
+          <a:noFill/>
         </a:ln>
-        <a:effectLst/>
+        <a:effectLst>
+          <a:outerShdw blurRad="40000" dist="20000" dir="5400000" rotWithShape="0">
+            <a:srgbClr val="000000">
+              <a:alpha val="38000"/>
+            </a:srgbClr>
+          </a:outerShdw>
+        </a:effectLst>
+        <a:scene3d>
+          <a:camera prst="orthographicFront">
+            <a:rot lat="0" lon="0" rev="0"/>
+          </a:camera>
+          <a:lightRig rig="contrasting" dir="t">
+            <a:rot lat="0" lon="0" rev="1200000"/>
+          </a:lightRig>
+        </a:scene3d>
+        <a:sp3d contourW="19050" prstMaterial="metal">
+          <a:bevelT w="88900" h="203200"/>
+          <a:bevelB w="165100" h="254000"/>
+        </a:sp3d>
       </dsp:spPr>
       <dsp:style>
-        <a:lnRef idx="2">
+        <a:lnRef idx="0">
           <a:scrgbClr r="0" g="0" b="0"/>
         </a:lnRef>
         <a:fillRef idx="1">
           <a:scrgbClr r="0" g="0" b="0"/>
         </a:fillRef>
-        <a:effectRef idx="0">
+        <a:effectRef idx="1">
           <a:scrgbClr r="0" g="0" b="0"/>
         </a:effectRef>
         <a:fontRef idx="minor">
@@ -7268,11 +7418,11 @@
 </file>
 
 <file path=ppt/diagrams/quickStyle2.xml><?xml version="1.0" encoding="utf-8"?>
-<dgm:styleDef xmlns:dgm="http://schemas.openxmlformats.org/drawingml/2006/diagram" xmlns:a="http://schemas.openxmlformats.org/drawingml/2006/main" uniqueId="urn:microsoft.com/office/officeart/2005/8/quickstyle/simple1">
+<dgm:styleDef xmlns:dgm="http://schemas.openxmlformats.org/drawingml/2006/diagram" xmlns:a="http://schemas.openxmlformats.org/drawingml/2006/main" uniqueId="urn:microsoft.com/office/officeart/2005/8/quickstyle/3d3">
   <dgm:title val=""/>
   <dgm:desc val=""/>
   <dgm:catLst>
-    <dgm:cat type="simple" pri="10100"/>
+    <dgm:cat type="3D" pri="11300"/>
   </dgm:catLst>
   <dgm:scene3d>
     <a:camera prst="orthographicFront"/>
@@ -7280,19 +7430,26 @@
   </dgm:scene3d>
   <dgm:styleLbl name="node0">
     <dgm:scene3d>
-      <a:camera prst="orthographicFront"/>
-      <a:lightRig rig="threePt" dir="t"/>
+      <a:camera prst="orthographicFront">
+        <a:rot lat="0" lon="0" rev="0"/>
+      </a:camera>
+      <a:lightRig rig="contrasting" dir="t">
+        <a:rot lat="0" lon="0" rev="1200000"/>
+      </a:lightRig>
     </dgm:scene3d>
-    <dgm:sp3d/>
+    <dgm:sp3d contourW="19050" prstMaterial="metal">
+      <a:bevelT w="88900" h="203200"/>
+      <a:bevelB w="165100" h="254000"/>
+    </dgm:sp3d>
     <dgm:txPr/>
     <dgm:style>
-      <a:lnRef idx="2">
+      <a:lnRef idx="0">
         <a:scrgbClr r="0" g="0" b="0"/>
       </a:lnRef>
       <a:fillRef idx="1">
         <a:scrgbClr r="0" g="0" b="0"/>
       </a:fillRef>
-      <a:effectRef idx="0">
+      <a:effectRef idx="1">
         <a:scrgbClr r="0" g="0" b="0"/>
       </a:effectRef>
       <a:fontRef idx="minor">
@@ -7302,19 +7459,26 @@
   </dgm:styleLbl>
   <dgm:styleLbl name="lnNode1">
     <dgm:scene3d>
-      <a:camera prst="orthographicFront"/>
-      <a:lightRig rig="threePt" dir="t"/>
+      <a:camera prst="orthographicFront">
+        <a:rot lat="0" lon="0" rev="0"/>
+      </a:camera>
+      <a:lightRig rig="contrasting" dir="t">
+        <a:rot lat="0" lon="0" rev="1200000"/>
+      </a:lightRig>
     </dgm:scene3d>
-    <dgm:sp3d/>
+    <dgm:sp3d contourW="19050" prstMaterial="metal">
+      <a:bevelT w="88900" h="203200"/>
+      <a:bevelB w="165100" h="254000"/>
+    </dgm:sp3d>
     <dgm:txPr/>
     <dgm:style>
-      <a:lnRef idx="2">
+      <a:lnRef idx="0">
         <a:scrgbClr r="0" g="0" b="0"/>
       </a:lnRef>
       <a:fillRef idx="1">
         <a:scrgbClr r="0" g="0" b="0"/>
       </a:fillRef>
-      <a:effectRef idx="0">
+      <a:effectRef idx="1">
         <a:scrgbClr r="0" g="0" b="0"/>
       </a:effectRef>
       <a:fontRef idx="minor">
@@ -7324,13 +7488,20 @@
   </dgm:styleLbl>
   <dgm:styleLbl name="vennNode1">
     <dgm:scene3d>
-      <a:camera prst="orthographicFront"/>
-      <a:lightRig rig="threePt" dir="t"/>
+      <a:camera prst="orthographicFront">
+        <a:rot lat="0" lon="0" rev="0"/>
+      </a:camera>
+      <a:lightRig rig="contrasting" dir="t">
+        <a:rot lat="0" lon="0" rev="1200000"/>
+      </a:lightRig>
     </dgm:scene3d>
-    <dgm:sp3d/>
+    <dgm:sp3d contourW="12700" prstMaterial="clear">
+      <a:bevelT w="177800" h="254000"/>
+      <a:bevelB w="152400"/>
+    </dgm:sp3d>
     <dgm:txPr/>
     <dgm:style>
-      <a:lnRef idx="2">
+      <a:lnRef idx="0">
         <a:scrgbClr r="0" g="0" b="0"/>
       </a:lnRef>
       <a:fillRef idx="1">
@@ -7346,19 +7517,26 @@
   </dgm:styleLbl>
   <dgm:styleLbl name="alignNode1">
     <dgm:scene3d>
-      <a:camera prst="orthographicFront"/>
-      <a:lightRig rig="threePt" dir="t"/>
+      <a:camera prst="orthographicFront">
+        <a:rot lat="0" lon="0" rev="0"/>
+      </a:camera>
+      <a:lightRig rig="contrasting" dir="t">
+        <a:rot lat="0" lon="0" rev="1200000"/>
+      </a:lightRig>
     </dgm:scene3d>
-    <dgm:sp3d/>
+    <dgm:sp3d contourW="19050" prstMaterial="metal">
+      <a:bevelT w="88900" h="203200"/>
+      <a:bevelB w="165100" h="254000"/>
+    </dgm:sp3d>
     <dgm:txPr/>
     <dgm:style>
-      <a:lnRef idx="2">
+      <a:lnRef idx="0">
         <a:scrgbClr r="0" g="0" b="0"/>
       </a:lnRef>
       <a:fillRef idx="1">
         <a:scrgbClr r="0" g="0" b="0"/>
       </a:fillRef>
-      <a:effectRef idx="0">
+      <a:effectRef idx="2">
         <a:scrgbClr r="0" g="0" b="0"/>
       </a:effectRef>
       <a:fontRef idx="minor">
@@ -7368,19 +7546,26 @@
   </dgm:styleLbl>
   <dgm:styleLbl name="node1">
     <dgm:scene3d>
-      <a:camera prst="orthographicFront"/>
-      <a:lightRig rig="threePt" dir="t"/>
+      <a:camera prst="orthographicFront">
+        <a:rot lat="0" lon="0" rev="0"/>
+      </a:camera>
+      <a:lightRig rig="contrasting" dir="t">
+        <a:rot lat="0" lon="0" rev="1200000"/>
+      </a:lightRig>
     </dgm:scene3d>
-    <dgm:sp3d/>
+    <dgm:sp3d contourW="19050" prstMaterial="metal">
+      <a:bevelT w="88900" h="203200"/>
+      <a:bevelB w="165100" h="254000"/>
+    </dgm:sp3d>
     <dgm:txPr/>
     <dgm:style>
-      <a:lnRef idx="2">
+      <a:lnRef idx="0">
         <a:scrgbClr r="0" g="0" b="0"/>
       </a:lnRef>
       <a:fillRef idx="1">
         <a:scrgbClr r="0" g="0" b="0"/>
       </a:fillRef>
-      <a:effectRef idx="0">
+      <a:effectRef idx="2">
         <a:scrgbClr r="0" g="0" b="0"/>
       </a:effectRef>
       <a:fontRef idx="minor">
@@ -7390,19 +7575,26 @@
   </dgm:styleLbl>
   <dgm:styleLbl name="node2">
     <dgm:scene3d>
-      <a:camera prst="orthographicFront"/>
-      <a:lightRig rig="threePt" dir="t"/>
+      <a:camera prst="orthographicFront">
+        <a:rot lat="0" lon="0" rev="0"/>
+      </a:camera>
+      <a:lightRig rig="contrasting" dir="t">
+        <a:rot lat="0" lon="0" rev="1200000"/>
+      </a:lightRig>
     </dgm:scene3d>
-    <dgm:sp3d/>
+    <dgm:sp3d contourW="19050" prstMaterial="metal">
+      <a:bevelT w="88900" h="203200"/>
+      <a:bevelB w="165100" h="254000"/>
+    </dgm:sp3d>
     <dgm:txPr/>
     <dgm:style>
-      <a:lnRef idx="2">
+      <a:lnRef idx="0">
         <a:scrgbClr r="0" g="0" b="0"/>
       </a:lnRef>
       <a:fillRef idx="1">
         <a:scrgbClr r="0" g="0" b="0"/>
       </a:fillRef>
-      <a:effectRef idx="0">
+      <a:effectRef idx="1">
         <a:scrgbClr r="0" g="0" b="0"/>
       </a:effectRef>
       <a:fontRef idx="minor">
@@ -7412,19 +7604,26 @@
   </dgm:styleLbl>
   <dgm:styleLbl name="node3">
     <dgm:scene3d>
-      <a:camera prst="orthographicFront"/>
-      <a:lightRig rig="threePt" dir="t"/>
+      <a:camera prst="orthographicFront">
+        <a:rot lat="0" lon="0" rev="0"/>
+      </a:camera>
+      <a:lightRig rig="contrasting" dir="t">
+        <a:rot lat="0" lon="0" rev="1200000"/>
+      </a:lightRig>
     </dgm:scene3d>
-    <dgm:sp3d/>
+    <dgm:sp3d contourW="19050" prstMaterial="metal">
+      <a:bevelT w="88900" h="203200"/>
+      <a:bevelB w="165100" h="254000"/>
+    </dgm:sp3d>
     <dgm:txPr/>
     <dgm:style>
-      <a:lnRef idx="2">
+      <a:lnRef idx="0">
         <a:scrgbClr r="0" g="0" b="0"/>
       </a:lnRef>
       <a:fillRef idx="1">
         <a:scrgbClr r="0" g="0" b="0"/>
       </a:fillRef>
-      <a:effectRef idx="0">
+      <a:effectRef idx="1">
         <a:scrgbClr r="0" g="0" b="0"/>
       </a:effectRef>
       <a:fontRef idx="minor">
@@ -7434,19 +7633,26 @@
   </dgm:styleLbl>
   <dgm:styleLbl name="node4">
     <dgm:scene3d>
-      <a:camera prst="orthographicFront"/>
-      <a:lightRig rig="threePt" dir="t"/>
+      <a:camera prst="orthographicFront">
+        <a:rot lat="0" lon="0" rev="0"/>
+      </a:camera>
+      <a:lightRig rig="contrasting" dir="t">
+        <a:rot lat="0" lon="0" rev="1200000"/>
+      </a:lightRig>
     </dgm:scene3d>
-    <dgm:sp3d/>
+    <dgm:sp3d contourW="19050" prstMaterial="metal">
+      <a:bevelT w="88900" h="203200"/>
+      <a:bevelB w="165100" h="254000"/>
+    </dgm:sp3d>
     <dgm:txPr/>
     <dgm:style>
-      <a:lnRef idx="2">
+      <a:lnRef idx="0">
         <a:scrgbClr r="0" g="0" b="0"/>
       </a:lnRef>
       <a:fillRef idx="1">
         <a:scrgbClr r="0" g="0" b="0"/>
       </a:fillRef>
-      <a:effectRef idx="0">
+      <a:effectRef idx="1">
         <a:scrgbClr r="0" g="0" b="0"/>
       </a:effectRef>
       <a:fontRef idx="minor">
@@ -7456,19 +7662,26 @@
   </dgm:styleLbl>
   <dgm:styleLbl name="fgImgPlace1">
     <dgm:scene3d>
-      <a:camera prst="orthographicFront"/>
-      <a:lightRig rig="threePt" dir="t"/>
+      <a:camera prst="orthographicFront">
+        <a:rot lat="0" lon="0" rev="0"/>
+      </a:camera>
+      <a:lightRig rig="contrasting" dir="t">
+        <a:rot lat="0" lon="0" rev="1200000"/>
+      </a:lightRig>
     </dgm:scene3d>
-    <dgm:sp3d/>
+    <dgm:sp3d z="300000" contourW="19050" prstMaterial="metal">
+      <a:bevelT w="88900" h="203200"/>
+      <a:bevelB w="165100" h="254000"/>
+    </dgm:sp3d>
     <dgm:txPr/>
     <dgm:style>
-      <a:lnRef idx="2">
+      <a:lnRef idx="0">
         <a:scrgbClr r="0" g="0" b="0"/>
       </a:lnRef>
       <a:fillRef idx="1">
         <a:scrgbClr r="0" g="0" b="0"/>
       </a:fillRef>
-      <a:effectRef idx="0">
+      <a:effectRef idx="1">
         <a:scrgbClr r="0" g="0" b="0"/>
       </a:effectRef>
       <a:fontRef idx="minor"/>
@@ -7476,19 +7689,26 @@
   </dgm:styleLbl>
   <dgm:styleLbl name="alignImgPlace1">
     <dgm:scene3d>
-      <a:camera prst="orthographicFront"/>
-      <a:lightRig rig="threePt" dir="t"/>
+      <a:camera prst="orthographicFront">
+        <a:rot lat="0" lon="0" rev="0"/>
+      </a:camera>
+      <a:lightRig rig="contrasting" dir="t">
+        <a:rot lat="0" lon="0" rev="1200000"/>
+      </a:lightRig>
     </dgm:scene3d>
-    <dgm:sp3d/>
+    <dgm:sp3d contourW="12700" prstMaterial="flat">
+      <a:bevelT w="177800" h="254000"/>
+      <a:bevelB w="152400"/>
+    </dgm:sp3d>
     <dgm:txPr/>
     <dgm:style>
-      <a:lnRef idx="2">
+      <a:lnRef idx="0">
         <a:scrgbClr r="0" g="0" b="0"/>
       </a:lnRef>
       <a:fillRef idx="1">
         <a:scrgbClr r="0" g="0" b="0"/>
       </a:fillRef>
-      <a:effectRef idx="0">
+      <a:effectRef idx="1">
         <a:scrgbClr r="0" g="0" b="0"/>
       </a:effectRef>
       <a:fontRef idx="minor"/>
@@ -7496,19 +7716,26 @@
   </dgm:styleLbl>
   <dgm:styleLbl name="bgImgPlace1">
     <dgm:scene3d>
-      <a:camera prst="orthographicFront"/>
-      <a:lightRig rig="threePt" dir="t"/>
+      <a:camera prst="orthographicFront">
+        <a:rot lat="0" lon="0" rev="0"/>
+      </a:camera>
+      <a:lightRig rig="contrasting" dir="t">
+        <a:rot lat="0" lon="0" rev="1200000"/>
+      </a:lightRig>
     </dgm:scene3d>
-    <dgm:sp3d/>
+    <dgm:sp3d z="-300000" contourW="19050" prstMaterial="metal">
+      <a:bevelT w="88900" h="203200"/>
+      <a:bevelB w="165100" h="254000"/>
+    </dgm:sp3d>
     <dgm:txPr/>
     <dgm:style>
-      <a:lnRef idx="2">
+      <a:lnRef idx="0">
         <a:scrgbClr r="0" g="0" b="0"/>
       </a:lnRef>
       <a:fillRef idx="1">
         <a:scrgbClr r="0" g="0" b="0"/>
       </a:fillRef>
-      <a:effectRef idx="0">
+      <a:effectRef idx="1">
         <a:scrgbClr r="0" g="0" b="0"/>
       </a:effectRef>
       <a:fontRef idx="minor"/>
@@ -7516,10 +7743,17 @@
   </dgm:styleLbl>
   <dgm:styleLbl name="sibTrans2D1">
     <dgm:scene3d>
-      <a:camera prst="orthographicFront"/>
-      <a:lightRig rig="threePt" dir="t"/>
+      <a:camera prst="orthographicFront">
+        <a:rot lat="0" lon="0" rev="0"/>
+      </a:camera>
+      <a:lightRig rig="contrasting" dir="t">
+        <a:rot lat="0" lon="0" rev="1200000"/>
+      </a:lightRig>
     </dgm:scene3d>
-    <dgm:sp3d/>
+    <dgm:sp3d z="-182000" contourW="19050" prstMaterial="metal">
+      <a:bevelT w="88900" h="203200"/>
+      <a:bevelB w="165100" h="254000"/>
+    </dgm:sp3d>
     <dgm:txPr/>
     <dgm:style>
       <a:lnRef idx="0">
@@ -7538,10 +7772,17 @@
   </dgm:styleLbl>
   <dgm:styleLbl name="fgSibTrans2D1">
     <dgm:scene3d>
-      <a:camera prst="orthographicFront"/>
-      <a:lightRig rig="threePt" dir="t"/>
+      <a:camera prst="orthographicFront">
+        <a:rot lat="0" lon="0" rev="0"/>
+      </a:camera>
+      <a:lightRig rig="contrasting" dir="t">
+        <a:rot lat="0" lon="0" rev="1200000"/>
+      </a:lightRig>
     </dgm:scene3d>
-    <dgm:sp3d/>
+    <dgm:sp3d z="300000" contourW="19050" prstMaterial="metal">
+      <a:bevelT w="88900" h="203200"/>
+      <a:bevelB w="165100" h="254000"/>
+    </dgm:sp3d>
     <dgm:txPr/>
     <dgm:style>
       <a:lnRef idx="0">
@@ -7551,6 +7792,108 @@
         <a:scrgbClr r="0" g="0" b="0"/>
       </a:fillRef>
       <a:effectRef idx="0">
+        <a:scrgbClr r="0" g="0" b="0"/>
+      </a:effectRef>
+      <a:fontRef idx="minor"/>
+    </dgm:style>
+  </dgm:styleLbl>
+  <dgm:styleLbl name="bgSibTrans2D1">
+    <dgm:scene3d>
+      <a:camera prst="orthographicFront">
+        <a:rot lat="0" lon="0" rev="0"/>
+      </a:camera>
+      <a:lightRig rig="contrasting" dir="t">
+        <a:rot lat="0" lon="0" rev="1200000"/>
+      </a:lightRig>
+    </dgm:scene3d>
+    <dgm:sp3d z="-300000" contourW="19050" prstMaterial="metal">
+      <a:bevelT w="88900" h="203200"/>
+      <a:bevelB w="165100" h="254000"/>
+    </dgm:sp3d>
+    <dgm:txPr/>
+    <dgm:style>
+      <a:lnRef idx="0">
+        <a:scrgbClr r="0" g="0" b="0"/>
+      </a:lnRef>
+      <a:fillRef idx="1">
+        <a:scrgbClr r="0" g="0" b="0"/>
+      </a:fillRef>
+      <a:effectRef idx="0">
+        <a:scrgbClr r="0" g="0" b="0"/>
+      </a:effectRef>
+      <a:fontRef idx="minor"/>
+    </dgm:style>
+  </dgm:styleLbl>
+  <dgm:styleLbl name="sibTrans1D1">
+    <dgm:scene3d>
+      <a:camera prst="orthographicFront">
+        <a:rot lat="0" lon="0" rev="0"/>
+      </a:camera>
+      <a:lightRig rig="contrasting" dir="t">
+        <a:rot lat="0" lon="0" rev="1200000"/>
+      </a:lightRig>
+    </dgm:scene3d>
+    <dgm:sp3d z="-110000"/>
+    <dgm:txPr/>
+    <dgm:style>
+      <a:lnRef idx="1">
+        <a:scrgbClr r="0" g="0" b="0"/>
+      </a:lnRef>
+      <a:fillRef idx="0">
+        <a:scrgbClr r="0" g="0" b="0"/>
+      </a:fillRef>
+      <a:effectRef idx="0">
+        <a:scrgbClr r="0" g="0" b="0"/>
+      </a:effectRef>
+      <a:fontRef idx="minor"/>
+    </dgm:style>
+  </dgm:styleLbl>
+  <dgm:styleLbl name="callout">
+    <dgm:scene3d>
+      <a:camera prst="orthographicFront">
+        <a:rot lat="0" lon="0" rev="0"/>
+      </a:camera>
+      <a:lightRig rig="contrasting" dir="t">
+        <a:rot lat="0" lon="0" rev="1200000"/>
+      </a:lightRig>
+    </dgm:scene3d>
+    <dgm:sp3d z="10000"/>
+    <dgm:txPr/>
+    <dgm:style>
+      <a:lnRef idx="2">
+        <a:scrgbClr r="0" g="0" b="0"/>
+      </a:lnRef>
+      <a:fillRef idx="1">
+        <a:scrgbClr r="0" g="0" b="0"/>
+      </a:fillRef>
+      <a:effectRef idx="0">
+        <a:scrgbClr r="0" g="0" b="0"/>
+      </a:effectRef>
+      <a:fontRef idx="minor"/>
+    </dgm:style>
+  </dgm:styleLbl>
+  <dgm:styleLbl name="asst0">
+    <dgm:scene3d>
+      <a:camera prst="orthographicFront">
+        <a:rot lat="0" lon="0" rev="0"/>
+      </a:camera>
+      <a:lightRig rig="contrasting" dir="t">
+        <a:rot lat="0" lon="0" rev="1200000"/>
+      </a:lightRig>
+    </dgm:scene3d>
+    <dgm:sp3d contourW="19050" prstMaterial="metal">
+      <a:bevelT w="88900" h="203200"/>
+      <a:bevelB w="165100" h="254000"/>
+    </dgm:sp3d>
+    <dgm:txPr/>
+    <dgm:style>
+      <a:lnRef idx="0">
+        <a:scrgbClr r="0" g="0" b="0"/>
+      </a:lnRef>
+      <a:fillRef idx="1">
+        <a:scrgbClr r="0" g="0" b="0"/>
+      </a:fillRef>
+      <a:effectRef idx="1">
         <a:scrgbClr r="0" g="0" b="0"/>
       </a:effectRef>
       <a:fontRef idx="minor">
@@ -7558,12 +7901,19 @@
       </a:fontRef>
     </dgm:style>
   </dgm:styleLbl>
-  <dgm:styleLbl name="bgSibTrans2D1">
+  <dgm:styleLbl name="asst1">
     <dgm:scene3d>
-      <a:camera prst="orthographicFront"/>
-      <a:lightRig rig="threePt" dir="t"/>
+      <a:camera prst="orthographicFront">
+        <a:rot lat="0" lon="0" rev="0"/>
+      </a:camera>
+      <a:lightRig rig="contrasting" dir="t">
+        <a:rot lat="0" lon="0" rev="1200000"/>
+      </a:lightRig>
     </dgm:scene3d>
-    <dgm:sp3d/>
+    <dgm:sp3d contourW="19050" prstMaterial="metal">
+      <a:bevelT w="88900" h="203200"/>
+      <a:bevelB w="165100" h="254000"/>
+    </dgm:sp3d>
     <dgm:txPr/>
     <dgm:style>
       <a:lnRef idx="0">
@@ -7572,7 +7922,7 @@
       <a:fillRef idx="1">
         <a:scrgbClr r="0" g="0" b="0"/>
       </a:fillRef>
-      <a:effectRef idx="0">
+      <a:effectRef idx="1">
         <a:scrgbClr r="0" g="0" b="0"/>
       </a:effectRef>
       <a:fontRef idx="minor">
@@ -7580,7 +7930,801 @@
       </a:fontRef>
     </dgm:style>
   </dgm:styleLbl>
-  <dgm:styleLbl name="sibTrans1D1">
+  <dgm:styleLbl name="asst2">
+    <dgm:scene3d>
+      <a:camera prst="orthographicFront">
+        <a:rot lat="0" lon="0" rev="0"/>
+      </a:camera>
+      <a:lightRig rig="contrasting" dir="t">
+        <a:rot lat="0" lon="0" rev="1200000"/>
+      </a:lightRig>
+    </dgm:scene3d>
+    <dgm:sp3d contourW="19050" prstMaterial="metal">
+      <a:bevelT w="88900" h="203200"/>
+      <a:bevelB w="165100" h="254000"/>
+    </dgm:sp3d>
+    <dgm:txPr/>
+    <dgm:style>
+      <a:lnRef idx="0">
+        <a:scrgbClr r="0" g="0" b="0"/>
+      </a:lnRef>
+      <a:fillRef idx="1">
+        <a:scrgbClr r="0" g="0" b="0"/>
+      </a:fillRef>
+      <a:effectRef idx="1">
+        <a:scrgbClr r="0" g="0" b="0"/>
+      </a:effectRef>
+      <a:fontRef idx="minor">
+        <a:schemeClr val="lt1"/>
+      </a:fontRef>
+    </dgm:style>
+  </dgm:styleLbl>
+  <dgm:styleLbl name="asst3">
+    <dgm:scene3d>
+      <a:camera prst="orthographicFront">
+        <a:rot lat="0" lon="0" rev="0"/>
+      </a:camera>
+      <a:lightRig rig="contrasting" dir="t">
+        <a:rot lat="0" lon="0" rev="1200000"/>
+      </a:lightRig>
+    </dgm:scene3d>
+    <dgm:sp3d contourW="19050" prstMaterial="metal">
+      <a:bevelT w="88900" h="203200"/>
+      <a:bevelB w="165100" h="254000"/>
+    </dgm:sp3d>
+    <dgm:txPr/>
+    <dgm:style>
+      <a:lnRef idx="0">
+        <a:scrgbClr r="0" g="0" b="0"/>
+      </a:lnRef>
+      <a:fillRef idx="1">
+        <a:scrgbClr r="0" g="0" b="0"/>
+      </a:fillRef>
+      <a:effectRef idx="1">
+        <a:scrgbClr r="0" g="0" b="0"/>
+      </a:effectRef>
+      <a:fontRef idx="minor">
+        <a:schemeClr val="lt1"/>
+      </a:fontRef>
+    </dgm:style>
+  </dgm:styleLbl>
+  <dgm:styleLbl name="asst4">
+    <dgm:scene3d>
+      <a:camera prst="orthographicFront"/>
+      <a:lightRig rig="threePt" dir="t"/>
+    </dgm:scene3d>
+    <dgm:sp3d contourW="19050" prstMaterial="metal">
+      <a:bevelT w="88900" h="203200"/>
+      <a:bevelB w="165100" h="254000"/>
+    </dgm:sp3d>
+    <dgm:txPr/>
+    <dgm:style>
+      <a:lnRef idx="0">
+        <a:scrgbClr r="0" g="0" b="0"/>
+      </a:lnRef>
+      <a:fillRef idx="1">
+        <a:scrgbClr r="0" g="0" b="0"/>
+      </a:fillRef>
+      <a:effectRef idx="1">
+        <a:scrgbClr r="0" g="0" b="0"/>
+      </a:effectRef>
+      <a:fontRef idx="minor">
+        <a:schemeClr val="lt1"/>
+      </a:fontRef>
+    </dgm:style>
+  </dgm:styleLbl>
+  <dgm:styleLbl name="parChTrans2D1">
+    <dgm:scene3d>
+      <a:camera prst="orthographicFront">
+        <a:rot lat="0" lon="0" rev="0"/>
+      </a:camera>
+      <a:lightRig rig="contrasting" dir="t">
+        <a:rot lat="0" lon="0" rev="1200000"/>
+      </a:lightRig>
+    </dgm:scene3d>
+    <dgm:sp3d contourW="19050" prstMaterial="metal">
+      <a:bevelT w="88900" h="203200"/>
+      <a:bevelB w="165100" h="254000"/>
+    </dgm:sp3d>
+    <dgm:txPr/>
+    <dgm:style>
+      <a:lnRef idx="0">
+        <a:scrgbClr r="0" g="0" b="0"/>
+      </a:lnRef>
+      <a:fillRef idx="1">
+        <a:scrgbClr r="0" g="0" b="0"/>
+      </a:fillRef>
+      <a:effectRef idx="0">
+        <a:scrgbClr r="0" g="0" b="0"/>
+      </a:effectRef>
+      <a:fontRef idx="minor"/>
+    </dgm:style>
+  </dgm:styleLbl>
+  <dgm:styleLbl name="parChTrans2D2">
+    <dgm:scene3d>
+      <a:camera prst="orthographicFront">
+        <a:rot lat="0" lon="0" rev="0"/>
+      </a:camera>
+      <a:lightRig rig="contrasting" dir="t">
+        <a:rot lat="0" lon="0" rev="1200000"/>
+      </a:lightRig>
+    </dgm:scene3d>
+    <dgm:sp3d contourW="19050" prstMaterial="metal">
+      <a:bevelT w="88900" h="203200"/>
+      <a:bevelB w="165100" h="254000"/>
+    </dgm:sp3d>
+    <dgm:txPr/>
+    <dgm:style>
+      <a:lnRef idx="0">
+        <a:scrgbClr r="0" g="0" b="0"/>
+      </a:lnRef>
+      <a:fillRef idx="1">
+        <a:scrgbClr r="0" g="0" b="0"/>
+      </a:fillRef>
+      <a:effectRef idx="0">
+        <a:scrgbClr r="0" g="0" b="0"/>
+      </a:effectRef>
+      <a:fontRef idx="minor"/>
+    </dgm:style>
+  </dgm:styleLbl>
+  <dgm:styleLbl name="parChTrans2D3">
+    <dgm:scene3d>
+      <a:camera prst="orthographicFront">
+        <a:rot lat="0" lon="0" rev="0"/>
+      </a:camera>
+      <a:lightRig rig="contrasting" dir="t">
+        <a:rot lat="0" lon="0" rev="1200000"/>
+      </a:lightRig>
+    </dgm:scene3d>
+    <dgm:sp3d contourW="19050" prstMaterial="metal">
+      <a:bevelT w="88900" h="203200"/>
+      <a:bevelB w="165100" h="254000"/>
+    </dgm:sp3d>
+    <dgm:txPr/>
+    <dgm:style>
+      <a:lnRef idx="0">
+        <a:scrgbClr r="0" g="0" b="0"/>
+      </a:lnRef>
+      <a:fillRef idx="1">
+        <a:scrgbClr r="0" g="0" b="0"/>
+      </a:fillRef>
+      <a:effectRef idx="0">
+        <a:scrgbClr r="0" g="0" b="0"/>
+      </a:effectRef>
+      <a:fontRef idx="minor"/>
+    </dgm:style>
+  </dgm:styleLbl>
+  <dgm:styleLbl name="parChTrans2D4">
+    <dgm:scene3d>
+      <a:camera prst="orthographicFront">
+        <a:rot lat="0" lon="0" rev="0"/>
+      </a:camera>
+      <a:lightRig rig="contrasting" dir="t">
+        <a:rot lat="0" lon="0" rev="1200000"/>
+      </a:lightRig>
+    </dgm:scene3d>
+    <dgm:sp3d contourW="19050" prstMaterial="metal">
+      <a:bevelT w="88900" h="203200"/>
+      <a:bevelB w="165100" h="254000"/>
+    </dgm:sp3d>
+    <dgm:txPr/>
+    <dgm:style>
+      <a:lnRef idx="0">
+        <a:scrgbClr r="0" g="0" b="0"/>
+      </a:lnRef>
+      <a:fillRef idx="1">
+        <a:scrgbClr r="0" g="0" b="0"/>
+      </a:fillRef>
+      <a:effectRef idx="0">
+        <a:scrgbClr r="0" g="0" b="0"/>
+      </a:effectRef>
+      <a:fontRef idx="minor"/>
+    </dgm:style>
+  </dgm:styleLbl>
+  <dgm:styleLbl name="parChTrans1D1">
+    <dgm:scene3d>
+      <a:camera prst="orthographicFront">
+        <a:rot lat="0" lon="0" rev="0"/>
+      </a:camera>
+      <a:lightRig rig="contrasting" dir="t">
+        <a:rot lat="0" lon="0" rev="1200000"/>
+      </a:lightRig>
+    </dgm:scene3d>
+    <dgm:sp3d z="-110000"/>
+    <dgm:txPr/>
+    <dgm:style>
+      <a:lnRef idx="2">
+        <a:scrgbClr r="0" g="0" b="0"/>
+      </a:lnRef>
+      <a:fillRef idx="0">
+        <a:scrgbClr r="0" g="0" b="0"/>
+      </a:fillRef>
+      <a:effectRef idx="0">
+        <a:scrgbClr r="0" g="0" b="0"/>
+      </a:effectRef>
+      <a:fontRef idx="minor"/>
+    </dgm:style>
+  </dgm:styleLbl>
+  <dgm:styleLbl name="parChTrans1D2">
+    <dgm:scene3d>
+      <a:camera prst="orthographicFront">
+        <a:rot lat="0" lon="0" rev="0"/>
+      </a:camera>
+      <a:lightRig rig="contrasting" dir="t">
+        <a:rot lat="0" lon="0" rev="1200000"/>
+      </a:lightRig>
+    </dgm:scene3d>
+    <dgm:sp3d z="-110000"/>
+    <dgm:txPr/>
+    <dgm:style>
+      <a:lnRef idx="2">
+        <a:scrgbClr r="0" g="0" b="0"/>
+      </a:lnRef>
+      <a:fillRef idx="0">
+        <a:scrgbClr r="0" g="0" b="0"/>
+      </a:fillRef>
+      <a:effectRef idx="0">
+        <a:scrgbClr r="0" g="0" b="0"/>
+      </a:effectRef>
+      <a:fontRef idx="minor"/>
+    </dgm:style>
+  </dgm:styleLbl>
+  <dgm:styleLbl name="parChTrans1D3">
+    <dgm:scene3d>
+      <a:camera prst="orthographicFront">
+        <a:rot lat="0" lon="0" rev="0"/>
+      </a:camera>
+      <a:lightRig rig="contrasting" dir="t">
+        <a:rot lat="0" lon="0" rev="1200000"/>
+      </a:lightRig>
+    </dgm:scene3d>
+    <dgm:sp3d z="-110000"/>
+    <dgm:txPr/>
+    <dgm:style>
+      <a:lnRef idx="2">
+        <a:scrgbClr r="0" g="0" b="0"/>
+      </a:lnRef>
+      <a:fillRef idx="0">
+        <a:scrgbClr r="0" g="0" b="0"/>
+      </a:fillRef>
+      <a:effectRef idx="0">
+        <a:scrgbClr r="0" g="0" b="0"/>
+      </a:effectRef>
+      <a:fontRef idx="minor"/>
+    </dgm:style>
+  </dgm:styleLbl>
+  <dgm:styleLbl name="parChTrans1D4">
+    <dgm:scene3d>
+      <a:camera prst="orthographicFront">
+        <a:rot lat="0" lon="0" rev="0"/>
+      </a:camera>
+      <a:lightRig rig="contrasting" dir="t">
+        <a:rot lat="0" lon="0" rev="1200000"/>
+      </a:lightRig>
+    </dgm:scene3d>
+    <dgm:sp3d z="-110000"/>
+    <dgm:txPr/>
+    <dgm:style>
+      <a:lnRef idx="2">
+        <a:scrgbClr r="0" g="0" b="0"/>
+      </a:lnRef>
+      <a:fillRef idx="0">
+        <a:scrgbClr r="0" g="0" b="0"/>
+      </a:fillRef>
+      <a:effectRef idx="0">
+        <a:scrgbClr r="0" g="0" b="0"/>
+      </a:effectRef>
+      <a:fontRef idx="minor"/>
+    </dgm:style>
+  </dgm:styleLbl>
+  <dgm:styleLbl name="fgAcc1">
+    <dgm:scene3d>
+      <a:camera prst="orthographicFront">
+        <a:rot lat="0" lon="0" rev="0"/>
+      </a:camera>
+      <a:lightRig rig="contrasting" dir="t">
+        <a:rot lat="0" lon="0" rev="1200000"/>
+      </a:lightRig>
+    </dgm:scene3d>
+    <dgm:sp3d z="300000" contourW="19050" prstMaterial="metal">
+      <a:bevelT w="88900" h="203200"/>
+      <a:bevelB w="165100" h="254000"/>
+    </dgm:sp3d>
+    <dgm:txPr/>
+    <dgm:style>
+      <a:lnRef idx="0">
+        <a:scrgbClr r="0" g="0" b="0"/>
+      </a:lnRef>
+      <a:fillRef idx="1">
+        <a:scrgbClr r="0" g="0" b="0"/>
+      </a:fillRef>
+      <a:effectRef idx="0">
+        <a:scrgbClr r="0" g="0" b="0"/>
+      </a:effectRef>
+      <a:fontRef idx="minor"/>
+    </dgm:style>
+  </dgm:styleLbl>
+  <dgm:styleLbl name="conFgAcc1">
+    <dgm:scene3d>
+      <a:camera prst="orthographicFront">
+        <a:rot lat="0" lon="0" rev="0"/>
+      </a:camera>
+      <a:lightRig rig="contrasting" dir="t">
+        <a:rot lat="0" lon="0" rev="1200000"/>
+      </a:lightRig>
+    </dgm:scene3d>
+    <dgm:sp3d z="300000" contourW="19050" prstMaterial="metal">
+      <a:bevelT w="88900" h="203200"/>
+      <a:bevelB w="165100" h="254000"/>
+    </dgm:sp3d>
+    <dgm:txPr/>
+    <dgm:style>
+      <a:lnRef idx="0">
+        <a:scrgbClr r="0" g="0" b="0"/>
+      </a:lnRef>
+      <a:fillRef idx="1">
+        <a:scrgbClr r="0" g="0" b="0"/>
+      </a:fillRef>
+      <a:effectRef idx="0">
+        <a:scrgbClr r="0" g="0" b="0"/>
+      </a:effectRef>
+      <a:fontRef idx="minor"/>
+    </dgm:style>
+  </dgm:styleLbl>
+  <dgm:styleLbl name="alignAcc1">
+    <dgm:scene3d>
+      <a:camera prst="orthographicFront">
+        <a:rot lat="0" lon="0" rev="0"/>
+      </a:camera>
+      <a:lightRig rig="contrasting" dir="t">
+        <a:rot lat="0" lon="0" rev="1200000"/>
+      </a:lightRig>
+    </dgm:scene3d>
+    <dgm:sp3d contourW="19050" prstMaterial="metal">
+      <a:bevelT w="88900" h="203200"/>
+      <a:bevelB w="165100" h="254000"/>
+    </dgm:sp3d>
+    <dgm:txPr/>
+    <dgm:style>
+      <a:lnRef idx="0">
+        <a:scrgbClr r="0" g="0" b="0"/>
+      </a:lnRef>
+      <a:fillRef idx="1">
+        <a:scrgbClr r="0" g="0" b="0"/>
+      </a:fillRef>
+      <a:effectRef idx="0">
+        <a:scrgbClr r="0" g="0" b="0"/>
+      </a:effectRef>
+      <a:fontRef idx="minor"/>
+    </dgm:style>
+  </dgm:styleLbl>
+  <dgm:styleLbl name="trAlignAcc1">
+    <dgm:scene3d>
+      <a:camera prst="orthographicFront">
+        <a:rot lat="0" lon="0" rev="0"/>
+      </a:camera>
+      <a:lightRig rig="contrasting" dir="t">
+        <a:rot lat="0" lon="0" rev="1200000"/>
+      </a:lightRig>
+    </dgm:scene3d>
+    <dgm:sp3d contourW="19050" prstMaterial="metal">
+      <a:bevelT w="88900" h="203200"/>
+      <a:bevelB w="165100" h="254000"/>
+    </dgm:sp3d>
+    <dgm:txPr/>
+    <dgm:style>
+      <a:lnRef idx="0">
+        <a:scrgbClr r="0" g="0" b="0"/>
+      </a:lnRef>
+      <a:fillRef idx="1">
+        <a:scrgbClr r="0" g="0" b="0"/>
+      </a:fillRef>
+      <a:effectRef idx="1">
+        <a:scrgbClr r="0" g="0" b="0"/>
+      </a:effectRef>
+      <a:fontRef idx="minor"/>
+    </dgm:style>
+  </dgm:styleLbl>
+  <dgm:styleLbl name="bgAcc1">
+    <dgm:scene3d>
+      <a:camera prst="orthographicFront">
+        <a:rot lat="0" lon="0" rev="0"/>
+      </a:camera>
+      <a:lightRig rig="contrasting" dir="t">
+        <a:rot lat="0" lon="0" rev="1200000"/>
+      </a:lightRig>
+    </dgm:scene3d>
+    <dgm:sp3d z="-300000" contourW="19050" prstMaterial="metal">
+      <a:bevelT w="88900" h="203200"/>
+      <a:bevelB w="165100" h="254000"/>
+    </dgm:sp3d>
+    <dgm:txPr/>
+    <dgm:style>
+      <a:lnRef idx="0">
+        <a:scrgbClr r="0" g="0" b="0"/>
+      </a:lnRef>
+      <a:fillRef idx="1">
+        <a:scrgbClr r="0" g="0" b="0"/>
+      </a:fillRef>
+      <a:effectRef idx="0">
+        <a:scrgbClr r="0" g="0" b="0"/>
+      </a:effectRef>
+      <a:fontRef idx="minor"/>
+    </dgm:style>
+  </dgm:styleLbl>
+  <dgm:styleLbl name="solidFgAcc1">
+    <dgm:scene3d>
+      <a:camera prst="orthographicFront">
+        <a:rot lat="0" lon="0" rev="0"/>
+      </a:camera>
+      <a:lightRig rig="contrasting" dir="t">
+        <a:rot lat="0" lon="0" rev="1200000"/>
+      </a:lightRig>
+    </dgm:scene3d>
+    <dgm:sp3d z="300000" contourW="12700" prstMaterial="flat">
+      <a:bevelT w="177800" h="254000"/>
+      <a:bevelB w="152400"/>
+    </dgm:sp3d>
+    <dgm:txPr/>
+    <dgm:style>
+      <a:lnRef idx="0">
+        <a:scrgbClr r="0" g="0" b="0"/>
+      </a:lnRef>
+      <a:fillRef idx="1">
+        <a:scrgbClr r="0" g="0" b="0"/>
+      </a:fillRef>
+      <a:effectRef idx="0">
+        <a:scrgbClr r="0" g="0" b="0"/>
+      </a:effectRef>
+      <a:fontRef idx="minor"/>
+    </dgm:style>
+  </dgm:styleLbl>
+  <dgm:styleLbl name="solidAlignAcc1">
+    <dgm:scene3d>
+      <a:camera prst="orthographicFront">
+        <a:rot lat="0" lon="0" rev="0"/>
+      </a:camera>
+      <a:lightRig rig="contrasting" dir="t">
+        <a:rot lat="0" lon="0" rev="1200000"/>
+      </a:lightRig>
+    </dgm:scene3d>
+    <dgm:sp3d contourW="19050" prstMaterial="metal">
+      <a:bevelT w="88900" h="203200"/>
+      <a:bevelB w="165100" h="254000"/>
+    </dgm:sp3d>
+    <dgm:txPr/>
+    <dgm:style>
+      <a:lnRef idx="0">
+        <a:scrgbClr r="0" g="0" b="0"/>
+      </a:lnRef>
+      <a:fillRef idx="1">
+        <a:scrgbClr r="0" g="0" b="0"/>
+      </a:fillRef>
+      <a:effectRef idx="0">
+        <a:scrgbClr r="0" g="0" b="0"/>
+      </a:effectRef>
+      <a:fontRef idx="minor"/>
+    </dgm:style>
+  </dgm:styleLbl>
+  <dgm:styleLbl name="solidBgAcc1">
+    <dgm:scene3d>
+      <a:camera prst="orthographicFront">
+        <a:rot lat="0" lon="0" rev="0"/>
+      </a:camera>
+      <a:lightRig rig="contrasting" dir="t">
+        <a:rot lat="0" lon="0" rev="1200000"/>
+      </a:lightRig>
+    </dgm:scene3d>
+    <dgm:sp3d z="-300000" contourW="19050" prstMaterial="metal">
+      <a:bevelT w="88900" h="203200"/>
+      <a:bevelB w="165100" h="254000"/>
+    </dgm:sp3d>
+    <dgm:txPr/>
+    <dgm:style>
+      <a:lnRef idx="0">
+        <a:scrgbClr r="0" g="0" b="0"/>
+      </a:lnRef>
+      <a:fillRef idx="1">
+        <a:scrgbClr r="0" g="0" b="0"/>
+      </a:fillRef>
+      <a:effectRef idx="0">
+        <a:scrgbClr r="0" g="0" b="0"/>
+      </a:effectRef>
+      <a:fontRef idx="minor"/>
+    </dgm:style>
+  </dgm:styleLbl>
+  <dgm:styleLbl name="fgAccFollowNode1">
+    <dgm:scene3d>
+      <a:camera prst="orthographicFront">
+        <a:rot lat="0" lon="0" rev="0"/>
+      </a:camera>
+      <a:lightRig rig="contrasting" dir="t">
+        <a:rot lat="0" lon="0" rev="1200000"/>
+      </a:lightRig>
+    </dgm:scene3d>
+    <dgm:sp3d z="300000" contourW="19050" prstMaterial="metal">
+      <a:bevelT w="88900" h="203200"/>
+      <a:bevelB w="165100" h="254000"/>
+    </dgm:sp3d>
+    <dgm:txPr/>
+    <dgm:style>
+      <a:lnRef idx="0">
+        <a:scrgbClr r="0" g="0" b="0"/>
+      </a:lnRef>
+      <a:fillRef idx="1">
+        <a:scrgbClr r="0" g="0" b="0"/>
+      </a:fillRef>
+      <a:effectRef idx="0">
+        <a:scrgbClr r="0" g="0" b="0"/>
+      </a:effectRef>
+      <a:fontRef idx="minor"/>
+    </dgm:style>
+  </dgm:styleLbl>
+  <dgm:styleLbl name="alignAccFollowNode1">
+    <dgm:scene3d>
+      <a:camera prst="orthographicFront">
+        <a:rot lat="0" lon="0" rev="0"/>
+      </a:camera>
+      <a:lightRig rig="contrasting" dir="t">
+        <a:rot lat="0" lon="0" rev="1200000"/>
+      </a:lightRig>
+    </dgm:scene3d>
+    <dgm:sp3d contourW="19050" prstMaterial="metal">
+      <a:bevelT w="88900" h="203200"/>
+      <a:bevelB w="165100" h="254000"/>
+    </dgm:sp3d>
+    <dgm:txPr/>
+    <dgm:style>
+      <a:lnRef idx="0">
+        <a:scrgbClr r="0" g="0" b="0"/>
+      </a:lnRef>
+      <a:fillRef idx="1">
+        <a:scrgbClr r="0" g="0" b="0"/>
+      </a:fillRef>
+      <a:effectRef idx="0">
+        <a:scrgbClr r="0" g="0" b="0"/>
+      </a:effectRef>
+      <a:fontRef idx="minor"/>
+    </dgm:style>
+  </dgm:styleLbl>
+  <dgm:styleLbl name="bgAccFollowNode1">
+    <dgm:scene3d>
+      <a:camera prst="orthographicFront">
+        <a:rot lat="0" lon="0" rev="0"/>
+      </a:camera>
+      <a:lightRig rig="contrasting" dir="t">
+        <a:rot lat="0" lon="0" rev="1200000"/>
+      </a:lightRig>
+    </dgm:scene3d>
+    <dgm:sp3d z="-300000" contourW="19050" prstMaterial="metal">
+      <a:bevelT w="88900" h="203200"/>
+      <a:bevelB w="165100" h="254000"/>
+    </dgm:sp3d>
+    <dgm:txPr/>
+    <dgm:style>
+      <a:lnRef idx="0">
+        <a:scrgbClr r="0" g="0" b="0"/>
+      </a:lnRef>
+      <a:fillRef idx="1">
+        <a:scrgbClr r="0" g="0" b="0"/>
+      </a:fillRef>
+      <a:effectRef idx="0">
+        <a:scrgbClr r="0" g="0" b="0"/>
+      </a:effectRef>
+      <a:fontRef idx="minor"/>
+    </dgm:style>
+  </dgm:styleLbl>
+  <dgm:styleLbl name="fgAcc0">
+    <dgm:scene3d>
+      <a:camera prst="orthographicFront">
+        <a:rot lat="0" lon="0" rev="0"/>
+      </a:camera>
+      <a:lightRig rig="contrasting" dir="t">
+        <a:rot lat="0" lon="0" rev="1200000"/>
+      </a:lightRig>
+    </dgm:scene3d>
+    <dgm:sp3d z="300000" contourW="19050" prstMaterial="metal">
+      <a:bevelT w="88900" h="203200"/>
+      <a:bevelB w="165100" h="254000"/>
+    </dgm:sp3d>
+    <dgm:txPr/>
+    <dgm:style>
+      <a:lnRef idx="0">
+        <a:scrgbClr r="0" g="0" b="0"/>
+      </a:lnRef>
+      <a:fillRef idx="1">
+        <a:scrgbClr r="0" g="0" b="0"/>
+      </a:fillRef>
+      <a:effectRef idx="0">
+        <a:scrgbClr r="0" g="0" b="0"/>
+      </a:effectRef>
+      <a:fontRef idx="minor"/>
+    </dgm:style>
+  </dgm:styleLbl>
+  <dgm:styleLbl name="fgAcc2">
+    <dgm:scene3d>
+      <a:camera prst="orthographicFront">
+        <a:rot lat="0" lon="0" rev="0"/>
+      </a:camera>
+      <a:lightRig rig="contrasting" dir="t">
+        <a:rot lat="0" lon="0" rev="1200000"/>
+      </a:lightRig>
+    </dgm:scene3d>
+    <dgm:sp3d z="300000" contourW="19050" prstMaterial="metal">
+      <a:bevelT w="88900" h="203200"/>
+      <a:bevelB w="165100" h="254000"/>
+    </dgm:sp3d>
+    <dgm:txPr/>
+    <dgm:style>
+      <a:lnRef idx="0">
+        <a:scrgbClr r="0" g="0" b="0"/>
+      </a:lnRef>
+      <a:fillRef idx="1">
+        <a:scrgbClr r="0" g="0" b="0"/>
+      </a:fillRef>
+      <a:effectRef idx="0">
+        <a:scrgbClr r="0" g="0" b="0"/>
+      </a:effectRef>
+      <a:fontRef idx="minor"/>
+    </dgm:style>
+  </dgm:styleLbl>
+  <dgm:styleLbl name="fgAcc3">
+    <dgm:scene3d>
+      <a:camera prst="orthographicFront">
+        <a:rot lat="0" lon="0" rev="0"/>
+      </a:camera>
+      <a:lightRig rig="contrasting" dir="t">
+        <a:rot lat="0" lon="0" rev="1200000"/>
+      </a:lightRig>
+    </dgm:scene3d>
+    <dgm:sp3d z="300000" contourW="19050" prstMaterial="metal">
+      <a:bevelT w="88900" h="203200"/>
+      <a:bevelB w="165100" h="254000"/>
+    </dgm:sp3d>
+    <dgm:txPr/>
+    <dgm:style>
+      <a:lnRef idx="0">
+        <a:scrgbClr r="0" g="0" b="0"/>
+      </a:lnRef>
+      <a:fillRef idx="1">
+        <a:scrgbClr r="0" g="0" b="0"/>
+      </a:fillRef>
+      <a:effectRef idx="0">
+        <a:scrgbClr r="0" g="0" b="0"/>
+      </a:effectRef>
+      <a:fontRef idx="minor"/>
+    </dgm:style>
+  </dgm:styleLbl>
+  <dgm:styleLbl name="fgAcc4">
+    <dgm:scene3d>
+      <a:camera prst="orthographicFront">
+        <a:rot lat="0" lon="0" rev="0"/>
+      </a:camera>
+      <a:lightRig rig="contrasting" dir="t">
+        <a:rot lat="0" lon="0" rev="1200000"/>
+      </a:lightRig>
+    </dgm:scene3d>
+    <dgm:sp3d z="300000" contourW="19050" prstMaterial="metal">
+      <a:bevelT w="88900" h="203200"/>
+      <a:bevelB w="165100" h="254000"/>
+    </dgm:sp3d>
+    <dgm:txPr/>
+    <dgm:style>
+      <a:lnRef idx="0">
+        <a:scrgbClr r="0" g="0" b="0"/>
+      </a:lnRef>
+      <a:fillRef idx="1">
+        <a:scrgbClr r="0" g="0" b="0"/>
+      </a:fillRef>
+      <a:effectRef idx="0">
+        <a:scrgbClr r="0" g="0" b="0"/>
+      </a:effectRef>
+      <a:fontRef idx="minor"/>
+    </dgm:style>
+  </dgm:styleLbl>
+  <dgm:styleLbl name="bgShp">
+    <dgm:scene3d>
+      <a:camera prst="orthographicFront">
+        <a:rot lat="0" lon="0" rev="0"/>
+      </a:camera>
+      <a:lightRig rig="contrasting" dir="t">
+        <a:rot lat="0" lon="0" rev="1200000"/>
+      </a:lightRig>
+    </dgm:scene3d>
+    <dgm:sp3d z="-300000" prstMaterial="plastic"/>
+    <dgm:txPr/>
+    <dgm:style>
+      <a:lnRef idx="1">
+        <a:scrgbClr r="0" g="0" b="0"/>
+      </a:lnRef>
+      <a:fillRef idx="1">
+        <a:scrgbClr r="0" g="0" b="0"/>
+      </a:fillRef>
+      <a:effectRef idx="0">
+        <a:scrgbClr r="0" g="0" b="0"/>
+      </a:effectRef>
+      <a:fontRef idx="minor"/>
+    </dgm:style>
+  </dgm:styleLbl>
+  <dgm:styleLbl name="dkBgShp">
+    <dgm:scene3d>
+      <a:camera prst="orthographicFront">
+        <a:rot lat="0" lon="0" rev="0"/>
+      </a:camera>
+      <a:lightRig rig="contrasting" dir="t">
+        <a:rot lat="0" lon="0" rev="1200000"/>
+      </a:lightRig>
+    </dgm:scene3d>
+    <dgm:sp3d contourW="12700" prstMaterial="flat">
+      <a:bevelT w="100800" h="154000"/>
+      <a:bevelB w="152400"/>
+    </dgm:sp3d>
+    <dgm:txPr/>
+    <dgm:style>
+      <a:lnRef idx="0">
+        <a:scrgbClr r="0" g="0" b="0"/>
+      </a:lnRef>
+      <a:fillRef idx="1">
+        <a:scrgbClr r="0" g="0" b="0"/>
+      </a:fillRef>
+      <a:effectRef idx="0">
+        <a:scrgbClr r="0" g="0" b="0"/>
+      </a:effectRef>
+      <a:fontRef idx="minor"/>
+    </dgm:style>
+  </dgm:styleLbl>
+  <dgm:styleLbl name="trBgShp">
+    <dgm:scene3d>
+      <a:camera prst="orthographicFront">
+        <a:rot lat="0" lon="0" rev="0"/>
+      </a:camera>
+      <a:lightRig rig="contrasting" dir="t">
+        <a:rot lat="0" lon="0" rev="1200000"/>
+      </a:lightRig>
+    </dgm:scene3d>
+    <dgm:sp3d z="-152400" prstMaterial="matte"/>
+    <dgm:txPr/>
+    <dgm:style>
+      <a:lnRef idx="1">
+        <a:scrgbClr r="0" g="0" b="0"/>
+      </a:lnRef>
+      <a:fillRef idx="1">
+        <a:scrgbClr r="0" g="0" b="0"/>
+      </a:fillRef>
+      <a:effectRef idx="0">
+        <a:scrgbClr r="0" g="0" b="0"/>
+      </a:effectRef>
+      <a:fontRef idx="minor"/>
+    </dgm:style>
+  </dgm:styleLbl>
+  <dgm:styleLbl name="fgShp">
+    <dgm:scene3d>
+      <a:camera prst="orthographicFront">
+        <a:rot lat="0" lon="0" rev="0"/>
+      </a:camera>
+      <a:lightRig rig="contrasting" dir="t">
+        <a:rot lat="0" lon="0" rev="1200000"/>
+      </a:lightRig>
+    </dgm:scene3d>
+    <dgm:sp3d z="300000" contourW="19050" prstMaterial="metal">
+      <a:bevelT w="88900" h="203200"/>
+      <a:bevelB w="165100" h="254000"/>
+    </dgm:sp3d>
+    <dgm:txPr/>
+    <dgm:style>
+      <a:lnRef idx="0">
+        <a:scrgbClr r="0" g="0" b="0"/>
+      </a:lnRef>
+      <a:fillRef idx="1">
+        <a:scrgbClr r="0" g="0" b="0"/>
+      </a:fillRef>
+      <a:effectRef idx="0">
+        <a:scrgbClr r="0" g="0" b="0"/>
+      </a:effectRef>
+      <a:fontRef idx="minor"/>
+    </dgm:style>
+  </dgm:styleLbl>
+  <dgm:styleLbl name="revTx">
     <dgm:scene3d>
       <a:camera prst="orthographicFront"/>
       <a:lightRig rig="threePt" dir="t"/>
@@ -7600,41 +8744,42 @@
       <a:fontRef idx="minor"/>
     </dgm:style>
   </dgm:styleLbl>
-  <dgm:styleLbl name="callout">
+</dgm:styleDef>
+</file>
+
+<file path=ppt/diagrams/quickStyle3.xml><?xml version="1.0" encoding="utf-8"?>
+<dgm:styleDef xmlns:dgm="http://schemas.openxmlformats.org/drawingml/2006/diagram" xmlns:a="http://schemas.openxmlformats.org/drawingml/2006/main" uniqueId="urn:microsoft.com/office/officeart/2005/8/quickstyle/3d3">
+  <dgm:title val=""/>
+  <dgm:desc val=""/>
+  <dgm:catLst>
+    <dgm:cat type="3D" pri="11300"/>
+  </dgm:catLst>
+  <dgm:scene3d>
+    <a:camera prst="orthographicFront"/>
+    <a:lightRig rig="threePt" dir="t"/>
+  </dgm:scene3d>
+  <dgm:styleLbl name="node0">
     <dgm:scene3d>
-      <a:camera prst="orthographicFront"/>
-      <a:lightRig rig="threePt" dir="t"/>
+      <a:camera prst="orthographicFront">
+        <a:rot lat="0" lon="0" rev="0"/>
+      </a:camera>
+      <a:lightRig rig="contrasting" dir="t">
+        <a:rot lat="0" lon="0" rev="1200000"/>
+      </a:lightRig>
     </dgm:scene3d>
-    <dgm:sp3d/>
+    <dgm:sp3d contourW="19050" prstMaterial="metal">
+      <a:bevelT w="88900" h="203200"/>
+      <a:bevelB w="165100" h="254000"/>
+    </dgm:sp3d>
     <dgm:txPr/>
     <dgm:style>
-      <a:lnRef idx="2">
+      <a:lnRef idx="0">
         <a:scrgbClr r="0" g="0" b="0"/>
       </a:lnRef>
       <a:fillRef idx="1">
         <a:scrgbClr r="0" g="0" b="0"/>
       </a:fillRef>
-      <a:effectRef idx="0">
-        <a:scrgbClr r="0" g="0" b="0"/>
-      </a:effectRef>
-      <a:fontRef idx="minor"/>
-    </dgm:style>
-  </dgm:styleLbl>
-  <dgm:styleLbl name="asst0">
-    <dgm:scene3d>
-      <a:camera prst="orthographicFront"/>
-      <a:lightRig rig="threePt" dir="t"/>
-    </dgm:scene3d>
-    <dgm:sp3d/>
-    <dgm:txPr/>
-    <dgm:style>
-      <a:lnRef idx="2">
-        <a:scrgbClr r="0" g="0" b="0"/>
-      </a:lnRef>
-      <a:fillRef idx="1">
-        <a:scrgbClr r="0" g="0" b="0"/>
-      </a:fillRef>
-      <a:effectRef idx="0">
+      <a:effectRef idx="1">
         <a:scrgbClr r="0" g="0" b="0"/>
       </a:effectRef>
       <a:fontRef idx="minor">
@@ -7642,21 +8787,28 @@
       </a:fontRef>
     </dgm:style>
   </dgm:styleLbl>
-  <dgm:styleLbl name="asst1">
+  <dgm:styleLbl name="lnNode1">
     <dgm:scene3d>
-      <a:camera prst="orthographicFront"/>
-      <a:lightRig rig="threePt" dir="t"/>
+      <a:camera prst="orthographicFront">
+        <a:rot lat="0" lon="0" rev="0"/>
+      </a:camera>
+      <a:lightRig rig="contrasting" dir="t">
+        <a:rot lat="0" lon="0" rev="1200000"/>
+      </a:lightRig>
     </dgm:scene3d>
-    <dgm:sp3d/>
+    <dgm:sp3d contourW="19050" prstMaterial="metal">
+      <a:bevelT w="88900" h="203200"/>
+      <a:bevelB w="165100" h="254000"/>
+    </dgm:sp3d>
     <dgm:txPr/>
     <dgm:style>
-      <a:lnRef idx="2">
+      <a:lnRef idx="0">
         <a:scrgbClr r="0" g="0" b="0"/>
       </a:lnRef>
       <a:fillRef idx="1">
         <a:scrgbClr r="0" g="0" b="0"/>
       </a:fillRef>
-      <a:effectRef idx="0">
+      <a:effectRef idx="1">
         <a:scrgbClr r="0" g="0" b="0"/>
       </a:effectRef>
       <a:fontRef idx="minor">
@@ -7664,21 +8816,57 @@
       </a:fontRef>
     </dgm:style>
   </dgm:styleLbl>
-  <dgm:styleLbl name="asst2">
+  <dgm:styleLbl name="vennNode1">
     <dgm:scene3d>
-      <a:camera prst="orthographicFront"/>
-      <a:lightRig rig="threePt" dir="t"/>
+      <a:camera prst="orthographicFront">
+        <a:rot lat="0" lon="0" rev="0"/>
+      </a:camera>
+      <a:lightRig rig="contrasting" dir="t">
+        <a:rot lat="0" lon="0" rev="1200000"/>
+      </a:lightRig>
     </dgm:scene3d>
-    <dgm:sp3d/>
+    <dgm:sp3d contourW="12700" prstMaterial="clear">
+      <a:bevelT w="177800" h="254000"/>
+      <a:bevelB w="152400"/>
+    </dgm:sp3d>
     <dgm:txPr/>
     <dgm:style>
-      <a:lnRef idx="2">
+      <a:lnRef idx="0">
         <a:scrgbClr r="0" g="0" b="0"/>
       </a:lnRef>
       <a:fillRef idx="1">
         <a:scrgbClr r="0" g="0" b="0"/>
       </a:fillRef>
       <a:effectRef idx="0">
+        <a:scrgbClr r="0" g="0" b="0"/>
+      </a:effectRef>
+      <a:fontRef idx="minor">
+        <a:schemeClr val="tx1"/>
+      </a:fontRef>
+    </dgm:style>
+  </dgm:styleLbl>
+  <dgm:styleLbl name="alignNode1">
+    <dgm:scene3d>
+      <a:camera prst="orthographicFront">
+        <a:rot lat="0" lon="0" rev="0"/>
+      </a:camera>
+      <a:lightRig rig="contrasting" dir="t">
+        <a:rot lat="0" lon="0" rev="1200000"/>
+      </a:lightRig>
+    </dgm:scene3d>
+    <dgm:sp3d contourW="19050" prstMaterial="metal">
+      <a:bevelT w="88900" h="203200"/>
+      <a:bevelB w="165100" h="254000"/>
+    </dgm:sp3d>
+    <dgm:txPr/>
+    <dgm:style>
+      <a:lnRef idx="0">
+        <a:scrgbClr r="0" g="0" b="0"/>
+      </a:lnRef>
+      <a:fillRef idx="1">
+        <a:scrgbClr r="0" g="0" b="0"/>
+      </a:fillRef>
+      <a:effectRef idx="2">
         <a:scrgbClr r="0" g="0" b="0"/>
       </a:effectRef>
       <a:fontRef idx="minor">
@@ -7686,21 +8874,28 @@
       </a:fontRef>
     </dgm:style>
   </dgm:styleLbl>
-  <dgm:styleLbl name="asst3">
+  <dgm:styleLbl name="node1">
     <dgm:scene3d>
-      <a:camera prst="orthographicFront"/>
-      <a:lightRig rig="threePt" dir="t"/>
+      <a:camera prst="orthographicFront">
+        <a:rot lat="0" lon="0" rev="0"/>
+      </a:camera>
+      <a:lightRig rig="contrasting" dir="t">
+        <a:rot lat="0" lon="0" rev="1200000"/>
+      </a:lightRig>
     </dgm:scene3d>
-    <dgm:sp3d/>
+    <dgm:sp3d contourW="19050" prstMaterial="metal">
+      <a:bevelT w="88900" h="203200"/>
+      <a:bevelB w="165100" h="254000"/>
+    </dgm:sp3d>
     <dgm:txPr/>
     <dgm:style>
-      <a:lnRef idx="2">
+      <a:lnRef idx="0">
         <a:scrgbClr r="0" g="0" b="0"/>
       </a:lnRef>
       <a:fillRef idx="1">
         <a:scrgbClr r="0" g="0" b="0"/>
       </a:fillRef>
-      <a:effectRef idx="0">
+      <a:effectRef idx="2">
         <a:scrgbClr r="0" g="0" b="0"/>
       </a:effectRef>
       <a:fontRef idx="minor">
@@ -7708,21 +8903,439 @@
       </a:fontRef>
     </dgm:style>
   </dgm:styleLbl>
+  <dgm:styleLbl name="node2">
+    <dgm:scene3d>
+      <a:camera prst="orthographicFront">
+        <a:rot lat="0" lon="0" rev="0"/>
+      </a:camera>
+      <a:lightRig rig="contrasting" dir="t">
+        <a:rot lat="0" lon="0" rev="1200000"/>
+      </a:lightRig>
+    </dgm:scene3d>
+    <dgm:sp3d contourW="19050" prstMaterial="metal">
+      <a:bevelT w="88900" h="203200"/>
+      <a:bevelB w="165100" h="254000"/>
+    </dgm:sp3d>
+    <dgm:txPr/>
+    <dgm:style>
+      <a:lnRef idx="0">
+        <a:scrgbClr r="0" g="0" b="0"/>
+      </a:lnRef>
+      <a:fillRef idx="1">
+        <a:scrgbClr r="0" g="0" b="0"/>
+      </a:fillRef>
+      <a:effectRef idx="1">
+        <a:scrgbClr r="0" g="0" b="0"/>
+      </a:effectRef>
+      <a:fontRef idx="minor">
+        <a:schemeClr val="lt1"/>
+      </a:fontRef>
+    </dgm:style>
+  </dgm:styleLbl>
+  <dgm:styleLbl name="node3">
+    <dgm:scene3d>
+      <a:camera prst="orthographicFront">
+        <a:rot lat="0" lon="0" rev="0"/>
+      </a:camera>
+      <a:lightRig rig="contrasting" dir="t">
+        <a:rot lat="0" lon="0" rev="1200000"/>
+      </a:lightRig>
+    </dgm:scene3d>
+    <dgm:sp3d contourW="19050" prstMaterial="metal">
+      <a:bevelT w="88900" h="203200"/>
+      <a:bevelB w="165100" h="254000"/>
+    </dgm:sp3d>
+    <dgm:txPr/>
+    <dgm:style>
+      <a:lnRef idx="0">
+        <a:scrgbClr r="0" g="0" b="0"/>
+      </a:lnRef>
+      <a:fillRef idx="1">
+        <a:scrgbClr r="0" g="0" b="0"/>
+      </a:fillRef>
+      <a:effectRef idx="1">
+        <a:scrgbClr r="0" g="0" b="0"/>
+      </a:effectRef>
+      <a:fontRef idx="minor">
+        <a:schemeClr val="lt1"/>
+      </a:fontRef>
+    </dgm:style>
+  </dgm:styleLbl>
+  <dgm:styleLbl name="node4">
+    <dgm:scene3d>
+      <a:camera prst="orthographicFront">
+        <a:rot lat="0" lon="0" rev="0"/>
+      </a:camera>
+      <a:lightRig rig="contrasting" dir="t">
+        <a:rot lat="0" lon="0" rev="1200000"/>
+      </a:lightRig>
+    </dgm:scene3d>
+    <dgm:sp3d contourW="19050" prstMaterial="metal">
+      <a:bevelT w="88900" h="203200"/>
+      <a:bevelB w="165100" h="254000"/>
+    </dgm:sp3d>
+    <dgm:txPr/>
+    <dgm:style>
+      <a:lnRef idx="0">
+        <a:scrgbClr r="0" g="0" b="0"/>
+      </a:lnRef>
+      <a:fillRef idx="1">
+        <a:scrgbClr r="0" g="0" b="0"/>
+      </a:fillRef>
+      <a:effectRef idx="1">
+        <a:scrgbClr r="0" g="0" b="0"/>
+      </a:effectRef>
+      <a:fontRef idx="minor">
+        <a:schemeClr val="lt1"/>
+      </a:fontRef>
+    </dgm:style>
+  </dgm:styleLbl>
+  <dgm:styleLbl name="fgImgPlace1">
+    <dgm:scene3d>
+      <a:camera prst="orthographicFront">
+        <a:rot lat="0" lon="0" rev="0"/>
+      </a:camera>
+      <a:lightRig rig="contrasting" dir="t">
+        <a:rot lat="0" lon="0" rev="1200000"/>
+      </a:lightRig>
+    </dgm:scene3d>
+    <dgm:sp3d z="300000" contourW="19050" prstMaterial="metal">
+      <a:bevelT w="88900" h="203200"/>
+      <a:bevelB w="165100" h="254000"/>
+    </dgm:sp3d>
+    <dgm:txPr/>
+    <dgm:style>
+      <a:lnRef idx="0">
+        <a:scrgbClr r="0" g="0" b="0"/>
+      </a:lnRef>
+      <a:fillRef idx="1">
+        <a:scrgbClr r="0" g="0" b="0"/>
+      </a:fillRef>
+      <a:effectRef idx="1">
+        <a:scrgbClr r="0" g="0" b="0"/>
+      </a:effectRef>
+      <a:fontRef idx="minor"/>
+    </dgm:style>
+  </dgm:styleLbl>
+  <dgm:styleLbl name="alignImgPlace1">
+    <dgm:scene3d>
+      <a:camera prst="orthographicFront">
+        <a:rot lat="0" lon="0" rev="0"/>
+      </a:camera>
+      <a:lightRig rig="contrasting" dir="t">
+        <a:rot lat="0" lon="0" rev="1200000"/>
+      </a:lightRig>
+    </dgm:scene3d>
+    <dgm:sp3d contourW="12700" prstMaterial="flat">
+      <a:bevelT w="177800" h="254000"/>
+      <a:bevelB w="152400"/>
+    </dgm:sp3d>
+    <dgm:txPr/>
+    <dgm:style>
+      <a:lnRef idx="0">
+        <a:scrgbClr r="0" g="0" b="0"/>
+      </a:lnRef>
+      <a:fillRef idx="1">
+        <a:scrgbClr r="0" g="0" b="0"/>
+      </a:fillRef>
+      <a:effectRef idx="1">
+        <a:scrgbClr r="0" g="0" b="0"/>
+      </a:effectRef>
+      <a:fontRef idx="minor"/>
+    </dgm:style>
+  </dgm:styleLbl>
+  <dgm:styleLbl name="bgImgPlace1">
+    <dgm:scene3d>
+      <a:camera prst="orthographicFront">
+        <a:rot lat="0" lon="0" rev="0"/>
+      </a:camera>
+      <a:lightRig rig="contrasting" dir="t">
+        <a:rot lat="0" lon="0" rev="1200000"/>
+      </a:lightRig>
+    </dgm:scene3d>
+    <dgm:sp3d z="-300000" contourW="19050" prstMaterial="metal">
+      <a:bevelT w="88900" h="203200"/>
+      <a:bevelB w="165100" h="254000"/>
+    </dgm:sp3d>
+    <dgm:txPr/>
+    <dgm:style>
+      <a:lnRef idx="0">
+        <a:scrgbClr r="0" g="0" b="0"/>
+      </a:lnRef>
+      <a:fillRef idx="1">
+        <a:scrgbClr r="0" g="0" b="0"/>
+      </a:fillRef>
+      <a:effectRef idx="1">
+        <a:scrgbClr r="0" g="0" b="0"/>
+      </a:effectRef>
+      <a:fontRef idx="minor"/>
+    </dgm:style>
+  </dgm:styleLbl>
+  <dgm:styleLbl name="sibTrans2D1">
+    <dgm:scene3d>
+      <a:camera prst="orthographicFront">
+        <a:rot lat="0" lon="0" rev="0"/>
+      </a:camera>
+      <a:lightRig rig="contrasting" dir="t">
+        <a:rot lat="0" lon="0" rev="1200000"/>
+      </a:lightRig>
+    </dgm:scene3d>
+    <dgm:sp3d z="-182000" contourW="19050" prstMaterial="metal">
+      <a:bevelT w="88900" h="203200"/>
+      <a:bevelB w="165100" h="254000"/>
+    </dgm:sp3d>
+    <dgm:txPr/>
+    <dgm:style>
+      <a:lnRef idx="0">
+        <a:scrgbClr r="0" g="0" b="0"/>
+      </a:lnRef>
+      <a:fillRef idx="1">
+        <a:scrgbClr r="0" g="0" b="0"/>
+      </a:fillRef>
+      <a:effectRef idx="0">
+        <a:scrgbClr r="0" g="0" b="0"/>
+      </a:effectRef>
+      <a:fontRef idx="minor">
+        <a:schemeClr val="lt1"/>
+      </a:fontRef>
+    </dgm:style>
+  </dgm:styleLbl>
+  <dgm:styleLbl name="fgSibTrans2D1">
+    <dgm:scene3d>
+      <a:camera prst="orthographicFront">
+        <a:rot lat="0" lon="0" rev="0"/>
+      </a:camera>
+      <a:lightRig rig="contrasting" dir="t">
+        <a:rot lat="0" lon="0" rev="1200000"/>
+      </a:lightRig>
+    </dgm:scene3d>
+    <dgm:sp3d z="300000" contourW="19050" prstMaterial="metal">
+      <a:bevelT w="88900" h="203200"/>
+      <a:bevelB w="165100" h="254000"/>
+    </dgm:sp3d>
+    <dgm:txPr/>
+    <dgm:style>
+      <a:lnRef idx="0">
+        <a:scrgbClr r="0" g="0" b="0"/>
+      </a:lnRef>
+      <a:fillRef idx="1">
+        <a:scrgbClr r="0" g="0" b="0"/>
+      </a:fillRef>
+      <a:effectRef idx="0">
+        <a:scrgbClr r="0" g="0" b="0"/>
+      </a:effectRef>
+      <a:fontRef idx="minor"/>
+    </dgm:style>
+  </dgm:styleLbl>
+  <dgm:styleLbl name="bgSibTrans2D1">
+    <dgm:scene3d>
+      <a:camera prst="orthographicFront">
+        <a:rot lat="0" lon="0" rev="0"/>
+      </a:camera>
+      <a:lightRig rig="contrasting" dir="t">
+        <a:rot lat="0" lon="0" rev="1200000"/>
+      </a:lightRig>
+    </dgm:scene3d>
+    <dgm:sp3d z="-300000" contourW="19050" prstMaterial="metal">
+      <a:bevelT w="88900" h="203200"/>
+      <a:bevelB w="165100" h="254000"/>
+    </dgm:sp3d>
+    <dgm:txPr/>
+    <dgm:style>
+      <a:lnRef idx="0">
+        <a:scrgbClr r="0" g="0" b="0"/>
+      </a:lnRef>
+      <a:fillRef idx="1">
+        <a:scrgbClr r="0" g="0" b="0"/>
+      </a:fillRef>
+      <a:effectRef idx="0">
+        <a:scrgbClr r="0" g="0" b="0"/>
+      </a:effectRef>
+      <a:fontRef idx="minor"/>
+    </dgm:style>
+  </dgm:styleLbl>
+  <dgm:styleLbl name="sibTrans1D1">
+    <dgm:scene3d>
+      <a:camera prst="orthographicFront">
+        <a:rot lat="0" lon="0" rev="0"/>
+      </a:camera>
+      <a:lightRig rig="contrasting" dir="t">
+        <a:rot lat="0" lon="0" rev="1200000"/>
+      </a:lightRig>
+    </dgm:scene3d>
+    <dgm:sp3d z="-110000"/>
+    <dgm:txPr/>
+    <dgm:style>
+      <a:lnRef idx="1">
+        <a:scrgbClr r="0" g="0" b="0"/>
+      </a:lnRef>
+      <a:fillRef idx="0">
+        <a:scrgbClr r="0" g="0" b="0"/>
+      </a:fillRef>
+      <a:effectRef idx="0">
+        <a:scrgbClr r="0" g="0" b="0"/>
+      </a:effectRef>
+      <a:fontRef idx="minor"/>
+    </dgm:style>
+  </dgm:styleLbl>
+  <dgm:styleLbl name="callout">
+    <dgm:scene3d>
+      <a:camera prst="orthographicFront">
+        <a:rot lat="0" lon="0" rev="0"/>
+      </a:camera>
+      <a:lightRig rig="contrasting" dir="t">
+        <a:rot lat="0" lon="0" rev="1200000"/>
+      </a:lightRig>
+    </dgm:scene3d>
+    <dgm:sp3d z="10000"/>
+    <dgm:txPr/>
+    <dgm:style>
+      <a:lnRef idx="2">
+        <a:scrgbClr r="0" g="0" b="0"/>
+      </a:lnRef>
+      <a:fillRef idx="1">
+        <a:scrgbClr r="0" g="0" b="0"/>
+      </a:fillRef>
+      <a:effectRef idx="0">
+        <a:scrgbClr r="0" g="0" b="0"/>
+      </a:effectRef>
+      <a:fontRef idx="minor"/>
+    </dgm:style>
+  </dgm:styleLbl>
+  <dgm:styleLbl name="asst0">
+    <dgm:scene3d>
+      <a:camera prst="orthographicFront">
+        <a:rot lat="0" lon="0" rev="0"/>
+      </a:camera>
+      <a:lightRig rig="contrasting" dir="t">
+        <a:rot lat="0" lon="0" rev="1200000"/>
+      </a:lightRig>
+    </dgm:scene3d>
+    <dgm:sp3d contourW="19050" prstMaterial="metal">
+      <a:bevelT w="88900" h="203200"/>
+      <a:bevelB w="165100" h="254000"/>
+    </dgm:sp3d>
+    <dgm:txPr/>
+    <dgm:style>
+      <a:lnRef idx="0">
+        <a:scrgbClr r="0" g="0" b="0"/>
+      </a:lnRef>
+      <a:fillRef idx="1">
+        <a:scrgbClr r="0" g="0" b="0"/>
+      </a:fillRef>
+      <a:effectRef idx="1">
+        <a:scrgbClr r="0" g="0" b="0"/>
+      </a:effectRef>
+      <a:fontRef idx="minor">
+        <a:schemeClr val="lt1"/>
+      </a:fontRef>
+    </dgm:style>
+  </dgm:styleLbl>
+  <dgm:styleLbl name="asst1">
+    <dgm:scene3d>
+      <a:camera prst="orthographicFront">
+        <a:rot lat="0" lon="0" rev="0"/>
+      </a:camera>
+      <a:lightRig rig="contrasting" dir="t">
+        <a:rot lat="0" lon="0" rev="1200000"/>
+      </a:lightRig>
+    </dgm:scene3d>
+    <dgm:sp3d contourW="19050" prstMaterial="metal">
+      <a:bevelT w="88900" h="203200"/>
+      <a:bevelB w="165100" h="254000"/>
+    </dgm:sp3d>
+    <dgm:txPr/>
+    <dgm:style>
+      <a:lnRef idx="0">
+        <a:scrgbClr r="0" g="0" b="0"/>
+      </a:lnRef>
+      <a:fillRef idx="1">
+        <a:scrgbClr r="0" g="0" b="0"/>
+      </a:fillRef>
+      <a:effectRef idx="1">
+        <a:scrgbClr r="0" g="0" b="0"/>
+      </a:effectRef>
+      <a:fontRef idx="minor">
+        <a:schemeClr val="lt1"/>
+      </a:fontRef>
+    </dgm:style>
+  </dgm:styleLbl>
+  <dgm:styleLbl name="asst2">
+    <dgm:scene3d>
+      <a:camera prst="orthographicFront">
+        <a:rot lat="0" lon="0" rev="0"/>
+      </a:camera>
+      <a:lightRig rig="contrasting" dir="t">
+        <a:rot lat="0" lon="0" rev="1200000"/>
+      </a:lightRig>
+    </dgm:scene3d>
+    <dgm:sp3d contourW="19050" prstMaterial="metal">
+      <a:bevelT w="88900" h="203200"/>
+      <a:bevelB w="165100" h="254000"/>
+    </dgm:sp3d>
+    <dgm:txPr/>
+    <dgm:style>
+      <a:lnRef idx="0">
+        <a:scrgbClr r="0" g="0" b="0"/>
+      </a:lnRef>
+      <a:fillRef idx="1">
+        <a:scrgbClr r="0" g="0" b="0"/>
+      </a:fillRef>
+      <a:effectRef idx="1">
+        <a:scrgbClr r="0" g="0" b="0"/>
+      </a:effectRef>
+      <a:fontRef idx="minor">
+        <a:schemeClr val="lt1"/>
+      </a:fontRef>
+    </dgm:style>
+  </dgm:styleLbl>
+  <dgm:styleLbl name="asst3">
+    <dgm:scene3d>
+      <a:camera prst="orthographicFront">
+        <a:rot lat="0" lon="0" rev="0"/>
+      </a:camera>
+      <a:lightRig rig="contrasting" dir="t">
+        <a:rot lat="0" lon="0" rev="1200000"/>
+      </a:lightRig>
+    </dgm:scene3d>
+    <dgm:sp3d contourW="19050" prstMaterial="metal">
+      <a:bevelT w="88900" h="203200"/>
+      <a:bevelB w="165100" h="254000"/>
+    </dgm:sp3d>
+    <dgm:txPr/>
+    <dgm:style>
+      <a:lnRef idx="0">
+        <a:scrgbClr r="0" g="0" b="0"/>
+      </a:lnRef>
+      <a:fillRef idx="1">
+        <a:scrgbClr r="0" g="0" b="0"/>
+      </a:fillRef>
+      <a:effectRef idx="1">
+        <a:scrgbClr r="0" g="0" b="0"/>
+      </a:effectRef>
+      <a:fontRef idx="minor">
+        <a:schemeClr val="lt1"/>
+      </a:fontRef>
+    </dgm:style>
+  </dgm:styleLbl>
   <dgm:styleLbl name="asst4">
     <dgm:scene3d>
       <a:camera prst="orthographicFront"/>
       <a:lightRig rig="threePt" dir="t"/>
     </dgm:scene3d>
-    <dgm:sp3d/>
+    <dgm:sp3d contourW="19050" prstMaterial="metal">
+      <a:bevelT w="88900" h="203200"/>
+      <a:bevelB w="165100" h="254000"/>
+    </dgm:sp3d>
     <dgm:txPr/>
     <dgm:style>
-      <a:lnRef idx="2">
+      <a:lnRef idx="0">
         <a:scrgbClr r="0" g="0" b="0"/>
       </a:lnRef>
       <a:fillRef idx="1">
         <a:scrgbClr r="0" g="0" b="0"/>
       </a:fillRef>
-      <a:effectRef idx="0">
+      <a:effectRef idx="1">
         <a:scrgbClr r="0" g="0" b="0"/>
       </a:effectRef>
       <a:fontRef idx="minor">
@@ -7732,103 +9345,199 @@
   </dgm:styleLbl>
   <dgm:styleLbl name="parChTrans2D1">
     <dgm:scene3d>
-      <a:camera prst="orthographicFront"/>
-      <a:lightRig rig="threePt" dir="t"/>
+      <a:camera prst="orthographicFront">
+        <a:rot lat="0" lon="0" rev="0"/>
+      </a:camera>
+      <a:lightRig rig="contrasting" dir="t">
+        <a:rot lat="0" lon="0" rev="1200000"/>
+      </a:lightRig>
     </dgm:scene3d>
-    <dgm:sp3d/>
+    <dgm:sp3d contourW="19050" prstMaterial="metal">
+      <a:bevelT w="88900" h="203200"/>
+      <a:bevelB w="165100" h="254000"/>
+    </dgm:sp3d>
+    <dgm:txPr/>
+    <dgm:style>
+      <a:lnRef idx="0">
+        <a:scrgbClr r="0" g="0" b="0"/>
+      </a:lnRef>
+      <a:fillRef idx="1">
+        <a:scrgbClr r="0" g="0" b="0"/>
+      </a:fillRef>
+      <a:effectRef idx="0">
+        <a:scrgbClr r="0" g="0" b="0"/>
+      </a:effectRef>
+      <a:fontRef idx="minor"/>
+    </dgm:style>
+  </dgm:styleLbl>
+  <dgm:styleLbl name="parChTrans2D2">
+    <dgm:scene3d>
+      <a:camera prst="orthographicFront">
+        <a:rot lat="0" lon="0" rev="0"/>
+      </a:camera>
+      <a:lightRig rig="contrasting" dir="t">
+        <a:rot lat="0" lon="0" rev="1200000"/>
+      </a:lightRig>
+    </dgm:scene3d>
+    <dgm:sp3d contourW="19050" prstMaterial="metal">
+      <a:bevelT w="88900" h="203200"/>
+      <a:bevelB w="165100" h="254000"/>
+    </dgm:sp3d>
+    <dgm:txPr/>
+    <dgm:style>
+      <a:lnRef idx="0">
+        <a:scrgbClr r="0" g="0" b="0"/>
+      </a:lnRef>
+      <a:fillRef idx="1">
+        <a:scrgbClr r="0" g="0" b="0"/>
+      </a:fillRef>
+      <a:effectRef idx="0">
+        <a:scrgbClr r="0" g="0" b="0"/>
+      </a:effectRef>
+      <a:fontRef idx="minor"/>
+    </dgm:style>
+  </dgm:styleLbl>
+  <dgm:styleLbl name="parChTrans2D3">
+    <dgm:scene3d>
+      <a:camera prst="orthographicFront">
+        <a:rot lat="0" lon="0" rev="0"/>
+      </a:camera>
+      <a:lightRig rig="contrasting" dir="t">
+        <a:rot lat="0" lon="0" rev="1200000"/>
+      </a:lightRig>
+    </dgm:scene3d>
+    <dgm:sp3d contourW="19050" prstMaterial="metal">
+      <a:bevelT w="88900" h="203200"/>
+      <a:bevelB w="165100" h="254000"/>
+    </dgm:sp3d>
+    <dgm:txPr/>
+    <dgm:style>
+      <a:lnRef idx="0">
+        <a:scrgbClr r="0" g="0" b="0"/>
+      </a:lnRef>
+      <a:fillRef idx="1">
+        <a:scrgbClr r="0" g="0" b="0"/>
+      </a:fillRef>
+      <a:effectRef idx="0">
+        <a:scrgbClr r="0" g="0" b="0"/>
+      </a:effectRef>
+      <a:fontRef idx="minor"/>
+    </dgm:style>
+  </dgm:styleLbl>
+  <dgm:styleLbl name="parChTrans2D4">
+    <dgm:scene3d>
+      <a:camera prst="orthographicFront">
+        <a:rot lat="0" lon="0" rev="0"/>
+      </a:camera>
+      <a:lightRig rig="contrasting" dir="t">
+        <a:rot lat="0" lon="0" rev="1200000"/>
+      </a:lightRig>
+    </dgm:scene3d>
+    <dgm:sp3d contourW="19050" prstMaterial="metal">
+      <a:bevelT w="88900" h="203200"/>
+      <a:bevelB w="165100" h="254000"/>
+    </dgm:sp3d>
+    <dgm:txPr/>
+    <dgm:style>
+      <a:lnRef idx="0">
+        <a:scrgbClr r="0" g="0" b="0"/>
+      </a:lnRef>
+      <a:fillRef idx="1">
+        <a:scrgbClr r="0" g="0" b="0"/>
+      </a:fillRef>
+      <a:effectRef idx="0">
+        <a:scrgbClr r="0" g="0" b="0"/>
+      </a:effectRef>
+      <a:fontRef idx="minor"/>
+    </dgm:style>
+  </dgm:styleLbl>
+  <dgm:styleLbl name="parChTrans1D1">
+    <dgm:scene3d>
+      <a:camera prst="orthographicFront">
+        <a:rot lat="0" lon="0" rev="0"/>
+      </a:camera>
+      <a:lightRig rig="contrasting" dir="t">
+        <a:rot lat="0" lon="0" rev="1200000"/>
+      </a:lightRig>
+    </dgm:scene3d>
+    <dgm:sp3d z="-110000"/>
     <dgm:txPr/>
     <dgm:style>
       <a:lnRef idx="2">
         <a:scrgbClr r="0" g="0" b="0"/>
       </a:lnRef>
-      <a:fillRef idx="1">
+      <a:fillRef idx="0">
         <a:scrgbClr r="0" g="0" b="0"/>
       </a:fillRef>
       <a:effectRef idx="0">
         <a:scrgbClr r="0" g="0" b="0"/>
       </a:effectRef>
-      <a:fontRef idx="minor">
-        <a:schemeClr val="lt1"/>
-      </a:fontRef>
+      <a:fontRef idx="minor"/>
     </dgm:style>
   </dgm:styleLbl>
-  <dgm:styleLbl name="parChTrans2D2">
+  <dgm:styleLbl name="parChTrans1D2">
     <dgm:scene3d>
-      <a:camera prst="orthographicFront"/>
-      <a:lightRig rig="threePt" dir="t"/>
+      <a:camera prst="orthographicFront">
+        <a:rot lat="0" lon="0" rev="0"/>
+      </a:camera>
+      <a:lightRig rig="contrasting" dir="t">
+        <a:rot lat="0" lon="0" rev="1200000"/>
+      </a:lightRig>
     </dgm:scene3d>
-    <dgm:sp3d/>
+    <dgm:sp3d z="-110000"/>
     <dgm:txPr/>
     <dgm:style>
       <a:lnRef idx="2">
         <a:scrgbClr r="0" g="0" b="0"/>
       </a:lnRef>
-      <a:fillRef idx="1">
+      <a:fillRef idx="0">
         <a:scrgbClr r="0" g="0" b="0"/>
       </a:fillRef>
       <a:effectRef idx="0">
         <a:scrgbClr r="0" g="0" b="0"/>
       </a:effectRef>
-      <a:fontRef idx="minor">
-        <a:schemeClr val="lt1"/>
-      </a:fontRef>
+      <a:fontRef idx="minor"/>
     </dgm:style>
   </dgm:styleLbl>
-  <dgm:styleLbl name="parChTrans2D3">
+  <dgm:styleLbl name="parChTrans1D3">
     <dgm:scene3d>
-      <a:camera prst="orthographicFront"/>
-      <a:lightRig rig="threePt" dir="t"/>
+      <a:camera prst="orthographicFront">
+        <a:rot lat="0" lon="0" rev="0"/>
+      </a:camera>
+      <a:lightRig rig="contrasting" dir="t">
+        <a:rot lat="0" lon="0" rev="1200000"/>
+      </a:lightRig>
     </dgm:scene3d>
-    <dgm:sp3d/>
+    <dgm:sp3d z="-110000"/>
     <dgm:txPr/>
     <dgm:style>
       <a:lnRef idx="2">
         <a:scrgbClr r="0" g="0" b="0"/>
       </a:lnRef>
-      <a:fillRef idx="1">
+      <a:fillRef idx="0">
         <a:scrgbClr r="0" g="0" b="0"/>
       </a:fillRef>
       <a:effectRef idx="0">
         <a:scrgbClr r="0" g="0" b="0"/>
       </a:effectRef>
-      <a:fontRef idx="minor">
-        <a:schemeClr val="lt1"/>
-      </a:fontRef>
+      <a:fontRef idx="minor"/>
     </dgm:style>
   </dgm:styleLbl>
-  <dgm:styleLbl name="parChTrans2D4">
+  <dgm:styleLbl name="parChTrans1D4">
     <dgm:scene3d>
-      <a:camera prst="orthographicFront"/>
-      <a:lightRig rig="threePt" dir="t"/>
+      <a:camera prst="orthographicFront">
+        <a:rot lat="0" lon="0" rev="0"/>
+      </a:camera>
+      <a:lightRig rig="contrasting" dir="t">
+        <a:rot lat="0" lon="0" rev="1200000"/>
+      </a:lightRig>
     </dgm:scene3d>
-    <dgm:sp3d/>
+    <dgm:sp3d z="-110000"/>
     <dgm:txPr/>
     <dgm:style>
       <a:lnRef idx="2">
         <a:scrgbClr r="0" g="0" b="0"/>
       </a:lnRef>
-      <a:fillRef idx="1">
-        <a:scrgbClr r="0" g="0" b="0"/>
-      </a:fillRef>
-      <a:effectRef idx="0">
-        <a:scrgbClr r="0" g="0" b="0"/>
-      </a:effectRef>
-      <a:fontRef idx="minor">
-        <a:schemeClr val="lt1"/>
-      </a:fontRef>
-    </dgm:style>
-  </dgm:styleLbl>
-  <dgm:styleLbl name="parChTrans1D1">
-    <dgm:scene3d>
-      <a:camera prst="orthographicFront"/>
-      <a:lightRig rig="threePt" dir="t"/>
-    </dgm:scene3d>
-    <dgm:sp3d/>
-    <dgm:txPr/>
-    <dgm:style>
-      <a:lnRef idx="2">
-        <a:scrgbClr r="0" g="0" b="0"/>
-      </a:lnRef>
       <a:fillRef idx="0">
         <a:scrgbClr r="0" g="0" b="0"/>
       </a:fillRef>
@@ -7838,18 +9547,25 @@
       <a:fontRef idx="minor"/>
     </dgm:style>
   </dgm:styleLbl>
-  <dgm:styleLbl name="parChTrans1D2">
+  <dgm:styleLbl name="fgAcc1">
     <dgm:scene3d>
-      <a:camera prst="orthographicFront"/>
-      <a:lightRig rig="threePt" dir="t"/>
+      <a:camera prst="orthographicFront">
+        <a:rot lat="0" lon="0" rev="0"/>
+      </a:camera>
+      <a:lightRig rig="contrasting" dir="t">
+        <a:rot lat="0" lon="0" rev="1200000"/>
+      </a:lightRig>
     </dgm:scene3d>
-    <dgm:sp3d/>
+    <dgm:sp3d z="300000" contourW="19050" prstMaterial="metal">
+      <a:bevelT w="88900" h="203200"/>
+      <a:bevelB w="165100" h="254000"/>
+    </dgm:sp3d>
     <dgm:txPr/>
     <dgm:style>
-      <a:lnRef idx="2">
+      <a:lnRef idx="0">
         <a:scrgbClr r="0" g="0" b="0"/>
       </a:lnRef>
-      <a:fillRef idx="0">
+      <a:fillRef idx="1">
         <a:scrgbClr r="0" g="0" b="0"/>
       </a:fillRef>
       <a:effectRef idx="0">
@@ -7858,18 +9574,25 @@
       <a:fontRef idx="minor"/>
     </dgm:style>
   </dgm:styleLbl>
-  <dgm:styleLbl name="parChTrans1D3">
+  <dgm:styleLbl name="conFgAcc1">
     <dgm:scene3d>
-      <a:camera prst="orthographicFront"/>
-      <a:lightRig rig="threePt" dir="t"/>
+      <a:camera prst="orthographicFront">
+        <a:rot lat="0" lon="0" rev="0"/>
+      </a:camera>
+      <a:lightRig rig="contrasting" dir="t">
+        <a:rot lat="0" lon="0" rev="1200000"/>
+      </a:lightRig>
     </dgm:scene3d>
-    <dgm:sp3d/>
+    <dgm:sp3d z="300000" contourW="19050" prstMaterial="metal">
+      <a:bevelT w="88900" h="203200"/>
+      <a:bevelB w="165100" h="254000"/>
+    </dgm:sp3d>
     <dgm:txPr/>
     <dgm:style>
-      <a:lnRef idx="2">
+      <a:lnRef idx="0">
         <a:scrgbClr r="0" g="0" b="0"/>
       </a:lnRef>
-      <a:fillRef idx="0">
+      <a:fillRef idx="1">
         <a:scrgbClr r="0" g="0" b="0"/>
       </a:fillRef>
       <a:effectRef idx="0">
@@ -7878,18 +9601,25 @@
       <a:fontRef idx="minor"/>
     </dgm:style>
   </dgm:styleLbl>
-  <dgm:styleLbl name="parChTrans1D4">
+  <dgm:styleLbl name="alignAcc1">
     <dgm:scene3d>
-      <a:camera prst="orthographicFront"/>
-      <a:lightRig rig="threePt" dir="t"/>
+      <a:camera prst="orthographicFront">
+        <a:rot lat="0" lon="0" rev="0"/>
+      </a:camera>
+      <a:lightRig rig="contrasting" dir="t">
+        <a:rot lat="0" lon="0" rev="1200000"/>
+      </a:lightRig>
     </dgm:scene3d>
-    <dgm:sp3d/>
+    <dgm:sp3d contourW="19050" prstMaterial="metal">
+      <a:bevelT w="88900" h="203200"/>
+      <a:bevelB w="165100" h="254000"/>
+    </dgm:sp3d>
     <dgm:txPr/>
     <dgm:style>
-      <a:lnRef idx="2">
+      <a:lnRef idx="0">
         <a:scrgbClr r="0" g="0" b="0"/>
       </a:lnRef>
-      <a:fillRef idx="0">
+      <a:fillRef idx="1">
         <a:scrgbClr r="0" g="0" b="0"/>
       </a:fillRef>
       <a:effectRef idx="0">
@@ -7898,35 +9628,49 @@
       <a:fontRef idx="minor"/>
     </dgm:style>
   </dgm:styleLbl>
-  <dgm:styleLbl name="fgAcc1">
+  <dgm:styleLbl name="trAlignAcc1">
     <dgm:scene3d>
-      <a:camera prst="orthographicFront"/>
-      <a:lightRig rig="threePt" dir="t"/>
+      <a:camera prst="orthographicFront">
+        <a:rot lat="0" lon="0" rev="0"/>
+      </a:camera>
+      <a:lightRig rig="contrasting" dir="t">
+        <a:rot lat="0" lon="0" rev="1200000"/>
+      </a:lightRig>
     </dgm:scene3d>
-    <dgm:sp3d/>
+    <dgm:sp3d contourW="19050" prstMaterial="metal">
+      <a:bevelT w="88900" h="203200"/>
+      <a:bevelB w="165100" h="254000"/>
+    </dgm:sp3d>
     <dgm:txPr/>
     <dgm:style>
-      <a:lnRef idx="2">
+      <a:lnRef idx="0">
         <a:scrgbClr r="0" g="0" b="0"/>
       </a:lnRef>
       <a:fillRef idx="1">
         <a:scrgbClr r="0" g="0" b="0"/>
       </a:fillRef>
-      <a:effectRef idx="0">
+      <a:effectRef idx="1">
         <a:scrgbClr r="0" g="0" b="0"/>
       </a:effectRef>
       <a:fontRef idx="minor"/>
     </dgm:style>
   </dgm:styleLbl>
-  <dgm:styleLbl name="conFgAcc1">
+  <dgm:styleLbl name="bgAcc1">
     <dgm:scene3d>
-      <a:camera prst="orthographicFront"/>
-      <a:lightRig rig="threePt" dir="t"/>
+      <a:camera prst="orthographicFront">
+        <a:rot lat="0" lon="0" rev="0"/>
+      </a:camera>
+      <a:lightRig rig="contrasting" dir="t">
+        <a:rot lat="0" lon="0" rev="1200000"/>
+      </a:lightRig>
     </dgm:scene3d>
-    <dgm:sp3d/>
+    <dgm:sp3d z="-300000" contourW="19050" prstMaterial="metal">
+      <a:bevelT w="88900" h="203200"/>
+      <a:bevelB w="165100" h="254000"/>
+    </dgm:sp3d>
     <dgm:txPr/>
     <dgm:style>
-      <a:lnRef idx="2">
+      <a:lnRef idx="0">
         <a:scrgbClr r="0" g="0" b="0"/>
       </a:lnRef>
       <a:fillRef idx="1">
@@ -7938,15 +9682,22 @@
       <a:fontRef idx="minor"/>
     </dgm:style>
   </dgm:styleLbl>
-  <dgm:styleLbl name="alignAcc1">
+  <dgm:styleLbl name="solidFgAcc1">
     <dgm:scene3d>
-      <a:camera prst="orthographicFront"/>
-      <a:lightRig rig="threePt" dir="t"/>
+      <a:camera prst="orthographicFront">
+        <a:rot lat="0" lon="0" rev="0"/>
+      </a:camera>
+      <a:lightRig rig="contrasting" dir="t">
+        <a:rot lat="0" lon="0" rev="1200000"/>
+      </a:lightRig>
     </dgm:scene3d>
-    <dgm:sp3d/>
+    <dgm:sp3d z="300000" contourW="12700" prstMaterial="flat">
+      <a:bevelT w="177800" h="254000"/>
+      <a:bevelB w="152400"/>
+    </dgm:sp3d>
     <dgm:txPr/>
     <dgm:style>
-      <a:lnRef idx="2">
+      <a:lnRef idx="0">
         <a:scrgbClr r="0" g="0" b="0"/>
       </a:lnRef>
       <a:fillRef idx="1">
@@ -7958,7 +9709,352 @@
       <a:fontRef idx="minor"/>
     </dgm:style>
   </dgm:styleLbl>
-  <dgm:styleLbl name="trAlignAcc1">
+  <dgm:styleLbl name="solidAlignAcc1">
+    <dgm:scene3d>
+      <a:camera prst="orthographicFront">
+        <a:rot lat="0" lon="0" rev="0"/>
+      </a:camera>
+      <a:lightRig rig="contrasting" dir="t">
+        <a:rot lat="0" lon="0" rev="1200000"/>
+      </a:lightRig>
+    </dgm:scene3d>
+    <dgm:sp3d contourW="19050" prstMaterial="metal">
+      <a:bevelT w="88900" h="203200"/>
+      <a:bevelB w="165100" h="254000"/>
+    </dgm:sp3d>
+    <dgm:txPr/>
+    <dgm:style>
+      <a:lnRef idx="0">
+        <a:scrgbClr r="0" g="0" b="0"/>
+      </a:lnRef>
+      <a:fillRef idx="1">
+        <a:scrgbClr r="0" g="0" b="0"/>
+      </a:fillRef>
+      <a:effectRef idx="0">
+        <a:scrgbClr r="0" g="0" b="0"/>
+      </a:effectRef>
+      <a:fontRef idx="minor"/>
+    </dgm:style>
+  </dgm:styleLbl>
+  <dgm:styleLbl name="solidBgAcc1">
+    <dgm:scene3d>
+      <a:camera prst="orthographicFront">
+        <a:rot lat="0" lon="0" rev="0"/>
+      </a:camera>
+      <a:lightRig rig="contrasting" dir="t">
+        <a:rot lat="0" lon="0" rev="1200000"/>
+      </a:lightRig>
+    </dgm:scene3d>
+    <dgm:sp3d z="-300000" contourW="19050" prstMaterial="metal">
+      <a:bevelT w="88900" h="203200"/>
+      <a:bevelB w="165100" h="254000"/>
+    </dgm:sp3d>
+    <dgm:txPr/>
+    <dgm:style>
+      <a:lnRef idx="0">
+        <a:scrgbClr r="0" g="0" b="0"/>
+      </a:lnRef>
+      <a:fillRef idx="1">
+        <a:scrgbClr r="0" g="0" b="0"/>
+      </a:fillRef>
+      <a:effectRef idx="0">
+        <a:scrgbClr r="0" g="0" b="0"/>
+      </a:effectRef>
+      <a:fontRef idx="minor"/>
+    </dgm:style>
+  </dgm:styleLbl>
+  <dgm:styleLbl name="fgAccFollowNode1">
+    <dgm:scene3d>
+      <a:camera prst="orthographicFront">
+        <a:rot lat="0" lon="0" rev="0"/>
+      </a:camera>
+      <a:lightRig rig="contrasting" dir="t">
+        <a:rot lat="0" lon="0" rev="1200000"/>
+      </a:lightRig>
+    </dgm:scene3d>
+    <dgm:sp3d z="300000" contourW="19050" prstMaterial="metal">
+      <a:bevelT w="88900" h="203200"/>
+      <a:bevelB w="165100" h="254000"/>
+    </dgm:sp3d>
+    <dgm:txPr/>
+    <dgm:style>
+      <a:lnRef idx="0">
+        <a:scrgbClr r="0" g="0" b="0"/>
+      </a:lnRef>
+      <a:fillRef idx="1">
+        <a:scrgbClr r="0" g="0" b="0"/>
+      </a:fillRef>
+      <a:effectRef idx="0">
+        <a:scrgbClr r="0" g="0" b="0"/>
+      </a:effectRef>
+      <a:fontRef idx="minor"/>
+    </dgm:style>
+  </dgm:styleLbl>
+  <dgm:styleLbl name="alignAccFollowNode1">
+    <dgm:scene3d>
+      <a:camera prst="orthographicFront">
+        <a:rot lat="0" lon="0" rev="0"/>
+      </a:camera>
+      <a:lightRig rig="contrasting" dir="t">
+        <a:rot lat="0" lon="0" rev="1200000"/>
+      </a:lightRig>
+    </dgm:scene3d>
+    <dgm:sp3d contourW="19050" prstMaterial="metal">
+      <a:bevelT w="88900" h="203200"/>
+      <a:bevelB w="165100" h="254000"/>
+    </dgm:sp3d>
+    <dgm:txPr/>
+    <dgm:style>
+      <a:lnRef idx="0">
+        <a:scrgbClr r="0" g="0" b="0"/>
+      </a:lnRef>
+      <a:fillRef idx="1">
+        <a:scrgbClr r="0" g="0" b="0"/>
+      </a:fillRef>
+      <a:effectRef idx="0">
+        <a:scrgbClr r="0" g="0" b="0"/>
+      </a:effectRef>
+      <a:fontRef idx="minor"/>
+    </dgm:style>
+  </dgm:styleLbl>
+  <dgm:styleLbl name="bgAccFollowNode1">
+    <dgm:scene3d>
+      <a:camera prst="orthographicFront">
+        <a:rot lat="0" lon="0" rev="0"/>
+      </a:camera>
+      <a:lightRig rig="contrasting" dir="t">
+        <a:rot lat="0" lon="0" rev="1200000"/>
+      </a:lightRig>
+    </dgm:scene3d>
+    <dgm:sp3d z="-300000" contourW="19050" prstMaterial="metal">
+      <a:bevelT w="88900" h="203200"/>
+      <a:bevelB w="165100" h="254000"/>
+    </dgm:sp3d>
+    <dgm:txPr/>
+    <dgm:style>
+      <a:lnRef idx="0">
+        <a:scrgbClr r="0" g="0" b="0"/>
+      </a:lnRef>
+      <a:fillRef idx="1">
+        <a:scrgbClr r="0" g="0" b="0"/>
+      </a:fillRef>
+      <a:effectRef idx="0">
+        <a:scrgbClr r="0" g="0" b="0"/>
+      </a:effectRef>
+      <a:fontRef idx="minor"/>
+    </dgm:style>
+  </dgm:styleLbl>
+  <dgm:styleLbl name="fgAcc0">
+    <dgm:scene3d>
+      <a:camera prst="orthographicFront">
+        <a:rot lat="0" lon="0" rev="0"/>
+      </a:camera>
+      <a:lightRig rig="contrasting" dir="t">
+        <a:rot lat="0" lon="0" rev="1200000"/>
+      </a:lightRig>
+    </dgm:scene3d>
+    <dgm:sp3d z="300000" contourW="19050" prstMaterial="metal">
+      <a:bevelT w="88900" h="203200"/>
+      <a:bevelB w="165100" h="254000"/>
+    </dgm:sp3d>
+    <dgm:txPr/>
+    <dgm:style>
+      <a:lnRef idx="0">
+        <a:scrgbClr r="0" g="0" b="0"/>
+      </a:lnRef>
+      <a:fillRef idx="1">
+        <a:scrgbClr r="0" g="0" b="0"/>
+      </a:fillRef>
+      <a:effectRef idx="0">
+        <a:scrgbClr r="0" g="0" b="0"/>
+      </a:effectRef>
+      <a:fontRef idx="minor"/>
+    </dgm:style>
+  </dgm:styleLbl>
+  <dgm:styleLbl name="fgAcc2">
+    <dgm:scene3d>
+      <a:camera prst="orthographicFront">
+        <a:rot lat="0" lon="0" rev="0"/>
+      </a:camera>
+      <a:lightRig rig="contrasting" dir="t">
+        <a:rot lat="0" lon="0" rev="1200000"/>
+      </a:lightRig>
+    </dgm:scene3d>
+    <dgm:sp3d z="300000" contourW="19050" prstMaterial="metal">
+      <a:bevelT w="88900" h="203200"/>
+      <a:bevelB w="165100" h="254000"/>
+    </dgm:sp3d>
+    <dgm:txPr/>
+    <dgm:style>
+      <a:lnRef idx="0">
+        <a:scrgbClr r="0" g="0" b="0"/>
+      </a:lnRef>
+      <a:fillRef idx="1">
+        <a:scrgbClr r="0" g="0" b="0"/>
+      </a:fillRef>
+      <a:effectRef idx="0">
+        <a:scrgbClr r="0" g="0" b="0"/>
+      </a:effectRef>
+      <a:fontRef idx="minor"/>
+    </dgm:style>
+  </dgm:styleLbl>
+  <dgm:styleLbl name="fgAcc3">
+    <dgm:scene3d>
+      <a:camera prst="orthographicFront">
+        <a:rot lat="0" lon="0" rev="0"/>
+      </a:camera>
+      <a:lightRig rig="contrasting" dir="t">
+        <a:rot lat="0" lon="0" rev="1200000"/>
+      </a:lightRig>
+    </dgm:scene3d>
+    <dgm:sp3d z="300000" contourW="19050" prstMaterial="metal">
+      <a:bevelT w="88900" h="203200"/>
+      <a:bevelB w="165100" h="254000"/>
+    </dgm:sp3d>
+    <dgm:txPr/>
+    <dgm:style>
+      <a:lnRef idx="0">
+        <a:scrgbClr r="0" g="0" b="0"/>
+      </a:lnRef>
+      <a:fillRef idx="1">
+        <a:scrgbClr r="0" g="0" b="0"/>
+      </a:fillRef>
+      <a:effectRef idx="0">
+        <a:scrgbClr r="0" g="0" b="0"/>
+      </a:effectRef>
+      <a:fontRef idx="minor"/>
+    </dgm:style>
+  </dgm:styleLbl>
+  <dgm:styleLbl name="fgAcc4">
+    <dgm:scene3d>
+      <a:camera prst="orthographicFront">
+        <a:rot lat="0" lon="0" rev="0"/>
+      </a:camera>
+      <a:lightRig rig="contrasting" dir="t">
+        <a:rot lat="0" lon="0" rev="1200000"/>
+      </a:lightRig>
+    </dgm:scene3d>
+    <dgm:sp3d z="300000" contourW="19050" prstMaterial="metal">
+      <a:bevelT w="88900" h="203200"/>
+      <a:bevelB w="165100" h="254000"/>
+    </dgm:sp3d>
+    <dgm:txPr/>
+    <dgm:style>
+      <a:lnRef idx="0">
+        <a:scrgbClr r="0" g="0" b="0"/>
+      </a:lnRef>
+      <a:fillRef idx="1">
+        <a:scrgbClr r="0" g="0" b="0"/>
+      </a:fillRef>
+      <a:effectRef idx="0">
+        <a:scrgbClr r="0" g="0" b="0"/>
+      </a:effectRef>
+      <a:fontRef idx="minor"/>
+    </dgm:style>
+  </dgm:styleLbl>
+  <dgm:styleLbl name="bgShp">
+    <dgm:scene3d>
+      <a:camera prst="orthographicFront">
+        <a:rot lat="0" lon="0" rev="0"/>
+      </a:camera>
+      <a:lightRig rig="contrasting" dir="t">
+        <a:rot lat="0" lon="0" rev="1200000"/>
+      </a:lightRig>
+    </dgm:scene3d>
+    <dgm:sp3d z="-300000" prstMaterial="plastic"/>
+    <dgm:txPr/>
+    <dgm:style>
+      <a:lnRef idx="1">
+        <a:scrgbClr r="0" g="0" b="0"/>
+      </a:lnRef>
+      <a:fillRef idx="1">
+        <a:scrgbClr r="0" g="0" b="0"/>
+      </a:fillRef>
+      <a:effectRef idx="0">
+        <a:scrgbClr r="0" g="0" b="0"/>
+      </a:effectRef>
+      <a:fontRef idx="minor"/>
+    </dgm:style>
+  </dgm:styleLbl>
+  <dgm:styleLbl name="dkBgShp">
+    <dgm:scene3d>
+      <a:camera prst="orthographicFront">
+        <a:rot lat="0" lon="0" rev="0"/>
+      </a:camera>
+      <a:lightRig rig="contrasting" dir="t">
+        <a:rot lat="0" lon="0" rev="1200000"/>
+      </a:lightRig>
+    </dgm:scene3d>
+    <dgm:sp3d contourW="12700" prstMaterial="flat">
+      <a:bevelT w="100800" h="154000"/>
+      <a:bevelB w="152400"/>
+    </dgm:sp3d>
+    <dgm:txPr/>
+    <dgm:style>
+      <a:lnRef idx="0">
+        <a:scrgbClr r="0" g="0" b="0"/>
+      </a:lnRef>
+      <a:fillRef idx="1">
+        <a:scrgbClr r="0" g="0" b="0"/>
+      </a:fillRef>
+      <a:effectRef idx="0">
+        <a:scrgbClr r="0" g="0" b="0"/>
+      </a:effectRef>
+      <a:fontRef idx="minor"/>
+    </dgm:style>
+  </dgm:styleLbl>
+  <dgm:styleLbl name="trBgShp">
+    <dgm:scene3d>
+      <a:camera prst="orthographicFront">
+        <a:rot lat="0" lon="0" rev="0"/>
+      </a:camera>
+      <a:lightRig rig="contrasting" dir="t">
+        <a:rot lat="0" lon="0" rev="1200000"/>
+      </a:lightRig>
+    </dgm:scene3d>
+    <dgm:sp3d z="-152400" prstMaterial="matte"/>
+    <dgm:txPr/>
+    <dgm:style>
+      <a:lnRef idx="1">
+        <a:scrgbClr r="0" g="0" b="0"/>
+      </a:lnRef>
+      <a:fillRef idx="1">
+        <a:scrgbClr r="0" g="0" b="0"/>
+      </a:fillRef>
+      <a:effectRef idx="0">
+        <a:scrgbClr r="0" g="0" b="0"/>
+      </a:effectRef>
+      <a:fontRef idx="minor"/>
+    </dgm:style>
+  </dgm:styleLbl>
+  <dgm:styleLbl name="fgShp">
+    <dgm:scene3d>
+      <a:camera prst="orthographicFront">
+        <a:rot lat="0" lon="0" rev="0"/>
+      </a:camera>
+      <a:lightRig rig="contrasting" dir="t">
+        <a:rot lat="0" lon="0" rev="1200000"/>
+      </a:lightRig>
+    </dgm:scene3d>
+    <dgm:sp3d z="300000" contourW="19050" prstMaterial="metal">
+      <a:bevelT w="88900" h="203200"/>
+      <a:bevelB w="165100" h="254000"/>
+    </dgm:sp3d>
+    <dgm:txPr/>
+    <dgm:style>
+      <a:lnRef idx="0">
+        <a:scrgbClr r="0" g="0" b="0"/>
+      </a:lnRef>
+      <a:fillRef idx="1">
+        <a:scrgbClr r="0" g="0" b="0"/>
+      </a:fillRef>
+      <a:effectRef idx="0">
+        <a:scrgbClr r="0" g="0" b="0"/>
+      </a:effectRef>
+      <a:fontRef idx="minor"/>
+    </dgm:style>
+  </dgm:styleLbl>
+  <dgm:styleLbl name="revTx">
     <dgm:scene3d>
       <a:camera prst="orthographicFront"/>
       <a:lightRig rig="threePt" dir="t"/>
@@ -7967,1360 +10063,6 @@
     <dgm:txPr/>
     <dgm:style>
       <a:lnRef idx="1">
-        <a:scrgbClr r="0" g="0" b="0"/>
-      </a:lnRef>
-      <a:fillRef idx="1">
-        <a:scrgbClr r="0" g="0" b="0"/>
-      </a:fillRef>
-      <a:effectRef idx="0">
-        <a:scrgbClr r="0" g="0" b="0"/>
-      </a:effectRef>
-      <a:fontRef idx="minor"/>
-    </dgm:style>
-  </dgm:styleLbl>
-  <dgm:styleLbl name="bgAcc1">
-    <dgm:scene3d>
-      <a:camera prst="orthographicFront"/>
-      <a:lightRig rig="threePt" dir="t"/>
-    </dgm:scene3d>
-    <dgm:sp3d/>
-    <dgm:txPr/>
-    <dgm:style>
-      <a:lnRef idx="2">
-        <a:scrgbClr r="0" g="0" b="0"/>
-      </a:lnRef>
-      <a:fillRef idx="1">
-        <a:scrgbClr r="0" g="0" b="0"/>
-      </a:fillRef>
-      <a:effectRef idx="0">
-        <a:scrgbClr r="0" g="0" b="0"/>
-      </a:effectRef>
-      <a:fontRef idx="minor"/>
-    </dgm:style>
-  </dgm:styleLbl>
-  <dgm:styleLbl name="solidFgAcc1">
-    <dgm:scene3d>
-      <a:camera prst="orthographicFront"/>
-      <a:lightRig rig="threePt" dir="t"/>
-    </dgm:scene3d>
-    <dgm:sp3d/>
-    <dgm:txPr/>
-    <dgm:style>
-      <a:lnRef idx="2">
-        <a:scrgbClr r="0" g="0" b="0"/>
-      </a:lnRef>
-      <a:fillRef idx="1">
-        <a:scrgbClr r="0" g="0" b="0"/>
-      </a:fillRef>
-      <a:effectRef idx="0">
-        <a:scrgbClr r="0" g="0" b="0"/>
-      </a:effectRef>
-      <a:fontRef idx="minor"/>
-    </dgm:style>
-  </dgm:styleLbl>
-  <dgm:styleLbl name="solidAlignAcc1">
-    <dgm:scene3d>
-      <a:camera prst="orthographicFront"/>
-      <a:lightRig rig="threePt" dir="t"/>
-    </dgm:scene3d>
-    <dgm:sp3d/>
-    <dgm:txPr/>
-    <dgm:style>
-      <a:lnRef idx="2">
-        <a:scrgbClr r="0" g="0" b="0"/>
-      </a:lnRef>
-      <a:fillRef idx="1">
-        <a:scrgbClr r="0" g="0" b="0"/>
-      </a:fillRef>
-      <a:effectRef idx="0">
-        <a:scrgbClr r="0" g="0" b="0"/>
-      </a:effectRef>
-      <a:fontRef idx="minor"/>
-    </dgm:style>
-  </dgm:styleLbl>
-  <dgm:styleLbl name="solidBgAcc1">
-    <dgm:scene3d>
-      <a:camera prst="orthographicFront"/>
-      <a:lightRig rig="threePt" dir="t"/>
-    </dgm:scene3d>
-    <dgm:sp3d/>
-    <dgm:txPr/>
-    <dgm:style>
-      <a:lnRef idx="2">
-        <a:scrgbClr r="0" g="0" b="0"/>
-      </a:lnRef>
-      <a:fillRef idx="1">
-        <a:scrgbClr r="0" g="0" b="0"/>
-      </a:fillRef>
-      <a:effectRef idx="0">
-        <a:scrgbClr r="0" g="0" b="0"/>
-      </a:effectRef>
-      <a:fontRef idx="minor"/>
-    </dgm:style>
-  </dgm:styleLbl>
-  <dgm:styleLbl name="fgAccFollowNode1">
-    <dgm:scene3d>
-      <a:camera prst="orthographicFront"/>
-      <a:lightRig rig="threePt" dir="t"/>
-    </dgm:scene3d>
-    <dgm:sp3d/>
-    <dgm:txPr/>
-    <dgm:style>
-      <a:lnRef idx="2">
-        <a:scrgbClr r="0" g="0" b="0"/>
-      </a:lnRef>
-      <a:fillRef idx="1">
-        <a:scrgbClr r="0" g="0" b="0"/>
-      </a:fillRef>
-      <a:effectRef idx="0">
-        <a:scrgbClr r="0" g="0" b="0"/>
-      </a:effectRef>
-      <a:fontRef idx="minor"/>
-    </dgm:style>
-  </dgm:styleLbl>
-  <dgm:styleLbl name="alignAccFollowNode1">
-    <dgm:scene3d>
-      <a:camera prst="orthographicFront"/>
-      <a:lightRig rig="threePt" dir="t"/>
-    </dgm:scene3d>
-    <dgm:sp3d/>
-    <dgm:txPr/>
-    <dgm:style>
-      <a:lnRef idx="2">
-        <a:scrgbClr r="0" g="0" b="0"/>
-      </a:lnRef>
-      <a:fillRef idx="1">
-        <a:scrgbClr r="0" g="0" b="0"/>
-      </a:fillRef>
-      <a:effectRef idx="0">
-        <a:scrgbClr r="0" g="0" b="0"/>
-      </a:effectRef>
-      <a:fontRef idx="minor"/>
-    </dgm:style>
-  </dgm:styleLbl>
-  <dgm:styleLbl name="bgAccFollowNode1">
-    <dgm:scene3d>
-      <a:camera prst="orthographicFront"/>
-      <a:lightRig rig="threePt" dir="t"/>
-    </dgm:scene3d>
-    <dgm:sp3d/>
-    <dgm:txPr/>
-    <dgm:style>
-      <a:lnRef idx="2">
-        <a:scrgbClr r="0" g="0" b="0"/>
-      </a:lnRef>
-      <a:fillRef idx="1">
-        <a:scrgbClr r="0" g="0" b="0"/>
-      </a:fillRef>
-      <a:effectRef idx="0">
-        <a:scrgbClr r="0" g="0" b="0"/>
-      </a:effectRef>
-      <a:fontRef idx="minor"/>
-    </dgm:style>
-  </dgm:styleLbl>
-  <dgm:styleLbl name="fgAcc0">
-    <dgm:scene3d>
-      <a:camera prst="orthographicFront"/>
-      <a:lightRig rig="threePt" dir="t"/>
-    </dgm:scene3d>
-    <dgm:sp3d/>
-    <dgm:txPr/>
-    <dgm:style>
-      <a:lnRef idx="2">
-        <a:scrgbClr r="0" g="0" b="0"/>
-      </a:lnRef>
-      <a:fillRef idx="1">
-        <a:scrgbClr r="0" g="0" b="0"/>
-      </a:fillRef>
-      <a:effectRef idx="0">
-        <a:scrgbClr r="0" g="0" b="0"/>
-      </a:effectRef>
-      <a:fontRef idx="minor"/>
-    </dgm:style>
-  </dgm:styleLbl>
-  <dgm:styleLbl name="fgAcc2">
-    <dgm:scene3d>
-      <a:camera prst="orthographicFront"/>
-      <a:lightRig rig="threePt" dir="t"/>
-    </dgm:scene3d>
-    <dgm:sp3d/>
-    <dgm:txPr/>
-    <dgm:style>
-      <a:lnRef idx="2">
-        <a:scrgbClr r="0" g="0" b="0"/>
-      </a:lnRef>
-      <a:fillRef idx="1">
-        <a:scrgbClr r="0" g="0" b="0"/>
-      </a:fillRef>
-      <a:effectRef idx="0">
-        <a:scrgbClr r="0" g="0" b="0"/>
-      </a:effectRef>
-      <a:fontRef idx="minor"/>
-    </dgm:style>
-  </dgm:styleLbl>
-  <dgm:styleLbl name="fgAcc3">
-    <dgm:scene3d>
-      <a:camera prst="orthographicFront"/>
-      <a:lightRig rig="threePt" dir="t"/>
-    </dgm:scene3d>
-    <dgm:sp3d/>
-    <dgm:txPr/>
-    <dgm:style>
-      <a:lnRef idx="2">
-        <a:scrgbClr r="0" g="0" b="0"/>
-      </a:lnRef>
-      <a:fillRef idx="1">
-        <a:scrgbClr r="0" g="0" b="0"/>
-      </a:fillRef>
-      <a:effectRef idx="0">
-        <a:scrgbClr r="0" g="0" b="0"/>
-      </a:effectRef>
-      <a:fontRef idx="minor"/>
-    </dgm:style>
-  </dgm:styleLbl>
-  <dgm:styleLbl name="fgAcc4">
-    <dgm:scene3d>
-      <a:camera prst="orthographicFront"/>
-      <a:lightRig rig="threePt" dir="t"/>
-    </dgm:scene3d>
-    <dgm:sp3d/>
-    <dgm:txPr/>
-    <dgm:style>
-      <a:lnRef idx="2">
-        <a:scrgbClr r="0" g="0" b="0"/>
-      </a:lnRef>
-      <a:fillRef idx="1">
-        <a:scrgbClr r="0" g="0" b="0"/>
-      </a:fillRef>
-      <a:effectRef idx="0">
-        <a:scrgbClr r="0" g="0" b="0"/>
-      </a:effectRef>
-      <a:fontRef idx="minor"/>
-    </dgm:style>
-  </dgm:styleLbl>
-  <dgm:styleLbl name="bgShp">
-    <dgm:scene3d>
-      <a:camera prst="orthographicFront"/>
-      <a:lightRig rig="threePt" dir="t"/>
-    </dgm:scene3d>
-    <dgm:sp3d/>
-    <dgm:txPr/>
-    <dgm:style>
-      <a:lnRef idx="0">
-        <a:scrgbClr r="0" g="0" b="0"/>
-      </a:lnRef>
-      <a:fillRef idx="1">
-        <a:scrgbClr r="0" g="0" b="0"/>
-      </a:fillRef>
-      <a:effectRef idx="0">
-        <a:scrgbClr r="0" g="0" b="0"/>
-      </a:effectRef>
-      <a:fontRef idx="minor"/>
-    </dgm:style>
-  </dgm:styleLbl>
-  <dgm:styleLbl name="dkBgShp">
-    <dgm:scene3d>
-      <a:camera prst="orthographicFront"/>
-      <a:lightRig rig="threePt" dir="t"/>
-    </dgm:scene3d>
-    <dgm:sp3d/>
-    <dgm:txPr/>
-    <dgm:style>
-      <a:lnRef idx="0">
-        <a:scrgbClr r="0" g="0" b="0"/>
-      </a:lnRef>
-      <a:fillRef idx="1">
-        <a:scrgbClr r="0" g="0" b="0"/>
-      </a:fillRef>
-      <a:effectRef idx="0">
-        <a:scrgbClr r="0" g="0" b="0"/>
-      </a:effectRef>
-      <a:fontRef idx="minor"/>
-    </dgm:style>
-  </dgm:styleLbl>
-  <dgm:styleLbl name="trBgShp">
-    <dgm:scene3d>
-      <a:camera prst="orthographicFront"/>
-      <a:lightRig rig="threePt" dir="t"/>
-    </dgm:scene3d>
-    <dgm:sp3d/>
-    <dgm:txPr/>
-    <dgm:style>
-      <a:lnRef idx="0">
-        <a:scrgbClr r="0" g="0" b="0"/>
-      </a:lnRef>
-      <a:fillRef idx="1">
-        <a:scrgbClr r="0" g="0" b="0"/>
-      </a:fillRef>
-      <a:effectRef idx="0">
-        <a:scrgbClr r="0" g="0" b="0"/>
-      </a:effectRef>
-      <a:fontRef idx="minor"/>
-    </dgm:style>
-  </dgm:styleLbl>
-  <dgm:styleLbl name="fgShp">
-    <dgm:scene3d>
-      <a:camera prst="orthographicFront"/>
-      <a:lightRig rig="threePt" dir="t"/>
-    </dgm:scene3d>
-    <dgm:sp3d/>
-    <dgm:txPr/>
-    <dgm:style>
-      <a:lnRef idx="2">
-        <a:scrgbClr r="0" g="0" b="0"/>
-      </a:lnRef>
-      <a:fillRef idx="1">
-        <a:scrgbClr r="0" g="0" b="0"/>
-      </a:fillRef>
-      <a:effectRef idx="0">
-        <a:scrgbClr r="0" g="0" b="0"/>
-      </a:effectRef>
-      <a:fontRef idx="minor"/>
-    </dgm:style>
-  </dgm:styleLbl>
-  <dgm:styleLbl name="revTx">
-    <dgm:scene3d>
-      <a:camera prst="orthographicFront"/>
-      <a:lightRig rig="threePt" dir="t"/>
-    </dgm:scene3d>
-    <dgm:sp3d/>
-    <dgm:txPr/>
-    <dgm:style>
-      <a:lnRef idx="0">
-        <a:scrgbClr r="0" g="0" b="0"/>
-      </a:lnRef>
-      <a:fillRef idx="0">
-        <a:scrgbClr r="0" g="0" b="0"/>
-      </a:fillRef>
-      <a:effectRef idx="0">
-        <a:scrgbClr r="0" g="0" b="0"/>
-      </a:effectRef>
-      <a:fontRef idx="minor"/>
-    </dgm:style>
-  </dgm:styleLbl>
-</dgm:styleDef>
-</file>
-
-<file path=ppt/diagrams/quickStyle3.xml><?xml version="1.0" encoding="utf-8"?>
-<dgm:styleDef xmlns:dgm="http://schemas.openxmlformats.org/drawingml/2006/diagram" xmlns:a="http://schemas.openxmlformats.org/drawingml/2006/main" uniqueId="urn:microsoft.com/office/officeart/2005/8/quickstyle/simple1">
-  <dgm:title val=""/>
-  <dgm:desc val=""/>
-  <dgm:catLst>
-    <dgm:cat type="simple" pri="10100"/>
-  </dgm:catLst>
-  <dgm:scene3d>
-    <a:camera prst="orthographicFront"/>
-    <a:lightRig rig="threePt" dir="t"/>
-  </dgm:scene3d>
-  <dgm:styleLbl name="node0">
-    <dgm:scene3d>
-      <a:camera prst="orthographicFront"/>
-      <a:lightRig rig="threePt" dir="t"/>
-    </dgm:scene3d>
-    <dgm:sp3d/>
-    <dgm:txPr/>
-    <dgm:style>
-      <a:lnRef idx="2">
-        <a:scrgbClr r="0" g="0" b="0"/>
-      </a:lnRef>
-      <a:fillRef idx="1">
-        <a:scrgbClr r="0" g="0" b="0"/>
-      </a:fillRef>
-      <a:effectRef idx="0">
-        <a:scrgbClr r="0" g="0" b="0"/>
-      </a:effectRef>
-      <a:fontRef idx="minor">
-        <a:schemeClr val="lt1"/>
-      </a:fontRef>
-    </dgm:style>
-  </dgm:styleLbl>
-  <dgm:styleLbl name="lnNode1">
-    <dgm:scene3d>
-      <a:camera prst="orthographicFront"/>
-      <a:lightRig rig="threePt" dir="t"/>
-    </dgm:scene3d>
-    <dgm:sp3d/>
-    <dgm:txPr/>
-    <dgm:style>
-      <a:lnRef idx="2">
-        <a:scrgbClr r="0" g="0" b="0"/>
-      </a:lnRef>
-      <a:fillRef idx="1">
-        <a:scrgbClr r="0" g="0" b="0"/>
-      </a:fillRef>
-      <a:effectRef idx="0">
-        <a:scrgbClr r="0" g="0" b="0"/>
-      </a:effectRef>
-      <a:fontRef idx="minor">
-        <a:schemeClr val="lt1"/>
-      </a:fontRef>
-    </dgm:style>
-  </dgm:styleLbl>
-  <dgm:styleLbl name="vennNode1">
-    <dgm:scene3d>
-      <a:camera prst="orthographicFront"/>
-      <a:lightRig rig="threePt" dir="t"/>
-    </dgm:scene3d>
-    <dgm:sp3d/>
-    <dgm:txPr/>
-    <dgm:style>
-      <a:lnRef idx="2">
-        <a:scrgbClr r="0" g="0" b="0"/>
-      </a:lnRef>
-      <a:fillRef idx="1">
-        <a:scrgbClr r="0" g="0" b="0"/>
-      </a:fillRef>
-      <a:effectRef idx="0">
-        <a:scrgbClr r="0" g="0" b="0"/>
-      </a:effectRef>
-      <a:fontRef idx="minor">
-        <a:schemeClr val="tx1"/>
-      </a:fontRef>
-    </dgm:style>
-  </dgm:styleLbl>
-  <dgm:styleLbl name="alignNode1">
-    <dgm:scene3d>
-      <a:camera prst="orthographicFront"/>
-      <a:lightRig rig="threePt" dir="t"/>
-    </dgm:scene3d>
-    <dgm:sp3d/>
-    <dgm:txPr/>
-    <dgm:style>
-      <a:lnRef idx="2">
-        <a:scrgbClr r="0" g="0" b="0"/>
-      </a:lnRef>
-      <a:fillRef idx="1">
-        <a:scrgbClr r="0" g="0" b="0"/>
-      </a:fillRef>
-      <a:effectRef idx="0">
-        <a:scrgbClr r="0" g="0" b="0"/>
-      </a:effectRef>
-      <a:fontRef idx="minor">
-        <a:schemeClr val="lt1"/>
-      </a:fontRef>
-    </dgm:style>
-  </dgm:styleLbl>
-  <dgm:styleLbl name="node1">
-    <dgm:scene3d>
-      <a:camera prst="orthographicFront"/>
-      <a:lightRig rig="threePt" dir="t"/>
-    </dgm:scene3d>
-    <dgm:sp3d/>
-    <dgm:txPr/>
-    <dgm:style>
-      <a:lnRef idx="2">
-        <a:scrgbClr r="0" g="0" b="0"/>
-      </a:lnRef>
-      <a:fillRef idx="1">
-        <a:scrgbClr r="0" g="0" b="0"/>
-      </a:fillRef>
-      <a:effectRef idx="0">
-        <a:scrgbClr r="0" g="0" b="0"/>
-      </a:effectRef>
-      <a:fontRef idx="minor">
-        <a:schemeClr val="lt1"/>
-      </a:fontRef>
-    </dgm:style>
-  </dgm:styleLbl>
-  <dgm:styleLbl name="node2">
-    <dgm:scene3d>
-      <a:camera prst="orthographicFront"/>
-      <a:lightRig rig="threePt" dir="t"/>
-    </dgm:scene3d>
-    <dgm:sp3d/>
-    <dgm:txPr/>
-    <dgm:style>
-      <a:lnRef idx="2">
-        <a:scrgbClr r="0" g="0" b="0"/>
-      </a:lnRef>
-      <a:fillRef idx="1">
-        <a:scrgbClr r="0" g="0" b="0"/>
-      </a:fillRef>
-      <a:effectRef idx="0">
-        <a:scrgbClr r="0" g="0" b="0"/>
-      </a:effectRef>
-      <a:fontRef idx="minor">
-        <a:schemeClr val="lt1"/>
-      </a:fontRef>
-    </dgm:style>
-  </dgm:styleLbl>
-  <dgm:styleLbl name="node3">
-    <dgm:scene3d>
-      <a:camera prst="orthographicFront"/>
-      <a:lightRig rig="threePt" dir="t"/>
-    </dgm:scene3d>
-    <dgm:sp3d/>
-    <dgm:txPr/>
-    <dgm:style>
-      <a:lnRef idx="2">
-        <a:scrgbClr r="0" g="0" b="0"/>
-      </a:lnRef>
-      <a:fillRef idx="1">
-        <a:scrgbClr r="0" g="0" b="0"/>
-      </a:fillRef>
-      <a:effectRef idx="0">
-        <a:scrgbClr r="0" g="0" b="0"/>
-      </a:effectRef>
-      <a:fontRef idx="minor">
-        <a:schemeClr val="lt1"/>
-      </a:fontRef>
-    </dgm:style>
-  </dgm:styleLbl>
-  <dgm:styleLbl name="node4">
-    <dgm:scene3d>
-      <a:camera prst="orthographicFront"/>
-      <a:lightRig rig="threePt" dir="t"/>
-    </dgm:scene3d>
-    <dgm:sp3d/>
-    <dgm:txPr/>
-    <dgm:style>
-      <a:lnRef idx="2">
-        <a:scrgbClr r="0" g="0" b="0"/>
-      </a:lnRef>
-      <a:fillRef idx="1">
-        <a:scrgbClr r="0" g="0" b="0"/>
-      </a:fillRef>
-      <a:effectRef idx="0">
-        <a:scrgbClr r="0" g="0" b="0"/>
-      </a:effectRef>
-      <a:fontRef idx="minor">
-        <a:schemeClr val="lt1"/>
-      </a:fontRef>
-    </dgm:style>
-  </dgm:styleLbl>
-  <dgm:styleLbl name="fgImgPlace1">
-    <dgm:scene3d>
-      <a:camera prst="orthographicFront"/>
-      <a:lightRig rig="threePt" dir="t"/>
-    </dgm:scene3d>
-    <dgm:sp3d/>
-    <dgm:txPr/>
-    <dgm:style>
-      <a:lnRef idx="2">
-        <a:scrgbClr r="0" g="0" b="0"/>
-      </a:lnRef>
-      <a:fillRef idx="1">
-        <a:scrgbClr r="0" g="0" b="0"/>
-      </a:fillRef>
-      <a:effectRef idx="0">
-        <a:scrgbClr r="0" g="0" b="0"/>
-      </a:effectRef>
-      <a:fontRef idx="minor"/>
-    </dgm:style>
-  </dgm:styleLbl>
-  <dgm:styleLbl name="alignImgPlace1">
-    <dgm:scene3d>
-      <a:camera prst="orthographicFront"/>
-      <a:lightRig rig="threePt" dir="t"/>
-    </dgm:scene3d>
-    <dgm:sp3d/>
-    <dgm:txPr/>
-    <dgm:style>
-      <a:lnRef idx="2">
-        <a:scrgbClr r="0" g="0" b="0"/>
-      </a:lnRef>
-      <a:fillRef idx="1">
-        <a:scrgbClr r="0" g="0" b="0"/>
-      </a:fillRef>
-      <a:effectRef idx="0">
-        <a:scrgbClr r="0" g="0" b="0"/>
-      </a:effectRef>
-      <a:fontRef idx="minor"/>
-    </dgm:style>
-  </dgm:styleLbl>
-  <dgm:styleLbl name="bgImgPlace1">
-    <dgm:scene3d>
-      <a:camera prst="orthographicFront"/>
-      <a:lightRig rig="threePt" dir="t"/>
-    </dgm:scene3d>
-    <dgm:sp3d/>
-    <dgm:txPr/>
-    <dgm:style>
-      <a:lnRef idx="2">
-        <a:scrgbClr r="0" g="0" b="0"/>
-      </a:lnRef>
-      <a:fillRef idx="1">
-        <a:scrgbClr r="0" g="0" b="0"/>
-      </a:fillRef>
-      <a:effectRef idx="0">
-        <a:scrgbClr r="0" g="0" b="0"/>
-      </a:effectRef>
-      <a:fontRef idx="minor"/>
-    </dgm:style>
-  </dgm:styleLbl>
-  <dgm:styleLbl name="sibTrans2D1">
-    <dgm:scene3d>
-      <a:camera prst="orthographicFront"/>
-      <a:lightRig rig="threePt" dir="t"/>
-    </dgm:scene3d>
-    <dgm:sp3d/>
-    <dgm:txPr/>
-    <dgm:style>
-      <a:lnRef idx="0">
-        <a:scrgbClr r="0" g="0" b="0"/>
-      </a:lnRef>
-      <a:fillRef idx="1">
-        <a:scrgbClr r="0" g="0" b="0"/>
-      </a:fillRef>
-      <a:effectRef idx="0">
-        <a:scrgbClr r="0" g="0" b="0"/>
-      </a:effectRef>
-      <a:fontRef idx="minor">
-        <a:schemeClr val="lt1"/>
-      </a:fontRef>
-    </dgm:style>
-  </dgm:styleLbl>
-  <dgm:styleLbl name="fgSibTrans2D1">
-    <dgm:scene3d>
-      <a:camera prst="orthographicFront"/>
-      <a:lightRig rig="threePt" dir="t"/>
-    </dgm:scene3d>
-    <dgm:sp3d/>
-    <dgm:txPr/>
-    <dgm:style>
-      <a:lnRef idx="0">
-        <a:scrgbClr r="0" g="0" b="0"/>
-      </a:lnRef>
-      <a:fillRef idx="1">
-        <a:scrgbClr r="0" g="0" b="0"/>
-      </a:fillRef>
-      <a:effectRef idx="0">
-        <a:scrgbClr r="0" g="0" b="0"/>
-      </a:effectRef>
-      <a:fontRef idx="minor">
-        <a:schemeClr val="lt1"/>
-      </a:fontRef>
-    </dgm:style>
-  </dgm:styleLbl>
-  <dgm:styleLbl name="bgSibTrans2D1">
-    <dgm:scene3d>
-      <a:camera prst="orthographicFront"/>
-      <a:lightRig rig="threePt" dir="t"/>
-    </dgm:scene3d>
-    <dgm:sp3d/>
-    <dgm:txPr/>
-    <dgm:style>
-      <a:lnRef idx="0">
-        <a:scrgbClr r="0" g="0" b="0"/>
-      </a:lnRef>
-      <a:fillRef idx="1">
-        <a:scrgbClr r="0" g="0" b="0"/>
-      </a:fillRef>
-      <a:effectRef idx="0">
-        <a:scrgbClr r="0" g="0" b="0"/>
-      </a:effectRef>
-      <a:fontRef idx="minor">
-        <a:schemeClr val="lt1"/>
-      </a:fontRef>
-    </dgm:style>
-  </dgm:styleLbl>
-  <dgm:styleLbl name="sibTrans1D1">
-    <dgm:scene3d>
-      <a:camera prst="orthographicFront"/>
-      <a:lightRig rig="threePt" dir="t"/>
-    </dgm:scene3d>
-    <dgm:sp3d/>
-    <dgm:txPr/>
-    <dgm:style>
-      <a:lnRef idx="1">
-        <a:scrgbClr r="0" g="0" b="0"/>
-      </a:lnRef>
-      <a:fillRef idx="0">
-        <a:scrgbClr r="0" g="0" b="0"/>
-      </a:fillRef>
-      <a:effectRef idx="0">
-        <a:scrgbClr r="0" g="0" b="0"/>
-      </a:effectRef>
-      <a:fontRef idx="minor"/>
-    </dgm:style>
-  </dgm:styleLbl>
-  <dgm:styleLbl name="callout">
-    <dgm:scene3d>
-      <a:camera prst="orthographicFront"/>
-      <a:lightRig rig="threePt" dir="t"/>
-    </dgm:scene3d>
-    <dgm:sp3d/>
-    <dgm:txPr/>
-    <dgm:style>
-      <a:lnRef idx="2">
-        <a:scrgbClr r="0" g="0" b="0"/>
-      </a:lnRef>
-      <a:fillRef idx="1">
-        <a:scrgbClr r="0" g="0" b="0"/>
-      </a:fillRef>
-      <a:effectRef idx="0">
-        <a:scrgbClr r="0" g="0" b="0"/>
-      </a:effectRef>
-      <a:fontRef idx="minor"/>
-    </dgm:style>
-  </dgm:styleLbl>
-  <dgm:styleLbl name="asst0">
-    <dgm:scene3d>
-      <a:camera prst="orthographicFront"/>
-      <a:lightRig rig="threePt" dir="t"/>
-    </dgm:scene3d>
-    <dgm:sp3d/>
-    <dgm:txPr/>
-    <dgm:style>
-      <a:lnRef idx="2">
-        <a:scrgbClr r="0" g="0" b="0"/>
-      </a:lnRef>
-      <a:fillRef idx="1">
-        <a:scrgbClr r="0" g="0" b="0"/>
-      </a:fillRef>
-      <a:effectRef idx="0">
-        <a:scrgbClr r="0" g="0" b="0"/>
-      </a:effectRef>
-      <a:fontRef idx="minor">
-        <a:schemeClr val="lt1"/>
-      </a:fontRef>
-    </dgm:style>
-  </dgm:styleLbl>
-  <dgm:styleLbl name="asst1">
-    <dgm:scene3d>
-      <a:camera prst="orthographicFront"/>
-      <a:lightRig rig="threePt" dir="t"/>
-    </dgm:scene3d>
-    <dgm:sp3d/>
-    <dgm:txPr/>
-    <dgm:style>
-      <a:lnRef idx="2">
-        <a:scrgbClr r="0" g="0" b="0"/>
-      </a:lnRef>
-      <a:fillRef idx="1">
-        <a:scrgbClr r="0" g="0" b="0"/>
-      </a:fillRef>
-      <a:effectRef idx="0">
-        <a:scrgbClr r="0" g="0" b="0"/>
-      </a:effectRef>
-      <a:fontRef idx="minor">
-        <a:schemeClr val="lt1"/>
-      </a:fontRef>
-    </dgm:style>
-  </dgm:styleLbl>
-  <dgm:styleLbl name="asst2">
-    <dgm:scene3d>
-      <a:camera prst="orthographicFront"/>
-      <a:lightRig rig="threePt" dir="t"/>
-    </dgm:scene3d>
-    <dgm:sp3d/>
-    <dgm:txPr/>
-    <dgm:style>
-      <a:lnRef idx="2">
-        <a:scrgbClr r="0" g="0" b="0"/>
-      </a:lnRef>
-      <a:fillRef idx="1">
-        <a:scrgbClr r="0" g="0" b="0"/>
-      </a:fillRef>
-      <a:effectRef idx="0">
-        <a:scrgbClr r="0" g="0" b="0"/>
-      </a:effectRef>
-      <a:fontRef idx="minor">
-        <a:schemeClr val="lt1"/>
-      </a:fontRef>
-    </dgm:style>
-  </dgm:styleLbl>
-  <dgm:styleLbl name="asst3">
-    <dgm:scene3d>
-      <a:camera prst="orthographicFront"/>
-      <a:lightRig rig="threePt" dir="t"/>
-    </dgm:scene3d>
-    <dgm:sp3d/>
-    <dgm:txPr/>
-    <dgm:style>
-      <a:lnRef idx="2">
-        <a:scrgbClr r="0" g="0" b="0"/>
-      </a:lnRef>
-      <a:fillRef idx="1">
-        <a:scrgbClr r="0" g="0" b="0"/>
-      </a:fillRef>
-      <a:effectRef idx="0">
-        <a:scrgbClr r="0" g="0" b="0"/>
-      </a:effectRef>
-      <a:fontRef idx="minor">
-        <a:schemeClr val="lt1"/>
-      </a:fontRef>
-    </dgm:style>
-  </dgm:styleLbl>
-  <dgm:styleLbl name="asst4">
-    <dgm:scene3d>
-      <a:camera prst="orthographicFront"/>
-      <a:lightRig rig="threePt" dir="t"/>
-    </dgm:scene3d>
-    <dgm:sp3d/>
-    <dgm:txPr/>
-    <dgm:style>
-      <a:lnRef idx="2">
-        <a:scrgbClr r="0" g="0" b="0"/>
-      </a:lnRef>
-      <a:fillRef idx="1">
-        <a:scrgbClr r="0" g="0" b="0"/>
-      </a:fillRef>
-      <a:effectRef idx="0">
-        <a:scrgbClr r="0" g="0" b="0"/>
-      </a:effectRef>
-      <a:fontRef idx="minor">
-        <a:schemeClr val="lt1"/>
-      </a:fontRef>
-    </dgm:style>
-  </dgm:styleLbl>
-  <dgm:styleLbl name="parChTrans2D1">
-    <dgm:scene3d>
-      <a:camera prst="orthographicFront"/>
-      <a:lightRig rig="threePt" dir="t"/>
-    </dgm:scene3d>
-    <dgm:sp3d/>
-    <dgm:txPr/>
-    <dgm:style>
-      <a:lnRef idx="2">
-        <a:scrgbClr r="0" g="0" b="0"/>
-      </a:lnRef>
-      <a:fillRef idx="1">
-        <a:scrgbClr r="0" g="0" b="0"/>
-      </a:fillRef>
-      <a:effectRef idx="0">
-        <a:scrgbClr r="0" g="0" b="0"/>
-      </a:effectRef>
-      <a:fontRef idx="minor">
-        <a:schemeClr val="lt1"/>
-      </a:fontRef>
-    </dgm:style>
-  </dgm:styleLbl>
-  <dgm:styleLbl name="parChTrans2D2">
-    <dgm:scene3d>
-      <a:camera prst="orthographicFront"/>
-      <a:lightRig rig="threePt" dir="t"/>
-    </dgm:scene3d>
-    <dgm:sp3d/>
-    <dgm:txPr/>
-    <dgm:style>
-      <a:lnRef idx="2">
-        <a:scrgbClr r="0" g="0" b="0"/>
-      </a:lnRef>
-      <a:fillRef idx="1">
-        <a:scrgbClr r="0" g="0" b="0"/>
-      </a:fillRef>
-      <a:effectRef idx="0">
-        <a:scrgbClr r="0" g="0" b="0"/>
-      </a:effectRef>
-      <a:fontRef idx="minor">
-        <a:schemeClr val="lt1"/>
-      </a:fontRef>
-    </dgm:style>
-  </dgm:styleLbl>
-  <dgm:styleLbl name="parChTrans2D3">
-    <dgm:scene3d>
-      <a:camera prst="orthographicFront"/>
-      <a:lightRig rig="threePt" dir="t"/>
-    </dgm:scene3d>
-    <dgm:sp3d/>
-    <dgm:txPr/>
-    <dgm:style>
-      <a:lnRef idx="2">
-        <a:scrgbClr r="0" g="0" b="0"/>
-      </a:lnRef>
-      <a:fillRef idx="1">
-        <a:scrgbClr r="0" g="0" b="0"/>
-      </a:fillRef>
-      <a:effectRef idx="0">
-        <a:scrgbClr r="0" g="0" b="0"/>
-      </a:effectRef>
-      <a:fontRef idx="minor">
-        <a:schemeClr val="lt1"/>
-      </a:fontRef>
-    </dgm:style>
-  </dgm:styleLbl>
-  <dgm:styleLbl name="parChTrans2D4">
-    <dgm:scene3d>
-      <a:camera prst="orthographicFront"/>
-      <a:lightRig rig="threePt" dir="t"/>
-    </dgm:scene3d>
-    <dgm:sp3d/>
-    <dgm:txPr/>
-    <dgm:style>
-      <a:lnRef idx="2">
-        <a:scrgbClr r="0" g="0" b="0"/>
-      </a:lnRef>
-      <a:fillRef idx="1">
-        <a:scrgbClr r="0" g="0" b="0"/>
-      </a:fillRef>
-      <a:effectRef idx="0">
-        <a:scrgbClr r="0" g="0" b="0"/>
-      </a:effectRef>
-      <a:fontRef idx="minor">
-        <a:schemeClr val="lt1"/>
-      </a:fontRef>
-    </dgm:style>
-  </dgm:styleLbl>
-  <dgm:styleLbl name="parChTrans1D1">
-    <dgm:scene3d>
-      <a:camera prst="orthographicFront"/>
-      <a:lightRig rig="threePt" dir="t"/>
-    </dgm:scene3d>
-    <dgm:sp3d/>
-    <dgm:txPr/>
-    <dgm:style>
-      <a:lnRef idx="2">
-        <a:scrgbClr r="0" g="0" b="0"/>
-      </a:lnRef>
-      <a:fillRef idx="0">
-        <a:scrgbClr r="0" g="0" b="0"/>
-      </a:fillRef>
-      <a:effectRef idx="0">
-        <a:scrgbClr r="0" g="0" b="0"/>
-      </a:effectRef>
-      <a:fontRef idx="minor"/>
-    </dgm:style>
-  </dgm:styleLbl>
-  <dgm:styleLbl name="parChTrans1D2">
-    <dgm:scene3d>
-      <a:camera prst="orthographicFront"/>
-      <a:lightRig rig="threePt" dir="t"/>
-    </dgm:scene3d>
-    <dgm:sp3d/>
-    <dgm:txPr/>
-    <dgm:style>
-      <a:lnRef idx="2">
-        <a:scrgbClr r="0" g="0" b="0"/>
-      </a:lnRef>
-      <a:fillRef idx="0">
-        <a:scrgbClr r="0" g="0" b="0"/>
-      </a:fillRef>
-      <a:effectRef idx="0">
-        <a:scrgbClr r="0" g="0" b="0"/>
-      </a:effectRef>
-      <a:fontRef idx="minor"/>
-    </dgm:style>
-  </dgm:styleLbl>
-  <dgm:styleLbl name="parChTrans1D3">
-    <dgm:scene3d>
-      <a:camera prst="orthographicFront"/>
-      <a:lightRig rig="threePt" dir="t"/>
-    </dgm:scene3d>
-    <dgm:sp3d/>
-    <dgm:txPr/>
-    <dgm:style>
-      <a:lnRef idx="2">
-        <a:scrgbClr r="0" g="0" b="0"/>
-      </a:lnRef>
-      <a:fillRef idx="0">
-        <a:scrgbClr r="0" g="0" b="0"/>
-      </a:fillRef>
-      <a:effectRef idx="0">
-        <a:scrgbClr r="0" g="0" b="0"/>
-      </a:effectRef>
-      <a:fontRef idx="minor"/>
-    </dgm:style>
-  </dgm:styleLbl>
-  <dgm:styleLbl name="parChTrans1D4">
-    <dgm:scene3d>
-      <a:camera prst="orthographicFront"/>
-      <a:lightRig rig="threePt" dir="t"/>
-    </dgm:scene3d>
-    <dgm:sp3d/>
-    <dgm:txPr/>
-    <dgm:style>
-      <a:lnRef idx="2">
-        <a:scrgbClr r="0" g="0" b="0"/>
-      </a:lnRef>
-      <a:fillRef idx="0">
-        <a:scrgbClr r="0" g="0" b="0"/>
-      </a:fillRef>
-      <a:effectRef idx="0">
-        <a:scrgbClr r="0" g="0" b="0"/>
-      </a:effectRef>
-      <a:fontRef idx="minor"/>
-    </dgm:style>
-  </dgm:styleLbl>
-  <dgm:styleLbl name="fgAcc1">
-    <dgm:scene3d>
-      <a:camera prst="orthographicFront"/>
-      <a:lightRig rig="threePt" dir="t"/>
-    </dgm:scene3d>
-    <dgm:sp3d/>
-    <dgm:txPr/>
-    <dgm:style>
-      <a:lnRef idx="2">
-        <a:scrgbClr r="0" g="0" b="0"/>
-      </a:lnRef>
-      <a:fillRef idx="1">
-        <a:scrgbClr r="0" g="0" b="0"/>
-      </a:fillRef>
-      <a:effectRef idx="0">
-        <a:scrgbClr r="0" g="0" b="0"/>
-      </a:effectRef>
-      <a:fontRef idx="minor"/>
-    </dgm:style>
-  </dgm:styleLbl>
-  <dgm:styleLbl name="conFgAcc1">
-    <dgm:scene3d>
-      <a:camera prst="orthographicFront"/>
-      <a:lightRig rig="threePt" dir="t"/>
-    </dgm:scene3d>
-    <dgm:sp3d/>
-    <dgm:txPr/>
-    <dgm:style>
-      <a:lnRef idx="2">
-        <a:scrgbClr r="0" g="0" b="0"/>
-      </a:lnRef>
-      <a:fillRef idx="1">
-        <a:scrgbClr r="0" g="0" b="0"/>
-      </a:fillRef>
-      <a:effectRef idx="0">
-        <a:scrgbClr r="0" g="0" b="0"/>
-      </a:effectRef>
-      <a:fontRef idx="minor"/>
-    </dgm:style>
-  </dgm:styleLbl>
-  <dgm:styleLbl name="alignAcc1">
-    <dgm:scene3d>
-      <a:camera prst="orthographicFront"/>
-      <a:lightRig rig="threePt" dir="t"/>
-    </dgm:scene3d>
-    <dgm:sp3d/>
-    <dgm:txPr/>
-    <dgm:style>
-      <a:lnRef idx="2">
-        <a:scrgbClr r="0" g="0" b="0"/>
-      </a:lnRef>
-      <a:fillRef idx="1">
-        <a:scrgbClr r="0" g="0" b="0"/>
-      </a:fillRef>
-      <a:effectRef idx="0">
-        <a:scrgbClr r="0" g="0" b="0"/>
-      </a:effectRef>
-      <a:fontRef idx="minor"/>
-    </dgm:style>
-  </dgm:styleLbl>
-  <dgm:styleLbl name="trAlignAcc1">
-    <dgm:scene3d>
-      <a:camera prst="orthographicFront"/>
-      <a:lightRig rig="threePt" dir="t"/>
-    </dgm:scene3d>
-    <dgm:sp3d/>
-    <dgm:txPr/>
-    <dgm:style>
-      <a:lnRef idx="1">
-        <a:scrgbClr r="0" g="0" b="0"/>
-      </a:lnRef>
-      <a:fillRef idx="1">
-        <a:scrgbClr r="0" g="0" b="0"/>
-      </a:fillRef>
-      <a:effectRef idx="0">
-        <a:scrgbClr r="0" g="0" b="0"/>
-      </a:effectRef>
-      <a:fontRef idx="minor"/>
-    </dgm:style>
-  </dgm:styleLbl>
-  <dgm:styleLbl name="bgAcc1">
-    <dgm:scene3d>
-      <a:camera prst="orthographicFront"/>
-      <a:lightRig rig="threePt" dir="t"/>
-    </dgm:scene3d>
-    <dgm:sp3d/>
-    <dgm:txPr/>
-    <dgm:style>
-      <a:lnRef idx="2">
-        <a:scrgbClr r="0" g="0" b="0"/>
-      </a:lnRef>
-      <a:fillRef idx="1">
-        <a:scrgbClr r="0" g="0" b="0"/>
-      </a:fillRef>
-      <a:effectRef idx="0">
-        <a:scrgbClr r="0" g="0" b="0"/>
-      </a:effectRef>
-      <a:fontRef idx="minor"/>
-    </dgm:style>
-  </dgm:styleLbl>
-  <dgm:styleLbl name="solidFgAcc1">
-    <dgm:scene3d>
-      <a:camera prst="orthographicFront"/>
-      <a:lightRig rig="threePt" dir="t"/>
-    </dgm:scene3d>
-    <dgm:sp3d/>
-    <dgm:txPr/>
-    <dgm:style>
-      <a:lnRef idx="2">
-        <a:scrgbClr r="0" g="0" b="0"/>
-      </a:lnRef>
-      <a:fillRef idx="1">
-        <a:scrgbClr r="0" g="0" b="0"/>
-      </a:fillRef>
-      <a:effectRef idx="0">
-        <a:scrgbClr r="0" g="0" b="0"/>
-      </a:effectRef>
-      <a:fontRef idx="minor"/>
-    </dgm:style>
-  </dgm:styleLbl>
-  <dgm:styleLbl name="solidAlignAcc1">
-    <dgm:scene3d>
-      <a:camera prst="orthographicFront"/>
-      <a:lightRig rig="threePt" dir="t"/>
-    </dgm:scene3d>
-    <dgm:sp3d/>
-    <dgm:txPr/>
-    <dgm:style>
-      <a:lnRef idx="2">
-        <a:scrgbClr r="0" g="0" b="0"/>
-      </a:lnRef>
-      <a:fillRef idx="1">
-        <a:scrgbClr r="0" g="0" b="0"/>
-      </a:fillRef>
-      <a:effectRef idx="0">
-        <a:scrgbClr r="0" g="0" b="0"/>
-      </a:effectRef>
-      <a:fontRef idx="minor"/>
-    </dgm:style>
-  </dgm:styleLbl>
-  <dgm:styleLbl name="solidBgAcc1">
-    <dgm:scene3d>
-      <a:camera prst="orthographicFront"/>
-      <a:lightRig rig="threePt" dir="t"/>
-    </dgm:scene3d>
-    <dgm:sp3d/>
-    <dgm:txPr/>
-    <dgm:style>
-      <a:lnRef idx="2">
-        <a:scrgbClr r="0" g="0" b="0"/>
-      </a:lnRef>
-      <a:fillRef idx="1">
-        <a:scrgbClr r="0" g="0" b="0"/>
-      </a:fillRef>
-      <a:effectRef idx="0">
-        <a:scrgbClr r="0" g="0" b="0"/>
-      </a:effectRef>
-      <a:fontRef idx="minor"/>
-    </dgm:style>
-  </dgm:styleLbl>
-  <dgm:styleLbl name="fgAccFollowNode1">
-    <dgm:scene3d>
-      <a:camera prst="orthographicFront"/>
-      <a:lightRig rig="threePt" dir="t"/>
-    </dgm:scene3d>
-    <dgm:sp3d/>
-    <dgm:txPr/>
-    <dgm:style>
-      <a:lnRef idx="2">
-        <a:scrgbClr r="0" g="0" b="0"/>
-      </a:lnRef>
-      <a:fillRef idx="1">
-        <a:scrgbClr r="0" g="0" b="0"/>
-      </a:fillRef>
-      <a:effectRef idx="0">
-        <a:scrgbClr r="0" g="0" b="0"/>
-      </a:effectRef>
-      <a:fontRef idx="minor"/>
-    </dgm:style>
-  </dgm:styleLbl>
-  <dgm:styleLbl name="alignAccFollowNode1">
-    <dgm:scene3d>
-      <a:camera prst="orthographicFront"/>
-      <a:lightRig rig="threePt" dir="t"/>
-    </dgm:scene3d>
-    <dgm:sp3d/>
-    <dgm:txPr/>
-    <dgm:style>
-      <a:lnRef idx="2">
-        <a:scrgbClr r="0" g="0" b="0"/>
-      </a:lnRef>
-      <a:fillRef idx="1">
-        <a:scrgbClr r="0" g="0" b="0"/>
-      </a:fillRef>
-      <a:effectRef idx="0">
-        <a:scrgbClr r="0" g="0" b="0"/>
-      </a:effectRef>
-      <a:fontRef idx="minor"/>
-    </dgm:style>
-  </dgm:styleLbl>
-  <dgm:styleLbl name="bgAccFollowNode1">
-    <dgm:scene3d>
-      <a:camera prst="orthographicFront"/>
-      <a:lightRig rig="threePt" dir="t"/>
-    </dgm:scene3d>
-    <dgm:sp3d/>
-    <dgm:txPr/>
-    <dgm:style>
-      <a:lnRef idx="2">
-        <a:scrgbClr r="0" g="0" b="0"/>
-      </a:lnRef>
-      <a:fillRef idx="1">
-        <a:scrgbClr r="0" g="0" b="0"/>
-      </a:fillRef>
-      <a:effectRef idx="0">
-        <a:scrgbClr r="0" g="0" b="0"/>
-      </a:effectRef>
-      <a:fontRef idx="minor"/>
-    </dgm:style>
-  </dgm:styleLbl>
-  <dgm:styleLbl name="fgAcc0">
-    <dgm:scene3d>
-      <a:camera prst="orthographicFront"/>
-      <a:lightRig rig="threePt" dir="t"/>
-    </dgm:scene3d>
-    <dgm:sp3d/>
-    <dgm:txPr/>
-    <dgm:style>
-      <a:lnRef idx="2">
-        <a:scrgbClr r="0" g="0" b="0"/>
-      </a:lnRef>
-      <a:fillRef idx="1">
-        <a:scrgbClr r="0" g="0" b="0"/>
-      </a:fillRef>
-      <a:effectRef idx="0">
-        <a:scrgbClr r="0" g="0" b="0"/>
-      </a:effectRef>
-      <a:fontRef idx="minor"/>
-    </dgm:style>
-  </dgm:styleLbl>
-  <dgm:styleLbl name="fgAcc2">
-    <dgm:scene3d>
-      <a:camera prst="orthographicFront"/>
-      <a:lightRig rig="threePt" dir="t"/>
-    </dgm:scene3d>
-    <dgm:sp3d/>
-    <dgm:txPr/>
-    <dgm:style>
-      <a:lnRef idx="2">
-        <a:scrgbClr r="0" g="0" b="0"/>
-      </a:lnRef>
-      <a:fillRef idx="1">
-        <a:scrgbClr r="0" g="0" b="0"/>
-      </a:fillRef>
-      <a:effectRef idx="0">
-        <a:scrgbClr r="0" g="0" b="0"/>
-      </a:effectRef>
-      <a:fontRef idx="minor"/>
-    </dgm:style>
-  </dgm:styleLbl>
-  <dgm:styleLbl name="fgAcc3">
-    <dgm:scene3d>
-      <a:camera prst="orthographicFront"/>
-      <a:lightRig rig="threePt" dir="t"/>
-    </dgm:scene3d>
-    <dgm:sp3d/>
-    <dgm:txPr/>
-    <dgm:style>
-      <a:lnRef idx="2">
-        <a:scrgbClr r="0" g="0" b="0"/>
-      </a:lnRef>
-      <a:fillRef idx="1">
-        <a:scrgbClr r="0" g="0" b="0"/>
-      </a:fillRef>
-      <a:effectRef idx="0">
-        <a:scrgbClr r="0" g="0" b="0"/>
-      </a:effectRef>
-      <a:fontRef idx="minor"/>
-    </dgm:style>
-  </dgm:styleLbl>
-  <dgm:styleLbl name="fgAcc4">
-    <dgm:scene3d>
-      <a:camera prst="orthographicFront"/>
-      <a:lightRig rig="threePt" dir="t"/>
-    </dgm:scene3d>
-    <dgm:sp3d/>
-    <dgm:txPr/>
-    <dgm:style>
-      <a:lnRef idx="2">
-        <a:scrgbClr r="0" g="0" b="0"/>
-      </a:lnRef>
-      <a:fillRef idx="1">
-        <a:scrgbClr r="0" g="0" b="0"/>
-      </a:fillRef>
-      <a:effectRef idx="0">
-        <a:scrgbClr r="0" g="0" b="0"/>
-      </a:effectRef>
-      <a:fontRef idx="minor"/>
-    </dgm:style>
-  </dgm:styleLbl>
-  <dgm:styleLbl name="bgShp">
-    <dgm:scene3d>
-      <a:camera prst="orthographicFront"/>
-      <a:lightRig rig="threePt" dir="t"/>
-    </dgm:scene3d>
-    <dgm:sp3d/>
-    <dgm:txPr/>
-    <dgm:style>
-      <a:lnRef idx="0">
-        <a:scrgbClr r="0" g="0" b="0"/>
-      </a:lnRef>
-      <a:fillRef idx="1">
-        <a:scrgbClr r="0" g="0" b="0"/>
-      </a:fillRef>
-      <a:effectRef idx="0">
-        <a:scrgbClr r="0" g="0" b="0"/>
-      </a:effectRef>
-      <a:fontRef idx="minor"/>
-    </dgm:style>
-  </dgm:styleLbl>
-  <dgm:styleLbl name="dkBgShp">
-    <dgm:scene3d>
-      <a:camera prst="orthographicFront"/>
-      <a:lightRig rig="threePt" dir="t"/>
-    </dgm:scene3d>
-    <dgm:sp3d/>
-    <dgm:txPr/>
-    <dgm:style>
-      <a:lnRef idx="0">
-        <a:scrgbClr r="0" g="0" b="0"/>
-      </a:lnRef>
-      <a:fillRef idx="1">
-        <a:scrgbClr r="0" g="0" b="0"/>
-      </a:fillRef>
-      <a:effectRef idx="0">
-        <a:scrgbClr r="0" g="0" b="0"/>
-      </a:effectRef>
-      <a:fontRef idx="minor"/>
-    </dgm:style>
-  </dgm:styleLbl>
-  <dgm:styleLbl name="trBgShp">
-    <dgm:scene3d>
-      <a:camera prst="orthographicFront"/>
-      <a:lightRig rig="threePt" dir="t"/>
-    </dgm:scene3d>
-    <dgm:sp3d/>
-    <dgm:txPr/>
-    <dgm:style>
-      <a:lnRef idx="0">
-        <a:scrgbClr r="0" g="0" b="0"/>
-      </a:lnRef>
-      <a:fillRef idx="1">
-        <a:scrgbClr r="0" g="0" b="0"/>
-      </a:fillRef>
-      <a:effectRef idx="0">
-        <a:scrgbClr r="0" g="0" b="0"/>
-      </a:effectRef>
-      <a:fontRef idx="minor"/>
-    </dgm:style>
-  </dgm:styleLbl>
-  <dgm:styleLbl name="fgShp">
-    <dgm:scene3d>
-      <a:camera prst="orthographicFront"/>
-      <a:lightRig rig="threePt" dir="t"/>
-    </dgm:scene3d>
-    <dgm:sp3d/>
-    <dgm:txPr/>
-    <dgm:style>
-      <a:lnRef idx="2">
-        <a:scrgbClr r="0" g="0" b="0"/>
-      </a:lnRef>
-      <a:fillRef idx="1">
-        <a:scrgbClr r="0" g="0" b="0"/>
-      </a:fillRef>
-      <a:effectRef idx="0">
-        <a:scrgbClr r="0" g="0" b="0"/>
-      </a:effectRef>
-      <a:fontRef idx="minor"/>
-    </dgm:style>
-  </dgm:styleLbl>
-  <dgm:styleLbl name="revTx">
-    <dgm:scene3d>
-      <a:camera prst="orthographicFront"/>
-      <a:lightRig rig="threePt" dir="t"/>
-    </dgm:scene3d>
-    <dgm:sp3d/>
-    <dgm:txPr/>
-    <dgm:style>
-      <a:lnRef idx="0">
         <a:scrgbClr r="0" g="0" b="0"/>
       </a:lnRef>
       <a:fillRef idx="0">
@@ -12687,6 +13429,42 @@
           <a:chExt cx="0" cy="0"/>
         </a:xfrm>
       </p:grpSpPr>
+      <p:cxnSp>
+        <p:nvCxnSpPr>
+          <p:cNvPr id="93" name="Straight Connector 92">
+            <a:extLst>
+              <a:ext uri="{FF2B5EF4-FFF2-40B4-BE49-F238E27FC236}">
+                <a16:creationId xmlns:a16="http://schemas.microsoft.com/office/drawing/2014/main" id="{5346F51B-8062-7FE8-9B1D-218ADCCDA974}"/>
+              </a:ext>
+            </a:extLst>
+          </p:cNvPr>
+          <p:cNvCxnSpPr/>
+          <p:nvPr/>
+        </p:nvCxnSpPr>
+        <p:spPr>
+          <a:xfrm>
+            <a:off x="17145000" y="17297400"/>
+            <a:ext cx="689818" cy="0"/>
+          </a:xfrm>
+          <a:prstGeom prst="line">
+            <a:avLst/>
+          </a:prstGeom>
+        </p:spPr>
+        <p:style>
+          <a:lnRef idx="1">
+            <a:schemeClr val="accent1"/>
+          </a:lnRef>
+          <a:fillRef idx="0">
+            <a:schemeClr val="accent1"/>
+          </a:fillRef>
+          <a:effectRef idx="0">
+            <a:schemeClr val="accent1"/>
+          </a:effectRef>
+          <a:fontRef idx="minor">
+            <a:schemeClr val="tx1"/>
+          </a:fontRef>
+        </p:style>
+      </p:cxnSp>
       <p:pic>
         <p:nvPicPr>
           <p:cNvPr id="1026" name="Picture 2" descr="green laser vectors on black background">
@@ -12987,7 +13765,11 @@
             <a:lstStyle/>
             <a:p>
               <a:pPr algn="ctr"/>
-              <a:endParaRPr lang="en-US" sz="7560"/>
+              <a:endParaRPr lang="en-US" sz="7560" dirty="0">
+                <a:solidFill>
+                  <a:schemeClr val="tx1"/>
+                </a:solidFill>
+              </a:endParaRPr>
             </a:p>
           </p:txBody>
         </p:sp>
@@ -13921,8 +14703,8 @@
         </p:blipFill>
         <p:spPr>
           <a:xfrm>
-            <a:off x="11680371" y="7747261"/>
-            <a:ext cx="9278645" cy="5256936"/>
+            <a:off x="11843192" y="7436491"/>
+            <a:ext cx="7657385" cy="4888570"/>
           </a:xfrm>
           <a:prstGeom prst="rect">
             <a:avLst/>
@@ -14050,114 +14832,6 @@
           </a:graphicData>
         </a:graphic>
       </p:graphicFrame>
-      <p:pic>
-        <p:nvPicPr>
-          <p:cNvPr id="19" name="Picture 18" descr="A screenshot of a computer&#10;&#10;AI-generated content may be incorrect.">
-            <a:extLst>
-              <a:ext uri="{FF2B5EF4-FFF2-40B4-BE49-F238E27FC236}">
-                <a16:creationId xmlns:a16="http://schemas.microsoft.com/office/drawing/2014/main" id="{EB530A3E-BB8A-D0A1-33C2-5721E19E0ED4}"/>
-              </a:ext>
-            </a:extLst>
-          </p:cNvPr>
-          <p:cNvPicPr>
-            <a:picLocks noChangeAspect="1"/>
-          </p:cNvPicPr>
-          <p:nvPr/>
-        </p:nvPicPr>
-        <p:blipFill>
-          <a:blip r:embed="rId14">
-            <a:extLst>
-              <a:ext uri="{28A0092B-C50C-407E-A947-70E740481C1C}">
-                <a14:useLocalDpi xmlns:a14="http://schemas.microsoft.com/office/drawing/2010/main" val="0"/>
-              </a:ext>
-            </a:extLst>
-          </a:blip>
-          <a:stretch>
-            <a:fillRect/>
-          </a:stretch>
-        </p:blipFill>
-        <p:spPr>
-          <a:xfrm>
-            <a:off x="21222435" y="15479448"/>
-            <a:ext cx="5319651" cy="5656710"/>
-          </a:xfrm>
-          <a:prstGeom prst="rect">
-            <a:avLst/>
-          </a:prstGeom>
-        </p:spPr>
-      </p:pic>
-      <p:pic>
-        <p:nvPicPr>
-          <p:cNvPr id="23" name="Picture 22" descr="A close up of a shadow&#10;&#10;AI-generated content may be incorrect.">
-            <a:extLst>
-              <a:ext uri="{FF2B5EF4-FFF2-40B4-BE49-F238E27FC236}">
-                <a16:creationId xmlns:a16="http://schemas.microsoft.com/office/drawing/2014/main" id="{542263F5-31E9-277C-F23C-2C1DE9D4E5C8}"/>
-              </a:ext>
-            </a:extLst>
-          </p:cNvPr>
-          <p:cNvPicPr>
-            <a:picLocks noChangeAspect="1"/>
-          </p:cNvPicPr>
-          <p:nvPr/>
-        </p:nvPicPr>
-        <p:blipFill>
-          <a:blip r:embed="rId15">
-            <a:extLst>
-              <a:ext uri="{28A0092B-C50C-407E-A947-70E740481C1C}">
-                <a14:useLocalDpi xmlns:a14="http://schemas.microsoft.com/office/drawing/2010/main" val="0"/>
-              </a:ext>
-            </a:extLst>
-          </a:blip>
-          <a:stretch>
-            <a:fillRect/>
-          </a:stretch>
-        </p:blipFill>
-        <p:spPr>
-          <a:xfrm>
-            <a:off x="21247335" y="26804640"/>
-            <a:ext cx="5296840" cy="705553"/>
-          </a:xfrm>
-          <a:prstGeom prst="rect">
-            <a:avLst/>
-          </a:prstGeom>
-        </p:spPr>
-      </p:pic>
-      <p:pic>
-        <p:nvPicPr>
-          <p:cNvPr id="25" name="Picture 24" descr="A screenshot of a computer screen&#10;&#10;AI-generated content may be incorrect.">
-            <a:extLst>
-              <a:ext uri="{FF2B5EF4-FFF2-40B4-BE49-F238E27FC236}">
-                <a16:creationId xmlns:a16="http://schemas.microsoft.com/office/drawing/2014/main" id="{E528E70A-6511-7508-5705-19C1971930F9}"/>
-              </a:ext>
-            </a:extLst>
-          </p:cNvPr>
-          <p:cNvPicPr>
-            <a:picLocks noChangeAspect="1"/>
-          </p:cNvPicPr>
-          <p:nvPr/>
-        </p:nvPicPr>
-        <p:blipFill>
-          <a:blip r:embed="rId16">
-            <a:extLst>
-              <a:ext uri="{28A0092B-C50C-407E-A947-70E740481C1C}">
-                <a14:useLocalDpi xmlns:a14="http://schemas.microsoft.com/office/drawing/2010/main" val="0"/>
-              </a:ext>
-            </a:extLst>
-          </a:blip>
-          <a:stretch>
-            <a:fillRect/>
-          </a:stretch>
-        </p:blipFill>
-        <p:spPr>
-          <a:xfrm>
-            <a:off x="21247336" y="21109824"/>
-            <a:ext cx="5296839" cy="5694816"/>
-          </a:xfrm>
-          <a:prstGeom prst="rect">
-            <a:avLst/>
-          </a:prstGeom>
-        </p:spPr>
-      </p:pic>
       <p:cxnSp>
         <p:nvCxnSpPr>
           <p:cNvPr id="38" name="Connector: Elbow 37">
@@ -14174,7 +14848,7 @@
         </p:nvCxnSpPr>
         <p:spPr>
           <a:xfrm rot="16200000" flipH="1">
-            <a:off x="6090702" y="21052303"/>
+            <a:off x="6069198" y="21052303"/>
             <a:ext cx="1320012" cy="825586"/>
           </a:xfrm>
           <a:prstGeom prst="bentConnector3">
@@ -14207,13 +14881,15 @@
               </a:ext>
             </a:extLst>
           </p:cNvPr>
-          <p:cNvCxnSpPr/>
+          <p:cNvCxnSpPr>
+            <a:cxnSpLocks/>
+          </p:cNvCxnSpPr>
           <p:nvPr/>
         </p:nvCxnSpPr>
         <p:spPr>
           <a:xfrm>
             <a:off x="6243263" y="22125102"/>
-            <a:ext cx="1064458" cy="0"/>
+            <a:ext cx="1291351" cy="0"/>
           </a:xfrm>
           <a:prstGeom prst="straightConnector1">
             <a:avLst/>
@@ -14387,8 +15063,8 @@
         </p:nvSpPr>
         <p:spPr>
           <a:xfrm>
-            <a:off x="7535211" y="22805583"/>
-            <a:ext cx="3148264" cy="1219200"/>
+            <a:off x="7424391" y="22805582"/>
+            <a:ext cx="3259084" cy="1349321"/>
           </a:xfrm>
           <a:prstGeom prst="roundRect">
             <a:avLst/>
@@ -14443,7 +15119,7 @@
           <p:nvPr>
             <p:extLst>
               <p:ext uri="{D42A27DB-BD31-4B8C-83A1-F6EECF244321}">
-                <p14:modId xmlns:p14="http://schemas.microsoft.com/office/powerpoint/2010/main" val="4075300294"/>
+                <p14:modId xmlns:p14="http://schemas.microsoft.com/office/powerpoint/2010/main" val="2340696754"/>
               </p:ext>
             </p:extLst>
           </p:nvPr>
@@ -14454,7 +15130,7 @@
         </p:xfrm>
         <a:graphic>
           <a:graphicData uri="http://schemas.openxmlformats.org/drawingml/2006/diagram">
-            <dgm:relIds xmlns:dgm="http://schemas.openxmlformats.org/drawingml/2006/diagram" xmlns:r="http://schemas.openxmlformats.org/officeDocument/2006/relationships" r:dm="rId17" r:lo="rId18" r:qs="rId19" r:cs="rId20"/>
+            <dgm:relIds xmlns:dgm="http://schemas.openxmlformats.org/drawingml/2006/diagram" xmlns:r="http://schemas.openxmlformats.org/officeDocument/2006/relationships" r:dm="rId14" r:lo="rId15" r:qs="rId16" r:cs="rId17"/>
           </a:graphicData>
         </a:graphic>
       </p:graphicFrame>
@@ -14471,7 +15147,7 @@
           <p:nvPr>
             <p:extLst>
               <p:ext uri="{D42A27DB-BD31-4B8C-83A1-F6EECF244321}">
-                <p14:modId xmlns:p14="http://schemas.microsoft.com/office/powerpoint/2010/main" val="2283870722"/>
+                <p14:modId xmlns:p14="http://schemas.microsoft.com/office/powerpoint/2010/main" val="2645424829"/>
               </p:ext>
             </p:extLst>
           </p:nvPr>
@@ -14482,10 +15158,461 @@
         </p:xfrm>
         <a:graphic>
           <a:graphicData uri="http://schemas.openxmlformats.org/drawingml/2006/diagram">
-            <dgm:relIds xmlns:dgm="http://schemas.openxmlformats.org/drawingml/2006/diagram" xmlns:r="http://schemas.openxmlformats.org/officeDocument/2006/relationships" r:dm="rId22" r:lo="rId23" r:qs="rId24" r:cs="rId25"/>
+            <dgm:relIds xmlns:dgm="http://schemas.openxmlformats.org/drawingml/2006/diagram" xmlns:r="http://schemas.openxmlformats.org/officeDocument/2006/relationships" r:dm="rId19" r:lo="rId20" r:qs="rId21" r:cs="rId22"/>
           </a:graphicData>
         </a:graphic>
       </p:graphicFrame>
+      <p:grpSp>
+        <p:nvGrpSpPr>
+          <p:cNvPr id="84" name="Group 83">
+            <a:extLst>
+              <a:ext uri="{FF2B5EF4-FFF2-40B4-BE49-F238E27FC236}">
+                <a16:creationId xmlns:a16="http://schemas.microsoft.com/office/drawing/2014/main" id="{04B30F3B-6F98-154F-FFD9-86B80EBCDAD1}"/>
+              </a:ext>
+            </a:extLst>
+          </p:cNvPr>
+          <p:cNvGrpSpPr/>
+          <p:nvPr/>
+        </p:nvGrpSpPr>
+        <p:grpSpPr>
+          <a:xfrm>
+            <a:off x="20362855" y="15460808"/>
+            <a:ext cx="5319651" cy="12262411"/>
+            <a:chOff x="21222435" y="15479448"/>
+            <a:chExt cx="5319651" cy="12262411"/>
+          </a:xfrm>
+        </p:grpSpPr>
+        <p:pic>
+          <p:nvPicPr>
+            <p:cNvPr id="19" name="Picture 18" descr="A screenshot of a computer&#10;&#10;AI-generated content may be incorrect.">
+              <a:extLst>
+                <a:ext uri="{FF2B5EF4-FFF2-40B4-BE49-F238E27FC236}">
+                  <a16:creationId xmlns:a16="http://schemas.microsoft.com/office/drawing/2014/main" id="{EB530A3E-BB8A-D0A1-33C2-5721E19E0ED4}"/>
+                </a:ext>
+              </a:extLst>
+            </p:cNvPr>
+            <p:cNvPicPr>
+              <a:picLocks noChangeAspect="1"/>
+            </p:cNvPicPr>
+            <p:nvPr/>
+          </p:nvPicPr>
+          <p:blipFill>
+            <a:blip r:embed="rId24">
+              <a:extLst>
+                <a:ext uri="{28A0092B-C50C-407E-A947-70E740481C1C}">
+                  <a14:useLocalDpi xmlns:a14="http://schemas.microsoft.com/office/drawing/2010/main" val="0"/>
+                </a:ext>
+              </a:extLst>
+            </a:blip>
+            <a:stretch>
+              <a:fillRect/>
+            </a:stretch>
+          </p:blipFill>
+          <p:spPr>
+            <a:xfrm>
+              <a:off x="21222435" y="15479448"/>
+              <a:ext cx="5319651" cy="5656710"/>
+            </a:xfrm>
+            <a:prstGeom prst="rect">
+              <a:avLst/>
+            </a:prstGeom>
+          </p:spPr>
+        </p:pic>
+        <p:pic>
+          <p:nvPicPr>
+            <p:cNvPr id="81" name="Picture 80" descr="A screenshot of a computer screen&#10;&#10;AI-generated content may be incorrect.">
+              <a:extLst>
+                <a:ext uri="{FF2B5EF4-FFF2-40B4-BE49-F238E27FC236}">
+                  <a16:creationId xmlns:a16="http://schemas.microsoft.com/office/drawing/2014/main" id="{F3D83319-FC62-CA61-8BFC-CD38D3064F80}"/>
+                </a:ext>
+              </a:extLst>
+            </p:cNvPr>
+            <p:cNvPicPr>
+              <a:picLocks noChangeAspect="1"/>
+            </p:cNvPicPr>
+            <p:nvPr/>
+          </p:nvPicPr>
+          <p:blipFill>
+            <a:blip r:embed="rId25">
+              <a:extLst>
+                <a:ext uri="{28A0092B-C50C-407E-A947-70E740481C1C}">
+                  <a14:useLocalDpi xmlns:a14="http://schemas.microsoft.com/office/drawing/2010/main" val="0"/>
+                </a:ext>
+              </a:extLst>
+            </a:blip>
+            <a:stretch>
+              <a:fillRect/>
+            </a:stretch>
+          </p:blipFill>
+          <p:spPr>
+            <a:xfrm>
+              <a:off x="21246669" y="21136158"/>
+              <a:ext cx="5295417" cy="5876874"/>
+            </a:xfrm>
+            <a:prstGeom prst="rect">
+              <a:avLst/>
+            </a:prstGeom>
+          </p:spPr>
+        </p:pic>
+        <p:pic>
+          <p:nvPicPr>
+            <p:cNvPr id="83" name="Picture 82" descr="A shadow of a window&#10;&#10;AI-generated content may be incorrect.">
+              <a:extLst>
+                <a:ext uri="{FF2B5EF4-FFF2-40B4-BE49-F238E27FC236}">
+                  <a16:creationId xmlns:a16="http://schemas.microsoft.com/office/drawing/2014/main" id="{6D5018B6-B3EA-FAB7-31B8-F36EAF70296B}"/>
+                </a:ext>
+              </a:extLst>
+            </p:cNvPr>
+            <p:cNvPicPr>
+              <a:picLocks noChangeAspect="1"/>
+            </p:cNvPicPr>
+            <p:nvPr/>
+          </p:nvPicPr>
+          <p:blipFill>
+            <a:blip r:embed="rId26">
+              <a:extLst>
+                <a:ext uri="{28A0092B-C50C-407E-A947-70E740481C1C}">
+                  <a14:useLocalDpi xmlns:a14="http://schemas.microsoft.com/office/drawing/2010/main" val="0"/>
+                </a:ext>
+              </a:extLst>
+            </a:blip>
+            <a:stretch>
+              <a:fillRect/>
+            </a:stretch>
+          </p:blipFill>
+          <p:spPr>
+            <a:xfrm>
+              <a:off x="21246669" y="27006097"/>
+              <a:ext cx="5295417" cy="735762"/>
+            </a:xfrm>
+            <a:prstGeom prst="rect">
+              <a:avLst/>
+            </a:prstGeom>
+          </p:spPr>
+        </p:pic>
+      </p:grpSp>
+      <p:sp>
+        <p:nvSpPr>
+          <p:cNvPr id="86" name="TextBox 85">
+            <a:extLst>
+              <a:ext uri="{FF2B5EF4-FFF2-40B4-BE49-F238E27FC236}">
+                <a16:creationId xmlns:a16="http://schemas.microsoft.com/office/drawing/2014/main" id="{9DDE5EE5-0C66-895F-3EEB-91A861790B63}"/>
+              </a:ext>
+            </a:extLst>
+          </p:cNvPr>
+          <p:cNvSpPr txBox="1"/>
+          <p:nvPr/>
+        </p:nvSpPr>
+        <p:spPr>
+          <a:xfrm>
+            <a:off x="11865437" y="12722019"/>
+            <a:ext cx="7874607" cy="1292662"/>
+          </a:xfrm>
+          <a:prstGeom prst="rect">
+            <a:avLst/>
+          </a:prstGeom>
+          <a:noFill/>
+        </p:spPr>
+        <p:txBody>
+          <a:bodyPr wrap="square" rtlCol="0">
+            <a:spAutoFit/>
+          </a:bodyPr>
+          <a:lstStyle/>
+          <a:p>
+            <a:r>
+              <a:rPr lang="en-US" sz="2600" dirty="0"/>
+              <a:t>Fig 1: We found no statistical difference in the number of coastal Oregon bee species visiting native vs. nonnative plants, even after standardizing the statistic. </a:t>
+            </a:r>
+          </a:p>
+        </p:txBody>
+      </p:sp>
+      <p:pic>
+        <p:nvPicPr>
+          <p:cNvPr id="88" name="Picture 87" descr="A graph with different colored squares&#10;&#10;AI-generated content may be incorrect.">
+            <a:extLst>
+              <a:ext uri="{FF2B5EF4-FFF2-40B4-BE49-F238E27FC236}">
+                <a16:creationId xmlns:a16="http://schemas.microsoft.com/office/drawing/2014/main" id="{A06457E1-548C-AEDB-0876-D759C7AD494B}"/>
+              </a:ext>
+            </a:extLst>
+          </p:cNvPr>
+          <p:cNvPicPr>
+            <a:picLocks noChangeAspect="1"/>
+          </p:cNvPicPr>
+          <p:nvPr/>
+        </p:nvPicPr>
+        <p:blipFill>
+          <a:blip r:embed="rId27">
+            <a:extLst>
+              <a:ext uri="{28A0092B-C50C-407E-A947-70E740481C1C}">
+                <a14:useLocalDpi xmlns:a14="http://schemas.microsoft.com/office/drawing/2010/main" val="0"/>
+              </a:ext>
+            </a:extLst>
+          </a:blip>
+          <a:stretch>
+            <a:fillRect/>
+          </a:stretch>
+        </p:blipFill>
+        <p:spPr>
+          <a:xfrm>
+            <a:off x="19558691" y="7633977"/>
+            <a:ext cx="7261081" cy="4434725"/>
+          </a:xfrm>
+          <a:prstGeom prst="rect">
+            <a:avLst/>
+          </a:prstGeom>
+        </p:spPr>
+      </p:pic>
+      <p:sp>
+        <p:nvSpPr>
+          <p:cNvPr id="89" name="TextBox 88">
+            <a:extLst>
+              <a:ext uri="{FF2B5EF4-FFF2-40B4-BE49-F238E27FC236}">
+                <a16:creationId xmlns:a16="http://schemas.microsoft.com/office/drawing/2014/main" id="{7DDEF016-21A5-2B3A-C732-D5EAC53429DC}"/>
+              </a:ext>
+            </a:extLst>
+          </p:cNvPr>
+          <p:cNvSpPr txBox="1"/>
+          <p:nvPr/>
+        </p:nvSpPr>
+        <p:spPr>
+          <a:xfrm>
+            <a:off x="19964400" y="12725400"/>
+            <a:ext cx="6705600" cy="1292662"/>
+          </a:xfrm>
+          <a:prstGeom prst="rect">
+            <a:avLst/>
+          </a:prstGeom>
+          <a:noFill/>
+        </p:spPr>
+        <p:txBody>
+          <a:bodyPr wrap="square" rtlCol="0">
+            <a:spAutoFit/>
+          </a:bodyPr>
+          <a:lstStyle/>
+          <a:p>
+            <a:r>
+              <a:rPr lang="en-US" sz="2600" dirty="0"/>
+              <a:t>Fig 2: More than half of the bee species observed were found on both native and nonnative plants. </a:t>
+            </a:r>
+          </a:p>
+        </p:txBody>
+      </p:sp>
+      <p:sp>
+        <p:nvSpPr>
+          <p:cNvPr id="90" name="TextBox 89">
+            <a:extLst>
+              <a:ext uri="{FF2B5EF4-FFF2-40B4-BE49-F238E27FC236}">
+                <a16:creationId xmlns:a16="http://schemas.microsoft.com/office/drawing/2014/main" id="{CA09ECDC-BF71-972A-4C7D-0ADAB2EB7A6A}"/>
+              </a:ext>
+            </a:extLst>
+          </p:cNvPr>
+          <p:cNvSpPr txBox="1"/>
+          <p:nvPr/>
+        </p:nvSpPr>
+        <p:spPr>
+          <a:xfrm>
+            <a:off x="11865438" y="27741859"/>
+            <a:ext cx="5830150" cy="1938992"/>
+          </a:xfrm>
+          <a:prstGeom prst="rect">
+            <a:avLst/>
+          </a:prstGeom>
+          <a:noFill/>
+        </p:spPr>
+        <p:txBody>
+          <a:bodyPr wrap="square" rtlCol="0">
+            <a:spAutoFit/>
+          </a:bodyPr>
+          <a:lstStyle/>
+          <a:p>
+            <a:r>
+              <a:rPr lang="en-US" sz="3000" dirty="0"/>
+              <a:t>Fig 3: Network of the top 10 Native plant species with the most bee species visitations.</a:t>
+            </a:r>
+          </a:p>
+          <a:p>
+            <a:r>
+              <a:rPr lang="en-US" sz="3000" dirty="0"/>
+              <a:t>- Different coastal habitats</a:t>
+            </a:r>
+          </a:p>
+        </p:txBody>
+      </p:sp>
+      <p:sp>
+        <p:nvSpPr>
+          <p:cNvPr id="91" name="TextBox 90">
+            <a:extLst>
+              <a:ext uri="{FF2B5EF4-FFF2-40B4-BE49-F238E27FC236}">
+                <a16:creationId xmlns:a16="http://schemas.microsoft.com/office/drawing/2014/main" id="{58F3B7A7-D55C-82ED-6ACF-7958054CFF05}"/>
+              </a:ext>
+            </a:extLst>
+          </p:cNvPr>
+          <p:cNvSpPr txBox="1"/>
+          <p:nvPr/>
+        </p:nvSpPr>
+        <p:spPr>
+          <a:xfrm>
+            <a:off x="19716162" y="27989871"/>
+            <a:ext cx="6496637" cy="1692771"/>
+          </a:xfrm>
+          <a:prstGeom prst="rect">
+            <a:avLst/>
+          </a:prstGeom>
+          <a:noFill/>
+        </p:spPr>
+        <p:txBody>
+          <a:bodyPr wrap="square" rtlCol="0">
+            <a:spAutoFit/>
+          </a:bodyPr>
+          <a:lstStyle/>
+          <a:p>
+            <a:r>
+              <a:rPr lang="en-US" sz="2600" dirty="0"/>
+              <a:t>Fig 4: Network of top 10 Nonnative plant species with the most bee species visitations.</a:t>
+            </a:r>
+          </a:p>
+          <a:p>
+            <a:r>
+              <a:rPr lang="en-US" sz="2600" dirty="0"/>
+              <a:t>- Most of the nonnative plants are weedy invasive species.</a:t>
+            </a:r>
+          </a:p>
+        </p:txBody>
+      </p:sp>
+      <p:sp>
+        <p:nvSpPr>
+          <p:cNvPr id="94" name="Rectangle: Rounded Corners 93">
+            <a:extLst>
+              <a:ext uri="{FF2B5EF4-FFF2-40B4-BE49-F238E27FC236}">
+                <a16:creationId xmlns:a16="http://schemas.microsoft.com/office/drawing/2014/main" id="{AF6286D3-EC57-374C-8115-375EBD7F2751}"/>
+              </a:ext>
+            </a:extLst>
+          </p:cNvPr>
+          <p:cNvSpPr/>
+          <p:nvPr/>
+        </p:nvSpPr>
+        <p:spPr>
+          <a:xfrm>
+            <a:off x="17792635" y="17033496"/>
+            <a:ext cx="933945" cy="571500"/>
+          </a:xfrm>
+          <a:prstGeom prst="roundRect">
+            <a:avLst/>
+          </a:prstGeom>
+        </p:spPr>
+        <p:style>
+          <a:lnRef idx="2">
+            <a:schemeClr val="accent1">
+              <a:shade val="15000"/>
+            </a:schemeClr>
+          </a:lnRef>
+          <a:fillRef idx="1">
+            <a:schemeClr val="accent1"/>
+          </a:fillRef>
+          <a:effectRef idx="0">
+            <a:schemeClr val="accent1"/>
+          </a:effectRef>
+          <a:fontRef idx="minor">
+            <a:schemeClr val="lt1"/>
+          </a:fontRef>
+        </p:style>
+        <p:txBody>
+          <a:bodyPr rtlCol="0" anchor="ctr"/>
+          <a:lstStyle/>
+          <a:p>
+            <a:pPr algn="ctr"/>
+            <a:r>
+              <a:rPr lang="en-US" sz="1800" dirty="0"/>
+              <a:t>106 species</a:t>
+            </a:r>
+          </a:p>
+        </p:txBody>
+      </p:sp>
+      <p:cxnSp>
+        <p:nvCxnSpPr>
+          <p:cNvPr id="100" name="Straight Connector 99">
+            <a:extLst>
+              <a:ext uri="{FF2B5EF4-FFF2-40B4-BE49-F238E27FC236}">
+                <a16:creationId xmlns:a16="http://schemas.microsoft.com/office/drawing/2014/main" id="{9F81FB04-69AD-F0CD-BD8B-969375BCD969}"/>
+              </a:ext>
+            </a:extLst>
+          </p:cNvPr>
+          <p:cNvCxnSpPr/>
+          <p:nvPr/>
+        </p:nvCxnSpPr>
+        <p:spPr>
+          <a:xfrm>
+            <a:off x="25682506" y="17754600"/>
+            <a:ext cx="530293" cy="0"/>
+          </a:xfrm>
+          <a:prstGeom prst="line">
+            <a:avLst/>
+          </a:prstGeom>
+        </p:spPr>
+        <p:style>
+          <a:lnRef idx="1">
+            <a:schemeClr val="accent1"/>
+          </a:lnRef>
+          <a:fillRef idx="0">
+            <a:schemeClr val="accent1"/>
+          </a:fillRef>
+          <a:effectRef idx="0">
+            <a:schemeClr val="accent1"/>
+          </a:effectRef>
+          <a:fontRef idx="minor">
+            <a:schemeClr val="tx1"/>
+          </a:fontRef>
+        </p:style>
+      </p:cxnSp>
+      <p:sp>
+        <p:nvSpPr>
+          <p:cNvPr id="101" name="Rectangle: Rounded Corners 100">
+            <a:extLst>
+              <a:ext uri="{FF2B5EF4-FFF2-40B4-BE49-F238E27FC236}">
+                <a16:creationId xmlns:a16="http://schemas.microsoft.com/office/drawing/2014/main" id="{59A2B776-FFBB-F8DB-750E-E5B68BE9C4FF}"/>
+              </a:ext>
+            </a:extLst>
+          </p:cNvPr>
+          <p:cNvSpPr/>
+          <p:nvPr/>
+        </p:nvSpPr>
+        <p:spPr>
+          <a:xfrm>
+            <a:off x="26060400" y="17604996"/>
+            <a:ext cx="759372" cy="530604"/>
+          </a:xfrm>
+          <a:prstGeom prst="roundRect">
+            <a:avLst/>
+          </a:prstGeom>
+        </p:spPr>
+        <p:style>
+          <a:lnRef idx="2">
+            <a:schemeClr val="accent1">
+              <a:shade val="15000"/>
+            </a:schemeClr>
+          </a:lnRef>
+          <a:fillRef idx="1">
+            <a:schemeClr val="accent1"/>
+          </a:fillRef>
+          <a:effectRef idx="0">
+            <a:schemeClr val="accent1"/>
+          </a:effectRef>
+          <a:fontRef idx="minor">
+            <a:schemeClr val="lt1"/>
+          </a:fontRef>
+        </p:style>
+        <p:txBody>
+          <a:bodyPr rtlCol="0" anchor="ctr"/>
+          <a:lstStyle/>
+          <a:p>
+            <a:pPr algn="ctr"/>
+            <a:r>
+              <a:rPr lang="en-US" sz="2000" dirty="0"/>
+              <a:t>214</a:t>
+            </a:r>
+          </a:p>
+        </p:txBody>
+      </p:sp>
     </p:spTree>
     <p:extLst>
       <p:ext uri="{BB962C8B-B14F-4D97-AF65-F5344CB8AC3E}">
@@ -15066,32 +16193,42 @@
 </file>
 
 <file path=customXml/item1.xml><?xml version="1.0" encoding="utf-8"?>
-<ct:contentTypeSchema xmlns:ct="http://schemas.microsoft.com/office/2006/metadata/contentType" xmlns:ma="http://schemas.microsoft.com/office/2006/metadata/properties/metaAttributes" ct:_="" ma:_="" ma:contentTypeName="Document" ma:contentTypeID="0x01010066F9213B59404E43A44CE396F0EB41DB" ma:contentTypeVersion="17" ma:contentTypeDescription="Create a new document." ma:contentTypeScope="" ma:versionID="fce6b45a062a2e822901d4c016292851">
-  <xsd:schema xmlns:xsd="http://www.w3.org/2001/XMLSchema" xmlns:xs="http://www.w3.org/2001/XMLSchema" xmlns:p="http://schemas.microsoft.com/office/2006/metadata/properties" xmlns:ns2="73564203-f0fe-4ae8-8e9f-3aa859c33a2a" xmlns:ns3="c340c53f-212a-43d4-943a-cf81f31f3e59" targetNamespace="http://schemas.microsoft.com/office/2006/metadata/properties" ma:root="true" ma:fieldsID="f9b970dbccb805e6d96bd6c5112c9d7e" ns2:_="" ns3:_="">
-    <xsd:import namespace="73564203-f0fe-4ae8-8e9f-3aa859c33a2a"/>
-    <xsd:import namespace="c340c53f-212a-43d4-943a-cf81f31f3e59"/>
+<?mso-contentType ?>
+<FormTemplates xmlns="http://schemas.microsoft.com/sharepoint/v3/contenttype/forms">
+  <Display>DocumentLibraryForm</Display>
+  <Edit>DocumentLibraryForm</Edit>
+  <New>DocumentLibraryForm</New>
+</FormTemplates>
+</file>
+
+<file path=customXml/item2.xml><?xml version="1.0" encoding="utf-8"?>
+<p:properties xmlns:p="http://schemas.microsoft.com/office/2006/metadata/properties" xmlns:xsi="http://www.w3.org/2001/XMLSchema-instance" xmlns:pc="http://schemas.microsoft.com/office/infopath/2007/PartnerControls">
+  <documentManagement>
+    <_activity xmlns="4a8057ab-f439-4764-a97c-4bf49cdf7355" xsi:nil="true"/>
+  </documentManagement>
+</p:properties>
+</file>
+
+<file path=customXml/item3.xml><?xml version="1.0" encoding="utf-8"?>
+<ct:contentTypeSchema xmlns:ct="http://schemas.microsoft.com/office/2006/metadata/contentType" xmlns:ma="http://schemas.microsoft.com/office/2006/metadata/properties/metaAttributes" ct:_="" ma:_="" ma:contentTypeName="Document" ma:contentTypeID="0x010100185480E115D50B4FADE0A535C341C9EE" ma:contentTypeVersion="9" ma:contentTypeDescription="Create a new document." ma:contentTypeScope="" ma:versionID="44ef893ee3d7f85ad0c23340fd16b0ba">
+  <xsd:schema xmlns:xsd="http://www.w3.org/2001/XMLSchema" xmlns:xs="http://www.w3.org/2001/XMLSchema" xmlns:p="http://schemas.microsoft.com/office/2006/metadata/properties" xmlns:ns3="4a8057ab-f439-4764-a97c-4bf49cdf7355" xmlns:ns4="44f54941-32f9-4fbd-8504-058d13ff35bf" targetNamespace="http://schemas.microsoft.com/office/2006/metadata/properties" ma:root="true" ma:fieldsID="3037d3a0eef7b097f36ea6f79f5ff0c8" ns3:_="" ns4:_="">
+    <xsd:import namespace="4a8057ab-f439-4764-a97c-4bf49cdf7355"/>
+    <xsd:import namespace="44f54941-32f9-4fbd-8504-058d13ff35bf"/>
     <xsd:element name="properties">
       <xsd:complexType>
         <xsd:sequence>
           <xsd:element name="documentManagement">
             <xsd:complexType>
               <xsd:all>
-                <xsd:element ref="ns2:MediaServiceMetadata" minOccurs="0"/>
-                <xsd:element ref="ns2:MediaServiceFastMetadata" minOccurs="0"/>
-                <xsd:element ref="ns2:MediaServiceAutoKeyPoints" minOccurs="0"/>
-                <xsd:element ref="ns2:MediaServiceKeyPoints" minOccurs="0"/>
-                <xsd:element ref="ns2:MediaServiceDateTaken" minOccurs="0"/>
-                <xsd:element ref="ns2:MediaLengthInSeconds" minOccurs="0"/>
-                <xsd:element ref="ns2:MediaServiceAutoTags" minOccurs="0"/>
-                <xsd:element ref="ns2:MediaServiceGenerationTime" minOccurs="0"/>
-                <xsd:element ref="ns2:MediaServiceEventHashCode" minOccurs="0"/>
-                <xsd:element ref="ns2:MediaServiceOCR" minOccurs="0"/>
-                <xsd:element ref="ns3:SharedWithUsers" minOccurs="0"/>
-                <xsd:element ref="ns3:SharedWithDetails" minOccurs="0"/>
-                <xsd:element ref="ns2:MediaServiceLocation" minOccurs="0"/>
-                <xsd:element ref="ns2:lcf76f155ced4ddcb4097134ff3c332f" minOccurs="0"/>
-                <xsd:element ref="ns3:TaxCatchAll" minOccurs="0"/>
-                <xsd:element ref="ns2:MediaServiceObjectDetectorVersions" minOccurs="0"/>
+                <xsd:element ref="ns3:MediaServiceMetadata" minOccurs="0"/>
+                <xsd:element ref="ns3:MediaServiceFastMetadata" minOccurs="0"/>
+                <xsd:element ref="ns3:MediaServiceObjectDetectorVersions" minOccurs="0"/>
+                <xsd:element ref="ns3:MediaServiceSearchProperties" minOccurs="0"/>
+                <xsd:element ref="ns3:_activity" minOccurs="0"/>
+                <xsd:element ref="ns4:SharedWithUsers" minOccurs="0"/>
+                <xsd:element ref="ns4:SharedWithDetails" minOccurs="0"/>
+                <xsd:element ref="ns4:SharingHintHash" minOccurs="0"/>
+                <xsd:element ref="ns3:MediaServiceDateTaken" minOccurs="0"/>
               </xsd:all>
             </xsd:complexType>
           </xsd:element>
@@ -15099,7 +16236,7 @@
       </xsd:complexType>
     </xsd:element>
   </xsd:schema>
-  <xsd:schema xmlns:xsd="http://www.w3.org/2001/XMLSchema" xmlns:xs="http://www.w3.org/2001/XMLSchema" xmlns:dms="http://schemas.microsoft.com/office/2006/documentManagement/types" xmlns:pc="http://schemas.microsoft.com/office/infopath/2007/PartnerControls" targetNamespace="73564203-f0fe-4ae8-8e9f-3aa859c33a2a" elementFormDefault="qualified">
+  <xsd:schema xmlns:xsd="http://www.w3.org/2001/XMLSchema" xmlns:xs="http://www.w3.org/2001/XMLSchema" xmlns:dms="http://schemas.microsoft.com/office/2006/documentManagement/types" xmlns:pc="http://schemas.microsoft.com/office/infopath/2007/PartnerControls" targetNamespace="4a8057ab-f439-4764-a97c-4bf49cdf7355" elementFormDefault="qualified">
     <xsd:import namespace="http://schemas.microsoft.com/office/2006/documentManagement/types"/>
     <xsd:import namespace="http://schemas.microsoft.com/office/infopath/2007/PartnerControls"/>
     <xsd:element name="MediaServiceMetadata" ma:index="8" nillable="true" ma:displayName="MediaServiceMetadata" ma:hidden="true" ma:internalName="MediaServiceMetadata" ma:readOnly="true">
@@ -15112,72 +16249,31 @@
         <xsd:restriction base="dms:Note"/>
       </xsd:simpleType>
     </xsd:element>
-    <xsd:element name="MediaServiceAutoKeyPoints" ma:index="10" nillable="true" ma:displayName="MediaServiceAutoKeyPoints" ma:hidden="true" ma:internalName="MediaServiceAutoKeyPoints" ma:readOnly="true">
+    <xsd:element name="MediaServiceObjectDetectorVersions" ma:index="10" nillable="true" ma:displayName="MediaServiceObjectDetectorVersions" ma:hidden="true" ma:indexed="true" ma:internalName="MediaServiceObjectDetectorVersions" ma:readOnly="true">
+      <xsd:simpleType>
+        <xsd:restriction base="dms:Text"/>
+      </xsd:simpleType>
+    </xsd:element>
+    <xsd:element name="MediaServiceSearchProperties" ma:index="11" nillable="true" ma:displayName="MediaServiceSearchProperties" ma:hidden="true" ma:internalName="MediaServiceSearchProperties" ma:readOnly="true">
       <xsd:simpleType>
         <xsd:restriction base="dms:Note"/>
       </xsd:simpleType>
     </xsd:element>
-    <xsd:element name="MediaServiceKeyPoints" ma:index="11" nillable="true" ma:displayName="KeyPoints" ma:internalName="MediaServiceKeyPoints" ma:readOnly="true">
+    <xsd:element name="_activity" ma:index="12" nillable="true" ma:displayName="_activity" ma:hidden="true" ma:internalName="_activity">
       <xsd:simpleType>
-        <xsd:restriction base="dms:Note">
-          <xsd:maxLength value="255"/>
-        </xsd:restriction>
+        <xsd:restriction base="dms:Note"/>
       </xsd:simpleType>
     </xsd:element>
-    <xsd:element name="MediaServiceDateTaken" ma:index="12" nillable="true" ma:displayName="MediaServiceDateTaken" ma:hidden="true" ma:internalName="MediaServiceDateTaken" ma:readOnly="true">
-      <xsd:simpleType>
-        <xsd:restriction base="dms:Text"/>
-      </xsd:simpleType>
-    </xsd:element>
-    <xsd:element name="MediaLengthInSeconds" ma:index="13" nillable="true" ma:displayName="Length (seconds)" ma:internalName="MediaLengthInSeconds" ma:readOnly="true">
-      <xsd:simpleType>
-        <xsd:restriction base="dms:Unknown"/>
-      </xsd:simpleType>
-    </xsd:element>
-    <xsd:element name="MediaServiceAutoTags" ma:index="14" nillable="true" ma:displayName="Tags" ma:internalName="MediaServiceAutoTags" ma:readOnly="true">
-      <xsd:simpleType>
-        <xsd:restriction base="dms:Text"/>
-      </xsd:simpleType>
-    </xsd:element>
-    <xsd:element name="MediaServiceGenerationTime" ma:index="15" nillable="true" ma:displayName="MediaServiceGenerationTime" ma:hidden="true" ma:internalName="MediaServiceGenerationTime" ma:readOnly="true">
-      <xsd:simpleType>
-        <xsd:restriction base="dms:Text"/>
-      </xsd:simpleType>
-    </xsd:element>
-    <xsd:element name="MediaServiceEventHashCode" ma:index="16" nillable="true" ma:displayName="MediaServiceEventHashCode" ma:hidden="true" ma:internalName="MediaServiceEventHashCode" ma:readOnly="true">
-      <xsd:simpleType>
-        <xsd:restriction base="dms:Text"/>
-      </xsd:simpleType>
-    </xsd:element>
-    <xsd:element name="MediaServiceOCR" ma:index="17" nillable="true" ma:displayName="Extracted Text" ma:internalName="MediaServiceOCR" ma:readOnly="true">
-      <xsd:simpleType>
-        <xsd:restriction base="dms:Note">
-          <xsd:maxLength value="255"/>
-        </xsd:restriction>
-      </xsd:simpleType>
-    </xsd:element>
-    <xsd:element name="MediaServiceLocation" ma:index="20" nillable="true" ma:displayName="Location" ma:internalName="MediaServiceLocation" ma:readOnly="true">
-      <xsd:simpleType>
-        <xsd:restriction base="dms:Text"/>
-      </xsd:simpleType>
-    </xsd:element>
-    <xsd:element name="lcf76f155ced4ddcb4097134ff3c332f" ma:index="22" nillable="true" ma:taxonomy="true" ma:internalName="lcf76f155ced4ddcb4097134ff3c332f" ma:taxonomyFieldName="MediaServiceImageTags" ma:displayName="Image Tags" ma:readOnly="false" ma:fieldId="{5cf76f15-5ced-4ddc-b409-7134ff3c332f}" ma:taxonomyMulti="true" ma:sspId="b91a9775-3525-4bf8-b88d-b7eef9d67d4b" ma:termSetId="09814cd3-568e-fe90-9814-8d621ff8fb84" ma:anchorId="fba54fb3-c3e1-fe81-a776-ca4b69148c4d" ma:open="true" ma:isKeyword="false">
-      <xsd:complexType>
-        <xsd:sequence>
-          <xsd:element ref="pc:Terms" minOccurs="0" maxOccurs="1"/>
-        </xsd:sequence>
-      </xsd:complexType>
-    </xsd:element>
-    <xsd:element name="MediaServiceObjectDetectorVersions" ma:index="24" nillable="true" ma:displayName="MediaServiceObjectDetectorVersions" ma:hidden="true" ma:indexed="true" ma:internalName="MediaServiceObjectDetectorVersions" ma:readOnly="true">
+    <xsd:element name="MediaServiceDateTaken" ma:index="16" nillable="true" ma:displayName="MediaServiceDateTaken" ma:hidden="true" ma:indexed="true" ma:internalName="MediaServiceDateTaken" ma:readOnly="true">
       <xsd:simpleType>
         <xsd:restriction base="dms:Text"/>
       </xsd:simpleType>
     </xsd:element>
   </xsd:schema>
-  <xsd:schema xmlns:xsd="http://www.w3.org/2001/XMLSchema" xmlns:xs="http://www.w3.org/2001/XMLSchema" xmlns:dms="http://schemas.microsoft.com/office/2006/documentManagement/types" xmlns:pc="http://schemas.microsoft.com/office/infopath/2007/PartnerControls" targetNamespace="c340c53f-212a-43d4-943a-cf81f31f3e59" elementFormDefault="qualified">
+  <xsd:schema xmlns:xsd="http://www.w3.org/2001/XMLSchema" xmlns:xs="http://www.w3.org/2001/XMLSchema" xmlns:dms="http://schemas.microsoft.com/office/2006/documentManagement/types" xmlns:pc="http://schemas.microsoft.com/office/infopath/2007/PartnerControls" targetNamespace="44f54941-32f9-4fbd-8504-058d13ff35bf" elementFormDefault="qualified">
     <xsd:import namespace="http://schemas.microsoft.com/office/2006/documentManagement/types"/>
     <xsd:import namespace="http://schemas.microsoft.com/office/infopath/2007/PartnerControls"/>
-    <xsd:element name="SharedWithUsers" ma:index="18" nillable="true" ma:displayName="Shared With" ma:internalName="SharedWithUsers" ma:readOnly="true">
+    <xsd:element name="SharedWithUsers" ma:index="13" nillable="true" ma:displayName="Shared With" ma:internalName="SharedWithUsers" ma:readOnly="true">
       <xsd:complexType>
         <xsd:complexContent>
           <xsd:extension base="dms:UserMulti">
@@ -15196,23 +16292,17 @@
         </xsd:complexContent>
       </xsd:complexType>
     </xsd:element>
-    <xsd:element name="SharedWithDetails" ma:index="19" nillable="true" ma:displayName="Shared With Details" ma:internalName="SharedWithDetails" ma:readOnly="true">
+    <xsd:element name="SharedWithDetails" ma:index="14" nillable="true" ma:displayName="Shared With Details" ma:internalName="SharedWithDetails" ma:readOnly="true">
       <xsd:simpleType>
         <xsd:restriction base="dms:Note">
           <xsd:maxLength value="255"/>
         </xsd:restriction>
       </xsd:simpleType>
     </xsd:element>
-    <xsd:element name="TaxCatchAll" ma:index="23" nillable="true" ma:displayName="Taxonomy Catch All Column" ma:hidden="true" ma:list="{3b23f6c9-62ae-47e7-aaeb-4ff983bef013}" ma:internalName="TaxCatchAll" ma:showField="CatchAllData" ma:web="c340c53f-212a-43d4-943a-cf81f31f3e59">
-      <xsd:complexType>
-        <xsd:complexContent>
-          <xsd:extension base="dms:MultiChoiceLookup">
-            <xsd:sequence>
-              <xsd:element name="Value" type="dms:Lookup" maxOccurs="unbounded" minOccurs="0" nillable="true"/>
-            </xsd:sequence>
-          </xsd:extension>
-        </xsd:complexContent>
-      </xsd:complexType>
+    <xsd:element name="SharingHintHash" ma:index="15" nillable="true" ma:displayName="Sharing Hint Hash" ma:hidden="true" ma:internalName="SharingHintHash" ma:readOnly="true">
+      <xsd:simpleType>
+        <xsd:restriction base="dms:Text"/>
+      </xsd:simpleType>
     </xsd:element>
   </xsd:schema>
   <xsd:schema xmlns="http://schemas.openxmlformats.org/package/2006/metadata/core-properties" xmlns:xsd="http://www.w3.org/2001/XMLSchema" xmlns:xsi="http://www.w3.org/2001/XMLSchema-instance" xmlns:dc="http://purl.org/dc/elements/1.1/" xmlns:dcterms="http://purl.org/dc/terms/" xmlns:odoc="http://schemas.microsoft.com/internal/obd" targetNamespace="http://schemas.openxmlformats.org/package/2006/metadata/core-properties" elementFormDefault="qualified" attributeFormDefault="unqualified" blockDefault="#all">
@@ -15314,35 +16404,40 @@
 </ct:contentTypeSchema>
 </file>
 
-<file path=customXml/item2.xml><?xml version="1.0" encoding="utf-8"?>
-<?mso-contentType ?>
-<FormTemplates xmlns="http://schemas.microsoft.com/sharepoint/v3/contenttype/forms">
-  <Display>DocumentLibraryForm</Display>
-  <Edit>DocumentLibraryForm</Edit>
-  <New>DocumentLibraryForm</New>
-</FormTemplates>
+<file path=customXml/itemProps1.xml><?xml version="1.0" encoding="utf-8"?>
+<ds:datastoreItem xmlns:ds="http://schemas.openxmlformats.org/officeDocument/2006/customXml" ds:itemID="{2EAA44C3-3866-494C-9120-7B42F7968B8D}">
+  <ds:schemaRefs>
+    <ds:schemaRef ds:uri="http://schemas.microsoft.com/sharepoint/v3/contenttype/forms"/>
+  </ds:schemaRefs>
+</ds:datastoreItem>
 </file>
 
-<file path=customXml/item3.xml><?xml version="1.0" encoding="utf-8"?>
-<p:properties xmlns:p="http://schemas.microsoft.com/office/2006/metadata/properties" xmlns:xsi="http://www.w3.org/2001/XMLSchema-instance" xmlns:pc="http://schemas.microsoft.com/office/infopath/2007/PartnerControls">
-  <documentManagement>
-    <lcf76f155ced4ddcb4097134ff3c332f xmlns="73564203-f0fe-4ae8-8e9f-3aa859c33a2a">
-      <Terms xmlns="http://schemas.microsoft.com/office/infopath/2007/PartnerControls"/>
-    </lcf76f155ced4ddcb4097134ff3c332f>
-    <TaxCatchAll xmlns="c340c53f-212a-43d4-943a-cf81f31f3e59" xsi:nil="true"/>
-  </documentManagement>
-</p:properties>
+<file path=customXml/itemProps2.xml><?xml version="1.0" encoding="utf-8"?>
+<ds:datastoreItem xmlns:ds="http://schemas.openxmlformats.org/officeDocument/2006/customXml" ds:itemID="{43ED6497-CB12-4BE5-A6D8-27969E015944}">
+  <ds:schemaRefs>
+    <ds:schemaRef ds:uri="http://schemas.microsoft.com/office/infopath/2007/PartnerControls"/>
+    <ds:schemaRef ds:uri="http://www.w3.org/XML/1998/namespace"/>
+    <ds:schemaRef ds:uri="http://purl.org/dc/terms/"/>
+    <ds:schemaRef ds:uri="44f54941-32f9-4fbd-8504-058d13ff35bf"/>
+    <ds:schemaRef ds:uri="4a8057ab-f439-4764-a97c-4bf49cdf7355"/>
+    <ds:schemaRef ds:uri="http://purl.org/dc/elements/1.1/"/>
+    <ds:schemaRef ds:uri="http://schemas.microsoft.com/office/2006/documentManagement/types"/>
+    <ds:schemaRef ds:uri="http://schemas.openxmlformats.org/package/2006/metadata/core-properties"/>
+    <ds:schemaRef ds:uri="http://schemas.microsoft.com/office/2006/metadata/properties"/>
+    <ds:schemaRef ds:uri="http://purl.org/dc/dcmitype/"/>
+  </ds:schemaRefs>
+</ds:datastoreItem>
 </file>
 
-<file path=customXml/itemProps1.xml><?xml version="1.0" encoding="utf-8"?>
-<ds:datastoreItem xmlns:ds="http://schemas.openxmlformats.org/officeDocument/2006/customXml" ds:itemID="{B10FC363-817C-4BB3-9BF9-B2C7071C4997}">
+<file path=customXml/itemProps3.xml><?xml version="1.0" encoding="utf-8"?>
+<ds:datastoreItem xmlns:ds="http://schemas.openxmlformats.org/officeDocument/2006/customXml" ds:itemID="{4B4DB7DA-D8F5-47AB-9346-676E65899586}">
   <ds:schemaRefs>
     <ds:schemaRef ds:uri="http://schemas.microsoft.com/office/2006/metadata/contentType"/>
     <ds:schemaRef ds:uri="http://schemas.microsoft.com/office/2006/metadata/properties/metaAttributes"/>
     <ds:schemaRef ds:uri="http://www.w3.org/2001/XMLSchema"/>
     <ds:schemaRef ds:uri="http://schemas.microsoft.com/office/2006/metadata/properties"/>
-    <ds:schemaRef ds:uri="73564203-f0fe-4ae8-8e9f-3aa859c33a2a"/>
-    <ds:schemaRef ds:uri="c340c53f-212a-43d4-943a-cf81f31f3e59"/>
+    <ds:schemaRef ds:uri="4a8057ab-f439-4764-a97c-4bf49cdf7355"/>
+    <ds:schemaRef ds:uri="44f54941-32f9-4fbd-8504-058d13ff35bf"/>
     <ds:schemaRef ds:uri="http://schemas.microsoft.com/office/2006/documentManagement/types"/>
     <ds:schemaRef ds:uri="http://schemas.microsoft.com/office/infopath/2007/PartnerControls"/>
     <ds:schemaRef ds:uri="http://schemas.openxmlformats.org/package/2006/metadata/core-properties"/>
@@ -15351,29 +16446,4 @@
     <ds:schemaRef ds:uri="http://schemas.microsoft.com/internal/obd"/>
   </ds:schemaRefs>
 </ds:datastoreItem>
-</file>
-
-<file path=customXml/itemProps2.xml><?xml version="1.0" encoding="utf-8"?>
-<ds:datastoreItem xmlns:ds="http://schemas.openxmlformats.org/officeDocument/2006/customXml" ds:itemID="{2EAA44C3-3866-494C-9120-7B42F7968B8D}">
-  <ds:schemaRefs>
-    <ds:schemaRef ds:uri="http://schemas.microsoft.com/sharepoint/v3/contenttype/forms"/>
-  </ds:schemaRefs>
-</ds:datastoreItem>
-</file>
-
-<file path=customXml/itemProps3.xml><?xml version="1.0" encoding="utf-8"?>
-<ds:datastoreItem xmlns:ds="http://schemas.openxmlformats.org/officeDocument/2006/customXml" ds:itemID="{43ED6497-CB12-4BE5-A6D8-27969E015944}">
-  <ds:schemaRefs>
-    <ds:schemaRef ds:uri="c340c53f-212a-43d4-943a-cf81f31f3e59"/>
-    <ds:schemaRef ds:uri="http://schemas.microsoft.com/office/2006/metadata/properties"/>
-    <ds:schemaRef ds:uri="http://purl.org/dc/dcmitype/"/>
-    <ds:schemaRef ds:uri="http://schemas.microsoft.com/office/infopath/2007/PartnerControls"/>
-    <ds:schemaRef ds:uri="http://schemas.microsoft.com/office/2006/documentManagement/types"/>
-    <ds:schemaRef ds:uri="http://purl.org/dc/elements/1.1/"/>
-    <ds:schemaRef ds:uri="http://www.w3.org/XML/1998/namespace"/>
-    <ds:schemaRef ds:uri="http://purl.org/dc/terms/"/>
-    <ds:schemaRef ds:uri="http://schemas.openxmlformats.org/package/2006/metadata/core-properties"/>
-    <ds:schemaRef ds:uri="73564203-f0fe-4ae8-8e9f-3aa859c33a2a"/>
-  </ds:schemaRefs>
-</ds:datastoreItem>
 </file>
--- a/final_proj_posterCLJL.pptx
+++ b/final_proj_posterCLJL.pptx
@@ -3325,8 +3325,8 @@
     <dgm:cxn modelId="{7A633D42-DFD7-42D5-B49A-D8E46BB28DED}" type="presOf" srcId="{6EDEF63E-296D-4E9C-BD18-5F05AA4439C3}" destId="{9FA36F8D-1831-4E9F-B0E4-5C32923C7C1C}" srcOrd="0" destOrd="0" presId="urn:microsoft.com/office/officeart/2008/layout/HorizontalMultiLevelHierarchy"/>
     <dgm:cxn modelId="{662EE444-6A8C-42B4-8896-0561342E96C6}" type="presOf" srcId="{19A5F07E-93B4-47DF-9980-F80757511EE6}" destId="{09184C92-221E-45F1-8661-97B5B5473431}" srcOrd="0" destOrd="0" presId="urn:microsoft.com/office/officeart/2008/layout/HorizontalMultiLevelHierarchy"/>
     <dgm:cxn modelId="{E7283647-7A5E-4771-8DE8-D659E34D3BAB}" srcId="{031260B9-C8F0-415D-BB12-5F98FAD0A145}" destId="{F3A1B37A-355A-47FF-82E6-EE69A27B8B87}" srcOrd="0" destOrd="0" parTransId="{6EDEF63E-296D-4E9C-BD18-5F05AA4439C3}" sibTransId="{97455F4F-5AF4-41A3-B0B7-898CB48908A3}"/>
+    <dgm:cxn modelId="{0191024F-A23A-44EE-9732-E34FA529F59F}" srcId="{0ACCDA85-508B-4AFF-9B4D-AAC2A6E3B5A4}" destId="{031260B9-C8F0-415D-BB12-5F98FAD0A145}" srcOrd="0" destOrd="0" parTransId="{507B4C9D-2538-4686-9879-93E2ABEE8BDC}" sibTransId="{7812B71F-59E0-4A94-854E-87583EA1C084}"/>
     <dgm:cxn modelId="{3467B36D-6A0A-4F2D-8C57-9A880771DCB1}" type="presOf" srcId="{5AD33756-1903-4ABE-B536-A47F74E612A4}" destId="{B1ED1BA2-5753-4612-941E-BB160DE8A5B2}" srcOrd="0" destOrd="0" presId="urn:microsoft.com/office/officeart/2008/layout/HorizontalMultiLevelHierarchy"/>
-    <dgm:cxn modelId="{0191024F-A23A-44EE-9732-E34FA529F59F}" srcId="{0ACCDA85-508B-4AFF-9B4D-AAC2A6E3B5A4}" destId="{031260B9-C8F0-415D-BB12-5F98FAD0A145}" srcOrd="0" destOrd="0" parTransId="{507B4C9D-2538-4686-9879-93E2ABEE8BDC}" sibTransId="{7812B71F-59E0-4A94-854E-87583EA1C084}"/>
     <dgm:cxn modelId="{B96CD08C-0B3B-470C-BC94-A2EB3CD59C39}" type="presOf" srcId="{8D9744CC-AE09-4D43-AC86-17D836FF01D7}" destId="{F00423B9-6E23-405A-B4AA-BEE0C6FF45F6}" srcOrd="0" destOrd="0" presId="urn:microsoft.com/office/officeart/2008/layout/HorizontalMultiLevelHierarchy"/>
     <dgm:cxn modelId="{FC2A228D-DEB4-4B90-867D-ABA02E6D8194}" type="presOf" srcId="{19A5F07E-93B4-47DF-9980-F80757511EE6}" destId="{A3BA7661-C915-49DD-AADD-BEAE63E17B35}" srcOrd="1" destOrd="0" presId="urn:microsoft.com/office/officeart/2008/layout/HorizontalMultiLevelHierarchy"/>
     <dgm:cxn modelId="{EF72D691-001D-4C78-8467-08DC3869845A}" srcId="{031260B9-C8F0-415D-BB12-5F98FAD0A145}" destId="{8D9744CC-AE09-4D43-AC86-17D836FF01D7}" srcOrd="3" destOrd="0" parTransId="{48E6F3B3-F97D-4588-BE4D-9DBF0607AB79}" sibTransId="{39A3203E-DD2F-4C73-8F31-C0DA3A238537}"/>
@@ -4050,7 +4050,7 @@
       </dsp:nvSpPr>
       <dsp:spPr>
         <a:xfrm>
-          <a:off x="2215208" y="1934179"/>
+          <a:off x="2215208" y="1934178"/>
           <a:ext cx="493549" cy="91440"/>
         </a:xfrm>
         <a:custGeom>
@@ -10159,7 +10159,7 @@
           <a:p>
             <a:fld id="{D0FE861C-486B-4E18-A0E9-A790238A915C}" type="datetimeFigureOut">
               <a:rPr lang="en-US" smtClean="0"/>
-              <a:t>12/1/2025</a:t>
+              <a:t>12/2/25</a:t>
             </a:fld>
             <a:endParaRPr lang="en-US"/>
           </a:p>
@@ -10693,7 +10693,7 @@
           <a:p>
             <a:fld id="{8102BAB4-8B8D-41DD-85C7-81A0CA962007}" type="datetimeFigureOut">
               <a:rPr lang="en-US" smtClean="0"/>
-              <a:t>12/1/2025</a:t>
+              <a:t>12/2/25</a:t>
             </a:fld>
             <a:endParaRPr lang="en-US"/>
           </a:p>
@@ -10856,7 +10856,7 @@
           <a:p>
             <a:fld id="{8102BAB4-8B8D-41DD-85C7-81A0CA962007}" type="datetimeFigureOut">
               <a:rPr lang="en-US" smtClean="0"/>
-              <a:t>12/1/2025</a:t>
+              <a:t>12/2/25</a:t>
             </a:fld>
             <a:endParaRPr lang="en-US"/>
           </a:p>
@@ -11029,7 +11029,7 @@
           <a:p>
             <a:fld id="{8102BAB4-8B8D-41DD-85C7-81A0CA962007}" type="datetimeFigureOut">
               <a:rPr lang="en-US" smtClean="0"/>
-              <a:t>12/1/2025</a:t>
+              <a:t>12/2/25</a:t>
             </a:fld>
             <a:endParaRPr lang="en-US"/>
           </a:p>
@@ -11192,7 +11192,7 @@
           <a:p>
             <a:fld id="{8102BAB4-8B8D-41DD-85C7-81A0CA962007}" type="datetimeFigureOut">
               <a:rPr lang="en-US" smtClean="0"/>
-              <a:t>12/1/2025</a:t>
+              <a:t>12/2/25</a:t>
             </a:fld>
             <a:endParaRPr lang="en-US"/>
           </a:p>
@@ -11432,7 +11432,7 @@
           <a:p>
             <a:fld id="{8102BAB4-8B8D-41DD-85C7-81A0CA962007}" type="datetimeFigureOut">
               <a:rPr lang="en-US" smtClean="0"/>
-              <a:t>12/1/2025</a:t>
+              <a:t>12/2/25</a:t>
             </a:fld>
             <a:endParaRPr lang="en-US"/>
           </a:p>
@@ -11712,7 +11712,7 @@
           <a:p>
             <a:fld id="{8102BAB4-8B8D-41DD-85C7-81A0CA962007}" type="datetimeFigureOut">
               <a:rPr lang="en-US" smtClean="0"/>
-              <a:t>12/1/2025</a:t>
+              <a:t>12/2/25</a:t>
             </a:fld>
             <a:endParaRPr lang="en-US"/>
           </a:p>
@@ -12126,7 +12126,7 @@
           <a:p>
             <a:fld id="{8102BAB4-8B8D-41DD-85C7-81A0CA962007}" type="datetimeFigureOut">
               <a:rPr lang="en-US" smtClean="0"/>
-              <a:t>12/1/2025</a:t>
+              <a:t>12/2/25</a:t>
             </a:fld>
             <a:endParaRPr lang="en-US"/>
           </a:p>
@@ -12238,7 +12238,7 @@
           <a:p>
             <a:fld id="{8102BAB4-8B8D-41DD-85C7-81A0CA962007}" type="datetimeFigureOut">
               <a:rPr lang="en-US" smtClean="0"/>
-              <a:t>12/1/2025</a:t>
+              <a:t>12/2/25</a:t>
             </a:fld>
             <a:endParaRPr lang="en-US"/>
           </a:p>
@@ -12328,7 +12328,7 @@
           <a:p>
             <a:fld id="{8102BAB4-8B8D-41DD-85C7-81A0CA962007}" type="datetimeFigureOut">
               <a:rPr lang="en-US" smtClean="0"/>
-              <a:t>12/1/2025</a:t>
+              <a:t>12/2/25</a:t>
             </a:fld>
             <a:endParaRPr lang="en-US"/>
           </a:p>
@@ -12598,7 +12598,7 @@
           <a:p>
             <a:fld id="{8102BAB4-8B8D-41DD-85C7-81A0CA962007}" type="datetimeFigureOut">
               <a:rPr lang="en-US" smtClean="0"/>
-              <a:t>12/1/2025</a:t>
+              <a:t>12/2/25</a:t>
             </a:fld>
             <a:endParaRPr lang="en-US"/>
           </a:p>
@@ -12845,7 +12845,7 @@
           <a:p>
             <a:fld id="{8102BAB4-8B8D-41DD-85C7-81A0CA962007}" type="datetimeFigureOut">
               <a:rPr lang="en-US" smtClean="0"/>
-              <a:t>12/1/2025</a:t>
+              <a:t>12/2/25</a:t>
             </a:fld>
             <a:endParaRPr lang="en-US"/>
           </a:p>
@@ -13051,7 +13051,7 @@
           <a:p>
             <a:fld id="{8102BAB4-8B8D-41DD-85C7-81A0CA962007}" type="datetimeFigureOut">
               <a:rPr lang="en-US" smtClean="0"/>
-              <a:t>12/1/2025</a:t>
+              <a:t>12/2/25</a:t>
             </a:fld>
             <a:endParaRPr lang="en-US"/>
           </a:p>
@@ -15306,7 +15306,7 @@
         <p:spPr>
           <a:xfrm>
             <a:off x="11865437" y="12722019"/>
-            <a:ext cx="7874607" cy="1292662"/>
+            <a:ext cx="7874607" cy="1692771"/>
           </a:xfrm>
           <a:prstGeom prst="rect">
             <a:avLst/>
@@ -15321,7 +15321,7 @@
           <a:p>
             <a:r>
               <a:rPr lang="en-US" sz="2600" dirty="0"/>
-              <a:t>Fig 1: We found no statistical difference in the number of coastal Oregon bee species visiting native vs. nonnative plants, even after standardizing the statistic. </a:t>
+              <a:t>Fig 1: We found no statistical difference in the number of coastal Oregon bee species visiting native vs. nonnative plants, even after standardizing the statistic. P-value: 0.45.</a:t>
             </a:r>
           </a:p>
         </p:txBody>
@@ -16193,23 +16193,6 @@
 </file>
 
 <file path=customXml/item1.xml><?xml version="1.0" encoding="utf-8"?>
-<?mso-contentType ?>
-<FormTemplates xmlns="http://schemas.microsoft.com/sharepoint/v3/contenttype/forms">
-  <Display>DocumentLibraryForm</Display>
-  <Edit>DocumentLibraryForm</Edit>
-  <New>DocumentLibraryForm</New>
-</FormTemplates>
-</file>
-
-<file path=customXml/item2.xml><?xml version="1.0" encoding="utf-8"?>
-<p:properties xmlns:p="http://schemas.microsoft.com/office/2006/metadata/properties" xmlns:xsi="http://www.w3.org/2001/XMLSchema-instance" xmlns:pc="http://schemas.microsoft.com/office/infopath/2007/PartnerControls">
-  <documentManagement>
-    <_activity xmlns="4a8057ab-f439-4764-a97c-4bf49cdf7355" xsi:nil="true"/>
-  </documentManagement>
-</p:properties>
-</file>
-
-<file path=customXml/item3.xml><?xml version="1.0" encoding="utf-8"?>
 <ct:contentTypeSchema xmlns:ct="http://schemas.microsoft.com/office/2006/metadata/contentType" xmlns:ma="http://schemas.microsoft.com/office/2006/metadata/properties/metaAttributes" ct:_="" ma:_="" ma:contentTypeName="Document" ma:contentTypeID="0x010100185480E115D50B4FADE0A535C341C9EE" ma:contentTypeVersion="9" ma:contentTypeDescription="Create a new document." ma:contentTypeScope="" ma:versionID="44ef893ee3d7f85ad0c23340fd16b0ba">
   <xsd:schema xmlns:xsd="http://www.w3.org/2001/XMLSchema" xmlns:xs="http://www.w3.org/2001/XMLSchema" xmlns:p="http://schemas.microsoft.com/office/2006/metadata/properties" xmlns:ns3="4a8057ab-f439-4764-a97c-4bf49cdf7355" xmlns:ns4="44f54941-32f9-4fbd-8504-058d13ff35bf" targetNamespace="http://schemas.microsoft.com/office/2006/metadata/properties" ma:root="true" ma:fieldsID="3037d3a0eef7b097f36ea6f79f5ff0c8" ns3:_="" ns4:_="">
     <xsd:import namespace="4a8057ab-f439-4764-a97c-4bf49cdf7355"/>
@@ -16404,10 +16387,38 @@
 </ct:contentTypeSchema>
 </file>
 
+<file path=customXml/item2.xml><?xml version="1.0" encoding="utf-8"?>
+<p:properties xmlns:p="http://schemas.microsoft.com/office/2006/metadata/properties" xmlns:xsi="http://www.w3.org/2001/XMLSchema-instance" xmlns:pc="http://schemas.microsoft.com/office/infopath/2007/PartnerControls">
+  <documentManagement>
+    <_activity xmlns="4a8057ab-f439-4764-a97c-4bf49cdf7355" xsi:nil="true"/>
+  </documentManagement>
+</p:properties>
+</file>
+
+<file path=customXml/item3.xml><?xml version="1.0" encoding="utf-8"?>
+<?mso-contentType ?>
+<FormTemplates xmlns="http://schemas.microsoft.com/sharepoint/v3/contenttype/forms">
+  <Display>DocumentLibraryForm</Display>
+  <Edit>DocumentLibraryForm</Edit>
+  <New>DocumentLibraryForm</New>
+</FormTemplates>
+</file>
+
 <file path=customXml/itemProps1.xml><?xml version="1.0" encoding="utf-8"?>
-<ds:datastoreItem xmlns:ds="http://schemas.openxmlformats.org/officeDocument/2006/customXml" ds:itemID="{2EAA44C3-3866-494C-9120-7B42F7968B8D}">
+<ds:datastoreItem xmlns:ds="http://schemas.openxmlformats.org/officeDocument/2006/customXml" ds:itemID="{4B4DB7DA-D8F5-47AB-9346-676E65899586}">
   <ds:schemaRefs>
-    <ds:schemaRef ds:uri="http://schemas.microsoft.com/sharepoint/v3/contenttype/forms"/>
+    <ds:schemaRef ds:uri="http://schemas.microsoft.com/office/2006/metadata/contentType"/>
+    <ds:schemaRef ds:uri="http://schemas.microsoft.com/office/2006/metadata/properties/metaAttributes"/>
+    <ds:schemaRef ds:uri="http://www.w3.org/2001/XMLSchema"/>
+    <ds:schemaRef ds:uri="http://schemas.microsoft.com/office/2006/metadata/properties"/>
+    <ds:schemaRef ds:uri="4a8057ab-f439-4764-a97c-4bf49cdf7355"/>
+    <ds:schemaRef ds:uri="44f54941-32f9-4fbd-8504-058d13ff35bf"/>
+    <ds:schemaRef ds:uri="http://schemas.microsoft.com/office/2006/documentManagement/types"/>
+    <ds:schemaRef ds:uri="http://schemas.microsoft.com/office/infopath/2007/PartnerControls"/>
+    <ds:schemaRef ds:uri="http://schemas.openxmlformats.org/package/2006/metadata/core-properties"/>
+    <ds:schemaRef ds:uri="http://purl.org/dc/elements/1.1/"/>
+    <ds:schemaRef ds:uri="http://purl.org/dc/terms/"/>
+    <ds:schemaRef ds:uri="http://schemas.microsoft.com/internal/obd"/>
   </ds:schemaRefs>
 </ds:datastoreItem>
 </file>
@@ -16430,20 +16441,9 @@
 </file>
 
 <file path=customXml/itemProps3.xml><?xml version="1.0" encoding="utf-8"?>
-<ds:datastoreItem xmlns:ds="http://schemas.openxmlformats.org/officeDocument/2006/customXml" ds:itemID="{4B4DB7DA-D8F5-47AB-9346-676E65899586}">
+<ds:datastoreItem xmlns:ds="http://schemas.openxmlformats.org/officeDocument/2006/customXml" ds:itemID="{2EAA44C3-3866-494C-9120-7B42F7968B8D}">
   <ds:schemaRefs>
-    <ds:schemaRef ds:uri="http://schemas.microsoft.com/office/2006/metadata/contentType"/>
-    <ds:schemaRef ds:uri="http://schemas.microsoft.com/office/2006/metadata/properties/metaAttributes"/>
-    <ds:schemaRef ds:uri="http://www.w3.org/2001/XMLSchema"/>
-    <ds:schemaRef ds:uri="http://schemas.microsoft.com/office/2006/metadata/properties"/>
-    <ds:schemaRef ds:uri="4a8057ab-f439-4764-a97c-4bf49cdf7355"/>
-    <ds:schemaRef ds:uri="44f54941-32f9-4fbd-8504-058d13ff35bf"/>
-    <ds:schemaRef ds:uri="http://schemas.microsoft.com/office/2006/documentManagement/types"/>
-    <ds:schemaRef ds:uri="http://schemas.microsoft.com/office/infopath/2007/PartnerControls"/>
-    <ds:schemaRef ds:uri="http://schemas.openxmlformats.org/package/2006/metadata/core-properties"/>
-    <ds:schemaRef ds:uri="http://purl.org/dc/elements/1.1/"/>
-    <ds:schemaRef ds:uri="http://purl.org/dc/terms/"/>
-    <ds:schemaRef ds:uri="http://schemas.microsoft.com/internal/obd"/>
+    <ds:schemaRef ds:uri="http://schemas.microsoft.com/sharepoint/v3/contenttype/forms"/>
   </ds:schemaRefs>
 </ds:datastoreItem>
 </file>
--- a/final_proj_posterCLJL.pptx
+++ b/final_proj_posterCLJL.pptx
@@ -15411,8 +15411,8 @@
         </p:nvSpPr>
         <p:spPr>
           <a:xfrm>
-            <a:off x="11865438" y="27741859"/>
-            <a:ext cx="5830150" cy="1938992"/>
+            <a:off x="11865438" y="27741860"/>
+            <a:ext cx="5566629" cy="2092881"/>
           </a:xfrm>
           <a:prstGeom prst="rect">
             <a:avLst/>
@@ -15426,14 +15426,14 @@
           <a:lstStyle/>
           <a:p>
             <a:r>
-              <a:rPr lang="en-US" sz="3000" dirty="0"/>
-              <a:t>Fig 3: Network of the top 10 Native plant species with the most bee species visitations.</a:t>
+              <a:rPr lang="en-US" sz="2600" dirty="0"/>
+              <a:t>Fig 3: Network of the top ten native plant species with the most bee species visitations.</a:t>
             </a:r>
           </a:p>
           <a:p>
             <a:r>
-              <a:rPr lang="en-US" sz="3000" dirty="0"/>
-              <a:t>- Different coastal habitats</a:t>
+              <a:rPr lang="en-US" sz="2600" dirty="0"/>
+              <a:t>- Plants occupy a variety of coastal habitats.</a:t>
             </a:r>
           </a:p>
         </p:txBody>
@@ -15468,13 +15468,13 @@
           <a:p>
             <a:r>
               <a:rPr lang="en-US" sz="2600" dirty="0"/>
-              <a:t>Fig 4: Network of top 10 Nonnative plant species with the most bee species visitations.</a:t>
+              <a:t>Fig 4: Network of top ten nonnative plant species with the most bee species visitations.</a:t>
             </a:r>
           </a:p>
           <a:p>
             <a:r>
               <a:rPr lang="en-US" sz="2600" dirty="0"/>
-              <a:t>- Most of the nonnative plants are weedy invasive species.</a:t>
+              <a:t>- Most of the plants are weedy invasive species.</a:t>
             </a:r>
           </a:p>
         </p:txBody>
@@ -16193,6 +16193,14 @@
 </file>
 
 <file path=customXml/item1.xml><?xml version="1.0" encoding="utf-8"?>
+<p:properties xmlns:p="http://schemas.microsoft.com/office/2006/metadata/properties" xmlns:xsi="http://www.w3.org/2001/XMLSchema-instance" xmlns:pc="http://schemas.microsoft.com/office/infopath/2007/PartnerControls">
+  <documentManagement>
+    <_activity xmlns="4a8057ab-f439-4764-a97c-4bf49cdf7355" xsi:nil="true"/>
+  </documentManagement>
+</p:properties>
+</file>
+
+<file path=customXml/item2.xml><?xml version="1.0" encoding="utf-8"?>
 <ct:contentTypeSchema xmlns:ct="http://schemas.microsoft.com/office/2006/metadata/contentType" xmlns:ma="http://schemas.microsoft.com/office/2006/metadata/properties/metaAttributes" ct:_="" ma:_="" ma:contentTypeName="Document" ma:contentTypeID="0x010100185480E115D50B4FADE0A535C341C9EE" ma:contentTypeVersion="9" ma:contentTypeDescription="Create a new document." ma:contentTypeScope="" ma:versionID="44ef893ee3d7f85ad0c23340fd16b0ba">
   <xsd:schema xmlns:xsd="http://www.w3.org/2001/XMLSchema" xmlns:xs="http://www.w3.org/2001/XMLSchema" xmlns:p="http://schemas.microsoft.com/office/2006/metadata/properties" xmlns:ns3="4a8057ab-f439-4764-a97c-4bf49cdf7355" xmlns:ns4="44f54941-32f9-4fbd-8504-058d13ff35bf" targetNamespace="http://schemas.microsoft.com/office/2006/metadata/properties" ma:root="true" ma:fieldsID="3037d3a0eef7b097f36ea6f79f5ff0c8" ns3:_="" ns4:_="">
     <xsd:import namespace="4a8057ab-f439-4764-a97c-4bf49cdf7355"/>
@@ -16387,14 +16395,6 @@
 </ct:contentTypeSchema>
 </file>
 
-<file path=customXml/item2.xml><?xml version="1.0" encoding="utf-8"?>
-<p:properties xmlns:p="http://schemas.microsoft.com/office/2006/metadata/properties" xmlns:xsi="http://www.w3.org/2001/XMLSchema-instance" xmlns:pc="http://schemas.microsoft.com/office/infopath/2007/PartnerControls">
-  <documentManagement>
-    <_activity xmlns="4a8057ab-f439-4764-a97c-4bf49cdf7355" xsi:nil="true"/>
-  </documentManagement>
-</p:properties>
-</file>
-
 <file path=customXml/item3.xml><?xml version="1.0" encoding="utf-8"?>
 <?mso-contentType ?>
 <FormTemplates xmlns="http://schemas.microsoft.com/sharepoint/v3/contenttype/forms">
@@ -16405,6 +16405,23 @@
 </file>
 
 <file path=customXml/itemProps1.xml><?xml version="1.0" encoding="utf-8"?>
+<ds:datastoreItem xmlns:ds="http://schemas.openxmlformats.org/officeDocument/2006/customXml" ds:itemID="{43ED6497-CB12-4BE5-A6D8-27969E015944}">
+  <ds:schemaRefs>
+    <ds:schemaRef ds:uri="http://schemas.microsoft.com/office/infopath/2007/PartnerControls"/>
+    <ds:schemaRef ds:uri="http://www.w3.org/XML/1998/namespace"/>
+    <ds:schemaRef ds:uri="http://purl.org/dc/terms/"/>
+    <ds:schemaRef ds:uri="44f54941-32f9-4fbd-8504-058d13ff35bf"/>
+    <ds:schemaRef ds:uri="4a8057ab-f439-4764-a97c-4bf49cdf7355"/>
+    <ds:schemaRef ds:uri="http://purl.org/dc/elements/1.1/"/>
+    <ds:schemaRef ds:uri="http://schemas.microsoft.com/office/2006/documentManagement/types"/>
+    <ds:schemaRef ds:uri="http://schemas.openxmlformats.org/package/2006/metadata/core-properties"/>
+    <ds:schemaRef ds:uri="http://schemas.microsoft.com/office/2006/metadata/properties"/>
+    <ds:schemaRef ds:uri="http://purl.org/dc/dcmitype/"/>
+  </ds:schemaRefs>
+</ds:datastoreItem>
+</file>
+
+<file path=customXml/itemProps2.xml><?xml version="1.0" encoding="utf-8"?>
 <ds:datastoreItem xmlns:ds="http://schemas.openxmlformats.org/officeDocument/2006/customXml" ds:itemID="{4B4DB7DA-D8F5-47AB-9346-676E65899586}">
   <ds:schemaRefs>
     <ds:schemaRef ds:uri="http://schemas.microsoft.com/office/2006/metadata/contentType"/>
@@ -16423,23 +16440,6 @@
 </ds:datastoreItem>
 </file>
 
-<file path=customXml/itemProps2.xml><?xml version="1.0" encoding="utf-8"?>
-<ds:datastoreItem xmlns:ds="http://schemas.openxmlformats.org/officeDocument/2006/customXml" ds:itemID="{43ED6497-CB12-4BE5-A6D8-27969E015944}">
-  <ds:schemaRefs>
-    <ds:schemaRef ds:uri="http://schemas.microsoft.com/office/infopath/2007/PartnerControls"/>
-    <ds:schemaRef ds:uri="http://www.w3.org/XML/1998/namespace"/>
-    <ds:schemaRef ds:uri="http://purl.org/dc/terms/"/>
-    <ds:schemaRef ds:uri="44f54941-32f9-4fbd-8504-058d13ff35bf"/>
-    <ds:schemaRef ds:uri="4a8057ab-f439-4764-a97c-4bf49cdf7355"/>
-    <ds:schemaRef ds:uri="http://purl.org/dc/elements/1.1/"/>
-    <ds:schemaRef ds:uri="http://schemas.microsoft.com/office/2006/documentManagement/types"/>
-    <ds:schemaRef ds:uri="http://schemas.openxmlformats.org/package/2006/metadata/core-properties"/>
-    <ds:schemaRef ds:uri="http://schemas.microsoft.com/office/2006/metadata/properties"/>
-    <ds:schemaRef ds:uri="http://purl.org/dc/dcmitype/"/>
-  </ds:schemaRefs>
-</ds:datastoreItem>
-</file>
-
 <file path=customXml/itemProps3.xml><?xml version="1.0" encoding="utf-8"?>
 <ds:datastoreItem xmlns:ds="http://schemas.openxmlformats.org/officeDocument/2006/customXml" ds:itemID="{2EAA44C3-3866-494C-9120-7B42F7968B8D}">
   <ds:schemaRefs>

--- a/final_proj_posterCLJL.pptx
+++ b/final_proj_posterCLJL.pptx
@@ -124,14 +124,6 @@
     </p:ext>
   </p:extLst>
 </p:presentation>
-</file>
-
-<file path=ppt/revisionInfo.xml><?xml version="1.0" encoding="utf-8"?>
-<p1510:revInfo xmlns:a="http://schemas.openxmlformats.org/drawingml/2006/main" xmlns:r="http://schemas.openxmlformats.org/officeDocument/2006/relationships" xmlns:p1510="http://schemas.microsoft.com/office/powerpoint/2015/10/main">
-  <p1510:revLst>
-    <p1510:client id="{D63E8E7C-CF2E-4965-B2B5-B2719B8FEB47}" v="23" dt="2025-12-03T02:22:40.109"/>
-  </p1510:revLst>
-</p1510:revInfo>
 </file>
 
 <file path=ppt/diagrams/colors1.xml><?xml version="1.0" encoding="utf-8"?>
@@ -2550,7 +2542,7 @@
       <dgm:spPr/>
     </dgm:pt>
     <dgm:pt modelId="{FAC37BAF-4369-4E5B-A966-7FD138B3F8C8}" type="pres">
-      <dgm:prSet presAssocID="{2D680BB2-22E3-44E5-9CFC-23E34D839579}" presName="LevelOneTextNode" presStyleLbl="node0" presStyleIdx="0" presStyleCnt="1" custScaleY="79737">
+      <dgm:prSet presAssocID="{2D680BB2-22E3-44E5-9CFC-23E34D839579}" presName="LevelOneTextNode" presStyleLbl="node0" presStyleIdx="0" presStyleCnt="1" custScaleY="67637">
         <dgm:presLayoutVars>
           <dgm:chPref val="3"/>
         </dgm:presLayoutVars>
@@ -3325,8 +3317,8 @@
     <dgm:cxn modelId="{7A633D42-DFD7-42D5-B49A-D8E46BB28DED}" type="presOf" srcId="{6EDEF63E-296D-4E9C-BD18-5F05AA4439C3}" destId="{9FA36F8D-1831-4E9F-B0E4-5C32923C7C1C}" srcOrd="0" destOrd="0" presId="urn:microsoft.com/office/officeart/2008/layout/HorizontalMultiLevelHierarchy"/>
     <dgm:cxn modelId="{662EE444-6A8C-42B4-8896-0561342E96C6}" type="presOf" srcId="{19A5F07E-93B4-47DF-9980-F80757511EE6}" destId="{09184C92-221E-45F1-8661-97B5B5473431}" srcOrd="0" destOrd="0" presId="urn:microsoft.com/office/officeart/2008/layout/HorizontalMultiLevelHierarchy"/>
     <dgm:cxn modelId="{E7283647-7A5E-4771-8DE8-D659E34D3BAB}" srcId="{031260B9-C8F0-415D-BB12-5F98FAD0A145}" destId="{F3A1B37A-355A-47FF-82E6-EE69A27B8B87}" srcOrd="0" destOrd="0" parTransId="{6EDEF63E-296D-4E9C-BD18-5F05AA4439C3}" sibTransId="{97455F4F-5AF4-41A3-B0B7-898CB48908A3}"/>
+    <dgm:cxn modelId="{3467B36D-6A0A-4F2D-8C57-9A880771DCB1}" type="presOf" srcId="{5AD33756-1903-4ABE-B536-A47F74E612A4}" destId="{B1ED1BA2-5753-4612-941E-BB160DE8A5B2}" srcOrd="0" destOrd="0" presId="urn:microsoft.com/office/officeart/2008/layout/HorizontalMultiLevelHierarchy"/>
     <dgm:cxn modelId="{0191024F-A23A-44EE-9732-E34FA529F59F}" srcId="{0ACCDA85-508B-4AFF-9B4D-AAC2A6E3B5A4}" destId="{031260B9-C8F0-415D-BB12-5F98FAD0A145}" srcOrd="0" destOrd="0" parTransId="{507B4C9D-2538-4686-9879-93E2ABEE8BDC}" sibTransId="{7812B71F-59E0-4A94-854E-87583EA1C084}"/>
-    <dgm:cxn modelId="{3467B36D-6A0A-4F2D-8C57-9A880771DCB1}" type="presOf" srcId="{5AD33756-1903-4ABE-B536-A47F74E612A4}" destId="{B1ED1BA2-5753-4612-941E-BB160DE8A5B2}" srcOrd="0" destOrd="0" presId="urn:microsoft.com/office/officeart/2008/layout/HorizontalMultiLevelHierarchy"/>
     <dgm:cxn modelId="{B96CD08C-0B3B-470C-BC94-A2EB3CD59C39}" type="presOf" srcId="{8D9744CC-AE09-4D43-AC86-17D836FF01D7}" destId="{F00423B9-6E23-405A-B4AA-BEE0C6FF45F6}" srcOrd="0" destOrd="0" presId="urn:microsoft.com/office/officeart/2008/layout/HorizontalMultiLevelHierarchy"/>
     <dgm:cxn modelId="{FC2A228D-DEB4-4B90-867D-ABA02E6D8194}" type="presOf" srcId="{19A5F07E-93B4-47DF-9980-F80757511EE6}" destId="{A3BA7661-C915-49DD-AADD-BEAE63E17B35}" srcOrd="1" destOrd="0" presId="urn:microsoft.com/office/officeart/2008/layout/HorizontalMultiLevelHierarchy"/>
     <dgm:cxn modelId="{EF72D691-001D-4C78-8467-08DC3869845A}" srcId="{031260B9-C8F0-415D-BB12-5F98FAD0A145}" destId="{8D9744CC-AE09-4D43-AC86-17D836FF01D7}" srcOrd="3" destOrd="0" parTransId="{48E6F3B3-F97D-4588-BE4D-9DBF0607AB79}" sibTransId="{39A3203E-DD2F-4C73-8F31-C0DA3A238537}"/>
@@ -3635,8 +3627,8 @@
       </dsp:nvSpPr>
       <dsp:spPr>
         <a:xfrm rot="16200000">
-          <a:off x="-873589" y="2387236"/>
-          <a:ext cx="4700025" cy="1119937"/>
+          <a:off x="-516977" y="2387236"/>
+          <a:ext cx="3986802" cy="1119937"/>
         </a:xfrm>
         <a:prstGeom prst="flowChartAlternateProcess">
           <a:avLst/>
@@ -3701,8 +3693,8 @@
         </a:p>
       </dsp:txBody>
       <dsp:txXfrm>
-        <a:off x="-818919" y="2441906"/>
-        <a:ext cx="4590685" cy="1010597"/>
+        <a:off x="-462307" y="2441906"/>
+        <a:ext cx="3877462" cy="1010597"/>
       </dsp:txXfrm>
     </dsp:sp>
     <dsp:sp modelId="{42E3C87B-6676-43CA-B3F5-95708160ACC1}">
@@ -3955,8 +3947,8 @@
       </dsp:nvSpPr>
       <dsp:spPr>
         <a:xfrm>
-          <a:off x="2215208" y="1979899"/>
-          <a:ext cx="493549" cy="940452"/>
+          <a:off x="2284431" y="1855807"/>
+          <a:ext cx="462615" cy="881508"/>
         </a:xfrm>
         <a:custGeom>
           <a:avLst/>
@@ -3970,13 +3962,13 @@
                 <a:pt x="0" y="0"/>
               </a:moveTo>
               <a:lnTo>
-                <a:pt x="246774" y="0"/>
+                <a:pt x="231307" y="0"/>
               </a:lnTo>
               <a:lnTo>
-                <a:pt x="246774" y="940452"/>
+                <a:pt x="231307" y="881508"/>
               </a:lnTo>
               <a:lnTo>
-                <a:pt x="493549" y="940452"/>
+                <a:pt x="462615" y="881508"/>
               </a:lnTo>
             </a:path>
           </a:pathLst>
@@ -4039,8 +4031,8 @@
         </a:p>
       </dsp:txBody>
       <dsp:txXfrm>
-        <a:off x="2435430" y="2423572"/>
-        <a:ext cx="53104" cy="53104"/>
+        <a:off x="2490851" y="2271673"/>
+        <a:ext cx="49776" cy="49776"/>
       </dsp:txXfrm>
     </dsp:sp>
     <dsp:sp modelId="{77FC571E-C32A-4742-80AB-3CE08C2E905F}">
@@ -4050,8 +4042,8 @@
       </dsp:nvSpPr>
       <dsp:spPr>
         <a:xfrm>
-          <a:off x="2215208" y="1934178"/>
-          <a:ext cx="493549" cy="91440"/>
+          <a:off x="2284431" y="1810087"/>
+          <a:ext cx="462615" cy="91440"/>
         </a:xfrm>
         <a:custGeom>
           <a:avLst/>
@@ -4065,7 +4057,7 @@
                 <a:pt x="0" y="45720"/>
               </a:moveTo>
               <a:lnTo>
-                <a:pt x="493549" y="45720"/>
+                <a:pt x="462615" y="45720"/>
               </a:lnTo>
             </a:path>
           </a:pathLst>
@@ -4128,8 +4120,8 @@
         </a:p>
       </dsp:txBody>
       <dsp:txXfrm>
-        <a:off x="2449644" y="1967560"/>
-        <a:ext cx="24677" cy="24677"/>
+        <a:off x="2504173" y="1844242"/>
+        <a:ext cx="23130" cy="23130"/>
       </dsp:txXfrm>
     </dsp:sp>
     <dsp:sp modelId="{09184C92-221E-45F1-8661-97B5B5473431}">
@@ -4139,8 +4131,8 @@
       </dsp:nvSpPr>
       <dsp:spPr>
         <a:xfrm>
-          <a:off x="2215208" y="1039446"/>
-          <a:ext cx="493549" cy="940452"/>
+          <a:off x="2284431" y="974298"/>
+          <a:ext cx="462615" cy="881508"/>
         </a:xfrm>
         <a:custGeom>
           <a:avLst/>
@@ -4151,16 +4143,16 @@
           <a:pathLst>
             <a:path>
               <a:moveTo>
-                <a:pt x="0" y="940452"/>
+                <a:pt x="0" y="881508"/>
               </a:moveTo>
               <a:lnTo>
-                <a:pt x="246774" y="940452"/>
+                <a:pt x="231307" y="881508"/>
               </a:lnTo>
               <a:lnTo>
-                <a:pt x="246774" y="0"/>
+                <a:pt x="231307" y="0"/>
               </a:lnTo>
               <a:lnTo>
-                <a:pt x="493549" y="0"/>
+                <a:pt x="462615" y="0"/>
               </a:lnTo>
             </a:path>
           </a:pathLst>
@@ -4223,8 +4215,8 @@
         </a:p>
       </dsp:txBody>
       <dsp:txXfrm>
-        <a:off x="2435430" y="1483120"/>
-        <a:ext cx="53104" cy="53104"/>
+        <a:off x="2490851" y="1390165"/>
+        <a:ext cx="49776" cy="49776"/>
       </dsp:txXfrm>
     </dsp:sp>
     <dsp:sp modelId="{10D484C8-4EAC-425F-95AB-4186A201BACA}">
@@ -4234,8 +4226,8 @@
       </dsp:nvSpPr>
       <dsp:spPr>
         <a:xfrm rot="16200000">
-          <a:off x="-140871" y="1603718"/>
-          <a:ext cx="3959798" cy="752361"/>
+          <a:off x="76020" y="1503204"/>
+          <a:ext cx="3711615" cy="705206"/>
         </a:xfrm>
         <a:prstGeom prst="rect">
           <a:avLst/>
@@ -4286,12 +4278,12 @@
         </a:fontRef>
       </dsp:style>
       <dsp:txBody>
-        <a:bodyPr spcFirstLastPara="0" vert="horz" wrap="square" lIns="31115" tIns="31115" rIns="31115" bIns="31115" numCol="1" spcCol="1270" anchor="ctr" anchorCtr="0">
+        <a:bodyPr spcFirstLastPara="0" vert="horz" wrap="square" lIns="29210" tIns="29210" rIns="29210" bIns="29210" numCol="1" spcCol="1270" anchor="ctr" anchorCtr="0">
           <a:noAutofit/>
         </a:bodyPr>
         <a:lstStyle/>
         <a:p>
-          <a:pPr marL="0" lvl="0" indent="0" algn="ctr" defTabSz="2178050">
+          <a:pPr marL="0" lvl="0" indent="0" algn="ctr" defTabSz="2044700">
             <a:lnSpc>
               <a:spcPct val="90000"/>
             </a:lnSpc>
@@ -4304,14 +4296,14 @@
             <a:buNone/>
           </a:pPr>
           <a:r>
-            <a:rPr lang="en-US" sz="4900" kern="1200" dirty="0"/>
+            <a:rPr lang="en-US" sz="4600" kern="1200" dirty="0"/>
             <a:t>A/B test</a:t>
           </a:r>
         </a:p>
       </dsp:txBody>
       <dsp:txXfrm>
-        <a:off x="-140871" y="1603718"/>
-        <a:ext cx="3959798" cy="752361"/>
+        <a:off x="76020" y="1503204"/>
+        <a:ext cx="3711615" cy="705206"/>
       </dsp:txXfrm>
     </dsp:sp>
     <dsp:sp modelId="{3FFF313F-F889-4FD8-9159-CB157F899825}">
@@ -4321,8 +4313,8 @@
       </dsp:nvSpPr>
       <dsp:spPr>
         <a:xfrm>
-          <a:off x="2708757" y="663266"/>
-          <a:ext cx="2467746" cy="752361"/>
+          <a:off x="2747047" y="621695"/>
+          <a:ext cx="2313078" cy="705206"/>
         </a:xfrm>
         <a:prstGeom prst="rect">
           <a:avLst/>
@@ -4373,12 +4365,12 @@
         </a:fontRef>
       </dsp:style>
       <dsp:txBody>
-        <a:bodyPr spcFirstLastPara="0" vert="horz" wrap="square" lIns="13970" tIns="13970" rIns="13970" bIns="13970" numCol="1" spcCol="1270" anchor="ctr" anchorCtr="0">
+        <a:bodyPr spcFirstLastPara="0" vert="horz" wrap="square" lIns="13335" tIns="13335" rIns="13335" bIns="13335" numCol="1" spcCol="1270" anchor="ctr" anchorCtr="0">
           <a:noAutofit/>
         </a:bodyPr>
         <a:lstStyle/>
         <a:p>
-          <a:pPr marL="0" lvl="0" indent="0" algn="ctr" defTabSz="977900">
+          <a:pPr marL="0" lvl="0" indent="0" algn="ctr" defTabSz="933450">
             <a:lnSpc>
               <a:spcPct val="90000"/>
             </a:lnSpc>
@@ -4391,22 +4383,22 @@
             <a:buNone/>
           </a:pPr>
           <a:r>
-            <a:rPr lang="en-US" sz="2200" kern="1200" dirty="0"/>
+            <a:rPr lang="en-US" sz="2100" kern="1200" dirty="0"/>
             <a:t>Shuffle </a:t>
           </a:r>
           <a:r>
-            <a:rPr lang="en-US" sz="2200" kern="1200" dirty="0" err="1"/>
+            <a:rPr lang="en-US" sz="2100" kern="1200" dirty="0" err="1"/>
             <a:t>IsNative</a:t>
           </a:r>
           <a:r>
-            <a:rPr lang="en-US" sz="2200" kern="1200" dirty="0"/>
+            <a:rPr lang="en-US" sz="2100" kern="1200" dirty="0"/>
             <a:t> Plant Column</a:t>
           </a:r>
         </a:p>
       </dsp:txBody>
       <dsp:txXfrm>
-        <a:off x="2708757" y="663266"/>
-        <a:ext cx="2467746" cy="752361"/>
+        <a:off x="2747047" y="621695"/>
+        <a:ext cx="2313078" cy="705206"/>
       </dsp:txXfrm>
     </dsp:sp>
     <dsp:sp modelId="{B1ED1BA2-5753-4612-941E-BB160DE8A5B2}">
@@ -4416,8 +4408,8 @@
       </dsp:nvSpPr>
       <dsp:spPr>
         <a:xfrm>
-          <a:off x="2708757" y="1603718"/>
-          <a:ext cx="2467746" cy="752361"/>
+          <a:off x="2747047" y="1503204"/>
+          <a:ext cx="2313078" cy="705206"/>
         </a:xfrm>
         <a:prstGeom prst="rect">
           <a:avLst/>
@@ -4468,12 +4460,12 @@
         </a:fontRef>
       </dsp:style>
       <dsp:txBody>
-        <a:bodyPr spcFirstLastPara="0" vert="horz" wrap="square" lIns="13970" tIns="13970" rIns="13970" bIns="13970" numCol="1" spcCol="1270" anchor="ctr" anchorCtr="0">
+        <a:bodyPr spcFirstLastPara="0" vert="horz" wrap="square" lIns="13335" tIns="13335" rIns="13335" bIns="13335" numCol="1" spcCol="1270" anchor="ctr" anchorCtr="0">
           <a:noAutofit/>
         </a:bodyPr>
         <a:lstStyle/>
         <a:p>
-          <a:pPr marL="0" lvl="0" indent="0" algn="ctr" defTabSz="977900">
+          <a:pPr marL="0" lvl="0" indent="0" algn="ctr" defTabSz="933450">
             <a:lnSpc>
               <a:spcPct val="90000"/>
             </a:lnSpc>
@@ -4486,14 +4478,14 @@
             <a:buNone/>
           </a:pPr>
           <a:r>
-            <a:rPr lang="en-US" sz="2200" kern="1200" dirty="0"/>
+            <a:rPr lang="en-US" sz="2100" kern="1200" dirty="0"/>
             <a:t>Calculate Statistic (run 1000 times)</a:t>
           </a:r>
         </a:p>
       </dsp:txBody>
       <dsp:txXfrm>
-        <a:off x="2708757" y="1603718"/>
-        <a:ext cx="2467746" cy="752361"/>
+        <a:off x="2747047" y="1503204"/>
+        <a:ext cx="2313078" cy="705206"/>
       </dsp:txXfrm>
     </dsp:sp>
     <dsp:sp modelId="{F807ADB6-20D6-4ACA-A472-26BBBC85C9E0}">
@@ -4503,8 +4495,8 @@
       </dsp:nvSpPr>
       <dsp:spPr>
         <a:xfrm>
-          <a:off x="2708757" y="2544170"/>
-          <a:ext cx="2467746" cy="752361"/>
+          <a:off x="2747047" y="2384712"/>
+          <a:ext cx="2313078" cy="705206"/>
         </a:xfrm>
         <a:prstGeom prst="rect">
           <a:avLst/>
@@ -4555,12 +4547,12 @@
         </a:fontRef>
       </dsp:style>
       <dsp:txBody>
-        <a:bodyPr spcFirstLastPara="0" vert="horz" wrap="square" lIns="13970" tIns="13970" rIns="13970" bIns="13970" numCol="1" spcCol="1270" anchor="ctr" anchorCtr="0">
+        <a:bodyPr spcFirstLastPara="0" vert="horz" wrap="square" lIns="13335" tIns="13335" rIns="13335" bIns="13335" numCol="1" spcCol="1270" anchor="ctr" anchorCtr="0">
           <a:noAutofit/>
         </a:bodyPr>
         <a:lstStyle/>
         <a:p>
-          <a:pPr marL="0" lvl="0" indent="0" algn="ctr" defTabSz="977900">
+          <a:pPr marL="0" lvl="0" indent="0" algn="ctr" defTabSz="933450">
             <a:lnSpc>
               <a:spcPct val="90000"/>
             </a:lnSpc>
@@ -4573,14 +4565,14 @@
             <a:buNone/>
           </a:pPr>
           <a:r>
-            <a:rPr lang="en-US" sz="2200" kern="1200" dirty="0"/>
+            <a:rPr lang="en-US" sz="2100" kern="1200" dirty="0"/>
             <a:t>Visualize Results and calculate P-value</a:t>
           </a:r>
         </a:p>
       </dsp:txBody>
       <dsp:txXfrm>
-        <a:off x="2708757" y="2544170"/>
-        <a:ext cx="2467746" cy="752361"/>
+        <a:off x="2747047" y="2384712"/>
+        <a:ext cx="2313078" cy="705206"/>
       </dsp:txXfrm>
     </dsp:sp>
   </dsp:spTree>
@@ -4602,8 +4594,8 @@
       </dsp:nvSpPr>
       <dsp:spPr>
         <a:xfrm>
-          <a:off x="2331854" y="1979899"/>
-          <a:ext cx="376903" cy="1410678"/>
+          <a:off x="2393766" y="1855808"/>
+          <a:ext cx="353280" cy="1322263"/>
         </a:xfrm>
         <a:custGeom>
           <a:avLst/>
@@ -4617,13 +4609,13 @@
                 <a:pt x="0" y="0"/>
               </a:moveTo>
               <a:lnTo>
-                <a:pt x="188451" y="0"/>
+                <a:pt x="176640" y="0"/>
               </a:lnTo>
               <a:lnTo>
-                <a:pt x="188451" y="1410678"/>
+                <a:pt x="176640" y="1322263"/>
               </a:lnTo>
               <a:lnTo>
-                <a:pt x="376903" y="1410678"/>
+                <a:pt x="353280" y="1322263"/>
               </a:lnTo>
             </a:path>
           </a:pathLst>
@@ -4686,8 +4678,8 @@
         </a:p>
       </dsp:txBody>
       <dsp:txXfrm>
-        <a:off x="2483801" y="2648734"/>
-        <a:ext cx="73008" cy="73008"/>
+        <a:off x="2536190" y="2482723"/>
+        <a:ext cx="68432" cy="68432"/>
       </dsp:txXfrm>
     </dsp:sp>
     <dsp:sp modelId="{77FC571E-C32A-4742-80AB-3CE08C2E905F}">
@@ -4697,8 +4689,8 @@
       </dsp:nvSpPr>
       <dsp:spPr>
         <a:xfrm>
-          <a:off x="2331854" y="1979899"/>
-          <a:ext cx="376903" cy="470226"/>
+          <a:off x="2393766" y="1855808"/>
+          <a:ext cx="353280" cy="440754"/>
         </a:xfrm>
         <a:custGeom>
           <a:avLst/>
@@ -4712,13 +4704,13 @@
                 <a:pt x="0" y="0"/>
               </a:moveTo>
               <a:lnTo>
-                <a:pt x="188451" y="0"/>
+                <a:pt x="176640" y="0"/>
               </a:lnTo>
               <a:lnTo>
-                <a:pt x="188451" y="470226"/>
+                <a:pt x="176640" y="440754"/>
               </a:lnTo>
               <a:lnTo>
-                <a:pt x="376903" y="470226"/>
+                <a:pt x="353280" y="440754"/>
               </a:lnTo>
             </a:path>
           </a:pathLst>
@@ -4781,8 +4773,8 @@
         </a:p>
       </dsp:txBody>
       <dsp:txXfrm>
-        <a:off x="2505239" y="2199946"/>
-        <a:ext cx="30131" cy="30131"/>
+        <a:off x="2556285" y="2062063"/>
+        <a:ext cx="28243" cy="28243"/>
       </dsp:txXfrm>
     </dsp:sp>
     <dsp:sp modelId="{09184C92-221E-45F1-8661-97B5B5473431}">
@@ -4792,8 +4784,8 @@
       </dsp:nvSpPr>
       <dsp:spPr>
         <a:xfrm>
-          <a:off x="2331854" y="1509672"/>
-          <a:ext cx="376903" cy="470226"/>
+          <a:off x="2393766" y="1415053"/>
+          <a:ext cx="353280" cy="440754"/>
         </a:xfrm>
         <a:custGeom>
           <a:avLst/>
@@ -4804,16 +4796,16 @@
           <a:pathLst>
             <a:path>
               <a:moveTo>
-                <a:pt x="0" y="470226"/>
+                <a:pt x="0" y="440754"/>
               </a:moveTo>
               <a:lnTo>
-                <a:pt x="188451" y="470226"/>
+                <a:pt x="176640" y="440754"/>
               </a:lnTo>
               <a:lnTo>
-                <a:pt x="188451" y="0"/>
+                <a:pt x="176640" y="0"/>
               </a:lnTo>
               <a:lnTo>
-                <a:pt x="376903" y="0"/>
+                <a:pt x="353280" y="0"/>
               </a:lnTo>
             </a:path>
           </a:pathLst>
@@ -4876,8 +4868,8 @@
         </a:p>
       </dsp:txBody>
       <dsp:txXfrm>
-        <a:off x="2505239" y="1729720"/>
-        <a:ext cx="30131" cy="30131"/>
+        <a:off x="2556285" y="1621309"/>
+        <a:ext cx="28243" cy="28243"/>
       </dsp:txXfrm>
     </dsp:sp>
     <dsp:sp modelId="{9FA36F8D-1831-4E9F-B0E4-5C32923C7C1C}">
@@ -4887,8 +4879,8 @@
       </dsp:nvSpPr>
       <dsp:spPr>
         <a:xfrm>
-          <a:off x="2331854" y="569220"/>
-          <a:ext cx="376903" cy="1410678"/>
+          <a:off x="2393766" y="533544"/>
+          <a:ext cx="353280" cy="1322263"/>
         </a:xfrm>
         <a:custGeom>
           <a:avLst/>
@@ -4899,16 +4891,16 @@
           <a:pathLst>
             <a:path>
               <a:moveTo>
-                <a:pt x="0" y="1410678"/>
+                <a:pt x="0" y="1322263"/>
               </a:moveTo>
               <a:lnTo>
-                <a:pt x="188451" y="1410678"/>
+                <a:pt x="176640" y="1322263"/>
               </a:lnTo>
               <a:lnTo>
-                <a:pt x="188451" y="0"/>
+                <a:pt x="176640" y="0"/>
               </a:lnTo>
               <a:lnTo>
-                <a:pt x="376903" y="0"/>
+                <a:pt x="353280" y="0"/>
               </a:lnTo>
             </a:path>
           </a:pathLst>
@@ -4971,8 +4963,8 @@
         </a:p>
       </dsp:txBody>
       <dsp:txXfrm>
-        <a:off x="2483801" y="1238055"/>
-        <a:ext cx="73008" cy="73008"/>
+        <a:off x="2536190" y="1160460"/>
+        <a:ext cx="68432" cy="68432"/>
       </dsp:txXfrm>
     </dsp:sp>
     <dsp:sp modelId="{10D484C8-4EAC-425F-95AB-4186A201BACA}">
@@ -4982,8 +4974,8 @@
       </dsp:nvSpPr>
       <dsp:spPr>
         <a:xfrm rot="16200000">
-          <a:off x="-24225" y="1603718"/>
-          <a:ext cx="3959798" cy="752361"/>
+          <a:off x="185354" y="1503204"/>
+          <a:ext cx="3711616" cy="705207"/>
         </a:xfrm>
         <a:prstGeom prst="rect">
           <a:avLst/>
@@ -5058,8 +5050,8 @@
         </a:p>
       </dsp:txBody>
       <dsp:txXfrm>
-        <a:off x="-24225" y="1603718"/>
-        <a:ext cx="3959798" cy="752361"/>
+        <a:off x="185354" y="1503204"/>
+        <a:ext cx="3711616" cy="705207"/>
       </dsp:txXfrm>
     </dsp:sp>
     <dsp:sp modelId="{925C36B5-378F-4D67-9B2F-BEA005D82CA5}">
@@ -5069,8 +5061,8 @@
       </dsp:nvSpPr>
       <dsp:spPr>
         <a:xfrm>
-          <a:off x="2708757" y="193040"/>
-          <a:ext cx="2467746" cy="752361"/>
+          <a:off x="2747046" y="180941"/>
+          <a:ext cx="2313079" cy="705207"/>
         </a:xfrm>
         <a:prstGeom prst="rect">
           <a:avLst/>
@@ -5145,8 +5137,8 @@
         </a:p>
       </dsp:txBody>
       <dsp:txXfrm>
-        <a:off x="2708757" y="193040"/>
-        <a:ext cx="2467746" cy="752361"/>
+        <a:off x="2747046" y="180941"/>
+        <a:ext cx="2313079" cy="705207"/>
       </dsp:txXfrm>
     </dsp:sp>
     <dsp:sp modelId="{3FFF313F-F889-4FD8-9159-CB157F899825}">
@@ -5156,8 +5148,8 @@
       </dsp:nvSpPr>
       <dsp:spPr>
         <a:xfrm>
-          <a:off x="2708757" y="1133492"/>
-          <a:ext cx="2467746" cy="752361"/>
+          <a:off x="2747046" y="1062450"/>
+          <a:ext cx="2313079" cy="705207"/>
         </a:xfrm>
         <a:prstGeom prst="rect">
           <a:avLst/>
@@ -5232,8 +5224,8 @@
         </a:p>
       </dsp:txBody>
       <dsp:txXfrm>
-        <a:off x="2708757" y="1133492"/>
-        <a:ext cx="2467746" cy="752361"/>
+        <a:off x="2747046" y="1062450"/>
+        <a:ext cx="2313079" cy="705207"/>
       </dsp:txXfrm>
     </dsp:sp>
     <dsp:sp modelId="{B1ED1BA2-5753-4612-941E-BB160DE8A5B2}">
@@ -5243,8 +5235,8 @@
       </dsp:nvSpPr>
       <dsp:spPr>
         <a:xfrm>
-          <a:off x="2708757" y="2073944"/>
-          <a:ext cx="2467746" cy="752361"/>
+          <a:off x="2747046" y="1943958"/>
+          <a:ext cx="2313079" cy="705207"/>
         </a:xfrm>
         <a:prstGeom prst="rect">
           <a:avLst/>
@@ -5319,8 +5311,8 @@
         </a:p>
       </dsp:txBody>
       <dsp:txXfrm>
-        <a:off x="2708757" y="2073944"/>
-        <a:ext cx="2467746" cy="752361"/>
+        <a:off x="2747046" y="1943958"/>
+        <a:ext cx="2313079" cy="705207"/>
       </dsp:txXfrm>
     </dsp:sp>
     <dsp:sp modelId="{F00423B9-6E23-405A-B4AA-BEE0C6FF45F6}">
@@ -5330,8 +5322,8 @@
       </dsp:nvSpPr>
       <dsp:spPr>
         <a:xfrm>
-          <a:off x="2708757" y="3014396"/>
-          <a:ext cx="2467746" cy="752361"/>
+          <a:off x="2747046" y="2825467"/>
+          <a:ext cx="2313079" cy="705207"/>
         </a:xfrm>
         <a:prstGeom prst="rect">
           <a:avLst/>
@@ -5406,8 +5398,8 @@
         </a:p>
       </dsp:txBody>
       <dsp:txXfrm>
-        <a:off x="2708757" y="3014396"/>
-        <a:ext cx="2467746" cy="752361"/>
+        <a:off x="2747046" y="2825467"/>
+        <a:ext cx="2313079" cy="705207"/>
       </dsp:txXfrm>
     </dsp:sp>
   </dsp:spTree>
@@ -10159,7 +10151,7 @@
           <a:p>
             <a:fld id="{D0FE861C-486B-4E18-A0E9-A790238A915C}" type="datetimeFigureOut">
               <a:rPr lang="en-US" smtClean="0"/>
-              <a:t>12/2/25</a:t>
+              <a:t>12/3/2025</a:t>
             </a:fld>
             <a:endParaRPr lang="en-US"/>
           </a:p>
@@ -10693,7 +10685,7 @@
           <a:p>
             <a:fld id="{8102BAB4-8B8D-41DD-85C7-81A0CA962007}" type="datetimeFigureOut">
               <a:rPr lang="en-US" smtClean="0"/>
-              <a:t>12/2/25</a:t>
+              <a:t>12/3/2025</a:t>
             </a:fld>
             <a:endParaRPr lang="en-US"/>
           </a:p>
@@ -10856,7 +10848,7 @@
           <a:p>
             <a:fld id="{8102BAB4-8B8D-41DD-85C7-81A0CA962007}" type="datetimeFigureOut">
               <a:rPr lang="en-US" smtClean="0"/>
-              <a:t>12/2/25</a:t>
+              <a:t>12/3/2025</a:t>
             </a:fld>
             <a:endParaRPr lang="en-US"/>
           </a:p>
@@ -11029,7 +11021,7 @@
           <a:p>
             <a:fld id="{8102BAB4-8B8D-41DD-85C7-81A0CA962007}" type="datetimeFigureOut">
               <a:rPr lang="en-US" smtClean="0"/>
-              <a:t>12/2/25</a:t>
+              <a:t>12/3/2025</a:t>
             </a:fld>
             <a:endParaRPr lang="en-US"/>
           </a:p>
@@ -11192,7 +11184,7 @@
           <a:p>
             <a:fld id="{8102BAB4-8B8D-41DD-85C7-81A0CA962007}" type="datetimeFigureOut">
               <a:rPr lang="en-US" smtClean="0"/>
-              <a:t>12/2/25</a:t>
+              <a:t>12/3/2025</a:t>
             </a:fld>
             <a:endParaRPr lang="en-US"/>
           </a:p>
@@ -11432,7 +11424,7 @@
           <a:p>
             <a:fld id="{8102BAB4-8B8D-41DD-85C7-81A0CA962007}" type="datetimeFigureOut">
               <a:rPr lang="en-US" smtClean="0"/>
-              <a:t>12/2/25</a:t>
+              <a:t>12/3/2025</a:t>
             </a:fld>
             <a:endParaRPr lang="en-US"/>
           </a:p>
@@ -11712,7 +11704,7 @@
           <a:p>
             <a:fld id="{8102BAB4-8B8D-41DD-85C7-81A0CA962007}" type="datetimeFigureOut">
               <a:rPr lang="en-US" smtClean="0"/>
-              <a:t>12/2/25</a:t>
+              <a:t>12/3/2025</a:t>
             </a:fld>
             <a:endParaRPr lang="en-US"/>
           </a:p>
@@ -12126,7 +12118,7 @@
           <a:p>
             <a:fld id="{8102BAB4-8B8D-41DD-85C7-81A0CA962007}" type="datetimeFigureOut">
               <a:rPr lang="en-US" smtClean="0"/>
-              <a:t>12/2/25</a:t>
+              <a:t>12/3/2025</a:t>
             </a:fld>
             <a:endParaRPr lang="en-US"/>
           </a:p>
@@ -12238,7 +12230,7 @@
           <a:p>
             <a:fld id="{8102BAB4-8B8D-41DD-85C7-81A0CA962007}" type="datetimeFigureOut">
               <a:rPr lang="en-US" smtClean="0"/>
-              <a:t>12/2/25</a:t>
+              <a:t>12/3/2025</a:t>
             </a:fld>
             <a:endParaRPr lang="en-US"/>
           </a:p>
@@ -12328,7 +12320,7 @@
           <a:p>
             <a:fld id="{8102BAB4-8B8D-41DD-85C7-81A0CA962007}" type="datetimeFigureOut">
               <a:rPr lang="en-US" smtClean="0"/>
-              <a:t>12/2/25</a:t>
+              <a:t>12/3/2025</a:t>
             </a:fld>
             <a:endParaRPr lang="en-US"/>
           </a:p>
@@ -12598,7 +12590,7 @@
           <a:p>
             <a:fld id="{8102BAB4-8B8D-41DD-85C7-81A0CA962007}" type="datetimeFigureOut">
               <a:rPr lang="en-US" smtClean="0"/>
-              <a:t>12/2/25</a:t>
+              <a:t>12/3/2025</a:t>
             </a:fld>
             <a:endParaRPr lang="en-US"/>
           </a:p>
@@ -12845,7 +12837,7 @@
           <a:p>
             <a:fld id="{8102BAB4-8B8D-41DD-85C7-81A0CA962007}" type="datetimeFigureOut">
               <a:rPr lang="en-US" smtClean="0"/>
-              <a:t>12/2/25</a:t>
+              <a:t>12/3/2025</a:t>
             </a:fld>
             <a:endParaRPr lang="en-US"/>
           </a:p>
@@ -13051,7 +13043,7 @@
           <a:p>
             <a:fld id="{8102BAB4-8B8D-41DD-85C7-81A0CA962007}" type="datetimeFigureOut">
               <a:rPr lang="en-US" smtClean="0"/>
-              <a:t>12/2/25</a:t>
+              <a:t>12/3/2025</a:t>
             </a:fld>
             <a:endParaRPr lang="en-US"/>
           </a:p>
@@ -13514,100 +13506,6 @@
       </p:pic>
       <p:sp>
         <p:nvSpPr>
-          <p:cNvPr id="57" name="Rectangle 56">
-            <a:extLst>
-              <a:ext uri="{FF2B5EF4-FFF2-40B4-BE49-F238E27FC236}">
-                <a16:creationId xmlns:a16="http://schemas.microsoft.com/office/drawing/2014/main" id="{0CB5A8CA-2EB8-4EB5-9B19-71726DAC6747}"/>
-              </a:ext>
-            </a:extLst>
-          </p:cNvPr>
-          <p:cNvSpPr/>
-          <p:nvPr/>
-        </p:nvSpPr>
-        <p:spPr>
-          <a:xfrm>
-            <a:off x="27311054" y="26366766"/>
-            <a:ext cx="10394395" cy="3512875"/>
-          </a:xfrm>
-          <a:prstGeom prst="rect">
-            <a:avLst/>
-          </a:prstGeom>
-          <a:noFill/>
-          <a:ln w="76200">
-            <a:solidFill>
-              <a:schemeClr val="tx1"/>
-            </a:solidFill>
-          </a:ln>
-        </p:spPr>
-        <p:style>
-          <a:lnRef idx="2">
-            <a:schemeClr val="accent1">
-              <a:shade val="50000"/>
-            </a:schemeClr>
-          </a:lnRef>
-          <a:fillRef idx="1">
-            <a:schemeClr val="accent1"/>
-          </a:fillRef>
-          <a:effectRef idx="0">
-            <a:schemeClr val="accent1"/>
-          </a:effectRef>
-          <a:fontRef idx="minor">
-            <a:schemeClr val="lt1"/>
-          </a:fontRef>
-        </p:style>
-        <p:txBody>
-          <a:bodyPr rtlCol="0" anchor="ctr"/>
-          <a:lstStyle/>
-          <a:p>
-            <a:pPr algn="ctr"/>
-            <a:endParaRPr lang="en-US" sz="7560"/>
-          </a:p>
-        </p:txBody>
-      </p:sp>
-      <p:sp>
-        <p:nvSpPr>
-          <p:cNvPr id="58" name="TextBox 57">
-            <a:extLst>
-              <a:ext uri="{FF2B5EF4-FFF2-40B4-BE49-F238E27FC236}">
-                <a16:creationId xmlns:a16="http://schemas.microsoft.com/office/drawing/2014/main" id="{A2138FA9-26F0-45C3-BDCD-A3F2C8FABD35}"/>
-              </a:ext>
-            </a:extLst>
-          </p:cNvPr>
-          <p:cNvSpPr txBox="1"/>
-          <p:nvPr/>
-        </p:nvSpPr>
-        <p:spPr>
-          <a:xfrm>
-            <a:off x="29273124" y="26100077"/>
-            <a:ext cx="6533257" cy="819455"/>
-          </a:xfrm>
-          <a:prstGeom prst="rect">
-            <a:avLst/>
-          </a:prstGeom>
-          <a:solidFill>
-            <a:schemeClr val="bg1"/>
-          </a:solidFill>
-        </p:spPr>
-        <p:txBody>
-          <a:bodyPr wrap="square" rtlCol="0">
-            <a:spAutoFit/>
-          </a:bodyPr>
-          <a:lstStyle/>
-          <a:p>
-            <a:pPr algn="ctr"/>
-            <a:r>
-              <a:rPr lang="en-US" sz="4725" dirty="0">
-                <a:latin typeface="Bangla MN" charset="0"/>
-                <a:ea typeface="Bangla MN" charset="0"/>
-                <a:cs typeface="Bangla MN" charset="0"/>
-              </a:rPr>
-              <a:t>Acknowledgments</a:t>
-            </a:r>
-          </a:p>
-        </p:txBody>
-      </p:sp>
-      <p:sp>
-        <p:nvSpPr>
           <p:cNvPr id="2" name="Rectangle 1"/>
           <p:cNvSpPr/>
           <p:nvPr/>
@@ -13664,8 +13562,8 @@
         </p:nvSpPr>
         <p:spPr>
           <a:xfrm>
-            <a:off x="11658600" y="2724149"/>
-            <a:ext cx="15683955" cy="3404754"/>
+            <a:off x="8295542" y="2724149"/>
+            <a:ext cx="22184458" cy="3404754"/>
           </a:xfrm>
           <a:prstGeom prst="rect">
             <a:avLst/>
@@ -13713,10 +13611,10 @@
         </p:nvGrpSpPr>
         <p:grpSpPr>
           <a:xfrm>
-            <a:off x="792286" y="6685975"/>
-            <a:ext cx="10283766" cy="5772725"/>
-            <a:chOff x="914400" y="6478996"/>
-            <a:chExt cx="11658600" cy="6901780"/>
+            <a:off x="792286" y="6544435"/>
+            <a:ext cx="10283766" cy="9087523"/>
+            <a:chOff x="914400" y="6478997"/>
+            <a:chExt cx="11658600" cy="6901779"/>
           </a:xfrm>
           <a:solidFill>
             <a:schemeClr val="bg1"/>
@@ -13764,8 +13662,7 @@
             <a:bodyPr rtlCol="0" anchor="ctr"/>
             <a:lstStyle/>
             <a:p>
-              <a:pPr algn="ctr"/>
-              <a:endParaRPr lang="en-US" sz="7560" dirty="0">
+              <a:endParaRPr lang="en-US" sz="2000" dirty="0">
                 <a:solidFill>
                   <a:schemeClr val="tx1"/>
                 </a:solidFill>
@@ -13816,8 +13713,8 @@
         </p:nvGrpSpPr>
         <p:grpSpPr>
           <a:xfrm>
-            <a:off x="27342555" y="22125102"/>
-            <a:ext cx="10394395" cy="3400436"/>
+            <a:off x="27342555" y="21763620"/>
+            <a:ext cx="10394395" cy="8192783"/>
             <a:chOff x="845736" y="18217490"/>
             <a:chExt cx="11929274" cy="7827920"/>
           </a:xfrm>
@@ -13914,7 +13811,7 @@
         <p:spPr>
           <a:xfrm>
             <a:off x="27311054" y="6922906"/>
-            <a:ext cx="10288141" cy="14627658"/>
+            <a:ext cx="10425896" cy="14870294"/>
           </a:xfrm>
           <a:prstGeom prst="rect">
             <a:avLst/>
@@ -13960,8 +13857,8 @@
         </p:nvSpPr>
         <p:spPr>
           <a:xfrm>
-            <a:off x="10683475" y="3034863"/>
-            <a:ext cx="17634204" cy="1061829"/>
+            <a:off x="8717457" y="3034863"/>
+            <a:ext cx="20969885" cy="1061829"/>
           </a:xfrm>
           <a:prstGeom prst="rect">
             <a:avLst/>
@@ -13984,7 +13881,7 @@
                 <a:ea typeface="Bangla MN" charset="0"/>
                 <a:cs typeface="Bangla MN" charset="0"/>
               </a:rPr>
-              <a:t>TITLE OF Your Project Goes Here</a:t>
+              <a:t>Oregon Coastal Bee Visitations of Native and Nonnative Plants</a:t>
             </a:r>
           </a:p>
         </p:txBody>
@@ -14033,7 +13930,7 @@
         </p:nvSpPr>
         <p:spPr>
           <a:xfrm>
-            <a:off x="866775" y="4191001"/>
+            <a:off x="818078" y="4254554"/>
             <a:ext cx="36671250" cy="732260"/>
           </a:xfrm>
           <a:prstGeom prst="rect">
@@ -14086,8 +13983,8 @@
           </p:nvSpPr>
           <p:spPr>
             <a:xfrm>
-              <a:off x="939939" y="20347496"/>
-              <a:ext cx="11616995" cy="9646597"/>
+              <a:off x="939939" y="20375006"/>
+              <a:ext cx="11616995" cy="9619087"/>
             </a:xfrm>
             <a:prstGeom prst="rect">
               <a:avLst/>
@@ -14133,8 +14030,8 @@
           </p:nvSpPr>
           <p:spPr>
             <a:xfrm>
-              <a:off x="5596281" y="20148725"/>
-              <a:ext cx="2338935" cy="531281"/>
+              <a:off x="5166029" y="20148725"/>
+              <a:ext cx="2248125" cy="538870"/>
             </a:xfrm>
             <a:prstGeom prst="rect">
               <a:avLst/>
@@ -14213,10 +14110,10 @@
         </p:nvGrpSpPr>
         <p:grpSpPr>
           <a:xfrm>
-            <a:off x="792286" y="13004197"/>
-            <a:ext cx="10283766" cy="5334277"/>
-            <a:chOff x="914401" y="19187795"/>
-            <a:chExt cx="11609976" cy="12816208"/>
+            <a:off x="792286" y="15911930"/>
+            <a:ext cx="10283766" cy="2837944"/>
+            <a:chOff x="914401" y="21664741"/>
+            <a:chExt cx="11609976" cy="10339262"/>
           </a:xfrm>
           <a:solidFill>
             <a:schemeClr val="bg1"/>
@@ -14230,8 +14127,8 @@
           </p:nvSpPr>
           <p:spPr>
             <a:xfrm>
-              <a:off x="914401" y="19784859"/>
-              <a:ext cx="11609976" cy="12219144"/>
+              <a:off x="914401" y="22826065"/>
+              <a:ext cx="11609976" cy="9177938"/>
             </a:xfrm>
             <a:prstGeom prst="rect">
               <a:avLst/>
@@ -14263,34 +14160,6 @@
             <a:bodyPr rtlCol="0" anchor="ctr"/>
             <a:lstStyle/>
             <a:p>
-              <a:pPr marL="342900" indent="-342900">
-                <a:buFont typeface="Arial" panose="020B0604020202020204" pitchFamily="34" charset="0"/>
-                <a:buChar char="•"/>
-              </a:pPr>
-              <a:r>
-                <a:rPr lang="en-US" sz="3600" dirty="0">
-                  <a:solidFill>
-                    <a:schemeClr val="tx1"/>
-                  </a:solidFill>
-                </a:rPr>
-                <a:t>Do more coastal Oregon bee species visit native than nonnative plants?</a:t>
-              </a:r>
-            </a:p>
-            <a:p>
-              <a:pPr marL="342900" indent="-342900">
-                <a:buFont typeface="Arial" panose="020B0604020202020204" pitchFamily="34" charset="0"/>
-                <a:buChar char="•"/>
-              </a:pPr>
-              <a:r>
-                <a:rPr lang="en-US" sz="3600" dirty="0">
-                  <a:solidFill>
-                    <a:schemeClr val="tx1"/>
-                  </a:solidFill>
-                </a:rPr>
-                <a:t>Which plant species attract the greatest number of bee species?</a:t>
-              </a:r>
-            </a:p>
-            <a:p>
               <a:pPr algn="ctr"/>
               <a:endParaRPr lang="en-US" sz="2000" dirty="0">
                 <a:solidFill>
@@ -14308,8 +14177,8 @@
           </p:nvSpPr>
           <p:spPr>
             <a:xfrm>
-              <a:off x="2871890" y="19187795"/>
-              <a:ext cx="7647912" cy="1941105"/>
+              <a:off x="2743761" y="21664741"/>
+              <a:ext cx="7647912" cy="2985457"/>
             </a:xfrm>
             <a:prstGeom prst="rect">
               <a:avLst/>
@@ -14332,7 +14201,7 @@
                   <a:ea typeface="Bangla MN" charset="0"/>
                   <a:cs typeface="Bangla MN" charset="0"/>
                 </a:rPr>
-                <a:t>Research Question</a:t>
+                <a:t>Research Questions</a:t>
               </a:r>
             </a:p>
           </p:txBody>
@@ -14703,8 +14572,8 @@
         </p:blipFill>
         <p:spPr>
           <a:xfrm>
-            <a:off x="11843192" y="7436491"/>
-            <a:ext cx="7657385" cy="4888570"/>
+            <a:off x="11843192" y="7389958"/>
+            <a:ext cx="7657385" cy="5006701"/>
           </a:xfrm>
           <a:prstGeom prst="rect">
             <a:avLst/>
@@ -14817,7 +14686,7 @@
           <p:nvPr>
             <p:extLst>
               <p:ext uri="{D42A27DB-BD31-4B8C-83A1-F6EECF244321}">
-                <p14:modId xmlns:p14="http://schemas.microsoft.com/office/powerpoint/2010/main" val="4270550145"/>
+                <p14:modId xmlns:p14="http://schemas.microsoft.com/office/powerpoint/2010/main" val="3230218782"/>
               </p:ext>
             </p:extLst>
           </p:nvPr>
@@ -14965,8 +14834,8 @@
         </p:nvSpPr>
         <p:spPr>
           <a:xfrm>
-            <a:off x="7534614" y="19835809"/>
-            <a:ext cx="3102354" cy="1300349"/>
+            <a:off x="7600206" y="20274243"/>
+            <a:ext cx="2908147" cy="880997"/>
           </a:xfrm>
           <a:prstGeom prst="roundRect">
             <a:avLst/>
@@ -15014,8 +14883,8 @@
         </p:nvSpPr>
         <p:spPr>
           <a:xfrm>
-            <a:off x="7588744" y="21325223"/>
-            <a:ext cx="2928062" cy="1213105"/>
+            <a:off x="7564930" y="21373633"/>
+            <a:ext cx="3107456" cy="1315005"/>
           </a:xfrm>
           <a:prstGeom prst="roundRect">
             <a:avLst/>
@@ -15044,7 +14913,7 @@
             <a:pPr algn="ctr"/>
             <a:r>
               <a:rPr lang="en-US" sz="2000" dirty="0"/>
-              <a:t>Join with ecoregions and convert back to data frame</a:t>
+              <a:t>Join with ecoregions, convert back to data frame, and subset to coastal ecoregions</a:t>
             </a:r>
           </a:p>
         </p:txBody>
@@ -15063,7 +14932,7 @@
         </p:nvSpPr>
         <p:spPr>
           <a:xfrm>
-            <a:off x="7424391" y="22805582"/>
+            <a:off x="7432841" y="22914213"/>
             <a:ext cx="3259084" cy="1349321"/>
           </a:xfrm>
           <a:prstGeom prst="roundRect">
@@ -15119,14 +14988,14 @@
           <p:nvPr>
             <p:extLst>
               <p:ext uri="{D42A27DB-BD31-4B8C-83A1-F6EECF244321}">
-                <p14:modId xmlns:p14="http://schemas.microsoft.com/office/powerpoint/2010/main" val="2340696754"/>
+                <p14:modId xmlns:p14="http://schemas.microsoft.com/office/powerpoint/2010/main" val="1647445885"/>
               </p:ext>
             </p:extLst>
           </p:nvPr>
         </p:nvGraphicFramePr>
         <p:xfrm>
-          <a:off x="-83982" y="25431090"/>
-          <a:ext cx="6639350" cy="3959798"/>
+          <a:off x="-83982" y="25679272"/>
+          <a:ext cx="6639350" cy="3711615"/>
         </p:xfrm>
         <a:graphic>
           <a:graphicData uri="http://schemas.openxmlformats.org/drawingml/2006/diagram">
@@ -15147,14 +15016,14 @@
           <p:nvPr>
             <p:extLst>
               <p:ext uri="{D42A27DB-BD31-4B8C-83A1-F6EECF244321}">
-                <p14:modId xmlns:p14="http://schemas.microsoft.com/office/powerpoint/2010/main" val="2645424829"/>
+                <p14:modId xmlns:p14="http://schemas.microsoft.com/office/powerpoint/2010/main" val="2618844367"/>
               </p:ext>
             </p:extLst>
           </p:nvPr>
         </p:nvGraphicFramePr>
         <p:xfrm>
-          <a:off x="4984471" y="25431090"/>
-          <a:ext cx="6639350" cy="3959798"/>
+          <a:off x="4984471" y="25679272"/>
+          <a:ext cx="6639350" cy="3711616"/>
         </p:xfrm>
         <a:graphic>
           <a:graphicData uri="http://schemas.openxmlformats.org/drawingml/2006/diagram">
@@ -15176,7 +15045,7 @@
         </p:nvGrpSpPr>
         <p:grpSpPr>
           <a:xfrm>
-            <a:off x="20362855" y="15460808"/>
+            <a:off x="19935745" y="15479448"/>
             <a:ext cx="5319651" cy="12262411"/>
             <a:chOff x="21222435" y="15479448"/>
             <a:chExt cx="5319651" cy="12262411"/>
@@ -15321,7 +15190,13 @@
           <a:p>
             <a:r>
               <a:rPr lang="en-US" sz="2600" dirty="0"/>
-              <a:t>Fig 1: We found no statistical difference in the number of coastal Oregon bee species visiting native vs. nonnative plants, even after standardizing the statistic. P-value: 0.45.</a:t>
+              <a:t>Fig 1: We found no statistical difference in the number of coastal Oregon bee species visiting native vs. nonnative plants, even after standardizing the statistic. </a:t>
+            </a:r>
+          </a:p>
+          <a:p>
+            <a:r>
+              <a:rPr lang="en-US" sz="2600" dirty="0"/>
+              <a:t>P-value: 0.45</a:t>
             </a:r>
           </a:p>
         </p:txBody>
@@ -15354,8 +15229,8 @@
         </p:blipFill>
         <p:spPr>
           <a:xfrm>
-            <a:off x="19558691" y="7633977"/>
-            <a:ext cx="7261081" cy="4434725"/>
+            <a:off x="19558691" y="7397762"/>
+            <a:ext cx="7261081" cy="4866457"/>
           </a:xfrm>
           <a:prstGeom prst="rect">
             <a:avLst/>
@@ -15411,8 +15286,8 @@
         </p:nvSpPr>
         <p:spPr>
           <a:xfrm>
-            <a:off x="11865438" y="27741860"/>
-            <a:ext cx="5566629" cy="2092881"/>
+            <a:off x="12002314" y="27741859"/>
+            <a:ext cx="5693274" cy="1938992"/>
           </a:xfrm>
           <a:prstGeom prst="rect">
             <a:avLst/>
@@ -15426,15 +15301,12 @@
           <a:lstStyle/>
           <a:p>
             <a:r>
-              <a:rPr lang="en-US" sz="2600" dirty="0"/>
-              <a:t>Fig 3: Network of the top ten native plant species with the most bee species visitations.</a:t>
+              <a:rPr lang="en-US" sz="3000" dirty="0"/>
+              <a:t>Fig 3: Network of the top 10 Native plant species with the most bee species visitations.</a:t>
             </a:r>
           </a:p>
           <a:p>
-            <a:r>
-              <a:rPr lang="en-US" sz="2600" dirty="0"/>
-              <a:t>- Plants occupy a variety of coastal habitats.</a:t>
-            </a:r>
+            <a:endParaRPr lang="en-US" sz="3000" dirty="0"/>
           </a:p>
         </p:txBody>
       </p:sp>
@@ -15452,8 +15324,8 @@
         </p:nvSpPr>
         <p:spPr>
           <a:xfrm>
-            <a:off x="19716162" y="27989871"/>
-            <a:ext cx="6496637" cy="1692771"/>
+            <a:off x="19935745" y="27989871"/>
+            <a:ext cx="5319651" cy="1877437"/>
           </a:xfrm>
           <a:prstGeom prst="rect">
             <a:avLst/>
@@ -15467,15 +15339,12 @@
           <a:lstStyle/>
           <a:p>
             <a:r>
-              <a:rPr lang="en-US" sz="2600" dirty="0"/>
-              <a:t>Fig 4: Network of top ten nonnative plant species with the most bee species visitations.</a:t>
+              <a:rPr lang="en-US" sz="3000" dirty="0"/>
+              <a:t>Fig 4: Network of top 10 Nonnative plant species with the most bee species visitations.</a:t>
             </a:r>
           </a:p>
           <a:p>
-            <a:r>
-              <a:rPr lang="en-US" sz="2600" dirty="0"/>
-              <a:t>- Most of the plants are weedy invasive species.</a:t>
-            </a:r>
+            <a:endParaRPr lang="en-US" sz="2600" dirty="0"/>
           </a:p>
         </p:txBody>
       </p:sp>
@@ -15494,7 +15363,7 @@
         <p:spPr>
           <a:xfrm>
             <a:off x="17792635" y="17033496"/>
-            <a:ext cx="933945" cy="571500"/>
+            <a:ext cx="1181165" cy="721104"/>
           </a:xfrm>
           <a:prstGeom prst="roundRect">
             <a:avLst/>
@@ -15522,8 +15391,8 @@
           <a:p>
             <a:pPr algn="ctr"/>
             <a:r>
-              <a:rPr lang="en-US" sz="1800" dirty="0"/>
-              <a:t>106 species</a:t>
+              <a:rPr lang="en-US" sz="1500" dirty="0"/>
+              <a:t>106 bees, 26 bee species </a:t>
             </a:r>
           </a:p>
         </p:txBody>
@@ -15537,13 +15406,15 @@
               </a:ext>
             </a:extLst>
           </p:cNvPr>
-          <p:cNvCxnSpPr/>
+          <p:cNvCxnSpPr>
+            <a:cxnSpLocks/>
+          </p:cNvCxnSpPr>
           <p:nvPr/>
         </p:nvCxnSpPr>
         <p:spPr>
           <a:xfrm>
-            <a:off x="25682506" y="17754600"/>
-            <a:ext cx="530293" cy="0"/>
+            <a:off x="25255396" y="17754600"/>
+            <a:ext cx="957403" cy="0"/>
           </a:xfrm>
           <a:prstGeom prst="line">
             <a:avLst/>
@@ -15578,8 +15449,8 @@
         </p:nvSpPr>
         <p:spPr>
           <a:xfrm>
-            <a:off x="26060400" y="17604996"/>
-            <a:ext cx="759372" cy="530604"/>
+            <a:off x="25664186" y="17373601"/>
+            <a:ext cx="1042652" cy="761999"/>
           </a:xfrm>
           <a:prstGeom prst="roundRect">
             <a:avLst/>
@@ -15607,9 +15478,1026 @@
           <a:p>
             <a:pPr algn="ctr"/>
             <a:r>
+              <a:rPr lang="en-US" sz="1500" dirty="0"/>
+              <a:t>214 bees, 27  bee species</a:t>
+            </a:r>
+          </a:p>
+        </p:txBody>
+      </p:sp>
+      <p:cxnSp>
+        <p:nvCxnSpPr>
+          <p:cNvPr id="103" name="Straight Connector 102">
+            <a:extLst>
+              <a:ext uri="{FF2B5EF4-FFF2-40B4-BE49-F238E27FC236}">
+                <a16:creationId xmlns:a16="http://schemas.microsoft.com/office/drawing/2014/main" id="{74F56A9F-2065-2527-72B0-E3D04C4E7489}"/>
+              </a:ext>
+            </a:extLst>
+          </p:cNvPr>
+          <p:cNvCxnSpPr/>
+          <p:nvPr/>
+        </p:nvCxnSpPr>
+        <p:spPr>
+          <a:xfrm>
+            <a:off x="17187183" y="20177760"/>
+            <a:ext cx="647635" cy="0"/>
+          </a:xfrm>
+          <a:prstGeom prst="line">
+            <a:avLst/>
+          </a:prstGeom>
+        </p:spPr>
+        <p:style>
+          <a:lnRef idx="1">
+            <a:schemeClr val="accent1"/>
+          </a:lnRef>
+          <a:fillRef idx="0">
+            <a:schemeClr val="accent1"/>
+          </a:fillRef>
+          <a:effectRef idx="0">
+            <a:schemeClr val="accent1"/>
+          </a:effectRef>
+          <a:fontRef idx="minor">
+            <a:schemeClr val="tx1"/>
+          </a:fontRef>
+        </p:style>
+      </p:cxnSp>
+      <p:sp>
+        <p:nvSpPr>
+          <p:cNvPr id="105" name="Rectangle: Rounded Corners 104">
+            <a:extLst>
+              <a:ext uri="{FF2B5EF4-FFF2-40B4-BE49-F238E27FC236}">
+                <a16:creationId xmlns:a16="http://schemas.microsoft.com/office/drawing/2014/main" id="{A4247173-AE4A-FC18-9BAB-172A164C236F}"/>
+              </a:ext>
+            </a:extLst>
+          </p:cNvPr>
+          <p:cNvSpPr/>
+          <p:nvPr/>
+        </p:nvSpPr>
+        <p:spPr>
+          <a:xfrm>
+            <a:off x="17792635" y="19885384"/>
+            <a:ext cx="1104965" cy="764815"/>
+          </a:xfrm>
+          <a:prstGeom prst="roundRect">
+            <a:avLst/>
+          </a:prstGeom>
+        </p:spPr>
+        <p:style>
+          <a:lnRef idx="2">
+            <a:schemeClr val="accent1">
+              <a:shade val="15000"/>
+            </a:schemeClr>
+          </a:lnRef>
+          <a:fillRef idx="1">
+            <a:schemeClr val="accent1"/>
+          </a:fillRef>
+          <a:effectRef idx="0">
+            <a:schemeClr val="accent1"/>
+          </a:effectRef>
+          <a:fontRef idx="minor">
+            <a:schemeClr val="lt1"/>
+          </a:fontRef>
+        </p:style>
+        <p:txBody>
+          <a:bodyPr rtlCol="0" anchor="ctr"/>
+          <a:lstStyle/>
+          <a:p>
+            <a:pPr algn="ctr"/>
+            <a:r>
+              <a:rPr lang="en-US" sz="1500" dirty="0"/>
+              <a:t>55 bees, 18 bee species </a:t>
+            </a:r>
+          </a:p>
+        </p:txBody>
+      </p:sp>
+      <p:cxnSp>
+        <p:nvCxnSpPr>
+          <p:cNvPr id="107" name="Straight Connector 106">
+            <a:extLst>
+              <a:ext uri="{FF2B5EF4-FFF2-40B4-BE49-F238E27FC236}">
+                <a16:creationId xmlns:a16="http://schemas.microsoft.com/office/drawing/2014/main" id="{6FCFBD19-1717-C8FE-9A29-E4A0A1AF773C}"/>
+              </a:ext>
+            </a:extLst>
+          </p:cNvPr>
+          <p:cNvCxnSpPr/>
+          <p:nvPr/>
+        </p:nvCxnSpPr>
+        <p:spPr>
+          <a:xfrm>
+            <a:off x="17217182" y="23622000"/>
+            <a:ext cx="385018" cy="0"/>
+          </a:xfrm>
+          <a:prstGeom prst="line">
+            <a:avLst/>
+          </a:prstGeom>
+        </p:spPr>
+        <p:style>
+          <a:lnRef idx="1">
+            <a:schemeClr val="accent1"/>
+          </a:lnRef>
+          <a:fillRef idx="0">
+            <a:schemeClr val="accent1"/>
+          </a:fillRef>
+          <a:effectRef idx="0">
+            <a:schemeClr val="accent1"/>
+          </a:effectRef>
+          <a:fontRef idx="minor">
+            <a:schemeClr val="tx1"/>
+          </a:fontRef>
+        </p:style>
+      </p:cxnSp>
+      <p:sp>
+        <p:nvSpPr>
+          <p:cNvPr id="108" name="Rectangle: Rounded Corners 107">
+            <a:extLst>
+              <a:ext uri="{FF2B5EF4-FFF2-40B4-BE49-F238E27FC236}">
+                <a16:creationId xmlns:a16="http://schemas.microsoft.com/office/drawing/2014/main" id="{88F80B6D-9389-2FCE-1F2F-86560C2E6270}"/>
+              </a:ext>
+            </a:extLst>
+          </p:cNvPr>
+          <p:cNvSpPr/>
+          <p:nvPr/>
+        </p:nvSpPr>
+        <p:spPr>
+          <a:xfrm>
+            <a:off x="17570708" y="23301022"/>
+            <a:ext cx="1104964" cy="771419"/>
+          </a:xfrm>
+          <a:prstGeom prst="roundRect">
+            <a:avLst/>
+          </a:prstGeom>
+        </p:spPr>
+        <p:style>
+          <a:lnRef idx="2">
+            <a:schemeClr val="accent1">
+              <a:shade val="15000"/>
+            </a:schemeClr>
+          </a:lnRef>
+          <a:fillRef idx="1">
+            <a:schemeClr val="accent1"/>
+          </a:fillRef>
+          <a:effectRef idx="0">
+            <a:schemeClr val="accent1"/>
+          </a:effectRef>
+          <a:fontRef idx="minor">
+            <a:schemeClr val="lt1"/>
+          </a:fontRef>
+        </p:style>
+        <p:txBody>
+          <a:bodyPr rtlCol="0" anchor="ctr"/>
+          <a:lstStyle/>
+          <a:p>
+            <a:pPr algn="ctr"/>
+            <a:r>
+              <a:rPr lang="en-US" sz="1500" dirty="0"/>
+              <a:t>48 bees, 10 bee species </a:t>
+            </a:r>
+          </a:p>
+        </p:txBody>
+      </p:sp>
+      <p:cxnSp>
+        <p:nvCxnSpPr>
+          <p:cNvPr id="110" name="Straight Connector 109">
+            <a:extLst>
+              <a:ext uri="{FF2B5EF4-FFF2-40B4-BE49-F238E27FC236}">
+                <a16:creationId xmlns:a16="http://schemas.microsoft.com/office/drawing/2014/main" id="{B21F8B16-A80F-E0F1-2D22-89610BBCC118}"/>
+              </a:ext>
+            </a:extLst>
+          </p:cNvPr>
+          <p:cNvCxnSpPr>
+            <a:cxnSpLocks/>
+          </p:cNvCxnSpPr>
+          <p:nvPr/>
+        </p:nvCxnSpPr>
+        <p:spPr>
+          <a:xfrm>
+            <a:off x="25255396" y="21793200"/>
+            <a:ext cx="728804" cy="0"/>
+          </a:xfrm>
+          <a:prstGeom prst="line">
+            <a:avLst/>
+          </a:prstGeom>
+        </p:spPr>
+        <p:style>
+          <a:lnRef idx="1">
+            <a:schemeClr val="accent1"/>
+          </a:lnRef>
+          <a:fillRef idx="0">
+            <a:schemeClr val="accent1"/>
+          </a:fillRef>
+          <a:effectRef idx="0">
+            <a:schemeClr val="accent1"/>
+          </a:effectRef>
+          <a:fontRef idx="minor">
+            <a:schemeClr val="tx1"/>
+          </a:fontRef>
+        </p:style>
+      </p:cxnSp>
+      <p:sp>
+        <p:nvSpPr>
+          <p:cNvPr id="111" name="Rectangle: Rounded Corners 110">
+            <a:extLst>
+              <a:ext uri="{FF2B5EF4-FFF2-40B4-BE49-F238E27FC236}">
+                <a16:creationId xmlns:a16="http://schemas.microsoft.com/office/drawing/2014/main" id="{8E0043C9-EF21-2D02-D2D6-8120F08EE80C}"/>
+              </a:ext>
+            </a:extLst>
+          </p:cNvPr>
+          <p:cNvSpPr/>
+          <p:nvPr/>
+        </p:nvSpPr>
+        <p:spPr>
+          <a:xfrm>
+            <a:off x="25653704" y="21497690"/>
+            <a:ext cx="1053134" cy="676507"/>
+          </a:xfrm>
+          <a:prstGeom prst="roundRect">
+            <a:avLst/>
+          </a:prstGeom>
+        </p:spPr>
+        <p:style>
+          <a:lnRef idx="2">
+            <a:schemeClr val="accent1">
+              <a:shade val="15000"/>
+            </a:schemeClr>
+          </a:lnRef>
+          <a:fillRef idx="1">
+            <a:schemeClr val="accent1"/>
+          </a:fillRef>
+          <a:effectRef idx="0">
+            <a:schemeClr val="accent1"/>
+          </a:effectRef>
+          <a:fontRef idx="minor">
+            <a:schemeClr val="lt1"/>
+          </a:fontRef>
+        </p:style>
+        <p:txBody>
+          <a:bodyPr rtlCol="0" anchor="ctr"/>
+          <a:lstStyle/>
+          <a:p>
+            <a:pPr algn="ctr"/>
+            <a:r>
+              <a:rPr lang="en-US" sz="1500" dirty="0"/>
+              <a:t>48 bees, 16 bee species </a:t>
+            </a:r>
+          </a:p>
+        </p:txBody>
+      </p:sp>
+      <p:cxnSp>
+        <p:nvCxnSpPr>
+          <p:cNvPr id="113" name="Straight Connector 112">
+            <a:extLst>
+              <a:ext uri="{FF2B5EF4-FFF2-40B4-BE49-F238E27FC236}">
+                <a16:creationId xmlns:a16="http://schemas.microsoft.com/office/drawing/2014/main" id="{897B30C4-678F-CE77-E3E7-58A4A36E5683}"/>
+              </a:ext>
+            </a:extLst>
+          </p:cNvPr>
+          <p:cNvCxnSpPr>
+            <a:cxnSpLocks/>
+          </p:cNvCxnSpPr>
+          <p:nvPr/>
+        </p:nvCxnSpPr>
+        <p:spPr>
+          <a:xfrm>
+            <a:off x="25146000" y="24688800"/>
+            <a:ext cx="990600" cy="0"/>
+          </a:xfrm>
+          <a:prstGeom prst="line">
+            <a:avLst/>
+          </a:prstGeom>
+        </p:spPr>
+        <p:style>
+          <a:lnRef idx="1">
+            <a:schemeClr val="accent1"/>
+          </a:lnRef>
+          <a:fillRef idx="0">
+            <a:schemeClr val="accent1"/>
+          </a:fillRef>
+          <a:effectRef idx="0">
+            <a:schemeClr val="accent1"/>
+          </a:effectRef>
+          <a:fontRef idx="minor">
+            <a:schemeClr val="tx1"/>
+          </a:fontRef>
+        </p:style>
+      </p:cxnSp>
+      <p:sp>
+        <p:nvSpPr>
+          <p:cNvPr id="114" name="Rectangle: Rounded Corners 113">
+            <a:extLst>
+              <a:ext uri="{FF2B5EF4-FFF2-40B4-BE49-F238E27FC236}">
+                <a16:creationId xmlns:a16="http://schemas.microsoft.com/office/drawing/2014/main" id="{C22BE9D7-30D4-BFF7-0802-72DEFD8B5832}"/>
+              </a:ext>
+            </a:extLst>
+          </p:cNvPr>
+          <p:cNvSpPr/>
+          <p:nvPr/>
+        </p:nvSpPr>
+        <p:spPr>
+          <a:xfrm>
+            <a:off x="25669627" y="24385219"/>
+            <a:ext cx="1037211" cy="709051"/>
+          </a:xfrm>
+          <a:prstGeom prst="roundRect">
+            <a:avLst/>
+          </a:prstGeom>
+        </p:spPr>
+        <p:style>
+          <a:lnRef idx="2">
+            <a:schemeClr val="accent1">
+              <a:shade val="15000"/>
+            </a:schemeClr>
+          </a:lnRef>
+          <a:fillRef idx="1">
+            <a:schemeClr val="accent1"/>
+          </a:fillRef>
+          <a:effectRef idx="0">
+            <a:schemeClr val="accent1"/>
+          </a:effectRef>
+          <a:fontRef idx="minor">
+            <a:schemeClr val="lt1"/>
+          </a:fontRef>
+        </p:style>
+        <p:txBody>
+          <a:bodyPr rtlCol="0" anchor="ctr"/>
+          <a:lstStyle/>
+          <a:p>
+            <a:pPr algn="ctr"/>
+            <a:r>
+              <a:rPr lang="en-US" sz="1500" dirty="0"/>
+              <a:t>64 bees, 15 bee species </a:t>
+            </a:r>
+          </a:p>
+        </p:txBody>
+      </p:sp>
+      <p:cxnSp>
+        <p:nvCxnSpPr>
+          <p:cNvPr id="120" name="Straight Connector 119">
+            <a:extLst>
+              <a:ext uri="{FF2B5EF4-FFF2-40B4-BE49-F238E27FC236}">
+                <a16:creationId xmlns:a16="http://schemas.microsoft.com/office/drawing/2014/main" id="{D11607D4-991A-A80F-5797-13495155EDFA}"/>
+              </a:ext>
+            </a:extLst>
+          </p:cNvPr>
+          <p:cNvCxnSpPr/>
+          <p:nvPr/>
+        </p:nvCxnSpPr>
+        <p:spPr>
+          <a:xfrm>
+            <a:off x="25255396" y="23622000"/>
+            <a:ext cx="271604" cy="0"/>
+          </a:xfrm>
+          <a:prstGeom prst="line">
+            <a:avLst/>
+          </a:prstGeom>
+        </p:spPr>
+        <p:style>
+          <a:lnRef idx="1">
+            <a:schemeClr val="accent1"/>
+          </a:lnRef>
+          <a:fillRef idx="0">
+            <a:schemeClr val="accent1"/>
+          </a:fillRef>
+          <a:effectRef idx="0">
+            <a:schemeClr val="accent1"/>
+          </a:effectRef>
+          <a:fontRef idx="minor">
+            <a:schemeClr val="tx1"/>
+          </a:fontRef>
+        </p:style>
+      </p:cxnSp>
+      <p:sp>
+        <p:nvSpPr>
+          <p:cNvPr id="121" name="Rectangle: Rounded Corners 120">
+            <a:extLst>
+              <a:ext uri="{FF2B5EF4-FFF2-40B4-BE49-F238E27FC236}">
+                <a16:creationId xmlns:a16="http://schemas.microsoft.com/office/drawing/2014/main" id="{79542694-6B11-4F42-48D0-83C5B1FA3AE6}"/>
+              </a:ext>
+            </a:extLst>
+          </p:cNvPr>
+          <p:cNvSpPr/>
+          <p:nvPr/>
+        </p:nvSpPr>
+        <p:spPr>
+          <a:xfrm>
+            <a:off x="25608922" y="23355919"/>
+            <a:ext cx="811782" cy="571500"/>
+          </a:xfrm>
+          <a:prstGeom prst="roundRect">
+            <a:avLst/>
+          </a:prstGeom>
+        </p:spPr>
+        <p:style>
+          <a:lnRef idx="2">
+            <a:schemeClr val="accent1">
+              <a:shade val="15000"/>
+            </a:schemeClr>
+          </a:lnRef>
+          <a:fillRef idx="1">
+            <a:schemeClr val="accent1"/>
+          </a:fillRef>
+          <a:effectRef idx="0">
+            <a:schemeClr val="accent1"/>
+          </a:effectRef>
+          <a:fontRef idx="minor">
+            <a:schemeClr val="lt1"/>
+          </a:fontRef>
+        </p:style>
+        <p:txBody>
+          <a:bodyPr rtlCol="0" anchor="ctr"/>
+          <a:lstStyle/>
+          <a:p>
+            <a:pPr algn="ctr"/>
+            <a:r>
+              <a:rPr lang="en-US" sz="1200" dirty="0"/>
+              <a:t>11 bees, 5 bee species </a:t>
+            </a:r>
+          </a:p>
+        </p:txBody>
+      </p:sp>
+      <p:cxnSp>
+        <p:nvCxnSpPr>
+          <p:cNvPr id="123" name="Straight Connector 122">
+            <a:extLst>
+              <a:ext uri="{FF2B5EF4-FFF2-40B4-BE49-F238E27FC236}">
+                <a16:creationId xmlns:a16="http://schemas.microsoft.com/office/drawing/2014/main" id="{FF60ADB6-856D-809A-6C69-7AD80185341A}"/>
+              </a:ext>
+            </a:extLst>
+          </p:cNvPr>
+          <p:cNvCxnSpPr/>
+          <p:nvPr/>
+        </p:nvCxnSpPr>
+        <p:spPr>
+          <a:xfrm>
+            <a:off x="17217182" y="22125102"/>
+            <a:ext cx="478406" cy="0"/>
+          </a:xfrm>
+          <a:prstGeom prst="line">
+            <a:avLst/>
+          </a:prstGeom>
+        </p:spPr>
+        <p:style>
+          <a:lnRef idx="1">
+            <a:schemeClr val="accent1"/>
+          </a:lnRef>
+          <a:fillRef idx="0">
+            <a:schemeClr val="accent1"/>
+          </a:fillRef>
+          <a:effectRef idx="0">
+            <a:schemeClr val="accent1"/>
+          </a:effectRef>
+          <a:fontRef idx="minor">
+            <a:schemeClr val="tx1"/>
+          </a:fontRef>
+        </p:style>
+      </p:cxnSp>
+      <p:sp>
+        <p:nvSpPr>
+          <p:cNvPr id="124" name="Rectangle: Rounded Corners 123">
+            <a:extLst>
+              <a:ext uri="{FF2B5EF4-FFF2-40B4-BE49-F238E27FC236}">
+                <a16:creationId xmlns:a16="http://schemas.microsoft.com/office/drawing/2014/main" id="{F0090D59-20EB-9C49-AADE-A0F5155C56D5}"/>
+              </a:ext>
+            </a:extLst>
+          </p:cNvPr>
+          <p:cNvSpPr/>
+          <p:nvPr/>
+        </p:nvSpPr>
+        <p:spPr>
+          <a:xfrm>
+            <a:off x="17654635" y="21756758"/>
+            <a:ext cx="933945" cy="571500"/>
+          </a:xfrm>
+          <a:prstGeom prst="roundRect">
+            <a:avLst/>
+          </a:prstGeom>
+        </p:spPr>
+        <p:style>
+          <a:lnRef idx="2">
+            <a:schemeClr val="accent1">
+              <a:shade val="15000"/>
+            </a:schemeClr>
+          </a:lnRef>
+          <a:fillRef idx="1">
+            <a:schemeClr val="accent1"/>
+          </a:fillRef>
+          <a:effectRef idx="0">
+            <a:schemeClr val="accent1"/>
+          </a:effectRef>
+          <a:fontRef idx="minor">
+            <a:schemeClr val="lt1"/>
+          </a:fontRef>
+        </p:style>
+        <p:txBody>
+          <a:bodyPr rtlCol="0" anchor="ctr"/>
+          <a:lstStyle/>
+          <a:p>
+            <a:pPr algn="ctr"/>
+            <a:r>
+              <a:rPr lang="en-US" sz="1200" dirty="0"/>
+              <a:t>17 bees, 7 bee species </a:t>
+            </a:r>
+          </a:p>
+        </p:txBody>
+      </p:sp>
+      <p:sp>
+        <p:nvSpPr>
+          <p:cNvPr id="126" name="TextBox 125">
+            <a:extLst>
+              <a:ext uri="{FF2B5EF4-FFF2-40B4-BE49-F238E27FC236}">
+                <a16:creationId xmlns:a16="http://schemas.microsoft.com/office/drawing/2014/main" id="{5CE7EF45-C122-582B-AF8A-E4365E6C0062}"/>
+              </a:ext>
+            </a:extLst>
+          </p:cNvPr>
+          <p:cNvSpPr txBox="1"/>
+          <p:nvPr/>
+        </p:nvSpPr>
+        <p:spPr>
+          <a:xfrm>
+            <a:off x="1066800" y="19614660"/>
+            <a:ext cx="2743200" cy="553998"/>
+          </a:xfrm>
+          <a:prstGeom prst="rect">
+            <a:avLst/>
+          </a:prstGeom>
+          <a:noFill/>
+        </p:spPr>
+        <p:txBody>
+          <a:bodyPr wrap="square" rtlCol="0">
+            <a:spAutoFit/>
+          </a:bodyPr>
+          <a:lstStyle/>
+          <a:p>
+            <a:r>
+              <a:rPr lang="en-US" sz="3000" dirty="0"/>
+              <a:t>Data Wrangling</a:t>
+            </a:r>
+          </a:p>
+        </p:txBody>
+      </p:sp>
+      <p:sp>
+        <p:nvSpPr>
+          <p:cNvPr id="127" name="TextBox 126">
+            <a:extLst>
+              <a:ext uri="{FF2B5EF4-FFF2-40B4-BE49-F238E27FC236}">
+                <a16:creationId xmlns:a16="http://schemas.microsoft.com/office/drawing/2014/main" id="{355CF859-9ACC-A93C-1E6A-DB34722A6715}"/>
+              </a:ext>
+            </a:extLst>
+          </p:cNvPr>
+          <p:cNvSpPr txBox="1"/>
+          <p:nvPr/>
+        </p:nvSpPr>
+        <p:spPr>
+          <a:xfrm>
+            <a:off x="1066800" y="24903986"/>
+            <a:ext cx="2691757" cy="553998"/>
+          </a:xfrm>
+          <a:prstGeom prst="rect">
+            <a:avLst/>
+          </a:prstGeom>
+          <a:noFill/>
+        </p:spPr>
+        <p:txBody>
+          <a:bodyPr wrap="square" rtlCol="0">
+            <a:spAutoFit/>
+          </a:bodyPr>
+          <a:lstStyle/>
+          <a:p>
+            <a:r>
+              <a:rPr lang="en-US" sz="3000" dirty="0"/>
+              <a:t>Data Analysis</a:t>
+            </a:r>
+          </a:p>
+        </p:txBody>
+      </p:sp>
+      <p:sp>
+        <p:nvSpPr>
+          <p:cNvPr id="1024" name="TextBox 1023">
+            <a:extLst>
+              <a:ext uri="{FF2B5EF4-FFF2-40B4-BE49-F238E27FC236}">
+                <a16:creationId xmlns:a16="http://schemas.microsoft.com/office/drawing/2014/main" id="{AF3DA12D-E262-D639-ECF9-C7673908C71B}"/>
+              </a:ext>
+            </a:extLst>
+          </p:cNvPr>
+          <p:cNvSpPr txBox="1"/>
+          <p:nvPr/>
+        </p:nvSpPr>
+        <p:spPr>
+          <a:xfrm>
+            <a:off x="27484056" y="7312229"/>
+            <a:ext cx="9823287" cy="15311884"/>
+          </a:xfrm>
+          <a:prstGeom prst="rect">
+            <a:avLst/>
+          </a:prstGeom>
+          <a:noFill/>
+        </p:spPr>
+        <p:txBody>
+          <a:bodyPr wrap="square" rtlCol="0">
+            <a:spAutoFit/>
+          </a:bodyPr>
+          <a:lstStyle/>
+          <a:p>
+            <a:r>
+              <a:rPr lang="en-US" sz="3500" b="1" dirty="0"/>
+              <a:t>Effect of Plant Visits by Bee Species:</a:t>
+            </a:r>
+          </a:p>
+          <a:p>
+            <a:pPr marL="457200" indent="-457200">
+              <a:buFontTx/>
+              <a:buChar char="-"/>
+            </a:pPr>
+            <a:r>
+              <a:rPr lang="en-US" sz="3400" dirty="0"/>
+              <a:t>We found no support (p-value=0.45) for our hypothesis that native Oregon plants attract more species of native bees in the Oregon coastal regions than nonnative plants.</a:t>
+            </a:r>
+          </a:p>
+          <a:p>
+            <a:pPr marL="457200" indent="-457200">
+              <a:buFontTx/>
+              <a:buChar char="-"/>
+            </a:pPr>
+            <a:endParaRPr lang="en-US" sz="3400" dirty="0"/>
+          </a:p>
+          <a:p>
+            <a:pPr marL="457200" indent="-457200">
+              <a:buFontTx/>
+              <a:buChar char="-"/>
+            </a:pPr>
+            <a:r>
+              <a:rPr lang="en-US" sz="3400" dirty="0"/>
+              <a:t>Nearly a quarter of the bee species were only observed on nonnative plants. This could be due to very small (1-3 individuals) sample sizes for these species, and this could represent a limitation of our analysis.</a:t>
+            </a:r>
+          </a:p>
+          <a:p>
+            <a:pPr marL="457200" indent="-457200">
+              <a:buFontTx/>
+              <a:buChar char="-"/>
+            </a:pPr>
+            <a:endParaRPr lang="en-US" sz="3400" dirty="0"/>
+          </a:p>
+          <a:p>
+            <a:pPr marL="457200" indent="-457200">
+              <a:buFontTx/>
+              <a:buChar char="-"/>
+            </a:pPr>
+            <a:r>
+              <a:rPr lang="en-US" sz="3400" dirty="0"/>
+              <a:t>Alternatively, nonnative plants could be very successful at attracting bees, due either to their abundance or to the characteristics of the pollen (Seitz et al. 2020). </a:t>
+            </a:r>
+          </a:p>
+          <a:p>
+            <a:pPr marL="457200" indent="-457200">
+              <a:buFontTx/>
+              <a:buChar char="-"/>
+            </a:pPr>
+            <a:endParaRPr lang="en-US" sz="3400" dirty="0"/>
+          </a:p>
+          <a:p>
+            <a:r>
+              <a:rPr lang="en-US" sz="3500" b="1" dirty="0"/>
+              <a:t>Effect of Most Commonly Visited Plants</a:t>
+            </a:r>
+            <a:r>
+              <a:rPr lang="en-US" sz="3500" dirty="0"/>
+              <a:t>:</a:t>
+            </a:r>
+          </a:p>
+          <a:p>
+            <a:pPr marL="457200" indent="-457200">
+              <a:buFontTx/>
+              <a:buChar char="-"/>
+            </a:pPr>
+            <a:r>
+              <a:rPr lang="en-US" sz="3400" dirty="0"/>
+              <a:t>Native plants with the highest number of bee species visits occupied a variety of coastal habitats such as beaches, marshes, grasslands, forests, and bluffs, complicating their conservation.</a:t>
+            </a:r>
+          </a:p>
+          <a:p>
+            <a:endParaRPr lang="en-US" sz="3400" dirty="0"/>
+          </a:p>
+          <a:p>
+            <a:pPr marL="457200" indent="-457200">
+              <a:buFontTx/>
+              <a:buChar char="-"/>
+            </a:pPr>
+            <a:r>
+              <a:rPr lang="en-US" sz="3400" dirty="0"/>
+              <a:t>Nonnative plants with the highest number of bee species visits were weedy invasions such as the Himalayan blackberry that often grow in disturbed areas and along roadsides.</a:t>
+            </a:r>
+          </a:p>
+          <a:p>
+            <a:endParaRPr lang="en-US" sz="3400" dirty="0"/>
+          </a:p>
+        </p:txBody>
+      </p:sp>
+      <p:sp>
+        <p:nvSpPr>
+          <p:cNvPr id="1025" name="TextBox 1024">
+            <a:extLst>
+              <a:ext uri="{FF2B5EF4-FFF2-40B4-BE49-F238E27FC236}">
+                <a16:creationId xmlns:a16="http://schemas.microsoft.com/office/drawing/2014/main" id="{C87CD3EB-BEBF-022C-A77C-C3A9B9F7C500}"/>
+              </a:ext>
+            </a:extLst>
+          </p:cNvPr>
+          <p:cNvSpPr txBox="1"/>
+          <p:nvPr/>
+        </p:nvSpPr>
+        <p:spPr>
+          <a:xfrm>
+            <a:off x="964170" y="7427036"/>
+            <a:ext cx="10047093" cy="8402300"/>
+          </a:xfrm>
+          <a:prstGeom prst="rect">
+            <a:avLst/>
+          </a:prstGeom>
+          <a:noFill/>
+        </p:spPr>
+        <p:txBody>
+          <a:bodyPr wrap="square" rtlCol="0">
+            <a:spAutoFit/>
+          </a:bodyPr>
+          <a:lstStyle/>
+          <a:p>
+            <a:r>
+              <a:rPr lang="en-US" sz="2600" dirty="0"/>
+              <a:t>Native and nonnative plants differ in the types of bee species they support. They shape pollination networks and influence ecosystem services such as plant reproduction, biodiversity maintenance, and habitat resilience (Potts et al. 2010).</a:t>
+            </a:r>
+          </a:p>
+          <a:p>
+            <a:r>
+              <a:rPr lang="en-US" sz="2600" dirty="0"/>
+              <a:t>Previous studies across regions show that while native plants often sustain richer and more specialized bee communities, nonnative species can attract abundant generalist pollinators and sometimes disrupt native plant–pollinator interactions (Seitz et al. 2020; </a:t>
+            </a:r>
+            <a:r>
+              <a:rPr lang="en-US" sz="2600" dirty="0" err="1"/>
+              <a:t>Chrobock</a:t>
+            </a:r>
+            <a:r>
+              <a:rPr lang="en-US" sz="2600" dirty="0"/>
+              <a:t> et al. 2013; Martini et al. 2025).</a:t>
+            </a:r>
+          </a:p>
+          <a:p>
+            <a:endParaRPr lang="en-US" sz="2600" dirty="0"/>
+          </a:p>
+          <a:p>
+            <a:r>
+              <a:rPr lang="en-US" sz="2600" b="1" dirty="0"/>
+              <a:t>GAP</a:t>
+            </a:r>
+            <a:r>
+              <a:rPr lang="en-US" sz="2600" dirty="0"/>
+              <a:t>: </a:t>
+            </a:r>
+          </a:p>
+          <a:p>
+            <a:r>
+              <a:rPr lang="en-US" sz="2600" dirty="0"/>
+              <a:t>No study has evaluated whether coastal Oregon bee species visit native plants more than nonnative plants using Oregon Bee Atlas (OBA) data.</a:t>
+            </a:r>
+          </a:p>
+          <a:p>
+            <a:endParaRPr lang="en-US" sz="2600" dirty="0"/>
+          </a:p>
+          <a:p>
+            <a:r>
+              <a:rPr lang="en-US" sz="2600" dirty="0"/>
+              <a:t>This project provides a region-specific analysis of how plant identity and nativity influence bee visitation patterns. Identifying which plants support the greatest number of bee species can guide conservation planning, invasive-species management, and community planting efforts aimed at sustaining diverse and resilient bee communities along the Oregon coast.</a:t>
+            </a:r>
+          </a:p>
+          <a:p>
+            <a:endParaRPr lang="en-US" sz="2000" dirty="0"/>
+          </a:p>
+        </p:txBody>
+      </p:sp>
+      <p:sp>
+        <p:nvSpPr>
+          <p:cNvPr id="1027" name="TextBox 1026">
+            <a:extLst>
+              <a:ext uri="{FF2B5EF4-FFF2-40B4-BE49-F238E27FC236}">
+                <a16:creationId xmlns:a16="http://schemas.microsoft.com/office/drawing/2014/main" id="{B573CDB6-BD86-D08E-0C93-524EC8859562}"/>
+              </a:ext>
+            </a:extLst>
+          </p:cNvPr>
+          <p:cNvSpPr txBox="1"/>
+          <p:nvPr/>
+        </p:nvSpPr>
+        <p:spPr>
+          <a:xfrm>
+            <a:off x="27359046" y="22521765"/>
+            <a:ext cx="10394395" cy="7478970"/>
+          </a:xfrm>
+          <a:prstGeom prst="rect">
+            <a:avLst/>
+          </a:prstGeom>
+          <a:noFill/>
+        </p:spPr>
+        <p:txBody>
+          <a:bodyPr wrap="square" rtlCol="0">
+            <a:spAutoFit/>
+          </a:bodyPr>
+          <a:lstStyle/>
+          <a:p>
+            <a:r>
               <a:rPr lang="en-US" sz="2000" dirty="0"/>
-              <a:t>214</a:t>
+              <a:t>Best, L., J. D. Engler, C. Feuerborn, J. Larsen, B. Lindh, C. J. Marshall, A. </a:t>
             </a:r>
+            <a:r>
+              <a:rPr lang="en-US" sz="2000" dirty="0" err="1"/>
+              <a:t>Melathopoulos</a:t>
+            </a:r>
+            <a:r>
+              <a:rPr lang="en-US" sz="2000" dirty="0"/>
+              <a:t>, S. Kincaid, S.V. J. Robinson. 2022. Oregon Bee Atlas: Wild bee findings from 2019. Catalog of the Oregon State Arthropod Collection. 6(1): 1—13. DOI: </a:t>
+            </a:r>
+            <a:r>
+              <a:rPr lang="en-US" sz="2000" dirty="0">
+                <a:hlinkClick r:id="rId28"/>
+              </a:rPr>
+              <a:t>http://dx.doi.org/10.5399/osu/cat_osac.6.1.4906</a:t>
+            </a:r>
+            <a:r>
+              <a:rPr lang="en-US" sz="2000" dirty="0"/>
+              <a:t>.</a:t>
+            </a:r>
+          </a:p>
+          <a:p>
+            <a:endParaRPr lang="en-US" sz="2000" dirty="0"/>
+          </a:p>
+          <a:p>
+            <a:r>
+              <a:rPr lang="en-US" sz="2000" dirty="0" err="1"/>
+              <a:t>Chrobock</a:t>
+            </a:r>
+            <a:r>
+              <a:rPr lang="en-US" sz="2000" dirty="0"/>
+              <a:t>, T., Winiger, P., Fischer, M., &amp; van </a:t>
+            </a:r>
+            <a:r>
+              <a:rPr lang="en-US" sz="2000" dirty="0" err="1"/>
+              <a:t>Kleunen</a:t>
+            </a:r>
+            <a:r>
+              <a:rPr lang="en-US" sz="2000" dirty="0"/>
+              <a:t>, M. (2013). The cobblers stick to their lasts: pollinators prefer native over alien plant species in a multi-species experiment. Biological Invasions, 15(11), 2577–2588. https://doi.org/10.1007/s10530-013-0474-3 </a:t>
+            </a:r>
+          </a:p>
+          <a:p>
+            <a:endParaRPr lang="en-US" sz="2000" dirty="0"/>
+          </a:p>
+          <a:p>
+            <a:r>
+              <a:rPr lang="en-US" sz="2000" dirty="0"/>
+              <a:t>Martini, M., Kaul, E., Miller, R., Gibbs, J., &amp; Bobiwash, K. (2025). Non-native plants in road verges attract pollinators despite associated declines in native flowers. Global Ecology and Conservation, 58, Article e03489. https://doi.org/10.1016/j.gecco.2025.e03489 </a:t>
+            </a:r>
+          </a:p>
+          <a:p>
+            <a:endParaRPr lang="en-US" sz="2000" dirty="0"/>
+          </a:p>
+          <a:p>
+            <a:r>
+              <a:rPr lang="en-US" sz="2000" dirty="0"/>
+              <a:t>Parra-</a:t>
+            </a:r>
+            <a:r>
+              <a:rPr lang="en-US" sz="2000" dirty="0" err="1"/>
+              <a:t>Tabla</a:t>
+            </a:r>
+            <a:r>
+              <a:rPr lang="en-US" sz="2000" dirty="0"/>
+              <a:t>, V., &amp; Arceo-Gómez, G. (2021). Impacts of plant invasions in native plant–pollinator networks. New Phytologist, 230(6), 2117-2128. https://doi.org/10.1111/nph.17339 </a:t>
+            </a:r>
+          </a:p>
+          <a:p>
+            <a:endParaRPr lang="en-US" sz="2000" dirty="0"/>
+          </a:p>
+          <a:p>
+            <a:r>
+              <a:rPr lang="en-US" sz="2000" dirty="0"/>
+              <a:t>Potts SG, </a:t>
+            </a:r>
+            <a:r>
+              <a:rPr lang="en-US" sz="2000" dirty="0" err="1"/>
+              <a:t>Biesmeijer</a:t>
+            </a:r>
+            <a:r>
+              <a:rPr lang="en-US" sz="2000" dirty="0"/>
+              <a:t> JC, Kremen C, Neumann P, Schweiger O, Kunin WE. Global pollinator declines: trends, impacts and drivers. Trends </a:t>
+            </a:r>
+            <a:r>
+              <a:rPr lang="en-US" sz="2000" dirty="0" err="1"/>
+              <a:t>Ecol</a:t>
+            </a:r>
+            <a:r>
+              <a:rPr lang="en-US" sz="2000" dirty="0"/>
+              <a:t> Evol. 2010 Jun;25(6):345-53. </a:t>
+            </a:r>
+            <a:r>
+              <a:rPr lang="en-US" sz="2000" dirty="0" err="1"/>
+              <a:t>doi</a:t>
+            </a:r>
+            <a:r>
+              <a:rPr lang="en-US" sz="2000" dirty="0"/>
+              <a:t>: 10.1016/j.tree.2010.01.007. </a:t>
+            </a:r>
+            <a:r>
+              <a:rPr lang="en-US" sz="2000" dirty="0" err="1"/>
+              <a:t>Epub</a:t>
+            </a:r>
+            <a:r>
+              <a:rPr lang="en-US" sz="2000" dirty="0"/>
+              <a:t> 2010 Feb 24. PMID: 20188434. </a:t>
+            </a:r>
+          </a:p>
+          <a:p>
+            <a:endParaRPr lang="en-US" sz="2000" dirty="0"/>
+          </a:p>
+          <a:p>
+            <a:r>
+              <a:rPr lang="en-US" sz="2000" dirty="0"/>
+              <a:t>Seitz, N., </a:t>
+            </a:r>
+            <a:r>
+              <a:rPr lang="en-US" sz="2000" dirty="0" err="1"/>
+              <a:t>vanEngelsdorp</a:t>
+            </a:r>
+            <a:r>
+              <a:rPr lang="en-US" sz="2000" dirty="0"/>
+              <a:t>, D., &amp; Leonhardt, S. D. (2020). Are native and non‐native pollinator friendly plants equally valuable for native wild bee communities? Ecology and Evolution, 10(23), 12838–12850. https://doi.org/10.1002/ece3.6826 </a:t>
+            </a:r>
+          </a:p>
+          <a:p>
+            <a:endParaRPr lang="en-US" sz="2000" dirty="0"/>
+          </a:p>
+          <a:p>
+            <a:r>
+              <a:rPr lang="en-US" sz="2000" b="1" dirty="0"/>
+              <a:t>Acknowledgements</a:t>
+            </a:r>
+            <a:r>
+              <a:rPr lang="en-US" sz="2000" dirty="0"/>
+              <a:t>: OBA bee atlas, Dr. </a:t>
+            </a:r>
+            <a:r>
+              <a:rPr lang="en-US" sz="2000" dirty="0" err="1"/>
+              <a:t>Ponisio</a:t>
+            </a:r>
+            <a:r>
+              <a:rPr lang="en-US" sz="2000" dirty="0"/>
+              <a:t>, Oregon Flora. </a:t>
+            </a:r>
+          </a:p>
+        </p:txBody>
+      </p:sp>
+      <p:sp>
+        <p:nvSpPr>
+          <p:cNvPr id="1029" name="TextBox 1028">
+            <a:extLst>
+              <a:ext uri="{FF2B5EF4-FFF2-40B4-BE49-F238E27FC236}">
+                <a16:creationId xmlns:a16="http://schemas.microsoft.com/office/drawing/2014/main" id="{91D0D3E1-E62D-8B80-A8CB-E8C2311943A9}"/>
+              </a:ext>
+            </a:extLst>
+          </p:cNvPr>
+          <p:cNvSpPr txBox="1"/>
+          <p:nvPr/>
+        </p:nvSpPr>
+        <p:spPr>
+          <a:xfrm>
+            <a:off x="818078" y="16577021"/>
+            <a:ext cx="10277233" cy="2585323"/>
+          </a:xfrm>
+          <a:prstGeom prst="rect">
+            <a:avLst/>
+          </a:prstGeom>
+          <a:noFill/>
+        </p:spPr>
+        <p:txBody>
+          <a:bodyPr wrap="square" rtlCol="0">
+            <a:spAutoFit/>
+          </a:bodyPr>
+          <a:lstStyle/>
+          <a:p>
+            <a:pPr marL="342900" indent="-342900">
+              <a:buFont typeface="Arial" panose="020B0604020202020204" pitchFamily="34" charset="0"/>
+              <a:buChar char="•"/>
+            </a:pPr>
+            <a:r>
+              <a:rPr lang="en-US" sz="3400" dirty="0"/>
+              <a:t>Do more coastal Oregon bee species visit native than nonnative plants?</a:t>
+            </a:r>
+          </a:p>
+          <a:p>
+            <a:pPr marL="342900" indent="-342900">
+              <a:buFont typeface="Arial" panose="020B0604020202020204" pitchFamily="34" charset="0"/>
+              <a:buChar char="•"/>
+            </a:pPr>
+            <a:r>
+              <a:rPr lang="en-US" sz="3400" dirty="0"/>
+              <a:t>Which plant species attract the greatest number of bee species?</a:t>
+            </a:r>
+          </a:p>
+          <a:p>
+            <a:endParaRPr lang="en-US" sz="2600" dirty="0"/>
           </a:p>
         </p:txBody>
       </p:sp>
@@ -16193,11 +17081,12 @@
 </file>
 
 <file path=customXml/item1.xml><?xml version="1.0" encoding="utf-8"?>
-<p:properties xmlns:p="http://schemas.microsoft.com/office/2006/metadata/properties" xmlns:xsi="http://www.w3.org/2001/XMLSchema-instance" xmlns:pc="http://schemas.microsoft.com/office/infopath/2007/PartnerControls">
-  <documentManagement>
-    <_activity xmlns="4a8057ab-f439-4764-a97c-4bf49cdf7355" xsi:nil="true"/>
-  </documentManagement>
-</p:properties>
+<?mso-contentType ?>
+<FormTemplates xmlns="http://schemas.microsoft.com/sharepoint/v3/contenttype/forms">
+  <Display>DocumentLibraryForm</Display>
+  <Edit>DocumentLibraryForm</Edit>
+  <New>DocumentLibraryForm</New>
+</FormTemplates>
 </file>
 
 <file path=customXml/item2.xml><?xml version="1.0" encoding="utf-8"?>
@@ -16396,27 +17285,17 @@
 </file>
 
 <file path=customXml/item3.xml><?xml version="1.0" encoding="utf-8"?>
-<?mso-contentType ?>
-<FormTemplates xmlns="http://schemas.microsoft.com/sharepoint/v3/contenttype/forms">
-  <Display>DocumentLibraryForm</Display>
-  <Edit>DocumentLibraryForm</Edit>
-  <New>DocumentLibraryForm</New>
-</FormTemplates>
+<p:properties xmlns:p="http://schemas.microsoft.com/office/2006/metadata/properties" xmlns:xsi="http://www.w3.org/2001/XMLSchema-instance" xmlns:pc="http://schemas.microsoft.com/office/infopath/2007/PartnerControls">
+  <documentManagement>
+    <_activity xmlns="4a8057ab-f439-4764-a97c-4bf49cdf7355" xsi:nil="true"/>
+  </documentManagement>
+</p:properties>
 </file>
 
 <file path=customXml/itemProps1.xml><?xml version="1.0" encoding="utf-8"?>
-<ds:datastoreItem xmlns:ds="http://schemas.openxmlformats.org/officeDocument/2006/customXml" ds:itemID="{43ED6497-CB12-4BE5-A6D8-27969E015944}">
+<ds:datastoreItem xmlns:ds="http://schemas.openxmlformats.org/officeDocument/2006/customXml" ds:itemID="{2EAA44C3-3866-494C-9120-7B42F7968B8D}">
   <ds:schemaRefs>
-    <ds:schemaRef ds:uri="http://schemas.microsoft.com/office/infopath/2007/PartnerControls"/>
-    <ds:schemaRef ds:uri="http://www.w3.org/XML/1998/namespace"/>
-    <ds:schemaRef ds:uri="http://purl.org/dc/terms/"/>
-    <ds:schemaRef ds:uri="44f54941-32f9-4fbd-8504-058d13ff35bf"/>
-    <ds:schemaRef ds:uri="4a8057ab-f439-4764-a97c-4bf49cdf7355"/>
-    <ds:schemaRef ds:uri="http://purl.org/dc/elements/1.1/"/>
-    <ds:schemaRef ds:uri="http://schemas.microsoft.com/office/2006/documentManagement/types"/>
-    <ds:schemaRef ds:uri="http://schemas.openxmlformats.org/package/2006/metadata/core-properties"/>
-    <ds:schemaRef ds:uri="http://schemas.microsoft.com/office/2006/metadata/properties"/>
-    <ds:schemaRef ds:uri="http://purl.org/dc/dcmitype/"/>
+    <ds:schemaRef ds:uri="http://schemas.microsoft.com/sharepoint/v3/contenttype/forms"/>
   </ds:schemaRefs>
 </ds:datastoreItem>
 </file>
@@ -16441,9 +17320,18 @@
 </file>
 
 <file path=customXml/itemProps3.xml><?xml version="1.0" encoding="utf-8"?>
-<ds:datastoreItem xmlns:ds="http://schemas.openxmlformats.org/officeDocument/2006/customXml" ds:itemID="{2EAA44C3-3866-494C-9120-7B42F7968B8D}">
+<ds:datastoreItem xmlns:ds="http://schemas.openxmlformats.org/officeDocument/2006/customXml" ds:itemID="{43ED6497-CB12-4BE5-A6D8-27969E015944}">
   <ds:schemaRefs>
-    <ds:schemaRef ds:uri="http://schemas.microsoft.com/sharepoint/v3/contenttype/forms"/>
+    <ds:schemaRef ds:uri="http://schemas.microsoft.com/office/infopath/2007/PartnerControls"/>
+    <ds:schemaRef ds:uri="http://www.w3.org/XML/1998/namespace"/>
+    <ds:schemaRef ds:uri="http://purl.org/dc/terms/"/>
+    <ds:schemaRef ds:uri="44f54941-32f9-4fbd-8504-058d13ff35bf"/>
+    <ds:schemaRef ds:uri="4a8057ab-f439-4764-a97c-4bf49cdf7355"/>
+    <ds:schemaRef ds:uri="http://purl.org/dc/elements/1.1/"/>
+    <ds:schemaRef ds:uri="http://schemas.microsoft.com/office/2006/documentManagement/types"/>
+    <ds:schemaRef ds:uri="http://schemas.openxmlformats.org/package/2006/metadata/core-properties"/>
+    <ds:schemaRef ds:uri="http://schemas.microsoft.com/office/2006/metadata/properties"/>
+    <ds:schemaRef ds:uri="http://purl.org/dc/dcmitype/"/>
   </ds:schemaRefs>
 </ds:datastoreItem>
 </file>
--- a/final_proj_posterCLJL.pptx
+++ b/final_proj_posterCLJL.pptx
@@ -3317,8 +3317,8 @@
     <dgm:cxn modelId="{7A633D42-DFD7-42D5-B49A-D8E46BB28DED}" type="presOf" srcId="{6EDEF63E-296D-4E9C-BD18-5F05AA4439C3}" destId="{9FA36F8D-1831-4E9F-B0E4-5C32923C7C1C}" srcOrd="0" destOrd="0" presId="urn:microsoft.com/office/officeart/2008/layout/HorizontalMultiLevelHierarchy"/>
     <dgm:cxn modelId="{662EE444-6A8C-42B4-8896-0561342E96C6}" type="presOf" srcId="{19A5F07E-93B4-47DF-9980-F80757511EE6}" destId="{09184C92-221E-45F1-8661-97B5B5473431}" srcOrd="0" destOrd="0" presId="urn:microsoft.com/office/officeart/2008/layout/HorizontalMultiLevelHierarchy"/>
     <dgm:cxn modelId="{E7283647-7A5E-4771-8DE8-D659E34D3BAB}" srcId="{031260B9-C8F0-415D-BB12-5F98FAD0A145}" destId="{F3A1B37A-355A-47FF-82E6-EE69A27B8B87}" srcOrd="0" destOrd="0" parTransId="{6EDEF63E-296D-4E9C-BD18-5F05AA4439C3}" sibTransId="{97455F4F-5AF4-41A3-B0B7-898CB48908A3}"/>
+    <dgm:cxn modelId="{0191024F-A23A-44EE-9732-E34FA529F59F}" srcId="{0ACCDA85-508B-4AFF-9B4D-AAC2A6E3B5A4}" destId="{031260B9-C8F0-415D-BB12-5F98FAD0A145}" srcOrd="0" destOrd="0" parTransId="{507B4C9D-2538-4686-9879-93E2ABEE8BDC}" sibTransId="{7812B71F-59E0-4A94-854E-87583EA1C084}"/>
     <dgm:cxn modelId="{3467B36D-6A0A-4F2D-8C57-9A880771DCB1}" type="presOf" srcId="{5AD33756-1903-4ABE-B536-A47F74E612A4}" destId="{B1ED1BA2-5753-4612-941E-BB160DE8A5B2}" srcOrd="0" destOrd="0" presId="urn:microsoft.com/office/officeart/2008/layout/HorizontalMultiLevelHierarchy"/>
-    <dgm:cxn modelId="{0191024F-A23A-44EE-9732-E34FA529F59F}" srcId="{0ACCDA85-508B-4AFF-9B4D-AAC2A6E3B5A4}" destId="{031260B9-C8F0-415D-BB12-5F98FAD0A145}" srcOrd="0" destOrd="0" parTransId="{507B4C9D-2538-4686-9879-93E2ABEE8BDC}" sibTransId="{7812B71F-59E0-4A94-854E-87583EA1C084}"/>
     <dgm:cxn modelId="{B96CD08C-0B3B-470C-BC94-A2EB3CD59C39}" type="presOf" srcId="{8D9744CC-AE09-4D43-AC86-17D836FF01D7}" destId="{F00423B9-6E23-405A-B4AA-BEE0C6FF45F6}" srcOrd="0" destOrd="0" presId="urn:microsoft.com/office/officeart/2008/layout/HorizontalMultiLevelHierarchy"/>
     <dgm:cxn modelId="{FC2A228D-DEB4-4B90-867D-ABA02E6D8194}" type="presOf" srcId="{19A5F07E-93B4-47DF-9980-F80757511EE6}" destId="{A3BA7661-C915-49DD-AADD-BEAE63E17B35}" srcOrd="1" destOrd="0" presId="urn:microsoft.com/office/officeart/2008/layout/HorizontalMultiLevelHierarchy"/>
     <dgm:cxn modelId="{EF72D691-001D-4C78-8467-08DC3869845A}" srcId="{031260B9-C8F0-415D-BB12-5F98FAD0A145}" destId="{8D9744CC-AE09-4D43-AC86-17D836FF01D7}" srcOrd="3" destOrd="0" parTransId="{48E6F3B3-F97D-4588-BE4D-9DBF0607AB79}" sibTransId="{39A3203E-DD2F-4C73-8F31-C0DA3A238537}"/>
@@ -10151,7 +10151,7 @@
           <a:p>
             <a:fld id="{D0FE861C-486B-4E18-A0E9-A790238A915C}" type="datetimeFigureOut">
               <a:rPr lang="en-US" smtClean="0"/>
-              <a:t>12/3/2025</a:t>
+              <a:t>12/6/25</a:t>
             </a:fld>
             <a:endParaRPr lang="en-US"/>
           </a:p>
@@ -10685,7 +10685,7 @@
           <a:p>
             <a:fld id="{8102BAB4-8B8D-41DD-85C7-81A0CA962007}" type="datetimeFigureOut">
               <a:rPr lang="en-US" smtClean="0"/>
-              <a:t>12/3/2025</a:t>
+              <a:t>12/6/25</a:t>
             </a:fld>
             <a:endParaRPr lang="en-US"/>
           </a:p>
@@ -10848,7 +10848,7 @@
           <a:p>
             <a:fld id="{8102BAB4-8B8D-41DD-85C7-81A0CA962007}" type="datetimeFigureOut">
               <a:rPr lang="en-US" smtClean="0"/>
-              <a:t>12/3/2025</a:t>
+              <a:t>12/6/25</a:t>
             </a:fld>
             <a:endParaRPr lang="en-US"/>
           </a:p>
@@ -11021,7 +11021,7 @@
           <a:p>
             <a:fld id="{8102BAB4-8B8D-41DD-85C7-81A0CA962007}" type="datetimeFigureOut">
               <a:rPr lang="en-US" smtClean="0"/>
-              <a:t>12/3/2025</a:t>
+              <a:t>12/6/25</a:t>
             </a:fld>
             <a:endParaRPr lang="en-US"/>
           </a:p>
@@ -11184,7 +11184,7 @@
           <a:p>
             <a:fld id="{8102BAB4-8B8D-41DD-85C7-81A0CA962007}" type="datetimeFigureOut">
               <a:rPr lang="en-US" smtClean="0"/>
-              <a:t>12/3/2025</a:t>
+              <a:t>12/6/25</a:t>
             </a:fld>
             <a:endParaRPr lang="en-US"/>
           </a:p>
@@ -11424,7 +11424,7 @@
           <a:p>
             <a:fld id="{8102BAB4-8B8D-41DD-85C7-81A0CA962007}" type="datetimeFigureOut">
               <a:rPr lang="en-US" smtClean="0"/>
-              <a:t>12/3/2025</a:t>
+              <a:t>12/6/25</a:t>
             </a:fld>
             <a:endParaRPr lang="en-US"/>
           </a:p>
@@ -11704,7 +11704,7 @@
           <a:p>
             <a:fld id="{8102BAB4-8B8D-41DD-85C7-81A0CA962007}" type="datetimeFigureOut">
               <a:rPr lang="en-US" smtClean="0"/>
-              <a:t>12/3/2025</a:t>
+              <a:t>12/6/25</a:t>
             </a:fld>
             <a:endParaRPr lang="en-US"/>
           </a:p>
@@ -12118,7 +12118,7 @@
           <a:p>
             <a:fld id="{8102BAB4-8B8D-41DD-85C7-81A0CA962007}" type="datetimeFigureOut">
               <a:rPr lang="en-US" smtClean="0"/>
-              <a:t>12/3/2025</a:t>
+              <a:t>12/6/25</a:t>
             </a:fld>
             <a:endParaRPr lang="en-US"/>
           </a:p>
@@ -12230,7 +12230,7 @@
           <a:p>
             <a:fld id="{8102BAB4-8B8D-41DD-85C7-81A0CA962007}" type="datetimeFigureOut">
               <a:rPr lang="en-US" smtClean="0"/>
-              <a:t>12/3/2025</a:t>
+              <a:t>12/6/25</a:t>
             </a:fld>
             <a:endParaRPr lang="en-US"/>
           </a:p>
@@ -12320,7 +12320,7 @@
           <a:p>
             <a:fld id="{8102BAB4-8B8D-41DD-85C7-81A0CA962007}" type="datetimeFigureOut">
               <a:rPr lang="en-US" smtClean="0"/>
-              <a:t>12/3/2025</a:t>
+              <a:t>12/6/25</a:t>
             </a:fld>
             <a:endParaRPr lang="en-US"/>
           </a:p>
@@ -12590,7 +12590,7 @@
           <a:p>
             <a:fld id="{8102BAB4-8B8D-41DD-85C7-81A0CA962007}" type="datetimeFigureOut">
               <a:rPr lang="en-US" smtClean="0"/>
-              <a:t>12/3/2025</a:t>
+              <a:t>12/6/25</a:t>
             </a:fld>
             <a:endParaRPr lang="en-US"/>
           </a:p>
@@ -12837,7 +12837,7 @@
           <a:p>
             <a:fld id="{8102BAB4-8B8D-41DD-85C7-81A0CA962007}" type="datetimeFigureOut">
               <a:rPr lang="en-US" smtClean="0"/>
-              <a:t>12/3/2025</a:t>
+              <a:t>12/6/25</a:t>
             </a:fld>
             <a:endParaRPr lang="en-US"/>
           </a:p>
@@ -13043,7 +13043,7 @@
           <a:p>
             <a:fld id="{8102BAB4-8B8D-41DD-85C7-81A0CA962007}" type="datetimeFigureOut">
               <a:rPr lang="en-US" smtClean="0"/>
-              <a:t>12/3/2025</a:t>
+              <a:t>12/6/25</a:t>
             </a:fld>
             <a:endParaRPr lang="en-US"/>
           </a:p>
@@ -13930,7 +13930,7 @@
         </p:nvSpPr>
         <p:spPr>
           <a:xfrm>
-            <a:off x="818078" y="4254554"/>
+            <a:off x="818078" y="4813653"/>
             <a:ext cx="36671250" cy="732260"/>
           </a:xfrm>
           <a:prstGeom prst="rect">
@@ -14076,7 +14076,7 @@
         </p:nvSpPr>
         <p:spPr>
           <a:xfrm>
-            <a:off x="800100" y="5225661"/>
+            <a:off x="784740" y="5513731"/>
             <a:ext cx="36737926" cy="577081"/>
           </a:xfrm>
           <a:prstGeom prst="rect">
@@ -17081,12 +17081,11 @@
 </file>
 
 <file path=customXml/item1.xml><?xml version="1.0" encoding="utf-8"?>
-<?mso-contentType ?>
-<FormTemplates xmlns="http://schemas.microsoft.com/sharepoint/v3/contenttype/forms">
-  <Display>DocumentLibraryForm</Display>
-  <Edit>DocumentLibraryForm</Edit>
-  <New>DocumentLibraryForm</New>
-</FormTemplates>
+<p:properties xmlns:p="http://schemas.microsoft.com/office/2006/metadata/properties" xmlns:xsi="http://www.w3.org/2001/XMLSchema-instance" xmlns:pc="http://schemas.microsoft.com/office/infopath/2007/PartnerControls">
+  <documentManagement>
+    <_activity xmlns="4a8057ab-f439-4764-a97c-4bf49cdf7355" xsi:nil="true"/>
+  </documentManagement>
+</p:properties>
 </file>
 
 <file path=customXml/item2.xml><?xml version="1.0" encoding="utf-8"?>
@@ -17285,17 +17284,27 @@
 </file>
 
 <file path=customXml/item3.xml><?xml version="1.0" encoding="utf-8"?>
-<p:properties xmlns:p="http://schemas.microsoft.com/office/2006/metadata/properties" xmlns:xsi="http://www.w3.org/2001/XMLSchema-instance" xmlns:pc="http://schemas.microsoft.com/office/infopath/2007/PartnerControls">
-  <documentManagement>
-    <_activity xmlns="4a8057ab-f439-4764-a97c-4bf49cdf7355" xsi:nil="true"/>
-  </documentManagement>
-</p:properties>
+<?mso-contentType ?>
+<FormTemplates xmlns="http://schemas.microsoft.com/sharepoint/v3/contenttype/forms">
+  <Display>DocumentLibraryForm</Display>
+  <Edit>DocumentLibraryForm</Edit>
+  <New>DocumentLibraryForm</New>
+</FormTemplates>
 </file>
 
 <file path=customXml/itemProps1.xml><?xml version="1.0" encoding="utf-8"?>
-<ds:datastoreItem xmlns:ds="http://schemas.openxmlformats.org/officeDocument/2006/customXml" ds:itemID="{2EAA44C3-3866-494C-9120-7B42F7968B8D}">
+<ds:datastoreItem xmlns:ds="http://schemas.openxmlformats.org/officeDocument/2006/customXml" ds:itemID="{43ED6497-CB12-4BE5-A6D8-27969E015944}">
   <ds:schemaRefs>
-    <ds:schemaRef ds:uri="http://schemas.microsoft.com/sharepoint/v3/contenttype/forms"/>
+    <ds:schemaRef ds:uri="http://schemas.microsoft.com/office/infopath/2007/PartnerControls"/>
+    <ds:schemaRef ds:uri="http://www.w3.org/XML/1998/namespace"/>
+    <ds:schemaRef ds:uri="http://purl.org/dc/terms/"/>
+    <ds:schemaRef ds:uri="44f54941-32f9-4fbd-8504-058d13ff35bf"/>
+    <ds:schemaRef ds:uri="4a8057ab-f439-4764-a97c-4bf49cdf7355"/>
+    <ds:schemaRef ds:uri="http://purl.org/dc/elements/1.1/"/>
+    <ds:schemaRef ds:uri="http://schemas.microsoft.com/office/2006/documentManagement/types"/>
+    <ds:schemaRef ds:uri="http://schemas.openxmlformats.org/package/2006/metadata/core-properties"/>
+    <ds:schemaRef ds:uri="http://schemas.microsoft.com/office/2006/metadata/properties"/>
+    <ds:schemaRef ds:uri="http://purl.org/dc/dcmitype/"/>
   </ds:schemaRefs>
 </ds:datastoreItem>
 </file>
@@ -17320,18 +17329,9 @@
 </file>
 
 <file path=customXml/itemProps3.xml><?xml version="1.0" encoding="utf-8"?>
-<ds:datastoreItem xmlns:ds="http://schemas.openxmlformats.org/officeDocument/2006/customXml" ds:itemID="{43ED6497-CB12-4BE5-A6D8-27969E015944}">
+<ds:datastoreItem xmlns:ds="http://schemas.openxmlformats.org/officeDocument/2006/customXml" ds:itemID="{2EAA44C3-3866-494C-9120-7B42F7968B8D}">
   <ds:schemaRefs>
-    <ds:schemaRef ds:uri="http://schemas.microsoft.com/office/infopath/2007/PartnerControls"/>
-    <ds:schemaRef ds:uri="http://www.w3.org/XML/1998/namespace"/>
-    <ds:schemaRef ds:uri="http://purl.org/dc/terms/"/>
-    <ds:schemaRef ds:uri="44f54941-32f9-4fbd-8504-058d13ff35bf"/>
-    <ds:schemaRef ds:uri="4a8057ab-f439-4764-a97c-4bf49cdf7355"/>
-    <ds:schemaRef ds:uri="http://purl.org/dc/elements/1.1/"/>
-    <ds:schemaRef ds:uri="http://schemas.microsoft.com/office/2006/documentManagement/types"/>
-    <ds:schemaRef ds:uri="http://schemas.openxmlformats.org/package/2006/metadata/core-properties"/>
-    <ds:schemaRef ds:uri="http://schemas.microsoft.com/office/2006/metadata/properties"/>
-    <ds:schemaRef ds:uri="http://purl.org/dc/dcmitype/"/>
+    <ds:schemaRef ds:uri="http://schemas.microsoft.com/sharepoint/v3/contenttype/forms"/>
   </ds:schemaRefs>
 </ds:datastoreItem>
 </file>